--- a/labs/Graphics.pptx
+++ b/labs/Graphics.pptx
@@ -5,10 +5,14 @@
     <p:sldMasterId id="2147483648" r:id="rId1"/>
   </p:sldMasterIdLst>
   <p:sldIdLst>
-    <p:sldId id="256" r:id="rId2"/>
-    <p:sldId id="258" r:id="rId3"/>
-    <p:sldId id="260" r:id="rId4"/>
-    <p:sldId id="259" r:id="rId5"/>
+    <p:sldId id="261" r:id="rId2"/>
+    <p:sldId id="262" r:id="rId3"/>
+    <p:sldId id="258" r:id="rId4"/>
+    <p:sldId id="260" r:id="rId5"/>
+    <p:sldId id="263" r:id="rId6"/>
+    <p:sldId id="259" r:id="rId7"/>
+    <p:sldId id="264" r:id="rId8"/>
+    <p:sldId id="265" r:id="rId9"/>
   </p:sldIdLst>
   <p:sldSz cx="12192000" cy="6858000"/>
   <p:notesSz cx="6858000" cy="9144000"/>
@@ -246,7 +250,7 @@
           <a:p>
             <a:fld id="{6CA414E0-53BB-4011-8980-BAAB07B3D5D9}" type="datetimeFigureOut">
               <a:rPr lang="de-CH" smtClean="0"/>
-              <a:t>15.08.2014</a:t>
+              <a:t>19.08.2014</a:t>
             </a:fld>
             <a:endParaRPr lang="de-CH"/>
           </a:p>
@@ -416,7 +420,7 @@
           <a:p>
             <a:fld id="{6CA414E0-53BB-4011-8980-BAAB07B3D5D9}" type="datetimeFigureOut">
               <a:rPr lang="de-CH" smtClean="0"/>
-              <a:t>15.08.2014</a:t>
+              <a:t>19.08.2014</a:t>
             </a:fld>
             <a:endParaRPr lang="de-CH"/>
           </a:p>
@@ -596,7 +600,7 @@
           <a:p>
             <a:fld id="{6CA414E0-53BB-4011-8980-BAAB07B3D5D9}" type="datetimeFigureOut">
               <a:rPr lang="de-CH" smtClean="0"/>
-              <a:t>15.08.2014</a:t>
+              <a:t>19.08.2014</a:t>
             </a:fld>
             <a:endParaRPr lang="de-CH"/>
           </a:p>
@@ -766,7 +770,7 @@
           <a:p>
             <a:fld id="{6CA414E0-53BB-4011-8980-BAAB07B3D5D9}" type="datetimeFigureOut">
               <a:rPr lang="de-CH" smtClean="0"/>
-              <a:t>15.08.2014</a:t>
+              <a:t>19.08.2014</a:t>
             </a:fld>
             <a:endParaRPr lang="de-CH"/>
           </a:p>
@@ -1012,7 +1016,7 @@
           <a:p>
             <a:fld id="{6CA414E0-53BB-4011-8980-BAAB07B3D5D9}" type="datetimeFigureOut">
               <a:rPr lang="de-CH" smtClean="0"/>
-              <a:t>15.08.2014</a:t>
+              <a:t>19.08.2014</a:t>
             </a:fld>
             <a:endParaRPr lang="de-CH"/>
           </a:p>
@@ -1244,7 +1248,7 @@
           <a:p>
             <a:fld id="{6CA414E0-53BB-4011-8980-BAAB07B3D5D9}" type="datetimeFigureOut">
               <a:rPr lang="de-CH" smtClean="0"/>
-              <a:t>15.08.2014</a:t>
+              <a:t>19.08.2014</a:t>
             </a:fld>
             <a:endParaRPr lang="de-CH"/>
           </a:p>
@@ -1611,7 +1615,7 @@
           <a:p>
             <a:fld id="{6CA414E0-53BB-4011-8980-BAAB07B3D5D9}" type="datetimeFigureOut">
               <a:rPr lang="de-CH" smtClean="0"/>
-              <a:t>15.08.2014</a:t>
+              <a:t>19.08.2014</a:t>
             </a:fld>
             <a:endParaRPr lang="de-CH"/>
           </a:p>
@@ -1729,7 +1733,7 @@
           <a:p>
             <a:fld id="{6CA414E0-53BB-4011-8980-BAAB07B3D5D9}" type="datetimeFigureOut">
               <a:rPr lang="de-CH" smtClean="0"/>
-              <a:t>15.08.2014</a:t>
+              <a:t>19.08.2014</a:t>
             </a:fld>
             <a:endParaRPr lang="de-CH"/>
           </a:p>
@@ -1824,7 +1828,7 @@
           <a:p>
             <a:fld id="{6CA414E0-53BB-4011-8980-BAAB07B3D5D9}" type="datetimeFigureOut">
               <a:rPr lang="de-CH" smtClean="0"/>
-              <a:t>15.08.2014</a:t>
+              <a:t>19.08.2014</a:t>
             </a:fld>
             <a:endParaRPr lang="de-CH"/>
           </a:p>
@@ -2101,7 +2105,7 @@
           <a:p>
             <a:fld id="{6CA414E0-53BB-4011-8980-BAAB07B3D5D9}" type="datetimeFigureOut">
               <a:rPr lang="de-CH" smtClean="0"/>
-              <a:t>15.08.2014</a:t>
+              <a:t>19.08.2014</a:t>
             </a:fld>
             <a:endParaRPr lang="de-CH"/>
           </a:p>
@@ -2354,7 +2358,7 @@
           <a:p>
             <a:fld id="{6CA414E0-53BB-4011-8980-BAAB07B3D5D9}" type="datetimeFigureOut">
               <a:rPr lang="de-CH" smtClean="0"/>
-              <a:t>15.08.2014</a:t>
+              <a:t>19.08.2014</a:t>
             </a:fld>
             <a:endParaRPr lang="de-CH"/>
           </a:p>
@@ -2567,7 +2571,7 @@
           <a:p>
             <a:fld id="{6CA414E0-53BB-4011-8980-BAAB07B3D5D9}" type="datetimeFigureOut">
               <a:rPr lang="de-CH" smtClean="0"/>
-              <a:t>15.08.2014</a:t>
+              <a:t>19.08.2014</a:t>
             </a:fld>
             <a:endParaRPr lang="de-CH"/>
           </a:p>
@@ -3265,8 +3269,8 @@
         </p:nvSpPr>
         <p:spPr>
           <a:xfrm>
-            <a:off x="9521587" y="3255774"/>
-            <a:ext cx="1147557" cy="523220"/>
+            <a:off x="8997603" y="3305065"/>
+            <a:ext cx="2024785" cy="523220"/>
           </a:xfrm>
           <a:prstGeom prst="rect">
             <a:avLst/>
@@ -3287,7 +3291,17 @@
                 <a:latin typeface="Segoe UI Light" panose="020B0502040204020203" pitchFamily="34" charset="0"/>
                 <a:cs typeface="Segoe UI Light" panose="020B0502040204020203" pitchFamily="34" charset="0"/>
               </a:rPr>
-              <a:t>Server</a:t>
+              <a:t>Worker </a:t>
+            </a:r>
+            <a:r>
+              <a:rPr lang="de-CH" sz="2800" dirty="0" err="1" smtClean="0">
+                <a:solidFill>
+                  <a:srgbClr val="616161"/>
+                </a:solidFill>
+                <a:latin typeface="Segoe UI Light" panose="020B0502040204020203" pitchFamily="34" charset="0"/>
+                <a:cs typeface="Segoe UI Light" panose="020B0502040204020203" pitchFamily="34" charset="0"/>
+              </a:rPr>
+              <a:t>Role</a:t>
             </a:r>
             <a:endParaRPr lang="de-CH" sz="2800" dirty="0">
               <a:solidFill>
@@ -3661,7 +3675,7 @@
     </p:spTree>
     <p:extLst>
       <p:ext uri="{BB962C8B-B14F-4D97-AF65-F5344CB8AC3E}">
-        <p14:creationId xmlns:p14="http://schemas.microsoft.com/office/powerpoint/2010/main" val="3445509597"/>
+        <p14:creationId xmlns:p14="http://schemas.microsoft.com/office/powerpoint/2010/main" val="1136746527"/>
       </p:ext>
     </p:extLst>
   </p:cSld>
@@ -3690,7 +3704,7 @@
       </p:grpSpPr>
       <p:sp>
         <p:nvSpPr>
-          <p:cNvPr id="22" name="Freeform 7"/>
+          <p:cNvPr id="8" name="Freeform 7"/>
           <p:cNvSpPr>
             <a:spLocks/>
           </p:cNvSpPr>
@@ -3698,8 +3712,8 @@
         </p:nvSpPr>
         <p:spPr bwMode="auto">
           <a:xfrm flipH="1">
-            <a:off x="2826597" y="215152"/>
-            <a:ext cx="8974877" cy="4814047"/>
+            <a:off x="3224977" y="273156"/>
+            <a:ext cx="8414572" cy="3965469"/>
           </a:xfrm>
           <a:custGeom>
             <a:avLst/>
@@ -3883,16 +3897,185 @@
           </a:p>
         </p:txBody>
       </p:sp>
+      <p:pic>
+        <p:nvPicPr>
+          <p:cNvPr id="9" name="Grafik 8"/>
+          <p:cNvPicPr>
+            <a:picLocks noChangeAspect="1"/>
+          </p:cNvPicPr>
+          <p:nvPr/>
+        </p:nvPicPr>
+        <p:blipFill>
+          <a:blip r:embed="rId2"/>
+          <a:stretch>
+            <a:fillRect/>
+          </a:stretch>
+        </p:blipFill>
+        <p:spPr>
+          <a:xfrm>
+            <a:off x="1145450" y="3828285"/>
+            <a:ext cx="1236065" cy="1612181"/>
+          </a:xfrm>
+          <a:prstGeom prst="rect">
+            <a:avLst/>
+          </a:prstGeom>
+        </p:spPr>
+      </p:pic>
+      <p:pic>
+        <p:nvPicPr>
+          <p:cNvPr id="10" name="Grafik 9"/>
+          <p:cNvPicPr>
+            <a:picLocks noChangeAspect="1"/>
+          </p:cNvPicPr>
+          <p:nvPr/>
+        </p:nvPicPr>
+        <p:blipFill>
+          <a:blip r:embed="rId3"/>
+          <a:stretch>
+            <a:fillRect/>
+          </a:stretch>
+        </p:blipFill>
+        <p:spPr>
+          <a:xfrm>
+            <a:off x="9416360" y="1624646"/>
+            <a:ext cx="1187273" cy="1612181"/>
+          </a:xfrm>
+          <a:prstGeom prst="rect">
+            <a:avLst/>
+          </a:prstGeom>
+        </p:spPr>
+      </p:pic>
+      <p:sp>
+        <p:nvSpPr>
+          <p:cNvPr id="12" name="Textfeld 11"/>
+          <p:cNvSpPr txBox="1"/>
+          <p:nvPr/>
+        </p:nvSpPr>
+        <p:spPr>
+          <a:xfrm>
+            <a:off x="1140628" y="5610122"/>
+            <a:ext cx="1035861" cy="523220"/>
+          </a:xfrm>
+          <a:prstGeom prst="rect">
+            <a:avLst/>
+          </a:prstGeom>
+          <a:noFill/>
+        </p:spPr>
+        <p:txBody>
+          <a:bodyPr wrap="none" rtlCol="0">
+            <a:spAutoFit/>
+          </a:bodyPr>
+          <a:lstStyle/>
+          <a:p>
+            <a:r>
+              <a:rPr lang="de-CH" sz="2800" dirty="0" smtClean="0">
+                <a:solidFill>
+                  <a:srgbClr val="616161"/>
+                </a:solidFill>
+                <a:latin typeface="Segoe UI Light" panose="020B0502040204020203" pitchFamily="34" charset="0"/>
+                <a:cs typeface="Segoe UI Light" panose="020B0502040204020203" pitchFamily="34" charset="0"/>
+              </a:rPr>
+              <a:t>Client</a:t>
+            </a:r>
+            <a:endParaRPr lang="de-CH" sz="2800" dirty="0">
+              <a:solidFill>
+                <a:srgbClr val="616161"/>
+              </a:solidFill>
+              <a:latin typeface="Segoe UI Light" panose="020B0502040204020203" pitchFamily="34" charset="0"/>
+              <a:cs typeface="Segoe UI Light" panose="020B0502040204020203" pitchFamily="34" charset="0"/>
+            </a:endParaRPr>
+          </a:p>
+        </p:txBody>
+      </p:sp>
+      <p:sp>
+        <p:nvSpPr>
+          <p:cNvPr id="13" name="Textfeld 12"/>
+          <p:cNvSpPr txBox="1"/>
+          <p:nvPr/>
+        </p:nvSpPr>
+        <p:spPr>
+          <a:xfrm>
+            <a:off x="9521587" y="3255774"/>
+            <a:ext cx="1147557" cy="523220"/>
+          </a:xfrm>
+          <a:prstGeom prst="rect">
+            <a:avLst/>
+          </a:prstGeom>
+          <a:noFill/>
+        </p:spPr>
+        <p:txBody>
+          <a:bodyPr wrap="none" rtlCol="0">
+            <a:spAutoFit/>
+          </a:bodyPr>
+          <a:lstStyle/>
+          <a:p>
+            <a:r>
+              <a:rPr lang="de-CH" sz="2800" dirty="0" smtClean="0">
+                <a:solidFill>
+                  <a:srgbClr val="616161"/>
+                </a:solidFill>
+                <a:latin typeface="Segoe UI Light" panose="020B0502040204020203" pitchFamily="34" charset="0"/>
+                <a:cs typeface="Segoe UI Light" panose="020B0502040204020203" pitchFamily="34" charset="0"/>
+              </a:rPr>
+              <a:t>Server</a:t>
+            </a:r>
+            <a:endParaRPr lang="de-CH" sz="2800" dirty="0">
+              <a:solidFill>
+                <a:srgbClr val="616161"/>
+              </a:solidFill>
+              <a:latin typeface="Segoe UI Light" panose="020B0502040204020203" pitchFamily="34" charset="0"/>
+              <a:cs typeface="Segoe UI Light" panose="020B0502040204020203" pitchFamily="34" charset="0"/>
+            </a:endParaRPr>
+          </a:p>
+        </p:txBody>
+      </p:sp>
       <p:cxnSp>
         <p:nvCxnSpPr>
-          <p:cNvPr id="23" name="Gerade Verbindung mit Pfeil 22"/>
+          <p:cNvPr id="14" name="Gerade Verbindung mit Pfeil 13"/>
           <p:cNvCxnSpPr/>
           <p:nvPr/>
         </p:nvCxnSpPr>
         <p:spPr>
-          <a:xfrm>
-            <a:off x="6380891" y="3102650"/>
-            <a:ext cx="3448909" cy="609805"/>
+          <a:xfrm flipV="1">
+            <a:off x="2249045" y="2460894"/>
+            <a:ext cx="2900447" cy="1397962"/>
+          </a:xfrm>
+          <a:prstGeom prst="straightConnector1">
+            <a:avLst/>
+          </a:prstGeom>
+          <a:ln w="31750">
+            <a:solidFill>
+              <a:schemeClr val="accent2"/>
+            </a:solidFill>
+            <a:headEnd type="none"/>
+            <a:tailEnd type="triangle"/>
+          </a:ln>
+        </p:spPr>
+        <p:style>
+          <a:lnRef idx="1">
+            <a:schemeClr val="accent1"/>
+          </a:lnRef>
+          <a:fillRef idx="0">
+            <a:schemeClr val="accent1"/>
+          </a:fillRef>
+          <a:effectRef idx="0">
+            <a:schemeClr val="accent1"/>
+          </a:effectRef>
+          <a:fontRef idx="minor">
+            <a:schemeClr val="tx1"/>
+          </a:fontRef>
+        </p:style>
+      </p:cxnSp>
+      <p:cxnSp>
+        <p:nvCxnSpPr>
+          <p:cNvPr id="15" name="Gerade Verbindung mit Pfeil 14"/>
+          <p:cNvCxnSpPr/>
+          <p:nvPr/>
+        </p:nvCxnSpPr>
+        <p:spPr>
+          <a:xfrm>
+            <a:off x="6753610" y="2460894"/>
+            <a:ext cx="2476116" cy="11737"/>
           </a:xfrm>
           <a:prstGeom prst="straightConnector1">
             <a:avLst/>
@@ -3922,154 +4105,14 @@
       </p:cxnSp>
       <p:pic>
         <p:nvPicPr>
-          <p:cNvPr id="24" name="Grafik 23"/>
+          <p:cNvPr id="19" name="Picture 67"/>
           <p:cNvPicPr>
             <a:picLocks noChangeAspect="1"/>
           </p:cNvPicPr>
           <p:nvPr/>
         </p:nvPicPr>
         <p:blipFill>
-          <a:blip r:embed="rId2"/>
-          <a:stretch>
-            <a:fillRect/>
-          </a:stretch>
-        </p:blipFill>
-        <p:spPr>
-          <a:xfrm>
-            <a:off x="530629" y="4140305"/>
-            <a:ext cx="1364717" cy="1779980"/>
-          </a:xfrm>
-          <a:prstGeom prst="rect">
-            <a:avLst/>
-          </a:prstGeom>
-        </p:spPr>
-      </p:pic>
-      <p:sp>
-        <p:nvSpPr>
-          <p:cNvPr id="27" name="Textfeld 26"/>
-          <p:cNvSpPr txBox="1"/>
-          <p:nvPr/>
-        </p:nvSpPr>
-        <p:spPr>
-          <a:xfrm>
-            <a:off x="525305" y="6107599"/>
-            <a:ext cx="1035860" cy="523219"/>
-          </a:xfrm>
-          <a:prstGeom prst="rect">
-            <a:avLst/>
-          </a:prstGeom>
-          <a:noFill/>
-        </p:spPr>
-        <p:txBody>
-          <a:bodyPr wrap="none" rtlCol="0">
-            <a:spAutoFit/>
-          </a:bodyPr>
-          <a:lstStyle/>
-          <a:p>
-            <a:r>
-              <a:rPr lang="de-CH" sz="2800" dirty="0" smtClean="0">
-                <a:solidFill>
-                  <a:srgbClr val="606060"/>
-                </a:solidFill>
-                <a:latin typeface="Segoe UI Light" panose="020B0502040204020203" pitchFamily="34" charset="0"/>
-                <a:cs typeface="Segoe UI Light" panose="020B0502040204020203" pitchFamily="34" charset="0"/>
-              </a:rPr>
-              <a:t>Client</a:t>
-            </a:r>
-            <a:endParaRPr lang="de-CH" sz="2800" dirty="0">
-              <a:solidFill>
-                <a:srgbClr val="606060"/>
-              </a:solidFill>
-              <a:latin typeface="Segoe UI Light" panose="020B0502040204020203" pitchFamily="34" charset="0"/>
-              <a:cs typeface="Segoe UI Light" panose="020B0502040204020203" pitchFamily="34" charset="0"/>
-            </a:endParaRPr>
-          </a:p>
-        </p:txBody>
-      </p:sp>
-      <p:cxnSp>
-        <p:nvCxnSpPr>
-          <p:cNvPr id="29" name="Gerade Verbindung mit Pfeil 28"/>
-          <p:cNvCxnSpPr/>
-          <p:nvPr/>
-        </p:nvCxnSpPr>
-        <p:spPr>
-          <a:xfrm flipV="1">
-            <a:off x="1749088" y="2031239"/>
-            <a:ext cx="3001587" cy="2142820"/>
-          </a:xfrm>
-          <a:prstGeom prst="straightConnector1">
-            <a:avLst/>
-          </a:prstGeom>
-          <a:ln w="31750">
-            <a:solidFill>
-              <a:schemeClr val="accent2"/>
-            </a:solidFill>
-            <a:headEnd type="none"/>
-            <a:tailEnd type="triangle"/>
-          </a:ln>
-        </p:spPr>
-        <p:style>
-          <a:lnRef idx="1">
-            <a:schemeClr val="accent1"/>
-          </a:lnRef>
-          <a:fillRef idx="0">
-            <a:schemeClr val="accent1"/>
-          </a:fillRef>
-          <a:effectRef idx="0">
-            <a:schemeClr val="accent1"/>
-          </a:effectRef>
-          <a:fontRef idx="minor">
-            <a:schemeClr val="tx1"/>
-          </a:fontRef>
-        </p:style>
-      </p:cxnSp>
-      <p:cxnSp>
-        <p:nvCxnSpPr>
-          <p:cNvPr id="30" name="Gerade Verbindung mit Pfeil 29"/>
-          <p:cNvCxnSpPr/>
-          <p:nvPr/>
-        </p:nvCxnSpPr>
-        <p:spPr>
-          <a:xfrm flipV="1">
-            <a:off x="6380891" y="2971293"/>
-            <a:ext cx="2535696" cy="131360"/>
-          </a:xfrm>
-          <a:prstGeom prst="straightConnector1">
-            <a:avLst/>
-          </a:prstGeom>
-          <a:ln w="31750">
-            <a:solidFill>
-              <a:schemeClr val="accent2"/>
-            </a:solidFill>
-            <a:headEnd type="none"/>
-            <a:tailEnd type="triangle"/>
-          </a:ln>
-        </p:spPr>
-        <p:style>
-          <a:lnRef idx="1">
-            <a:schemeClr val="accent1"/>
-          </a:lnRef>
-          <a:fillRef idx="0">
-            <a:schemeClr val="accent1"/>
-          </a:fillRef>
-          <a:effectRef idx="0">
-            <a:schemeClr val="accent1"/>
-          </a:effectRef>
-          <a:fontRef idx="minor">
-            <a:schemeClr val="tx1"/>
-          </a:fontRef>
-        </p:style>
-      </p:cxnSp>
-      <p:pic>
-        <p:nvPicPr>
-          <p:cNvPr id="34" name="Picture 67"/>
-          <p:cNvPicPr>
-            <a:picLocks noChangeAspect="1"/>
-          </p:cNvPicPr>
-          <p:nvPr/>
-        </p:nvPicPr>
-        <p:blipFill>
-          <a:blip r:embed="rId3">
+          <a:blip r:embed="rId4">
             <a:extLst>
               <a:ext uri="{28A0092B-C50C-407E-A947-70E740481C1C}">
                 <a14:useLocalDpi xmlns:a14="http://schemas.microsoft.com/office/drawing/2010/main" val="0"/>
@@ -4083,8 +4126,8 @@
         </p:blipFill>
         <p:spPr bwMode="auto">
           <a:xfrm>
-            <a:off x="3370332" y="2276375"/>
-            <a:ext cx="299490" cy="400183"/>
+            <a:off x="2614199" y="2912326"/>
+            <a:ext cx="352478" cy="470987"/>
           </a:xfrm>
           <a:prstGeom prst="rect">
             <a:avLst/>
@@ -4116,14 +4159,14 @@
       </p:pic>
       <p:pic>
         <p:nvPicPr>
-          <p:cNvPr id="35" name="Picture 67"/>
+          <p:cNvPr id="20" name="Picture 67"/>
           <p:cNvPicPr>
             <a:picLocks noChangeAspect="1"/>
           </p:cNvPicPr>
           <p:nvPr/>
         </p:nvPicPr>
         <p:blipFill>
-          <a:blip r:embed="rId3">
+          <a:blip r:embed="rId4">
             <a:extLst>
               <a:ext uri="{28A0092B-C50C-407E-A947-70E740481C1C}">
                 <a14:useLocalDpi xmlns:a14="http://schemas.microsoft.com/office/drawing/2010/main" val="0"/>
@@ -4137,8 +4180,8 @@
         </p:blipFill>
         <p:spPr bwMode="auto">
           <a:xfrm>
-            <a:off x="6940140" y="1268764"/>
-            <a:ext cx="385624" cy="515277"/>
+            <a:off x="7924800" y="1886322"/>
+            <a:ext cx="370986" cy="495718"/>
           </a:xfrm>
           <a:prstGeom prst="rect">
             <a:avLst/>
@@ -4168,125 +4211,16 @@
           </a:extLst>
         </p:spPr>
       </p:pic>
-      <p:pic>
-        <p:nvPicPr>
-          <p:cNvPr id="41" name="Grafik 40"/>
-          <p:cNvPicPr>
-            <a:picLocks noChangeAspect="1"/>
-          </p:cNvPicPr>
-          <p:nvPr/>
-        </p:nvPicPr>
-        <p:blipFill>
-          <a:blip r:embed="rId4"/>
-          <a:stretch>
-            <a:fillRect/>
-          </a:stretch>
-        </p:blipFill>
-        <p:spPr>
-          <a:xfrm>
-            <a:off x="9163896" y="2210125"/>
-            <a:ext cx="846568" cy="1149543"/>
-          </a:xfrm>
-          <a:prstGeom prst="rect">
-            <a:avLst/>
-          </a:prstGeom>
-        </p:spPr>
-      </p:pic>
-      <p:pic>
-        <p:nvPicPr>
-          <p:cNvPr id="42" name="Grafik 41"/>
-          <p:cNvPicPr>
-            <a:picLocks noChangeAspect="1"/>
-          </p:cNvPicPr>
-          <p:nvPr/>
-        </p:nvPicPr>
-        <p:blipFill>
-          <a:blip r:embed="rId4"/>
-          <a:stretch>
-            <a:fillRect/>
-          </a:stretch>
-        </p:blipFill>
-        <p:spPr>
-          <a:xfrm>
-            <a:off x="9565119" y="2439272"/>
-            <a:ext cx="846568" cy="1149543"/>
-          </a:xfrm>
-          <a:prstGeom prst="rect">
-            <a:avLst/>
-          </a:prstGeom>
-        </p:spPr>
-      </p:pic>
-      <p:pic>
-        <p:nvPicPr>
-          <p:cNvPr id="43" name="Grafik 42"/>
-          <p:cNvPicPr>
-            <a:picLocks noChangeAspect="1"/>
-          </p:cNvPicPr>
-          <p:nvPr/>
-        </p:nvPicPr>
-        <p:blipFill>
-          <a:blip r:embed="rId4"/>
-          <a:stretch>
-            <a:fillRect/>
-          </a:stretch>
-        </p:blipFill>
-        <p:spPr>
-          <a:xfrm>
-            <a:off x="9983744" y="2676558"/>
-            <a:ext cx="846568" cy="1149543"/>
-          </a:xfrm>
-          <a:prstGeom prst="rect">
-            <a:avLst/>
-          </a:prstGeom>
-        </p:spPr>
-      </p:pic>
-      <p:cxnSp>
-        <p:nvCxnSpPr>
-          <p:cNvPr id="44" name="Gerade Verbindung mit Pfeil 43"/>
-          <p:cNvCxnSpPr/>
-          <p:nvPr/>
-        </p:nvCxnSpPr>
-        <p:spPr>
-          <a:xfrm>
-            <a:off x="6221495" y="1757588"/>
-            <a:ext cx="2942401" cy="601931"/>
-          </a:xfrm>
-          <a:prstGeom prst="straightConnector1">
-            <a:avLst/>
-          </a:prstGeom>
-          <a:ln w="31750">
-            <a:solidFill>
-              <a:schemeClr val="accent2"/>
-            </a:solidFill>
-            <a:headEnd type="triangle"/>
-            <a:tailEnd type="triangle"/>
-          </a:ln>
-        </p:spPr>
-        <p:style>
-          <a:lnRef idx="1">
-            <a:schemeClr val="accent1"/>
-          </a:lnRef>
-          <a:fillRef idx="0">
-            <a:schemeClr val="accent1"/>
-          </a:fillRef>
-          <a:effectRef idx="0">
-            <a:schemeClr val="accent1"/>
-          </a:effectRef>
-          <a:fontRef idx="minor">
-            <a:schemeClr val="tx1"/>
-          </a:fontRef>
-        </p:style>
-      </p:cxnSp>
       <p:sp>
         <p:nvSpPr>
-          <p:cNvPr id="45" name="Textfeld 44"/>
+          <p:cNvPr id="21" name="Textfeld 20"/>
           <p:cNvSpPr txBox="1"/>
           <p:nvPr/>
         </p:nvSpPr>
         <p:spPr>
           <a:xfrm>
-            <a:off x="3345341" y="433017"/>
-            <a:ext cx="2325508" cy="523220"/>
+            <a:off x="3598696" y="1239414"/>
+            <a:ext cx="2259593" cy="523220"/>
           </a:xfrm>
           <a:prstGeom prst="rect">
             <a:avLst/>
@@ -4300,28 +4234,18 @@
           <a:lstStyle/>
           <a:p>
             <a:r>
-              <a:rPr lang="de-CH" sz="2800" dirty="0" err="1" smtClean="0">
+              <a:rPr lang="de-CH" sz="2800" dirty="0" smtClean="0">
                 <a:solidFill>
-                  <a:srgbClr val="3C4D62"/>
+                  <a:srgbClr val="344456"/>
                 </a:solidFill>
                 <a:latin typeface="Segoe UI Light" panose="020B0502040204020203" pitchFamily="34" charset="0"/>
                 <a:cs typeface="Segoe UI Light" panose="020B0502040204020203" pitchFamily="34" charset="0"/>
               </a:rPr>
-              <a:t>Azure</a:t>
-            </a:r>
-            <a:r>
-              <a:rPr lang="de-CH" sz="2800" dirty="0" smtClean="0">
-                <a:solidFill>
-                  <a:srgbClr val="3C4D62"/>
-                </a:solidFill>
-                <a:latin typeface="Segoe UI Light" panose="020B0502040204020203" pitchFamily="34" charset="0"/>
-                <a:cs typeface="Segoe UI Light" panose="020B0502040204020203" pitchFamily="34" charset="0"/>
-              </a:rPr>
-              <a:t> Storage</a:t>
+              <a:t>BLOB Storage</a:t>
             </a:r>
             <a:endParaRPr lang="de-CH" sz="2800" dirty="0">
               <a:solidFill>
-                <a:srgbClr val="3C4D62"/>
+                <a:srgbClr val="344456"/>
               </a:solidFill>
               <a:latin typeface="Segoe UI Light" panose="020B0502040204020203" pitchFamily="34" charset="0"/>
               <a:cs typeface="Segoe UI Light" panose="020B0502040204020203" pitchFamily="34" charset="0"/>
@@ -4329,135 +4253,9 @@
           </a:p>
         </p:txBody>
       </p:sp>
-      <p:cxnSp>
-        <p:nvCxnSpPr>
-          <p:cNvPr id="46" name="Gerade Verbindung mit Pfeil 45"/>
-          <p:cNvCxnSpPr/>
-          <p:nvPr/>
-        </p:nvCxnSpPr>
-        <p:spPr>
-          <a:xfrm flipV="1">
-            <a:off x="1940008" y="3102650"/>
-            <a:ext cx="2810667" cy="1285188"/>
-          </a:xfrm>
-          <a:prstGeom prst="straightConnector1">
-            <a:avLst/>
-          </a:prstGeom>
-          <a:ln w="31750">
-            <a:solidFill>
-              <a:schemeClr val="accent2"/>
-            </a:solidFill>
-            <a:headEnd type="none"/>
-            <a:tailEnd type="triangle"/>
-          </a:ln>
-        </p:spPr>
-        <p:style>
-          <a:lnRef idx="1">
-            <a:schemeClr val="accent1"/>
-          </a:lnRef>
-          <a:fillRef idx="0">
-            <a:schemeClr val="accent1"/>
-          </a:fillRef>
-          <a:effectRef idx="0">
-            <a:schemeClr val="accent1"/>
-          </a:effectRef>
-          <a:fontRef idx="minor">
-            <a:schemeClr val="tx1"/>
-          </a:fontRef>
-        </p:style>
-      </p:cxnSp>
-      <p:sp>
-        <p:nvSpPr>
-          <p:cNvPr id="47" name="Textfeld 46"/>
-          <p:cNvSpPr txBox="1"/>
-          <p:nvPr/>
-        </p:nvSpPr>
-        <p:spPr>
-          <a:xfrm>
-            <a:off x="9232450" y="1647532"/>
-            <a:ext cx="2024785" cy="523220"/>
-          </a:xfrm>
-          <a:prstGeom prst="rect">
-            <a:avLst/>
-          </a:prstGeom>
-          <a:noFill/>
-        </p:spPr>
-        <p:txBody>
-          <a:bodyPr wrap="none" rtlCol="0">
-            <a:spAutoFit/>
-          </a:bodyPr>
-          <a:lstStyle/>
-          <a:p>
-            <a:r>
-              <a:rPr lang="de-CH" sz="2800" dirty="0" smtClean="0">
-                <a:solidFill>
-                  <a:srgbClr val="606060"/>
-                </a:solidFill>
-                <a:latin typeface="Segoe UI Light" panose="020B0502040204020203" pitchFamily="34" charset="0"/>
-                <a:cs typeface="Segoe UI Light" panose="020B0502040204020203" pitchFamily="34" charset="0"/>
-              </a:rPr>
-              <a:t>Worker </a:t>
-            </a:r>
-            <a:r>
-              <a:rPr lang="de-CH" sz="2800" dirty="0" err="1" smtClean="0">
-                <a:solidFill>
-                  <a:srgbClr val="606060"/>
-                </a:solidFill>
-                <a:latin typeface="Segoe UI Light" panose="020B0502040204020203" pitchFamily="34" charset="0"/>
-                <a:cs typeface="Segoe UI Light" panose="020B0502040204020203" pitchFamily="34" charset="0"/>
-              </a:rPr>
-              <a:t>Role</a:t>
-            </a:r>
-            <a:endParaRPr lang="de-CH" sz="2800" dirty="0">
-              <a:solidFill>
-                <a:srgbClr val="606060"/>
-              </a:solidFill>
-              <a:latin typeface="Segoe UI Light" panose="020B0502040204020203" pitchFamily="34" charset="0"/>
-              <a:cs typeface="Segoe UI Light" panose="020B0502040204020203" pitchFamily="34" charset="0"/>
-            </a:endParaRPr>
-          </a:p>
-        </p:txBody>
-      </p:sp>
-      <p:cxnSp>
-        <p:nvCxnSpPr>
-          <p:cNvPr id="50" name="Gerade Verbindung mit Pfeil 49"/>
-          <p:cNvCxnSpPr/>
-          <p:nvPr/>
-        </p:nvCxnSpPr>
-        <p:spPr>
-          <a:xfrm>
-            <a:off x="6380891" y="3102651"/>
-            <a:ext cx="2738589" cy="257017"/>
-          </a:xfrm>
-          <a:prstGeom prst="straightConnector1">
-            <a:avLst/>
-          </a:prstGeom>
-          <a:ln w="31750">
-            <a:solidFill>
-              <a:schemeClr val="accent2"/>
-            </a:solidFill>
-            <a:headEnd type="none"/>
-            <a:tailEnd type="triangle"/>
-          </a:ln>
-        </p:spPr>
-        <p:style>
-          <a:lnRef idx="1">
-            <a:schemeClr val="accent1"/>
-          </a:lnRef>
-          <a:fillRef idx="0">
-            <a:schemeClr val="accent1"/>
-          </a:fillRef>
-          <a:effectRef idx="0">
-            <a:schemeClr val="accent1"/>
-          </a:effectRef>
-          <a:fontRef idx="minor">
-            <a:schemeClr val="tx1"/>
-          </a:fontRef>
-        </p:style>
-      </p:cxnSp>
       <p:pic>
         <p:nvPicPr>
-          <p:cNvPr id="51" name="Picture 5"/>
+          <p:cNvPr id="26" name="Picture 5"/>
           <p:cNvPicPr>
             <a:picLocks noChangeAspect="1"/>
           </p:cNvPicPr>
@@ -4485,8 +4283,8 @@
         </p:blipFill>
         <p:spPr bwMode="auto">
           <a:xfrm>
-            <a:off x="4845191" y="1037255"/>
-            <a:ext cx="1345756" cy="1176210"/>
+            <a:off x="5366776" y="1851754"/>
+            <a:ext cx="1213450" cy="1060573"/>
           </a:xfrm>
           <a:prstGeom prst="rect">
             <a:avLst/>
@@ -4516,126 +4314,90 @@
           </a:extLst>
         </p:spPr>
       </p:pic>
-      <p:pic>
-        <p:nvPicPr>
-          <p:cNvPr id="52" name="Picture 7"/>
-          <p:cNvPicPr>
-            <a:picLocks noChangeAspect="1"/>
-          </p:cNvPicPr>
-          <p:nvPr/>
-        </p:nvPicPr>
-        <p:blipFill>
-          <a:blip r:embed="rId6">
-            <a:duotone>
-              <a:prstClr val="black"/>
-              <a:schemeClr val="accent1">
-                <a:tint val="45000"/>
-                <a:satMod val="400000"/>
-              </a:schemeClr>
-            </a:duotone>
-            <a:extLst>
-              <a:ext uri="{28A0092B-C50C-407E-A947-70E740481C1C}">
-                <a14:useLocalDpi xmlns:a14="http://schemas.microsoft.com/office/drawing/2010/main" val="0"/>
-              </a:ext>
-            </a:extLst>
-          </a:blip>
-          <a:srcRect/>
-          <a:stretch>
-            <a:fillRect/>
-          </a:stretch>
-        </p:blipFill>
-        <p:spPr bwMode="auto">
-          <a:xfrm>
-            <a:off x="4893176" y="2359519"/>
-            <a:ext cx="1283903" cy="1114786"/>
-          </a:xfrm>
-          <a:prstGeom prst="rect">
-            <a:avLst/>
-          </a:prstGeom>
-          <a:noFill/>
-          <a:ln>
-            <a:noFill/>
+      <p:cxnSp>
+        <p:nvCxnSpPr>
+          <p:cNvPr id="28" name="Gerade Verbindung mit Pfeil 27"/>
+          <p:cNvCxnSpPr/>
+          <p:nvPr/>
+        </p:nvCxnSpPr>
+        <p:spPr>
+          <a:xfrm flipH="1">
+            <a:off x="6753610" y="2613408"/>
+            <a:ext cx="2476116" cy="0"/>
+          </a:xfrm>
+          <a:prstGeom prst="straightConnector1">
+            <a:avLst/>
+          </a:prstGeom>
+          <a:ln w="31750">
+            <a:solidFill>
+              <a:schemeClr val="accent2"/>
+            </a:solidFill>
+            <a:headEnd type="none"/>
+            <a:tailEnd type="triangle"/>
           </a:ln>
-          <a:extLst>
-            <a:ext uri="{909E8E84-426E-40DD-AFC4-6F175D3DCCD1}">
-              <a14:hiddenFill xmlns:a14="http://schemas.microsoft.com/office/drawing/2010/main">
-                <a:solidFill>
-                  <a:srgbClr val="FFFFFF"/>
-                </a:solidFill>
-              </a14:hiddenFill>
-            </a:ext>
-            <a:ext uri="{91240B29-F687-4F45-9708-019B960494DF}">
-              <a14:hiddenLine xmlns:a14="http://schemas.microsoft.com/office/drawing/2010/main" w="9525">
-                <a:solidFill>
-                  <a:srgbClr val="000000"/>
-                </a:solidFill>
-                <a:miter lim="800000"/>
-                <a:headEnd/>
-                <a:tailEnd/>
-              </a14:hiddenLine>
-            </a:ext>
-          </a:extLst>
-        </p:spPr>
-      </p:pic>
-      <p:sp>
-        <p:nvSpPr>
-          <p:cNvPr id="33" name="Textfeld 32"/>
-          <p:cNvSpPr txBox="1"/>
-          <p:nvPr/>
-        </p:nvSpPr>
-        <p:spPr>
-          <a:xfrm>
-            <a:off x="4372373" y="3519481"/>
-            <a:ext cx="2862002" cy="523220"/>
-          </a:xfrm>
-          <a:prstGeom prst="rect">
-            <a:avLst/>
-          </a:prstGeom>
-          <a:noFill/>
-        </p:spPr>
-        <p:txBody>
-          <a:bodyPr wrap="none" rtlCol="0">
-            <a:spAutoFit/>
-          </a:bodyPr>
-          <a:lstStyle/>
-          <a:p>
-            <a:r>
-              <a:rPr lang="de-CH" sz="2800" dirty="0" smtClean="0">
-                <a:solidFill>
-                  <a:srgbClr val="3C4D62"/>
-                </a:solidFill>
-                <a:latin typeface="Segoe UI Light" panose="020B0502040204020203" pitchFamily="34" charset="0"/>
-                <a:cs typeface="Segoe UI Light" panose="020B0502040204020203" pitchFamily="34" charset="0"/>
-              </a:rPr>
-              <a:t>Azure Service Bus</a:t>
-            </a:r>
-            <a:endParaRPr lang="de-CH" sz="2800" dirty="0">
-              <a:solidFill>
-                <a:srgbClr val="3C4D62"/>
-              </a:solidFill>
-              <a:latin typeface="Segoe UI Light" panose="020B0502040204020203" pitchFamily="34" charset="0"/>
-              <a:cs typeface="Segoe UI Light" panose="020B0502040204020203" pitchFamily="34" charset="0"/>
-            </a:endParaRPr>
-          </a:p>
-        </p:txBody>
-      </p:sp>
+        </p:spPr>
+        <p:style>
+          <a:lnRef idx="1">
+            <a:schemeClr val="accent1"/>
+          </a:lnRef>
+          <a:fillRef idx="0">
+            <a:schemeClr val="accent1"/>
+          </a:fillRef>
+          <a:effectRef idx="0">
+            <a:schemeClr val="accent1"/>
+          </a:effectRef>
+          <a:fontRef idx="minor">
+            <a:schemeClr val="tx1"/>
+          </a:fontRef>
+        </p:style>
+      </p:cxnSp>
+      <p:cxnSp>
+        <p:nvCxnSpPr>
+          <p:cNvPr id="34" name="Gerade Verbindung mit Pfeil 33"/>
+          <p:cNvCxnSpPr/>
+          <p:nvPr/>
+        </p:nvCxnSpPr>
+        <p:spPr>
+          <a:xfrm flipH="1">
+            <a:off x="2349250" y="2645269"/>
+            <a:ext cx="2908884" cy="1451358"/>
+          </a:xfrm>
+          <a:prstGeom prst="straightConnector1">
+            <a:avLst/>
+          </a:prstGeom>
+          <a:ln w="31750">
+            <a:solidFill>
+              <a:schemeClr val="accent2"/>
+            </a:solidFill>
+            <a:headEnd type="none"/>
+            <a:tailEnd type="triangle"/>
+          </a:ln>
+        </p:spPr>
+        <p:style>
+          <a:lnRef idx="1">
+            <a:schemeClr val="accent1"/>
+          </a:lnRef>
+          <a:fillRef idx="0">
+            <a:schemeClr val="accent1"/>
+          </a:fillRef>
+          <a:effectRef idx="0">
+            <a:schemeClr val="accent1"/>
+          </a:effectRef>
+          <a:fontRef idx="minor">
+            <a:schemeClr val="tx1"/>
+          </a:fontRef>
+        </p:style>
+      </p:cxnSp>
     </p:spTree>
     <p:extLst>
       <p:ext uri="{BB962C8B-B14F-4D97-AF65-F5344CB8AC3E}">
-        <p14:creationId xmlns:p14="http://schemas.microsoft.com/office/powerpoint/2010/main" val="1666486709"/>
+        <p14:creationId xmlns:p14="http://schemas.microsoft.com/office/powerpoint/2010/main" val="2118725930"/>
       </p:ext>
     </p:extLst>
   </p:cSld>
   <p:clrMapOvr>
     <a:masterClrMapping/>
   </p:clrMapOvr>
-  <p:timing>
-    <p:tnLst>
-      <p:par>
-        <p:cTn id="1" dur="indefinite" restart="never" nodeType="tmRoot"/>
-      </p:par>
-    </p:tnLst>
-  </p:timing>
 </p:sld>
 </file>
 
@@ -5587,319 +5349,10 @@
           </a:p>
         </p:txBody>
       </p:sp>
-      <p:pic>
-        <p:nvPicPr>
-          <p:cNvPr id="21" name="Grafik 20"/>
-          <p:cNvPicPr>
-            <a:picLocks noChangeAspect="1"/>
-          </p:cNvPicPr>
-          <p:nvPr/>
-        </p:nvPicPr>
-        <p:blipFill>
-          <a:blip r:embed="rId4"/>
-          <a:stretch>
-            <a:fillRect/>
-          </a:stretch>
-        </p:blipFill>
-        <p:spPr>
-          <a:xfrm>
-            <a:off x="6249641" y="4054096"/>
-            <a:ext cx="729521" cy="990606"/>
-          </a:xfrm>
-          <a:prstGeom prst="rect">
-            <a:avLst/>
-          </a:prstGeom>
-        </p:spPr>
-      </p:pic>
-      <p:cxnSp>
-        <p:nvCxnSpPr>
-          <p:cNvPr id="25" name="Gerade Verbindung mit Pfeil 24"/>
-          <p:cNvCxnSpPr/>
-          <p:nvPr/>
-        </p:nvCxnSpPr>
-        <p:spPr>
-          <a:xfrm flipV="1">
-            <a:off x="2242353" y="4811428"/>
-            <a:ext cx="3934726" cy="471996"/>
-          </a:xfrm>
-          <a:prstGeom prst="straightConnector1">
-            <a:avLst/>
-          </a:prstGeom>
-          <a:ln w="31750">
-            <a:solidFill>
-              <a:schemeClr val="accent2"/>
-            </a:solidFill>
-            <a:headEnd type="triangle"/>
-            <a:tailEnd type="none"/>
-          </a:ln>
-        </p:spPr>
-        <p:style>
-          <a:lnRef idx="1">
-            <a:schemeClr val="accent1"/>
-          </a:lnRef>
-          <a:fillRef idx="0">
-            <a:schemeClr val="accent1"/>
-          </a:fillRef>
-          <a:effectRef idx="0">
-            <a:schemeClr val="accent1"/>
-          </a:effectRef>
-          <a:fontRef idx="minor">
-            <a:schemeClr val="tx1"/>
-          </a:fontRef>
-        </p:style>
-      </p:cxnSp>
-      <p:sp>
-        <p:nvSpPr>
-          <p:cNvPr id="26" name="Textfeld 25"/>
-          <p:cNvSpPr txBox="1"/>
-          <p:nvPr/>
-        </p:nvSpPr>
-        <p:spPr>
-          <a:xfrm>
-            <a:off x="5861332" y="5088370"/>
-            <a:ext cx="1474956" cy="523220"/>
-          </a:xfrm>
-          <a:prstGeom prst="rect">
-            <a:avLst/>
-          </a:prstGeom>
-          <a:noFill/>
-        </p:spPr>
-        <p:txBody>
-          <a:bodyPr wrap="none" rtlCol="0">
-            <a:spAutoFit/>
-          </a:bodyPr>
-          <a:lstStyle/>
-          <a:p>
-            <a:r>
-              <a:rPr lang="de-CH" sz="2800" dirty="0" smtClean="0">
-                <a:solidFill>
-                  <a:srgbClr val="606060"/>
-                </a:solidFill>
-                <a:latin typeface="Segoe UI Light" panose="020B0502040204020203" pitchFamily="34" charset="0"/>
-                <a:cs typeface="Segoe UI Light" panose="020B0502040204020203" pitchFamily="34" charset="0"/>
-              </a:rPr>
-              <a:t>Web API</a:t>
-            </a:r>
-            <a:endParaRPr lang="de-CH" sz="2800" dirty="0">
-              <a:solidFill>
-                <a:srgbClr val="606060"/>
-              </a:solidFill>
-              <a:latin typeface="Segoe UI Light" panose="020B0502040204020203" pitchFamily="34" charset="0"/>
-              <a:cs typeface="Segoe UI Light" panose="020B0502040204020203" pitchFamily="34" charset="0"/>
-            </a:endParaRPr>
-          </a:p>
-        </p:txBody>
-      </p:sp>
-      <p:sp>
-        <p:nvSpPr>
-          <p:cNvPr id="28" name="Textfeld 27"/>
-          <p:cNvSpPr txBox="1"/>
-          <p:nvPr/>
-        </p:nvSpPr>
-        <p:spPr>
-          <a:xfrm>
-            <a:off x="3200189" y="5163934"/>
-            <a:ext cx="1645002" cy="523220"/>
-          </a:xfrm>
-          <a:prstGeom prst="rect">
-            <a:avLst/>
-          </a:prstGeom>
-          <a:noFill/>
-        </p:spPr>
-        <p:txBody>
-          <a:bodyPr wrap="none" rtlCol="0">
-            <a:spAutoFit/>
-          </a:bodyPr>
-          <a:lstStyle>
-            <a:defPPr>
-              <a:defRPr lang="de-DE"/>
-            </a:defPPr>
-            <a:lvl1pPr>
-              <a:defRPr sz="1600">
-                <a:solidFill>
-                  <a:srgbClr val="606060"/>
-                </a:solidFill>
-              </a:defRPr>
-            </a:lvl1pPr>
-          </a:lstStyle>
-          <a:p>
-            <a:r>
-              <a:rPr lang="de-CH" sz="2800" dirty="0" smtClean="0">
-                <a:latin typeface="Segoe UI Light" panose="020B0502040204020203" pitchFamily="34" charset="0"/>
-                <a:cs typeface="Segoe UI Light" panose="020B0502040204020203" pitchFamily="34" charset="0"/>
-              </a:rPr>
-              <a:t>SAS-URLs</a:t>
-            </a:r>
-            <a:endParaRPr lang="de-CH" sz="2800" dirty="0">
-              <a:latin typeface="Segoe UI Light" panose="020B0502040204020203" pitchFamily="34" charset="0"/>
-              <a:cs typeface="Segoe UI Light" panose="020B0502040204020203" pitchFamily="34" charset="0"/>
-            </a:endParaRPr>
-          </a:p>
-        </p:txBody>
-      </p:sp>
-      <p:cxnSp>
-        <p:nvCxnSpPr>
-          <p:cNvPr id="31" name="Gerade Verbindung mit Pfeil 30"/>
-          <p:cNvCxnSpPr/>
-          <p:nvPr/>
-        </p:nvCxnSpPr>
-        <p:spPr>
-          <a:xfrm flipV="1">
-            <a:off x="2242352" y="4519630"/>
-            <a:ext cx="3934727" cy="468670"/>
-          </a:xfrm>
-          <a:prstGeom prst="straightConnector1">
-            <a:avLst/>
-          </a:prstGeom>
-          <a:ln w="31750">
-            <a:solidFill>
-              <a:schemeClr val="accent2"/>
-            </a:solidFill>
-            <a:headEnd type="none"/>
-            <a:tailEnd type="triangle"/>
-          </a:ln>
-        </p:spPr>
-        <p:style>
-          <a:lnRef idx="1">
-            <a:schemeClr val="accent1"/>
-          </a:lnRef>
-          <a:fillRef idx="0">
-            <a:schemeClr val="accent1"/>
-          </a:fillRef>
-          <a:effectRef idx="0">
-            <a:schemeClr val="accent1"/>
-          </a:effectRef>
-          <a:fontRef idx="minor">
-            <a:schemeClr val="tx1"/>
-          </a:fontRef>
-        </p:style>
-      </p:cxnSp>
-      <p:sp>
-        <p:nvSpPr>
-          <p:cNvPr id="6" name="Zylinder 5"/>
-          <p:cNvSpPr/>
-          <p:nvPr/>
-        </p:nvSpPr>
-        <p:spPr>
-          <a:xfrm>
-            <a:off x="8791006" y="4262888"/>
-            <a:ext cx="599311" cy="628470"/>
-          </a:xfrm>
-          <a:prstGeom prst="can">
-            <a:avLst/>
-          </a:prstGeom>
-          <a:solidFill>
-            <a:srgbClr val="52728B"/>
-          </a:solidFill>
-        </p:spPr>
-        <p:style>
-          <a:lnRef idx="2">
-            <a:schemeClr val="accent1">
-              <a:shade val="50000"/>
-            </a:schemeClr>
-          </a:lnRef>
-          <a:fillRef idx="1">
-            <a:schemeClr val="accent1"/>
-          </a:fillRef>
-          <a:effectRef idx="0">
-            <a:schemeClr val="accent1"/>
-          </a:effectRef>
-          <a:fontRef idx="minor">
-            <a:schemeClr val="lt1"/>
-          </a:fontRef>
-        </p:style>
-        <p:txBody>
-          <a:bodyPr rtlCol="0" anchor="ctr"/>
-          <a:lstStyle/>
-          <a:p>
-            <a:pPr algn="ctr"/>
-            <a:endParaRPr lang="de-CH"/>
-          </a:p>
-        </p:txBody>
-      </p:sp>
-      <p:sp>
-        <p:nvSpPr>
-          <p:cNvPr id="38" name="Textfeld 37"/>
-          <p:cNvSpPr txBox="1"/>
-          <p:nvPr/>
-        </p:nvSpPr>
-        <p:spPr>
-          <a:xfrm>
-            <a:off x="8452470" y="5085960"/>
-            <a:ext cx="1334020" cy="523220"/>
-          </a:xfrm>
-          <a:prstGeom prst="rect">
-            <a:avLst/>
-          </a:prstGeom>
-          <a:noFill/>
-        </p:spPr>
-        <p:txBody>
-          <a:bodyPr wrap="none" rtlCol="0">
-            <a:spAutoFit/>
-          </a:bodyPr>
-          <a:lstStyle/>
-          <a:p>
-            <a:r>
-              <a:rPr lang="de-CH" sz="2800" dirty="0" smtClean="0">
-                <a:solidFill>
-                  <a:srgbClr val="606060"/>
-                </a:solidFill>
-                <a:latin typeface="Segoe UI Light" panose="020B0502040204020203" pitchFamily="34" charset="0"/>
-                <a:cs typeface="Segoe UI Light" panose="020B0502040204020203" pitchFamily="34" charset="0"/>
-              </a:rPr>
-              <a:t>SQL DB</a:t>
-            </a:r>
-            <a:endParaRPr lang="de-CH" sz="2800" dirty="0">
-              <a:solidFill>
-                <a:srgbClr val="606060"/>
-              </a:solidFill>
-              <a:latin typeface="Segoe UI Light" panose="020B0502040204020203" pitchFamily="34" charset="0"/>
-              <a:cs typeface="Segoe UI Light" panose="020B0502040204020203" pitchFamily="34" charset="0"/>
-            </a:endParaRPr>
-          </a:p>
-        </p:txBody>
-      </p:sp>
-      <p:cxnSp>
-        <p:nvCxnSpPr>
-          <p:cNvPr id="39" name="Gerade Verbindung mit Pfeil 38"/>
-          <p:cNvCxnSpPr/>
-          <p:nvPr/>
-        </p:nvCxnSpPr>
-        <p:spPr>
-          <a:xfrm flipV="1">
-            <a:off x="7063668" y="4646752"/>
-            <a:ext cx="1553263" cy="4236"/>
-          </a:xfrm>
-          <a:prstGeom prst="straightConnector1">
-            <a:avLst/>
-          </a:prstGeom>
-          <a:ln w="31750">
-            <a:solidFill>
-              <a:schemeClr val="accent2"/>
-            </a:solidFill>
-            <a:headEnd type="triangle"/>
-            <a:tailEnd type="triangle"/>
-          </a:ln>
-        </p:spPr>
-        <p:style>
-          <a:lnRef idx="1">
-            <a:schemeClr val="accent1"/>
-          </a:lnRef>
-          <a:fillRef idx="0">
-            <a:schemeClr val="accent1"/>
-          </a:fillRef>
-          <a:effectRef idx="0">
-            <a:schemeClr val="accent1"/>
-          </a:effectRef>
-          <a:fontRef idx="minor">
-            <a:schemeClr val="tx1"/>
-          </a:fontRef>
-        </p:style>
-      </p:cxnSp>
     </p:spTree>
     <p:extLst>
       <p:ext uri="{BB962C8B-B14F-4D97-AF65-F5344CB8AC3E}">
-        <p14:creationId xmlns:p14="http://schemas.microsoft.com/office/powerpoint/2010/main" val="2961909492"/>
+        <p14:creationId xmlns:p14="http://schemas.microsoft.com/office/powerpoint/2010/main" val="1666486709"/>
       </p:ext>
     </p:extLst>
   </p:cSld>
@@ -5935,7 +5388,7 @@
       </p:grpSpPr>
       <p:sp>
         <p:nvSpPr>
-          <p:cNvPr id="2" name="Freeform 7"/>
+          <p:cNvPr id="22" name="Freeform 7"/>
           <p:cNvSpPr>
             <a:spLocks/>
           </p:cNvSpPr>
@@ -5943,8 +5396,8 @@
         </p:nvSpPr>
         <p:spPr bwMode="auto">
           <a:xfrm flipH="1">
-            <a:off x="2826598" y="215153"/>
-            <a:ext cx="6401243" cy="3272134"/>
+            <a:off x="2826597" y="215152"/>
+            <a:ext cx="8974877" cy="4814047"/>
           </a:xfrm>
           <a:custGeom>
             <a:avLst/>
@@ -6130,14 +5583,14 @@
       </p:sp>
       <p:cxnSp>
         <p:nvCxnSpPr>
-          <p:cNvPr id="3" name="Gerade Verbindung mit Pfeil 2"/>
+          <p:cNvPr id="23" name="Gerade Verbindung mit Pfeil 22"/>
           <p:cNvCxnSpPr/>
           <p:nvPr/>
         </p:nvCxnSpPr>
         <p:spPr>
           <a:xfrm>
             <a:off x="6380891" y="3102650"/>
-            <a:ext cx="3788167" cy="153452"/>
+            <a:ext cx="3448909" cy="609805"/>
           </a:xfrm>
           <a:prstGeom prst="straightConnector1">
             <a:avLst/>
@@ -6167,7 +5620,7 @@
       </p:cxnSp>
       <p:pic>
         <p:nvPicPr>
-          <p:cNvPr id="4" name="Grafik 3"/>
+          <p:cNvPr id="24" name="Grafik 23"/>
           <p:cNvPicPr>
             <a:picLocks noChangeAspect="1"/>
           </p:cNvPicPr>
@@ -6189,70 +5642,9 @@
           </a:prstGeom>
         </p:spPr>
       </p:pic>
-      <p:pic>
-        <p:nvPicPr>
-          <p:cNvPr id="5" name="Grafik 4"/>
-          <p:cNvPicPr>
-            <a:picLocks noChangeAspect="1"/>
-          </p:cNvPicPr>
-          <p:nvPr/>
-        </p:nvPicPr>
-        <p:blipFill>
-          <a:blip r:embed="rId3"/>
-          <a:stretch>
-            <a:fillRect/>
-          </a:stretch>
-        </p:blipFill>
-        <p:spPr>
-          <a:xfrm>
-            <a:off x="10058099" y="4174059"/>
-            <a:ext cx="1310847" cy="1779980"/>
-          </a:xfrm>
-          <a:prstGeom prst="rect">
-            <a:avLst/>
-          </a:prstGeom>
-        </p:spPr>
-      </p:pic>
-      <p:cxnSp>
-        <p:nvCxnSpPr>
-          <p:cNvPr id="6" name="Gerade Verbindung mit Pfeil 5"/>
-          <p:cNvCxnSpPr/>
-          <p:nvPr/>
-        </p:nvCxnSpPr>
-        <p:spPr>
-          <a:xfrm>
-            <a:off x="2242353" y="5283424"/>
-            <a:ext cx="7036809" cy="0"/>
-          </a:xfrm>
-          <a:prstGeom prst="straightConnector1">
-            <a:avLst/>
-          </a:prstGeom>
-          <a:ln w="31750">
-            <a:solidFill>
-              <a:schemeClr val="accent2"/>
-            </a:solidFill>
-            <a:headEnd type="triangle"/>
-            <a:tailEnd type="none"/>
-          </a:ln>
-        </p:spPr>
-        <p:style>
-          <a:lnRef idx="1">
-            <a:schemeClr val="accent1"/>
-          </a:lnRef>
-          <a:fillRef idx="0">
-            <a:schemeClr val="accent1"/>
-          </a:fillRef>
-          <a:effectRef idx="0">
-            <a:schemeClr val="accent1"/>
-          </a:effectRef>
-          <a:fontRef idx="minor">
-            <a:schemeClr val="tx1"/>
-          </a:fontRef>
-        </p:style>
-      </p:cxnSp>
       <p:sp>
         <p:nvSpPr>
-          <p:cNvPr id="7" name="Textfeld 6"/>
+          <p:cNvPr id="27" name="Textfeld 26"/>
           <p:cNvSpPr txBox="1"/>
           <p:nvPr/>
         </p:nvSpPr>
@@ -6292,51 +5684,9 @@
           </a:p>
         </p:txBody>
       </p:sp>
-      <p:sp>
-        <p:nvSpPr>
-          <p:cNvPr id="8" name="Textfeld 7"/>
-          <p:cNvSpPr txBox="1"/>
-          <p:nvPr/>
-        </p:nvSpPr>
-        <p:spPr>
-          <a:xfrm>
-            <a:off x="9977034" y="6107599"/>
-            <a:ext cx="1147558" cy="523219"/>
-          </a:xfrm>
-          <a:prstGeom prst="rect">
-            <a:avLst/>
-          </a:prstGeom>
-          <a:noFill/>
-        </p:spPr>
-        <p:txBody>
-          <a:bodyPr wrap="none" rtlCol="0">
-            <a:spAutoFit/>
-          </a:bodyPr>
-          <a:lstStyle/>
-          <a:p>
-            <a:r>
-              <a:rPr lang="de-CH" sz="2800" dirty="0" smtClean="0">
-                <a:solidFill>
-                  <a:srgbClr val="606060"/>
-                </a:solidFill>
-                <a:latin typeface="Segoe UI Light" panose="020B0502040204020203" pitchFamily="34" charset="0"/>
-                <a:cs typeface="Segoe UI Light" panose="020B0502040204020203" pitchFamily="34" charset="0"/>
-              </a:rPr>
-              <a:t>Server</a:t>
-            </a:r>
-            <a:endParaRPr lang="de-CH" sz="2800" dirty="0">
-              <a:solidFill>
-                <a:srgbClr val="606060"/>
-              </a:solidFill>
-              <a:latin typeface="Segoe UI Light" panose="020B0502040204020203" pitchFamily="34" charset="0"/>
-              <a:cs typeface="Segoe UI Light" panose="020B0502040204020203" pitchFamily="34" charset="0"/>
-            </a:endParaRPr>
-          </a:p>
-        </p:txBody>
-      </p:sp>
       <p:cxnSp>
         <p:nvCxnSpPr>
-          <p:cNvPr id="9" name="Gerade Verbindung mit Pfeil 8"/>
+          <p:cNvPr id="29" name="Gerade Verbindung mit Pfeil 28"/>
           <p:cNvCxnSpPr/>
           <p:nvPr/>
         </p:nvCxnSpPr>
@@ -6373,94 +5723,14 @@
       </p:cxnSp>
       <p:cxnSp>
         <p:nvCxnSpPr>
-          <p:cNvPr id="10" name="Gerade Verbindung mit Pfeil 9"/>
+          <p:cNvPr id="30" name="Gerade Verbindung mit Pfeil 29"/>
           <p:cNvCxnSpPr/>
           <p:nvPr/>
         </p:nvCxnSpPr>
         <p:spPr>
           <a:xfrm flipV="1">
-            <a:off x="6380891" y="2716106"/>
-            <a:ext cx="3248172" cy="386545"/>
-          </a:xfrm>
-          <a:prstGeom prst="straightConnector1">
-            <a:avLst/>
-          </a:prstGeom>
-          <a:ln w="31750">
-            <a:solidFill>
-              <a:schemeClr val="accent2"/>
-            </a:solidFill>
-            <a:headEnd type="none"/>
-            <a:tailEnd type="triangle"/>
-          </a:ln>
-        </p:spPr>
-        <p:style>
-          <a:lnRef idx="1">
-            <a:schemeClr val="accent1"/>
-          </a:lnRef>
-          <a:fillRef idx="0">
-            <a:schemeClr val="accent1"/>
-          </a:fillRef>
-          <a:effectRef idx="0">
-            <a:schemeClr val="accent1"/>
-          </a:effectRef>
-          <a:fontRef idx="minor">
-            <a:schemeClr val="tx1"/>
-          </a:fontRef>
-        </p:style>
-      </p:cxnSp>
-      <p:sp>
-        <p:nvSpPr>
-          <p:cNvPr id="11" name="Textfeld 10"/>
-          <p:cNvSpPr txBox="1"/>
-          <p:nvPr/>
-        </p:nvSpPr>
-        <p:spPr>
-          <a:xfrm>
-            <a:off x="4902868" y="5283424"/>
-            <a:ext cx="1505541" cy="523219"/>
-          </a:xfrm>
-          <a:prstGeom prst="rect">
-            <a:avLst/>
-          </a:prstGeom>
-          <a:noFill/>
-        </p:spPr>
-        <p:txBody>
-          <a:bodyPr wrap="none" rtlCol="0">
-            <a:spAutoFit/>
-          </a:bodyPr>
-          <a:lstStyle>
-            <a:defPPr>
-              <a:defRPr lang="de-DE"/>
-            </a:defPPr>
-            <a:lvl1pPr>
-              <a:defRPr sz="1600">
-                <a:solidFill>
-                  <a:srgbClr val="606060"/>
-                </a:solidFill>
-              </a:defRPr>
-            </a:lvl1pPr>
-          </a:lstStyle>
-          <a:p>
-            <a:r>
-              <a:rPr lang="de-CH" sz="2800" dirty="0">
-                <a:latin typeface="Segoe UI Light" panose="020B0502040204020203" pitchFamily="34" charset="0"/>
-                <a:cs typeface="Segoe UI Light" panose="020B0502040204020203" pitchFamily="34" charset="0"/>
-              </a:rPr>
-              <a:t>SAS-URL</a:t>
-            </a:r>
-          </a:p>
-        </p:txBody>
-      </p:sp>
-      <p:cxnSp>
-        <p:nvCxnSpPr>
-          <p:cNvPr id="12" name="Gerade Verbindung mit Pfeil 11"/>
-          <p:cNvCxnSpPr/>
-          <p:nvPr/>
-        </p:nvCxnSpPr>
-        <p:spPr>
-          <a:xfrm>
-            <a:off x="2242351" y="5026400"/>
-            <a:ext cx="7036809" cy="0"/>
+            <a:off x="6380891" y="2971293"/>
+            <a:ext cx="2535696" cy="131360"/>
           </a:xfrm>
           <a:prstGeom prst="straightConnector1">
             <a:avLst/>
@@ -6490,14 +5760,14 @@
       </p:cxnSp>
       <p:pic>
         <p:nvPicPr>
-          <p:cNvPr id="13" name="Picture 67"/>
+          <p:cNvPr id="34" name="Picture 67"/>
           <p:cNvPicPr>
             <a:picLocks noChangeAspect="1"/>
           </p:cNvPicPr>
           <p:nvPr/>
         </p:nvPicPr>
         <p:blipFill>
-          <a:blip r:embed="rId4">
+          <a:blip r:embed="rId3">
             <a:extLst>
               <a:ext uri="{28A0092B-C50C-407E-A947-70E740481C1C}">
                 <a14:useLocalDpi xmlns:a14="http://schemas.microsoft.com/office/drawing/2010/main" val="0"/>
@@ -6511,8 +5781,8 @@
         </p:blipFill>
         <p:spPr bwMode="auto">
           <a:xfrm>
-            <a:off x="1475685" y="2605506"/>
-            <a:ext cx="671543" cy="897327"/>
+            <a:off x="3370332" y="2276375"/>
+            <a:ext cx="299490" cy="400183"/>
           </a:xfrm>
           <a:prstGeom prst="rect">
             <a:avLst/>
@@ -6544,14 +5814,14 @@
       </p:pic>
       <p:pic>
         <p:nvPicPr>
-          <p:cNvPr id="14" name="Picture 67"/>
+          <p:cNvPr id="35" name="Picture 67"/>
           <p:cNvPicPr>
             <a:picLocks noChangeAspect="1"/>
           </p:cNvPicPr>
           <p:nvPr/>
         </p:nvPicPr>
         <p:blipFill>
-          <a:blip r:embed="rId4">
+          <a:blip r:embed="rId3">
             <a:extLst>
               <a:ext uri="{28A0092B-C50C-407E-A947-70E740481C1C}">
                 <a14:useLocalDpi xmlns:a14="http://schemas.microsoft.com/office/drawing/2010/main" val="0"/>
@@ -6565,8 +5835,8 @@
         </p:blipFill>
         <p:spPr bwMode="auto">
           <a:xfrm>
-            <a:off x="8936733" y="1004313"/>
-            <a:ext cx="671543" cy="897327"/>
+            <a:off x="6940140" y="1268764"/>
+            <a:ext cx="385624" cy="515277"/>
           </a:xfrm>
           <a:prstGeom prst="rect">
             <a:avLst/>
@@ -6596,291 +5866,23 @@
           </a:extLst>
         </p:spPr>
       </p:pic>
-      <p:sp>
-        <p:nvSpPr>
-          <p:cNvPr id="15" name="Oval 2"/>
-          <p:cNvSpPr/>
-          <p:nvPr/>
-        </p:nvSpPr>
-        <p:spPr bwMode="auto">
-          <a:xfrm>
-            <a:off x="7283930" y="4537250"/>
-            <a:ext cx="440737" cy="440737"/>
-          </a:xfrm>
-          <a:prstGeom prst="ellipse">
-            <a:avLst/>
-          </a:prstGeom>
-          <a:noFill/>
-          <a:ln w="25400">
-            <a:solidFill>
-              <a:srgbClr val="616161"/>
-            </a:solidFill>
-            <a:headEnd type="none" w="med" len="med"/>
-            <a:tailEnd type="none" w="med" len="med"/>
-          </a:ln>
-          <a:effectLst/>
-        </p:spPr>
-        <p:style>
-          <a:lnRef idx="1">
-            <a:schemeClr val="accent2"/>
-          </a:lnRef>
-          <a:fillRef idx="3">
-            <a:schemeClr val="accent2"/>
-          </a:fillRef>
-          <a:effectRef idx="2">
-            <a:schemeClr val="accent2"/>
-          </a:effectRef>
-          <a:fontRef idx="minor">
-            <a:schemeClr val="lt1"/>
-          </a:fontRef>
-        </p:style>
-        <p:txBody>
-          <a:bodyPr vert="horz" wrap="square" lIns="91436" tIns="45718" rIns="91436" bIns="45718" numCol="1" rtlCol="0" anchor="ctr" anchorCtr="0" compatLnSpc="1">
-            <a:prstTxWarp prst="textNoShape">
-              <a:avLst/>
-            </a:prstTxWarp>
-          </a:bodyPr>
-          <a:lstStyle/>
-          <a:p>
-            <a:pPr algn="ctr" defTabSz="914099" fontAlgn="base">
-              <a:spcBef>
-                <a:spcPct val="0"/>
-              </a:spcBef>
-              <a:spcAft>
-                <a:spcPct val="0"/>
-              </a:spcAft>
-            </a:pPr>
-            <a:r>
-              <a:rPr lang="en-US" sz="2800" dirty="0" smtClean="0">
-                <a:solidFill>
-                  <a:srgbClr val="616161"/>
-                </a:solidFill>
-                <a:latin typeface="Segoe UI Light" panose="020B0502040204020203" pitchFamily="34" charset="0"/>
-                <a:cs typeface="Segoe UI Light" panose="020B0502040204020203" pitchFamily="34" charset="0"/>
-              </a:rPr>
-              <a:t>1</a:t>
-            </a:r>
-          </a:p>
-        </p:txBody>
-      </p:sp>
-      <p:sp>
-        <p:nvSpPr>
-          <p:cNvPr id="16" name="Oval 2"/>
-          <p:cNvSpPr/>
-          <p:nvPr/>
-        </p:nvSpPr>
-        <p:spPr bwMode="auto">
-          <a:xfrm>
-            <a:off x="6847244" y="5336800"/>
-            <a:ext cx="440737" cy="440737"/>
-          </a:xfrm>
-          <a:prstGeom prst="ellipse">
-            <a:avLst/>
-          </a:prstGeom>
-          <a:noFill/>
-          <a:ln w="25400">
-            <a:solidFill>
-              <a:srgbClr val="616161"/>
-            </a:solidFill>
-            <a:headEnd type="none" w="med" len="med"/>
-            <a:tailEnd type="none" w="med" len="med"/>
-          </a:ln>
-          <a:effectLst/>
-        </p:spPr>
-        <p:style>
-          <a:lnRef idx="1">
-            <a:schemeClr val="accent2"/>
-          </a:lnRef>
-          <a:fillRef idx="3">
-            <a:schemeClr val="accent2"/>
-          </a:fillRef>
-          <a:effectRef idx="2">
-            <a:schemeClr val="accent2"/>
-          </a:effectRef>
-          <a:fontRef idx="minor">
-            <a:schemeClr val="lt1"/>
-          </a:fontRef>
-        </p:style>
-        <p:txBody>
-          <a:bodyPr vert="horz" wrap="square" lIns="91436" tIns="45718" rIns="91436" bIns="45718" numCol="1" rtlCol="0" anchor="ctr" anchorCtr="0" compatLnSpc="1">
-            <a:prstTxWarp prst="textNoShape">
-              <a:avLst/>
-            </a:prstTxWarp>
-          </a:bodyPr>
-          <a:lstStyle/>
-          <a:p>
-            <a:pPr algn="ctr" defTabSz="914099" fontAlgn="base">
-              <a:spcBef>
-                <a:spcPct val="0"/>
-              </a:spcBef>
-              <a:spcAft>
-                <a:spcPct val="0"/>
-              </a:spcAft>
-            </a:pPr>
-            <a:r>
-              <a:rPr lang="en-US" sz="2800" dirty="0" smtClean="0">
-                <a:solidFill>
-                  <a:srgbClr val="616161"/>
-                </a:solidFill>
-                <a:latin typeface="Segoe UI Light" panose="020B0502040204020203" pitchFamily="34" charset="0"/>
-                <a:cs typeface="Segoe UI Light" panose="020B0502040204020203" pitchFamily="34" charset="0"/>
-              </a:rPr>
-              <a:t>2</a:t>
-            </a:r>
-          </a:p>
-        </p:txBody>
-      </p:sp>
-      <p:sp>
-        <p:nvSpPr>
-          <p:cNvPr id="17" name="Oval 2"/>
-          <p:cNvSpPr/>
-          <p:nvPr/>
-        </p:nvSpPr>
-        <p:spPr bwMode="auto">
-          <a:xfrm>
-            <a:off x="2341197" y="2882280"/>
-            <a:ext cx="440737" cy="440737"/>
-          </a:xfrm>
-          <a:prstGeom prst="ellipse">
-            <a:avLst/>
-          </a:prstGeom>
-          <a:noFill/>
-          <a:ln w="25400">
-            <a:solidFill>
-              <a:srgbClr val="616161"/>
-            </a:solidFill>
-            <a:headEnd type="none" w="med" len="med"/>
-            <a:tailEnd type="none" w="med" len="med"/>
-          </a:ln>
-          <a:effectLst/>
-        </p:spPr>
-        <p:style>
-          <a:lnRef idx="1">
-            <a:schemeClr val="accent2"/>
-          </a:lnRef>
-          <a:fillRef idx="3">
-            <a:schemeClr val="accent2"/>
-          </a:fillRef>
-          <a:effectRef idx="2">
-            <a:schemeClr val="accent2"/>
-          </a:effectRef>
-          <a:fontRef idx="minor">
-            <a:schemeClr val="lt1"/>
-          </a:fontRef>
-        </p:style>
-        <p:txBody>
-          <a:bodyPr vert="horz" wrap="square" lIns="91436" tIns="45718" rIns="91436" bIns="45718" numCol="1" rtlCol="0" anchor="ctr" anchorCtr="0" compatLnSpc="1">
-            <a:prstTxWarp prst="textNoShape">
-              <a:avLst/>
-            </a:prstTxWarp>
-          </a:bodyPr>
-          <a:lstStyle/>
-          <a:p>
-            <a:pPr algn="ctr" defTabSz="914099" fontAlgn="base">
-              <a:spcBef>
-                <a:spcPct val="0"/>
-              </a:spcBef>
-              <a:spcAft>
-                <a:spcPct val="0"/>
-              </a:spcAft>
-            </a:pPr>
-            <a:r>
-              <a:rPr lang="en-US" sz="2800" dirty="0" smtClean="0">
-                <a:solidFill>
-                  <a:srgbClr val="616161"/>
-                </a:solidFill>
-                <a:latin typeface="Segoe UI Light" panose="020B0502040204020203" pitchFamily="34" charset="0"/>
-                <a:cs typeface="Segoe UI Light" panose="020B0502040204020203" pitchFamily="34" charset="0"/>
-              </a:rPr>
-              <a:t>3</a:t>
-            </a:r>
-          </a:p>
-        </p:txBody>
-      </p:sp>
-      <p:sp>
-        <p:nvSpPr>
-          <p:cNvPr id="18" name="Oval 2"/>
-          <p:cNvSpPr/>
-          <p:nvPr/>
-        </p:nvSpPr>
-        <p:spPr bwMode="auto">
-          <a:xfrm>
-            <a:off x="3472822" y="3791899"/>
-            <a:ext cx="440737" cy="440737"/>
-          </a:xfrm>
-          <a:prstGeom prst="ellipse">
-            <a:avLst/>
-          </a:prstGeom>
-          <a:noFill/>
-          <a:ln w="25400">
-            <a:solidFill>
-              <a:srgbClr val="616161"/>
-            </a:solidFill>
-            <a:headEnd type="none" w="med" len="med"/>
-            <a:tailEnd type="none" w="med" len="med"/>
-          </a:ln>
-          <a:effectLst/>
-        </p:spPr>
-        <p:style>
-          <a:lnRef idx="1">
-            <a:schemeClr val="accent2"/>
-          </a:lnRef>
-          <a:fillRef idx="3">
-            <a:schemeClr val="accent2"/>
-          </a:fillRef>
-          <a:effectRef idx="2">
-            <a:schemeClr val="accent2"/>
-          </a:effectRef>
-          <a:fontRef idx="minor">
-            <a:schemeClr val="lt1"/>
-          </a:fontRef>
-        </p:style>
-        <p:txBody>
-          <a:bodyPr vert="horz" wrap="square" lIns="91436" tIns="45718" rIns="91436" bIns="45718" numCol="1" rtlCol="0" anchor="ctr" anchorCtr="0" compatLnSpc="1">
-            <a:prstTxWarp prst="textNoShape">
-              <a:avLst/>
-            </a:prstTxWarp>
-          </a:bodyPr>
-          <a:lstStyle/>
-          <a:p>
-            <a:pPr algn="ctr" defTabSz="914099" fontAlgn="base">
-              <a:spcBef>
-                <a:spcPct val="0"/>
-              </a:spcBef>
-              <a:spcAft>
-                <a:spcPct val="0"/>
-              </a:spcAft>
-            </a:pPr>
-            <a:r>
-              <a:rPr lang="en-US" sz="2800" dirty="0" smtClean="0">
-                <a:solidFill>
-                  <a:srgbClr val="616161"/>
-                </a:solidFill>
-                <a:latin typeface="Segoe UI Light" panose="020B0502040204020203" pitchFamily="34" charset="0"/>
-                <a:cs typeface="Segoe UI Light" panose="020B0502040204020203" pitchFamily="34" charset="0"/>
-              </a:rPr>
-              <a:t>4</a:t>
-            </a:r>
-          </a:p>
-        </p:txBody>
-      </p:sp>
       <p:pic>
         <p:nvPicPr>
-          <p:cNvPr id="19" name="Grafik 18"/>
+          <p:cNvPr id="41" name="Grafik 40"/>
           <p:cNvPicPr>
             <a:picLocks noChangeAspect="1"/>
           </p:cNvPicPr>
           <p:nvPr/>
         </p:nvPicPr>
         <p:blipFill>
-          <a:blip r:embed="rId3"/>
+          <a:blip r:embed="rId4"/>
           <a:stretch>
             <a:fillRect/>
           </a:stretch>
         </p:blipFill>
         <p:spPr>
           <a:xfrm>
-            <a:off x="9930837" y="1806595"/>
+            <a:off x="9163896" y="2210125"/>
             <a:ext cx="846568" cy="1149543"/>
           </a:xfrm>
           <a:prstGeom prst="rect">
@@ -6890,21 +5892,21 @@
       </p:pic>
       <p:pic>
         <p:nvPicPr>
-          <p:cNvPr id="20" name="Grafik 19"/>
+          <p:cNvPr id="42" name="Grafik 41"/>
           <p:cNvPicPr>
             <a:picLocks noChangeAspect="1"/>
           </p:cNvPicPr>
           <p:nvPr/>
         </p:nvPicPr>
         <p:blipFill>
-          <a:blip r:embed="rId3"/>
+          <a:blip r:embed="rId4"/>
           <a:stretch>
             <a:fillRect/>
           </a:stretch>
         </p:blipFill>
         <p:spPr>
           <a:xfrm>
-            <a:off x="10332060" y="2035742"/>
+            <a:off x="9565119" y="2439272"/>
             <a:ext cx="846568" cy="1149543"/>
           </a:xfrm>
           <a:prstGeom prst="rect">
@@ -6914,21 +5916,21 @@
       </p:pic>
       <p:pic>
         <p:nvPicPr>
-          <p:cNvPr id="21" name="Grafik 20"/>
+          <p:cNvPr id="43" name="Grafik 42"/>
           <p:cNvPicPr>
             <a:picLocks noChangeAspect="1"/>
           </p:cNvPicPr>
           <p:nvPr/>
         </p:nvPicPr>
         <p:blipFill>
-          <a:blip r:embed="rId3"/>
+          <a:blip r:embed="rId4"/>
           <a:stretch>
             <a:fillRect/>
           </a:stretch>
         </p:blipFill>
         <p:spPr>
           <a:xfrm>
-            <a:off x="10750685" y="2273028"/>
+            <a:off x="9983744" y="2676558"/>
             <a:ext cx="846568" cy="1149543"/>
           </a:xfrm>
           <a:prstGeom prst="rect">
@@ -6938,14 +5940,14 @@
       </p:pic>
       <p:cxnSp>
         <p:nvCxnSpPr>
-          <p:cNvPr id="22" name="Gerade Verbindung mit Pfeil 21"/>
+          <p:cNvPr id="44" name="Gerade Verbindung mit Pfeil 43"/>
           <p:cNvCxnSpPr/>
           <p:nvPr/>
         </p:nvCxnSpPr>
         <p:spPr>
           <a:xfrm>
             <a:off x="6221495" y="1757588"/>
-            <a:ext cx="3407568" cy="390122"/>
+            <a:ext cx="2942401" cy="601931"/>
           </a:xfrm>
           <a:prstGeom prst="straightConnector1">
             <a:avLst/>
@@ -6975,7 +5977,7 @@
       </p:cxnSp>
       <p:sp>
         <p:nvSpPr>
-          <p:cNvPr id="23" name="Textfeld 22"/>
+          <p:cNvPr id="45" name="Textfeld 44"/>
           <p:cNvSpPr txBox="1"/>
           <p:nvPr/>
         </p:nvSpPr>
@@ -7027,7 +6029,7 @@
       </p:sp>
       <p:cxnSp>
         <p:nvCxnSpPr>
-          <p:cNvPr id="24" name="Gerade Verbindung mit Pfeil 23"/>
+          <p:cNvPr id="46" name="Gerade Verbindung mit Pfeil 45"/>
           <p:cNvCxnSpPr/>
           <p:nvPr/>
         </p:nvCxnSpPr>
@@ -7064,14 +6066,14 @@
       </p:cxnSp>
       <p:sp>
         <p:nvSpPr>
-          <p:cNvPr id="25" name="Textfeld 24"/>
+          <p:cNvPr id="47" name="Textfeld 46"/>
           <p:cNvSpPr txBox="1"/>
           <p:nvPr/>
         </p:nvSpPr>
         <p:spPr>
           <a:xfrm>
-            <a:off x="9977034" y="957093"/>
-            <a:ext cx="1414362" cy="523219"/>
+            <a:off x="9232450" y="1647532"/>
+            <a:ext cx="2024785" cy="523220"/>
           </a:xfrm>
           <a:prstGeom prst="rect">
             <a:avLst/>
@@ -7084,6 +6086,16 @@
           </a:bodyPr>
           <a:lstStyle/>
           <a:p>
+            <a:r>
+              <a:rPr lang="de-CH" sz="2800" dirty="0" smtClean="0">
+                <a:solidFill>
+                  <a:srgbClr val="606060"/>
+                </a:solidFill>
+                <a:latin typeface="Segoe UI Light" panose="020B0502040204020203" pitchFamily="34" charset="0"/>
+                <a:cs typeface="Segoe UI Light" panose="020B0502040204020203" pitchFamily="34" charset="0"/>
+              </a:rPr>
+              <a:t>Worker </a:t>
+            </a:r>
             <a:r>
               <a:rPr lang="de-CH" sz="2800" dirty="0" err="1" smtClean="0">
                 <a:solidFill>
@@ -7092,7 +6104,7 @@
                 <a:latin typeface="Segoe UI Light" panose="020B0502040204020203" pitchFamily="34" charset="0"/>
                 <a:cs typeface="Segoe UI Light" panose="020B0502040204020203" pitchFamily="34" charset="0"/>
               </a:rPr>
-              <a:t>Workers</a:t>
+              <a:t>Role</a:t>
             </a:r>
             <a:endParaRPr lang="de-CH" sz="2800" dirty="0">
               <a:solidFill>
@@ -7104,150 +6116,16 @@
           </a:p>
         </p:txBody>
       </p:sp>
-      <p:sp>
-        <p:nvSpPr>
-          <p:cNvPr id="26" name="Oval 2"/>
-          <p:cNvSpPr/>
-          <p:nvPr/>
-        </p:nvSpPr>
-        <p:spPr bwMode="auto">
-          <a:xfrm>
-            <a:off x="9007472" y="3335630"/>
-            <a:ext cx="440737" cy="440737"/>
-          </a:xfrm>
-          <a:prstGeom prst="ellipse">
-            <a:avLst/>
-          </a:prstGeom>
-          <a:noFill/>
-          <a:ln w="25400">
-            <a:solidFill>
-              <a:srgbClr val="616161"/>
-            </a:solidFill>
-            <a:headEnd type="none" w="med" len="med"/>
-            <a:tailEnd type="none" w="med" len="med"/>
-          </a:ln>
-          <a:effectLst/>
-        </p:spPr>
-        <p:style>
-          <a:lnRef idx="1">
-            <a:schemeClr val="accent2"/>
-          </a:lnRef>
-          <a:fillRef idx="3">
-            <a:schemeClr val="accent2"/>
-          </a:fillRef>
-          <a:effectRef idx="2">
-            <a:schemeClr val="accent2"/>
-          </a:effectRef>
-          <a:fontRef idx="minor">
-            <a:schemeClr val="lt1"/>
-          </a:fontRef>
-        </p:style>
-        <p:txBody>
-          <a:bodyPr vert="horz" wrap="square" lIns="91436" tIns="45718" rIns="91436" bIns="45718" numCol="1" rtlCol="0" anchor="ctr" anchorCtr="0" compatLnSpc="1">
-            <a:prstTxWarp prst="textNoShape">
-              <a:avLst/>
-            </a:prstTxWarp>
-          </a:bodyPr>
-          <a:lstStyle/>
-          <a:p>
-            <a:pPr algn="ctr" defTabSz="914099" fontAlgn="base">
-              <a:spcBef>
-                <a:spcPct val="0"/>
-              </a:spcBef>
-              <a:spcAft>
-                <a:spcPct val="0"/>
-              </a:spcAft>
-            </a:pPr>
-            <a:r>
-              <a:rPr lang="en-US" sz="2800" dirty="0" smtClean="0">
-                <a:solidFill>
-                  <a:srgbClr val="616161"/>
-                </a:solidFill>
-                <a:latin typeface="Segoe UI Light" panose="020B0502040204020203" pitchFamily="34" charset="0"/>
-                <a:cs typeface="Segoe UI Light" panose="020B0502040204020203" pitchFamily="34" charset="0"/>
-              </a:rPr>
-              <a:t>5</a:t>
-            </a:r>
-          </a:p>
-        </p:txBody>
-      </p:sp>
-      <p:sp>
-        <p:nvSpPr>
-          <p:cNvPr id="27" name="Oval 2"/>
-          <p:cNvSpPr/>
-          <p:nvPr/>
-        </p:nvSpPr>
-        <p:spPr bwMode="auto">
-          <a:xfrm>
-            <a:off x="8370932" y="1106696"/>
-            <a:ext cx="440737" cy="440737"/>
-          </a:xfrm>
-          <a:prstGeom prst="ellipse">
-            <a:avLst/>
-          </a:prstGeom>
-          <a:noFill/>
-          <a:ln w="25400">
-            <a:solidFill>
-              <a:srgbClr val="616161"/>
-            </a:solidFill>
-            <a:headEnd type="none" w="med" len="med"/>
-            <a:tailEnd type="none" w="med" len="med"/>
-          </a:ln>
-          <a:effectLst/>
-        </p:spPr>
-        <p:style>
-          <a:lnRef idx="1">
-            <a:schemeClr val="accent2"/>
-          </a:lnRef>
-          <a:fillRef idx="3">
-            <a:schemeClr val="accent2"/>
-          </a:fillRef>
-          <a:effectRef idx="2">
-            <a:schemeClr val="accent2"/>
-          </a:effectRef>
-          <a:fontRef idx="minor">
-            <a:schemeClr val="lt1"/>
-          </a:fontRef>
-        </p:style>
-        <p:txBody>
-          <a:bodyPr vert="horz" wrap="square" lIns="91436" tIns="45718" rIns="91436" bIns="45718" numCol="1" rtlCol="0" anchor="ctr" anchorCtr="0" compatLnSpc="1">
-            <a:prstTxWarp prst="textNoShape">
-              <a:avLst/>
-            </a:prstTxWarp>
-          </a:bodyPr>
-          <a:lstStyle/>
-          <a:p>
-            <a:pPr algn="ctr" defTabSz="914099" fontAlgn="base">
-              <a:spcBef>
-                <a:spcPct val="0"/>
-              </a:spcBef>
-              <a:spcAft>
-                <a:spcPct val="0"/>
-              </a:spcAft>
-            </a:pPr>
-            <a:r>
-              <a:rPr lang="en-US" sz="2800" dirty="0" smtClean="0">
-                <a:solidFill>
-                  <a:srgbClr val="616161"/>
-                </a:solidFill>
-                <a:latin typeface="Segoe UI Light" panose="020B0502040204020203" pitchFamily="34" charset="0"/>
-                <a:cs typeface="Segoe UI Light" panose="020B0502040204020203" pitchFamily="34" charset="0"/>
-              </a:rPr>
-              <a:t>6</a:t>
-            </a:r>
-          </a:p>
-        </p:txBody>
-      </p:sp>
       <p:cxnSp>
         <p:nvCxnSpPr>
-          <p:cNvPr id="28" name="Gerade Verbindung mit Pfeil 27"/>
+          <p:cNvPr id="50" name="Gerade Verbindung mit Pfeil 49"/>
           <p:cNvCxnSpPr/>
           <p:nvPr/>
         </p:nvCxnSpPr>
         <p:spPr>
-          <a:xfrm flipV="1">
-            <a:off x="6380891" y="2986103"/>
-            <a:ext cx="3518170" cy="116547"/>
+          <a:xfrm>
+            <a:off x="6380891" y="3102651"/>
+            <a:ext cx="2738589" cy="257017"/>
           </a:xfrm>
           <a:prstGeom prst="straightConnector1">
             <a:avLst/>
@@ -7277,7 +6155,7 @@
       </p:cxnSp>
       <p:pic>
         <p:nvPicPr>
-          <p:cNvPr id="29" name="Picture 5"/>
+          <p:cNvPr id="51" name="Picture 5"/>
           <p:cNvPicPr>
             <a:picLocks noChangeAspect="1"/>
           </p:cNvPicPr>
@@ -7338,7 +6216,7 @@
       </p:pic>
       <p:pic>
         <p:nvPicPr>
-          <p:cNvPr id="30" name="Picture 7"/>
+          <p:cNvPr id="52" name="Picture 7"/>
           <p:cNvPicPr>
             <a:picLocks noChangeAspect="1"/>
           </p:cNvPicPr>
@@ -7397,10 +6275,7342 @@
           </a:extLst>
         </p:spPr>
       </p:pic>
+      <p:sp>
+        <p:nvSpPr>
+          <p:cNvPr id="33" name="Textfeld 32"/>
+          <p:cNvSpPr txBox="1"/>
+          <p:nvPr/>
+        </p:nvSpPr>
+        <p:spPr>
+          <a:xfrm>
+            <a:off x="4372373" y="3519481"/>
+            <a:ext cx="2862002" cy="523220"/>
+          </a:xfrm>
+          <a:prstGeom prst="rect">
+            <a:avLst/>
+          </a:prstGeom>
+          <a:noFill/>
+        </p:spPr>
+        <p:txBody>
+          <a:bodyPr wrap="none" rtlCol="0">
+            <a:spAutoFit/>
+          </a:bodyPr>
+          <a:lstStyle/>
+          <a:p>
+            <a:r>
+              <a:rPr lang="de-CH" sz="2800" dirty="0" smtClean="0">
+                <a:solidFill>
+                  <a:srgbClr val="3C4D62"/>
+                </a:solidFill>
+                <a:latin typeface="Segoe UI Light" panose="020B0502040204020203" pitchFamily="34" charset="0"/>
+                <a:cs typeface="Segoe UI Light" panose="020B0502040204020203" pitchFamily="34" charset="0"/>
+              </a:rPr>
+              <a:t>Azure Service Bus</a:t>
+            </a:r>
+            <a:endParaRPr lang="de-CH" sz="2800" dirty="0">
+              <a:solidFill>
+                <a:srgbClr val="3C4D62"/>
+              </a:solidFill>
+              <a:latin typeface="Segoe UI Light" panose="020B0502040204020203" pitchFamily="34" charset="0"/>
+              <a:cs typeface="Segoe UI Light" panose="020B0502040204020203" pitchFamily="34" charset="0"/>
+            </a:endParaRPr>
+          </a:p>
+        </p:txBody>
+      </p:sp>
+      <p:pic>
+        <p:nvPicPr>
+          <p:cNvPr id="21" name="Grafik 20"/>
+          <p:cNvPicPr>
+            <a:picLocks noChangeAspect="1"/>
+          </p:cNvPicPr>
+          <p:nvPr/>
+        </p:nvPicPr>
+        <p:blipFill>
+          <a:blip r:embed="rId4"/>
+          <a:stretch>
+            <a:fillRect/>
+          </a:stretch>
+        </p:blipFill>
+        <p:spPr>
+          <a:xfrm>
+            <a:off x="6249641" y="4054096"/>
+            <a:ext cx="729521" cy="990606"/>
+          </a:xfrm>
+          <a:prstGeom prst="rect">
+            <a:avLst/>
+          </a:prstGeom>
+        </p:spPr>
+      </p:pic>
+      <p:cxnSp>
+        <p:nvCxnSpPr>
+          <p:cNvPr id="25" name="Gerade Verbindung mit Pfeil 24"/>
+          <p:cNvCxnSpPr/>
+          <p:nvPr/>
+        </p:nvCxnSpPr>
+        <p:spPr>
+          <a:xfrm flipV="1">
+            <a:off x="2242353" y="4811428"/>
+            <a:ext cx="3934726" cy="471996"/>
+          </a:xfrm>
+          <a:prstGeom prst="straightConnector1">
+            <a:avLst/>
+          </a:prstGeom>
+          <a:ln w="31750">
+            <a:solidFill>
+              <a:schemeClr val="accent2"/>
+            </a:solidFill>
+            <a:headEnd type="triangle"/>
+            <a:tailEnd type="none"/>
+          </a:ln>
+        </p:spPr>
+        <p:style>
+          <a:lnRef idx="1">
+            <a:schemeClr val="accent1"/>
+          </a:lnRef>
+          <a:fillRef idx="0">
+            <a:schemeClr val="accent1"/>
+          </a:fillRef>
+          <a:effectRef idx="0">
+            <a:schemeClr val="accent1"/>
+          </a:effectRef>
+          <a:fontRef idx="minor">
+            <a:schemeClr val="tx1"/>
+          </a:fontRef>
+        </p:style>
+      </p:cxnSp>
+      <p:sp>
+        <p:nvSpPr>
+          <p:cNvPr id="26" name="Textfeld 25"/>
+          <p:cNvSpPr txBox="1"/>
+          <p:nvPr/>
+        </p:nvSpPr>
+        <p:spPr>
+          <a:xfrm>
+            <a:off x="5861332" y="5088370"/>
+            <a:ext cx="1474956" cy="523220"/>
+          </a:xfrm>
+          <a:prstGeom prst="rect">
+            <a:avLst/>
+          </a:prstGeom>
+          <a:noFill/>
+        </p:spPr>
+        <p:txBody>
+          <a:bodyPr wrap="none" rtlCol="0">
+            <a:spAutoFit/>
+          </a:bodyPr>
+          <a:lstStyle/>
+          <a:p>
+            <a:r>
+              <a:rPr lang="de-CH" sz="2800" dirty="0" smtClean="0">
+                <a:solidFill>
+                  <a:srgbClr val="606060"/>
+                </a:solidFill>
+                <a:latin typeface="Segoe UI Light" panose="020B0502040204020203" pitchFamily="34" charset="0"/>
+                <a:cs typeface="Segoe UI Light" panose="020B0502040204020203" pitchFamily="34" charset="0"/>
+              </a:rPr>
+              <a:t>Web API</a:t>
+            </a:r>
+            <a:endParaRPr lang="de-CH" sz="2800" dirty="0">
+              <a:solidFill>
+                <a:srgbClr val="606060"/>
+              </a:solidFill>
+              <a:latin typeface="Segoe UI Light" panose="020B0502040204020203" pitchFamily="34" charset="0"/>
+              <a:cs typeface="Segoe UI Light" panose="020B0502040204020203" pitchFamily="34" charset="0"/>
+            </a:endParaRPr>
+          </a:p>
+        </p:txBody>
+      </p:sp>
+      <p:sp>
+        <p:nvSpPr>
+          <p:cNvPr id="28" name="Textfeld 27"/>
+          <p:cNvSpPr txBox="1"/>
+          <p:nvPr/>
+        </p:nvSpPr>
+        <p:spPr>
+          <a:xfrm>
+            <a:off x="3200189" y="5163934"/>
+            <a:ext cx="1645002" cy="523220"/>
+          </a:xfrm>
+          <a:prstGeom prst="rect">
+            <a:avLst/>
+          </a:prstGeom>
+          <a:noFill/>
+        </p:spPr>
+        <p:txBody>
+          <a:bodyPr wrap="none" rtlCol="0">
+            <a:spAutoFit/>
+          </a:bodyPr>
+          <a:lstStyle>
+            <a:defPPr>
+              <a:defRPr lang="de-DE"/>
+            </a:defPPr>
+            <a:lvl1pPr>
+              <a:defRPr sz="1600">
+                <a:solidFill>
+                  <a:srgbClr val="606060"/>
+                </a:solidFill>
+              </a:defRPr>
+            </a:lvl1pPr>
+          </a:lstStyle>
+          <a:p>
+            <a:r>
+              <a:rPr lang="de-CH" sz="2800" dirty="0" smtClean="0">
+                <a:latin typeface="Segoe UI Light" panose="020B0502040204020203" pitchFamily="34" charset="0"/>
+                <a:cs typeface="Segoe UI Light" panose="020B0502040204020203" pitchFamily="34" charset="0"/>
+              </a:rPr>
+              <a:t>SAS-URLs</a:t>
+            </a:r>
+            <a:endParaRPr lang="de-CH" sz="2800" dirty="0">
+              <a:latin typeface="Segoe UI Light" panose="020B0502040204020203" pitchFamily="34" charset="0"/>
+              <a:cs typeface="Segoe UI Light" panose="020B0502040204020203" pitchFamily="34" charset="0"/>
+            </a:endParaRPr>
+          </a:p>
+        </p:txBody>
+      </p:sp>
+      <p:cxnSp>
+        <p:nvCxnSpPr>
+          <p:cNvPr id="31" name="Gerade Verbindung mit Pfeil 30"/>
+          <p:cNvCxnSpPr/>
+          <p:nvPr/>
+        </p:nvCxnSpPr>
+        <p:spPr>
+          <a:xfrm flipV="1">
+            <a:off x="2242352" y="4519630"/>
+            <a:ext cx="3934727" cy="468670"/>
+          </a:xfrm>
+          <a:prstGeom prst="straightConnector1">
+            <a:avLst/>
+          </a:prstGeom>
+          <a:ln w="31750">
+            <a:solidFill>
+              <a:schemeClr val="accent2"/>
+            </a:solidFill>
+            <a:headEnd type="none"/>
+            <a:tailEnd type="triangle"/>
+          </a:ln>
+        </p:spPr>
+        <p:style>
+          <a:lnRef idx="1">
+            <a:schemeClr val="accent1"/>
+          </a:lnRef>
+          <a:fillRef idx="0">
+            <a:schemeClr val="accent1"/>
+          </a:fillRef>
+          <a:effectRef idx="0">
+            <a:schemeClr val="accent1"/>
+          </a:effectRef>
+          <a:fontRef idx="minor">
+            <a:schemeClr val="tx1"/>
+          </a:fontRef>
+        </p:style>
+      </p:cxnSp>
+      <p:sp>
+        <p:nvSpPr>
+          <p:cNvPr id="6" name="Zylinder 5"/>
+          <p:cNvSpPr/>
+          <p:nvPr/>
+        </p:nvSpPr>
+        <p:spPr>
+          <a:xfrm>
+            <a:off x="8791006" y="4262888"/>
+            <a:ext cx="599311" cy="628470"/>
+          </a:xfrm>
+          <a:prstGeom prst="can">
+            <a:avLst/>
+          </a:prstGeom>
+          <a:solidFill>
+            <a:srgbClr val="52728B"/>
+          </a:solidFill>
+        </p:spPr>
+        <p:style>
+          <a:lnRef idx="2">
+            <a:schemeClr val="accent1">
+              <a:shade val="50000"/>
+            </a:schemeClr>
+          </a:lnRef>
+          <a:fillRef idx="1">
+            <a:schemeClr val="accent1"/>
+          </a:fillRef>
+          <a:effectRef idx="0">
+            <a:schemeClr val="accent1"/>
+          </a:effectRef>
+          <a:fontRef idx="minor">
+            <a:schemeClr val="lt1"/>
+          </a:fontRef>
+        </p:style>
+        <p:txBody>
+          <a:bodyPr rtlCol="0" anchor="ctr"/>
+          <a:lstStyle/>
+          <a:p>
+            <a:pPr algn="ctr"/>
+            <a:endParaRPr lang="de-CH"/>
+          </a:p>
+        </p:txBody>
+      </p:sp>
+      <p:sp>
+        <p:nvSpPr>
+          <p:cNvPr id="38" name="Textfeld 37"/>
+          <p:cNvSpPr txBox="1"/>
+          <p:nvPr/>
+        </p:nvSpPr>
+        <p:spPr>
+          <a:xfrm>
+            <a:off x="8452470" y="5085960"/>
+            <a:ext cx="1334020" cy="523220"/>
+          </a:xfrm>
+          <a:prstGeom prst="rect">
+            <a:avLst/>
+          </a:prstGeom>
+          <a:noFill/>
+        </p:spPr>
+        <p:txBody>
+          <a:bodyPr wrap="none" rtlCol="0">
+            <a:spAutoFit/>
+          </a:bodyPr>
+          <a:lstStyle/>
+          <a:p>
+            <a:r>
+              <a:rPr lang="de-CH" sz="2800" dirty="0" smtClean="0">
+                <a:solidFill>
+                  <a:srgbClr val="606060"/>
+                </a:solidFill>
+                <a:latin typeface="Segoe UI Light" panose="020B0502040204020203" pitchFamily="34" charset="0"/>
+                <a:cs typeface="Segoe UI Light" panose="020B0502040204020203" pitchFamily="34" charset="0"/>
+              </a:rPr>
+              <a:t>SQL DB</a:t>
+            </a:r>
+            <a:endParaRPr lang="de-CH" sz="2800" dirty="0">
+              <a:solidFill>
+                <a:srgbClr val="606060"/>
+              </a:solidFill>
+              <a:latin typeface="Segoe UI Light" panose="020B0502040204020203" pitchFamily="34" charset="0"/>
+              <a:cs typeface="Segoe UI Light" panose="020B0502040204020203" pitchFamily="34" charset="0"/>
+            </a:endParaRPr>
+          </a:p>
+        </p:txBody>
+      </p:sp>
+      <p:cxnSp>
+        <p:nvCxnSpPr>
+          <p:cNvPr id="39" name="Gerade Verbindung mit Pfeil 38"/>
+          <p:cNvCxnSpPr/>
+          <p:nvPr/>
+        </p:nvCxnSpPr>
+        <p:spPr>
+          <a:xfrm flipV="1">
+            <a:off x="7063668" y="4646752"/>
+            <a:ext cx="1553263" cy="4236"/>
+          </a:xfrm>
+          <a:prstGeom prst="straightConnector1">
+            <a:avLst/>
+          </a:prstGeom>
+          <a:ln w="31750">
+            <a:solidFill>
+              <a:schemeClr val="accent2"/>
+            </a:solidFill>
+            <a:headEnd type="triangle"/>
+            <a:tailEnd type="triangle"/>
+          </a:ln>
+        </p:spPr>
+        <p:style>
+          <a:lnRef idx="1">
+            <a:schemeClr val="accent1"/>
+          </a:lnRef>
+          <a:fillRef idx="0">
+            <a:schemeClr val="accent1"/>
+          </a:fillRef>
+          <a:effectRef idx="0">
+            <a:schemeClr val="accent1"/>
+          </a:effectRef>
+          <a:fontRef idx="minor">
+            <a:schemeClr val="tx1"/>
+          </a:fontRef>
+        </p:style>
+      </p:cxnSp>
+    </p:spTree>
+    <p:extLst>
+      <p:ext uri="{BB962C8B-B14F-4D97-AF65-F5344CB8AC3E}">
+        <p14:creationId xmlns:p14="http://schemas.microsoft.com/office/powerpoint/2010/main" val="2961909492"/>
+      </p:ext>
+    </p:extLst>
+  </p:cSld>
+  <p:clrMapOvr>
+    <a:masterClrMapping/>
+  </p:clrMapOvr>
+  <p:timing>
+    <p:tnLst>
+      <p:par>
+        <p:cTn id="1" dur="indefinite" restart="never" nodeType="tmRoot"/>
+      </p:par>
+    </p:tnLst>
+  </p:timing>
+</p:sld>
+</file>
+
+<file path=ppt/slides/slide5.xml><?xml version="1.0" encoding="utf-8"?>
+<p:sld xmlns:a="http://schemas.openxmlformats.org/drawingml/2006/main" xmlns:r="http://schemas.openxmlformats.org/officeDocument/2006/relationships" xmlns:p="http://schemas.openxmlformats.org/presentationml/2006/main">
+  <p:cSld>
+    <p:spTree>
+      <p:nvGrpSpPr>
+        <p:cNvPr id="1" name=""/>
+        <p:cNvGrpSpPr/>
+        <p:nvPr/>
+      </p:nvGrpSpPr>
+      <p:grpSpPr>
+        <a:xfrm>
+          <a:off x="0" y="0"/>
+          <a:ext cx="0" cy="0"/>
+          <a:chOff x="0" y="0"/>
+          <a:chExt cx="0" cy="0"/>
+        </a:xfrm>
+      </p:grpSpPr>
+      <p:sp>
+        <p:nvSpPr>
+          <p:cNvPr id="22" name="Freeform 7"/>
+          <p:cNvSpPr>
+            <a:spLocks/>
+          </p:cNvSpPr>
+          <p:nvPr/>
+        </p:nvSpPr>
+        <p:spPr bwMode="auto">
+          <a:xfrm flipH="1">
+            <a:off x="2826597" y="215152"/>
+            <a:ext cx="8974877" cy="4814047"/>
+          </a:xfrm>
+          <a:custGeom>
+            <a:avLst/>
+            <a:gdLst>
+              <a:gd name="T0" fmla="*/ 157 w 214"/>
+              <a:gd name="T1" fmla="*/ 0 h 114"/>
+              <a:gd name="T2" fmla="*/ 107 w 214"/>
+              <a:gd name="T3" fmla="*/ 29 h 114"/>
+              <a:gd name="T4" fmla="*/ 86 w 214"/>
+              <a:gd name="T5" fmla="*/ 23 h 114"/>
+              <a:gd name="T6" fmla="*/ 46 w 214"/>
+              <a:gd name="T7" fmla="*/ 48 h 114"/>
+              <a:gd name="T8" fmla="*/ 34 w 214"/>
+              <a:gd name="T9" fmla="*/ 45 h 114"/>
+              <a:gd name="T10" fmla="*/ 0 w 214"/>
+              <a:gd name="T11" fmla="*/ 80 h 114"/>
+              <a:gd name="T12" fmla="*/ 34 w 214"/>
+              <a:gd name="T13" fmla="*/ 114 h 114"/>
+              <a:gd name="T14" fmla="*/ 86 w 214"/>
+              <a:gd name="T15" fmla="*/ 114 h 114"/>
+              <a:gd name="T16" fmla="*/ 157 w 214"/>
+              <a:gd name="T17" fmla="*/ 114 h 114"/>
+              <a:gd name="T18" fmla="*/ 214 w 214"/>
+              <a:gd name="T19" fmla="*/ 57 h 114"/>
+              <a:gd name="T20" fmla="*/ 157 w 214"/>
+              <a:gd name="T21" fmla="*/ 0 h 114"/>
+            </a:gdLst>
+            <a:ahLst/>
+            <a:cxnLst>
+              <a:cxn ang="0">
+                <a:pos x="T0" y="T1"/>
+              </a:cxn>
+              <a:cxn ang="0">
+                <a:pos x="T2" y="T3"/>
+              </a:cxn>
+              <a:cxn ang="0">
+                <a:pos x="T4" y="T5"/>
+              </a:cxn>
+              <a:cxn ang="0">
+                <a:pos x="T6" y="T7"/>
+              </a:cxn>
+              <a:cxn ang="0">
+                <a:pos x="T8" y="T9"/>
+              </a:cxn>
+              <a:cxn ang="0">
+                <a:pos x="T10" y="T11"/>
+              </a:cxn>
+              <a:cxn ang="0">
+                <a:pos x="T12" y="T13"/>
+              </a:cxn>
+              <a:cxn ang="0">
+                <a:pos x="T14" y="T15"/>
+              </a:cxn>
+              <a:cxn ang="0">
+                <a:pos x="T16" y="T17"/>
+              </a:cxn>
+              <a:cxn ang="0">
+                <a:pos x="T18" y="T19"/>
+              </a:cxn>
+              <a:cxn ang="0">
+                <a:pos x="T20" y="T21"/>
+              </a:cxn>
+            </a:cxnLst>
+            <a:rect l="0" t="0" r="r" b="b"/>
+            <a:pathLst>
+              <a:path w="214" h="114">
+                <a:moveTo>
+                  <a:pt x="157" y="0"/>
+                </a:moveTo>
+                <a:cubicBezTo>
+                  <a:pt x="136" y="0"/>
+                  <a:pt x="117" y="11"/>
+                  <a:pt x="107" y="29"/>
+                </a:cubicBezTo>
+                <a:cubicBezTo>
+                  <a:pt x="101" y="25"/>
+                  <a:pt x="94" y="23"/>
+                  <a:pt x="86" y="23"/>
+                </a:cubicBezTo>
+                <a:cubicBezTo>
+                  <a:pt x="69" y="23"/>
+                  <a:pt x="54" y="33"/>
+                  <a:pt x="46" y="48"/>
+                </a:cubicBezTo>
+                <a:cubicBezTo>
+                  <a:pt x="42" y="46"/>
+                  <a:pt x="38" y="45"/>
+                  <a:pt x="34" y="45"/>
+                </a:cubicBezTo>
+                <a:cubicBezTo>
+                  <a:pt x="15" y="45"/>
+                  <a:pt x="0" y="61"/>
+                  <a:pt x="0" y="80"/>
+                </a:cubicBezTo>
+                <a:cubicBezTo>
+                  <a:pt x="0" y="99"/>
+                  <a:pt x="15" y="114"/>
+                  <a:pt x="34" y="114"/>
+                </a:cubicBezTo>
+                <a:cubicBezTo>
+                  <a:pt x="86" y="114"/>
+                  <a:pt x="86" y="114"/>
+                  <a:pt x="86" y="114"/>
+                </a:cubicBezTo>
+                <a:cubicBezTo>
+                  <a:pt x="157" y="114"/>
+                  <a:pt x="157" y="114"/>
+                  <a:pt x="157" y="114"/>
+                </a:cubicBezTo>
+                <a:cubicBezTo>
+                  <a:pt x="189" y="114"/>
+                  <a:pt x="214" y="89"/>
+                  <a:pt x="214" y="57"/>
+                </a:cubicBezTo>
+                <a:cubicBezTo>
+                  <a:pt x="214" y="25"/>
+                  <a:pt x="189" y="0"/>
+                  <a:pt x="157" y="0"/>
+                </a:cubicBezTo>
+                <a:close/>
+              </a:path>
+            </a:pathLst>
+          </a:custGeom>
+          <a:solidFill>
+            <a:srgbClr val="00ABEC">
+              <a:alpha val="70000"/>
+            </a:srgbClr>
+          </a:solidFill>
+          <a:ln>
+            <a:noFill/>
+            <a:headEnd type="none" w="med" len="med"/>
+            <a:tailEnd type="none" w="med" len="med"/>
+          </a:ln>
+          <a:effectLst/>
+        </p:spPr>
+        <p:style>
+          <a:lnRef idx="1">
+            <a:schemeClr val="accent2"/>
+          </a:lnRef>
+          <a:fillRef idx="3">
+            <a:schemeClr val="accent2"/>
+          </a:fillRef>
+          <a:effectRef idx="2">
+            <a:schemeClr val="accent2"/>
+          </a:effectRef>
+          <a:fontRef idx="minor">
+            <a:schemeClr val="lt1"/>
+          </a:fontRef>
+        </p:style>
+        <p:txBody>
+          <a:bodyPr vert="horz" wrap="square" lIns="91404" tIns="45703" rIns="91404" bIns="45703" numCol="1" spcCol="0" rtlCol="0" anchor="ctr" anchorCtr="0" compatLnSpc="1">
+            <a:prstTxWarp prst="textNoShape">
+              <a:avLst/>
+            </a:prstTxWarp>
+          </a:bodyPr>
+          <a:lstStyle/>
+          <a:p>
+            <a:pPr algn="ctr" defTabSz="913788" fontAlgn="base">
+              <a:spcBef>
+                <a:spcPct val="0"/>
+              </a:spcBef>
+              <a:spcAft>
+                <a:spcPct val="0"/>
+              </a:spcAft>
+            </a:pPr>
+            <a:endParaRPr lang="en-US" sz="2800" dirty="0">
+              <a:gradFill>
+                <a:gsLst>
+                  <a:gs pos="0">
+                    <a:srgbClr val="FFFFFF"/>
+                  </a:gs>
+                  <a:gs pos="100000">
+                    <a:srgbClr val="FFFFFF"/>
+                  </a:gs>
+                </a:gsLst>
+                <a:lin ang="5400000" scaled="0"/>
+              </a:gradFill>
+              <a:latin typeface="Segoe UI Light" panose="020B0502040204020203" pitchFamily="34" charset="0"/>
+              <a:cs typeface="Segoe UI Light" panose="020B0502040204020203" pitchFamily="34" charset="0"/>
+            </a:endParaRPr>
+          </a:p>
+        </p:txBody>
+      </p:sp>
+      <p:cxnSp>
+        <p:nvCxnSpPr>
+          <p:cNvPr id="23" name="Gerade Verbindung mit Pfeil 22"/>
+          <p:cNvCxnSpPr/>
+          <p:nvPr/>
+        </p:nvCxnSpPr>
+        <p:spPr>
+          <a:xfrm>
+            <a:off x="6380891" y="3102650"/>
+            <a:ext cx="3448909" cy="609805"/>
+          </a:xfrm>
+          <a:prstGeom prst="straightConnector1">
+            <a:avLst/>
+          </a:prstGeom>
+          <a:ln w="31750">
+            <a:solidFill>
+              <a:schemeClr val="accent2"/>
+            </a:solidFill>
+            <a:headEnd type="none"/>
+            <a:tailEnd type="triangle"/>
+          </a:ln>
+        </p:spPr>
+        <p:style>
+          <a:lnRef idx="1">
+            <a:schemeClr val="accent1"/>
+          </a:lnRef>
+          <a:fillRef idx="0">
+            <a:schemeClr val="accent1"/>
+          </a:fillRef>
+          <a:effectRef idx="0">
+            <a:schemeClr val="accent1"/>
+          </a:effectRef>
+          <a:fontRef idx="minor">
+            <a:schemeClr val="tx1"/>
+          </a:fontRef>
+        </p:style>
+      </p:cxnSp>
+      <p:pic>
+        <p:nvPicPr>
+          <p:cNvPr id="24" name="Grafik 23"/>
+          <p:cNvPicPr>
+            <a:picLocks noChangeAspect="1"/>
+          </p:cNvPicPr>
+          <p:nvPr/>
+        </p:nvPicPr>
+        <p:blipFill>
+          <a:blip r:embed="rId2"/>
+          <a:stretch>
+            <a:fillRect/>
+          </a:stretch>
+        </p:blipFill>
+        <p:spPr>
+          <a:xfrm>
+            <a:off x="530629" y="4140305"/>
+            <a:ext cx="1364717" cy="1779980"/>
+          </a:xfrm>
+          <a:prstGeom prst="rect">
+            <a:avLst/>
+          </a:prstGeom>
+        </p:spPr>
+      </p:pic>
+      <p:sp>
+        <p:nvSpPr>
+          <p:cNvPr id="27" name="Textfeld 26"/>
+          <p:cNvSpPr txBox="1"/>
+          <p:nvPr/>
+        </p:nvSpPr>
+        <p:spPr>
+          <a:xfrm>
+            <a:off x="525305" y="6107599"/>
+            <a:ext cx="1035860" cy="523219"/>
+          </a:xfrm>
+          <a:prstGeom prst="rect">
+            <a:avLst/>
+          </a:prstGeom>
+          <a:noFill/>
+        </p:spPr>
+        <p:txBody>
+          <a:bodyPr wrap="none" rtlCol="0">
+            <a:spAutoFit/>
+          </a:bodyPr>
+          <a:lstStyle/>
+          <a:p>
+            <a:r>
+              <a:rPr lang="de-CH" sz="2800" dirty="0" smtClean="0">
+                <a:solidFill>
+                  <a:srgbClr val="606060"/>
+                </a:solidFill>
+                <a:latin typeface="Segoe UI Light" panose="020B0502040204020203" pitchFamily="34" charset="0"/>
+                <a:cs typeface="Segoe UI Light" panose="020B0502040204020203" pitchFamily="34" charset="0"/>
+              </a:rPr>
+              <a:t>Client</a:t>
+            </a:r>
+            <a:endParaRPr lang="de-CH" sz="2800" dirty="0">
+              <a:solidFill>
+                <a:srgbClr val="606060"/>
+              </a:solidFill>
+              <a:latin typeface="Segoe UI Light" panose="020B0502040204020203" pitchFamily="34" charset="0"/>
+              <a:cs typeface="Segoe UI Light" panose="020B0502040204020203" pitchFamily="34" charset="0"/>
+            </a:endParaRPr>
+          </a:p>
+        </p:txBody>
+      </p:sp>
+      <p:cxnSp>
+        <p:nvCxnSpPr>
+          <p:cNvPr id="29" name="Gerade Verbindung mit Pfeil 28"/>
+          <p:cNvCxnSpPr/>
+          <p:nvPr/>
+        </p:nvCxnSpPr>
+        <p:spPr>
+          <a:xfrm flipV="1">
+            <a:off x="1749088" y="2031239"/>
+            <a:ext cx="3001587" cy="2142820"/>
+          </a:xfrm>
+          <a:prstGeom prst="straightConnector1">
+            <a:avLst/>
+          </a:prstGeom>
+          <a:ln w="31750">
+            <a:solidFill>
+              <a:schemeClr val="accent2"/>
+            </a:solidFill>
+            <a:headEnd type="none"/>
+            <a:tailEnd type="triangle"/>
+          </a:ln>
+        </p:spPr>
+        <p:style>
+          <a:lnRef idx="1">
+            <a:schemeClr val="accent1"/>
+          </a:lnRef>
+          <a:fillRef idx="0">
+            <a:schemeClr val="accent1"/>
+          </a:fillRef>
+          <a:effectRef idx="0">
+            <a:schemeClr val="accent1"/>
+          </a:effectRef>
+          <a:fontRef idx="minor">
+            <a:schemeClr val="tx1"/>
+          </a:fontRef>
+        </p:style>
+      </p:cxnSp>
+      <p:cxnSp>
+        <p:nvCxnSpPr>
+          <p:cNvPr id="30" name="Gerade Verbindung mit Pfeil 29"/>
+          <p:cNvCxnSpPr/>
+          <p:nvPr/>
+        </p:nvCxnSpPr>
+        <p:spPr>
+          <a:xfrm flipV="1">
+            <a:off x="6380891" y="2971293"/>
+            <a:ext cx="2535696" cy="131360"/>
+          </a:xfrm>
+          <a:prstGeom prst="straightConnector1">
+            <a:avLst/>
+          </a:prstGeom>
+          <a:ln w="31750">
+            <a:solidFill>
+              <a:schemeClr val="accent2"/>
+            </a:solidFill>
+            <a:headEnd type="none"/>
+            <a:tailEnd type="triangle"/>
+          </a:ln>
+        </p:spPr>
+        <p:style>
+          <a:lnRef idx="1">
+            <a:schemeClr val="accent1"/>
+          </a:lnRef>
+          <a:fillRef idx="0">
+            <a:schemeClr val="accent1"/>
+          </a:fillRef>
+          <a:effectRef idx="0">
+            <a:schemeClr val="accent1"/>
+          </a:effectRef>
+          <a:fontRef idx="minor">
+            <a:schemeClr val="tx1"/>
+          </a:fontRef>
+        </p:style>
+      </p:cxnSp>
+      <p:pic>
+        <p:nvPicPr>
+          <p:cNvPr id="34" name="Picture 67"/>
+          <p:cNvPicPr>
+            <a:picLocks noChangeAspect="1"/>
+          </p:cNvPicPr>
+          <p:nvPr/>
+        </p:nvPicPr>
+        <p:blipFill>
+          <a:blip r:embed="rId3">
+            <a:extLst>
+              <a:ext uri="{28A0092B-C50C-407E-A947-70E740481C1C}">
+                <a14:useLocalDpi xmlns:a14="http://schemas.microsoft.com/office/drawing/2010/main" val="0"/>
+              </a:ext>
+            </a:extLst>
+          </a:blip>
+          <a:srcRect/>
+          <a:stretch>
+            <a:fillRect/>
+          </a:stretch>
+        </p:blipFill>
+        <p:spPr bwMode="auto">
+          <a:xfrm>
+            <a:off x="3370332" y="2276375"/>
+            <a:ext cx="299490" cy="400183"/>
+          </a:xfrm>
+          <a:prstGeom prst="rect">
+            <a:avLst/>
+          </a:prstGeom>
+          <a:noFill/>
+          <a:ln>
+            <a:noFill/>
+          </a:ln>
+          <a:extLst>
+            <a:ext uri="{909E8E84-426E-40DD-AFC4-6F175D3DCCD1}">
+              <a14:hiddenFill xmlns:a14="http://schemas.microsoft.com/office/drawing/2010/main">
+                <a:solidFill>
+                  <a:srgbClr val="FFFFFF"/>
+                </a:solidFill>
+              </a14:hiddenFill>
+            </a:ext>
+            <a:ext uri="{91240B29-F687-4F45-9708-019B960494DF}">
+              <a14:hiddenLine xmlns:a14="http://schemas.microsoft.com/office/drawing/2010/main" w="9525">
+                <a:solidFill>
+                  <a:srgbClr val="000000"/>
+                </a:solidFill>
+                <a:miter lim="800000"/>
+                <a:headEnd/>
+                <a:tailEnd/>
+              </a14:hiddenLine>
+            </a:ext>
+          </a:extLst>
+        </p:spPr>
+      </p:pic>
+      <p:pic>
+        <p:nvPicPr>
+          <p:cNvPr id="35" name="Picture 67"/>
+          <p:cNvPicPr>
+            <a:picLocks noChangeAspect="1"/>
+          </p:cNvPicPr>
+          <p:nvPr/>
+        </p:nvPicPr>
+        <p:blipFill>
+          <a:blip r:embed="rId3">
+            <a:extLst>
+              <a:ext uri="{28A0092B-C50C-407E-A947-70E740481C1C}">
+                <a14:useLocalDpi xmlns:a14="http://schemas.microsoft.com/office/drawing/2010/main" val="0"/>
+              </a:ext>
+            </a:extLst>
+          </a:blip>
+          <a:srcRect/>
+          <a:stretch>
+            <a:fillRect/>
+          </a:stretch>
+        </p:blipFill>
+        <p:spPr bwMode="auto">
+          <a:xfrm>
+            <a:off x="6940140" y="1268764"/>
+            <a:ext cx="385624" cy="515277"/>
+          </a:xfrm>
+          <a:prstGeom prst="rect">
+            <a:avLst/>
+          </a:prstGeom>
+          <a:noFill/>
+          <a:ln>
+            <a:noFill/>
+          </a:ln>
+          <a:extLst>
+            <a:ext uri="{909E8E84-426E-40DD-AFC4-6F175D3DCCD1}">
+              <a14:hiddenFill xmlns:a14="http://schemas.microsoft.com/office/drawing/2010/main">
+                <a:solidFill>
+                  <a:srgbClr val="FFFFFF"/>
+                </a:solidFill>
+              </a14:hiddenFill>
+            </a:ext>
+            <a:ext uri="{91240B29-F687-4F45-9708-019B960494DF}">
+              <a14:hiddenLine xmlns:a14="http://schemas.microsoft.com/office/drawing/2010/main" w="9525">
+                <a:solidFill>
+                  <a:srgbClr val="000000"/>
+                </a:solidFill>
+                <a:miter lim="800000"/>
+                <a:headEnd/>
+                <a:tailEnd/>
+              </a14:hiddenLine>
+            </a:ext>
+          </a:extLst>
+        </p:spPr>
+      </p:pic>
+      <p:pic>
+        <p:nvPicPr>
+          <p:cNvPr id="41" name="Grafik 40"/>
+          <p:cNvPicPr>
+            <a:picLocks noChangeAspect="1"/>
+          </p:cNvPicPr>
+          <p:nvPr/>
+        </p:nvPicPr>
+        <p:blipFill>
+          <a:blip r:embed="rId4"/>
+          <a:stretch>
+            <a:fillRect/>
+          </a:stretch>
+        </p:blipFill>
+        <p:spPr>
+          <a:xfrm>
+            <a:off x="9163896" y="2210125"/>
+            <a:ext cx="846568" cy="1149543"/>
+          </a:xfrm>
+          <a:prstGeom prst="rect">
+            <a:avLst/>
+          </a:prstGeom>
+        </p:spPr>
+      </p:pic>
+      <p:pic>
+        <p:nvPicPr>
+          <p:cNvPr id="42" name="Grafik 41"/>
+          <p:cNvPicPr>
+            <a:picLocks noChangeAspect="1"/>
+          </p:cNvPicPr>
+          <p:nvPr/>
+        </p:nvPicPr>
+        <p:blipFill>
+          <a:blip r:embed="rId4"/>
+          <a:stretch>
+            <a:fillRect/>
+          </a:stretch>
+        </p:blipFill>
+        <p:spPr>
+          <a:xfrm>
+            <a:off x="9565119" y="2439272"/>
+            <a:ext cx="846568" cy="1149543"/>
+          </a:xfrm>
+          <a:prstGeom prst="rect">
+            <a:avLst/>
+          </a:prstGeom>
+        </p:spPr>
+      </p:pic>
+      <p:pic>
+        <p:nvPicPr>
+          <p:cNvPr id="43" name="Grafik 42"/>
+          <p:cNvPicPr>
+            <a:picLocks noChangeAspect="1"/>
+          </p:cNvPicPr>
+          <p:nvPr/>
+        </p:nvPicPr>
+        <p:blipFill>
+          <a:blip r:embed="rId4"/>
+          <a:stretch>
+            <a:fillRect/>
+          </a:stretch>
+        </p:blipFill>
+        <p:spPr>
+          <a:xfrm>
+            <a:off x="9983744" y="2676558"/>
+            <a:ext cx="846568" cy="1149543"/>
+          </a:xfrm>
+          <a:prstGeom prst="rect">
+            <a:avLst/>
+          </a:prstGeom>
+        </p:spPr>
+      </p:pic>
+      <p:cxnSp>
+        <p:nvCxnSpPr>
+          <p:cNvPr id="44" name="Gerade Verbindung mit Pfeil 43"/>
+          <p:cNvCxnSpPr/>
+          <p:nvPr/>
+        </p:nvCxnSpPr>
+        <p:spPr>
+          <a:xfrm>
+            <a:off x="6221495" y="1757588"/>
+            <a:ext cx="2942401" cy="601931"/>
+          </a:xfrm>
+          <a:prstGeom prst="straightConnector1">
+            <a:avLst/>
+          </a:prstGeom>
+          <a:ln w="31750">
+            <a:solidFill>
+              <a:schemeClr val="accent2"/>
+            </a:solidFill>
+            <a:headEnd type="triangle"/>
+            <a:tailEnd type="triangle"/>
+          </a:ln>
+        </p:spPr>
+        <p:style>
+          <a:lnRef idx="1">
+            <a:schemeClr val="accent1"/>
+          </a:lnRef>
+          <a:fillRef idx="0">
+            <a:schemeClr val="accent1"/>
+          </a:fillRef>
+          <a:effectRef idx="0">
+            <a:schemeClr val="accent1"/>
+          </a:effectRef>
+          <a:fontRef idx="minor">
+            <a:schemeClr val="tx1"/>
+          </a:fontRef>
+        </p:style>
+      </p:cxnSp>
+      <p:sp>
+        <p:nvSpPr>
+          <p:cNvPr id="45" name="Textfeld 44"/>
+          <p:cNvSpPr txBox="1"/>
+          <p:nvPr/>
+        </p:nvSpPr>
+        <p:spPr>
+          <a:xfrm>
+            <a:off x="3345341" y="433017"/>
+            <a:ext cx="2325508" cy="523220"/>
+          </a:xfrm>
+          <a:prstGeom prst="rect">
+            <a:avLst/>
+          </a:prstGeom>
+          <a:noFill/>
+        </p:spPr>
+        <p:txBody>
+          <a:bodyPr wrap="none" rtlCol="0">
+            <a:spAutoFit/>
+          </a:bodyPr>
+          <a:lstStyle/>
+          <a:p>
+            <a:r>
+              <a:rPr lang="de-CH" sz="2800" dirty="0" err="1" smtClean="0">
+                <a:solidFill>
+                  <a:srgbClr val="3C4D62"/>
+                </a:solidFill>
+                <a:latin typeface="Segoe UI Light" panose="020B0502040204020203" pitchFamily="34" charset="0"/>
+                <a:cs typeface="Segoe UI Light" panose="020B0502040204020203" pitchFamily="34" charset="0"/>
+              </a:rPr>
+              <a:t>Azure</a:t>
+            </a:r>
+            <a:r>
+              <a:rPr lang="de-CH" sz="2800" dirty="0" smtClean="0">
+                <a:solidFill>
+                  <a:srgbClr val="3C4D62"/>
+                </a:solidFill>
+                <a:latin typeface="Segoe UI Light" panose="020B0502040204020203" pitchFamily="34" charset="0"/>
+                <a:cs typeface="Segoe UI Light" panose="020B0502040204020203" pitchFamily="34" charset="0"/>
+              </a:rPr>
+              <a:t> Storage</a:t>
+            </a:r>
+            <a:endParaRPr lang="de-CH" sz="2800" dirty="0">
+              <a:solidFill>
+                <a:srgbClr val="3C4D62"/>
+              </a:solidFill>
+              <a:latin typeface="Segoe UI Light" panose="020B0502040204020203" pitchFamily="34" charset="0"/>
+              <a:cs typeface="Segoe UI Light" panose="020B0502040204020203" pitchFamily="34" charset="0"/>
+            </a:endParaRPr>
+          </a:p>
+        </p:txBody>
+      </p:sp>
+      <p:cxnSp>
+        <p:nvCxnSpPr>
+          <p:cNvPr id="46" name="Gerade Verbindung mit Pfeil 45"/>
+          <p:cNvCxnSpPr/>
+          <p:nvPr/>
+        </p:nvCxnSpPr>
+        <p:spPr>
+          <a:xfrm flipV="1">
+            <a:off x="1940008" y="3102650"/>
+            <a:ext cx="2810667" cy="1285188"/>
+          </a:xfrm>
+          <a:prstGeom prst="straightConnector1">
+            <a:avLst/>
+          </a:prstGeom>
+          <a:ln w="31750">
+            <a:solidFill>
+              <a:schemeClr val="accent2"/>
+            </a:solidFill>
+            <a:headEnd type="none"/>
+            <a:tailEnd type="triangle"/>
+          </a:ln>
+        </p:spPr>
+        <p:style>
+          <a:lnRef idx="1">
+            <a:schemeClr val="accent1"/>
+          </a:lnRef>
+          <a:fillRef idx="0">
+            <a:schemeClr val="accent1"/>
+          </a:fillRef>
+          <a:effectRef idx="0">
+            <a:schemeClr val="accent1"/>
+          </a:effectRef>
+          <a:fontRef idx="minor">
+            <a:schemeClr val="tx1"/>
+          </a:fontRef>
+        </p:style>
+      </p:cxnSp>
+      <p:sp>
+        <p:nvSpPr>
+          <p:cNvPr id="47" name="Textfeld 46"/>
+          <p:cNvSpPr txBox="1"/>
+          <p:nvPr/>
+        </p:nvSpPr>
+        <p:spPr>
+          <a:xfrm>
+            <a:off x="9232450" y="1647532"/>
+            <a:ext cx="2024785" cy="523220"/>
+          </a:xfrm>
+          <a:prstGeom prst="rect">
+            <a:avLst/>
+          </a:prstGeom>
+          <a:noFill/>
+        </p:spPr>
+        <p:txBody>
+          <a:bodyPr wrap="none" rtlCol="0">
+            <a:spAutoFit/>
+          </a:bodyPr>
+          <a:lstStyle/>
+          <a:p>
+            <a:r>
+              <a:rPr lang="de-CH" sz="2800" dirty="0" smtClean="0">
+                <a:solidFill>
+                  <a:srgbClr val="606060"/>
+                </a:solidFill>
+                <a:latin typeface="Segoe UI Light" panose="020B0502040204020203" pitchFamily="34" charset="0"/>
+                <a:cs typeface="Segoe UI Light" panose="020B0502040204020203" pitchFamily="34" charset="0"/>
+              </a:rPr>
+              <a:t>Worker </a:t>
+            </a:r>
+            <a:r>
+              <a:rPr lang="de-CH" sz="2800" dirty="0" err="1" smtClean="0">
+                <a:solidFill>
+                  <a:srgbClr val="606060"/>
+                </a:solidFill>
+                <a:latin typeface="Segoe UI Light" panose="020B0502040204020203" pitchFamily="34" charset="0"/>
+                <a:cs typeface="Segoe UI Light" panose="020B0502040204020203" pitchFamily="34" charset="0"/>
+              </a:rPr>
+              <a:t>Role</a:t>
+            </a:r>
+            <a:endParaRPr lang="de-CH" sz="2800" dirty="0">
+              <a:solidFill>
+                <a:srgbClr val="606060"/>
+              </a:solidFill>
+              <a:latin typeface="Segoe UI Light" panose="020B0502040204020203" pitchFamily="34" charset="0"/>
+              <a:cs typeface="Segoe UI Light" panose="020B0502040204020203" pitchFamily="34" charset="0"/>
+            </a:endParaRPr>
+          </a:p>
+        </p:txBody>
+      </p:sp>
+      <p:cxnSp>
+        <p:nvCxnSpPr>
+          <p:cNvPr id="50" name="Gerade Verbindung mit Pfeil 49"/>
+          <p:cNvCxnSpPr/>
+          <p:nvPr/>
+        </p:nvCxnSpPr>
+        <p:spPr>
+          <a:xfrm>
+            <a:off x="6380891" y="3102651"/>
+            <a:ext cx="2738589" cy="257017"/>
+          </a:xfrm>
+          <a:prstGeom prst="straightConnector1">
+            <a:avLst/>
+          </a:prstGeom>
+          <a:ln w="31750">
+            <a:solidFill>
+              <a:schemeClr val="accent2"/>
+            </a:solidFill>
+            <a:headEnd type="none"/>
+            <a:tailEnd type="triangle"/>
+          </a:ln>
+        </p:spPr>
+        <p:style>
+          <a:lnRef idx="1">
+            <a:schemeClr val="accent1"/>
+          </a:lnRef>
+          <a:fillRef idx="0">
+            <a:schemeClr val="accent1"/>
+          </a:fillRef>
+          <a:effectRef idx="0">
+            <a:schemeClr val="accent1"/>
+          </a:effectRef>
+          <a:fontRef idx="minor">
+            <a:schemeClr val="tx1"/>
+          </a:fontRef>
+        </p:style>
+      </p:cxnSp>
+      <p:pic>
+        <p:nvPicPr>
+          <p:cNvPr id="51" name="Picture 5"/>
+          <p:cNvPicPr>
+            <a:picLocks noChangeAspect="1"/>
+          </p:cNvPicPr>
+          <p:nvPr/>
+        </p:nvPicPr>
+        <p:blipFill>
+          <a:blip r:embed="rId5">
+            <a:duotone>
+              <a:prstClr val="black"/>
+              <a:schemeClr val="accent1">
+                <a:tint val="45000"/>
+                <a:satMod val="400000"/>
+              </a:schemeClr>
+            </a:duotone>
+            <a:extLst>
+              <a:ext uri="{28A0092B-C50C-407E-A947-70E740481C1C}">
+                <a14:useLocalDpi xmlns:a14="http://schemas.microsoft.com/office/drawing/2010/main" val="0"/>
+              </a:ext>
+            </a:extLst>
+          </a:blip>
+          <a:srcRect/>
+          <a:stretch>
+            <a:fillRect/>
+          </a:stretch>
+        </p:blipFill>
+        <p:spPr bwMode="auto">
+          <a:xfrm>
+            <a:off x="4845191" y="1037255"/>
+            <a:ext cx="1345756" cy="1176210"/>
+          </a:xfrm>
+          <a:prstGeom prst="rect">
+            <a:avLst/>
+          </a:prstGeom>
+          <a:noFill/>
+          <a:ln>
+            <a:noFill/>
+          </a:ln>
+          <a:extLst>
+            <a:ext uri="{909E8E84-426E-40DD-AFC4-6F175D3DCCD1}">
+              <a14:hiddenFill xmlns:a14="http://schemas.microsoft.com/office/drawing/2010/main">
+                <a:solidFill>
+                  <a:srgbClr val="FFFFFF"/>
+                </a:solidFill>
+              </a14:hiddenFill>
+            </a:ext>
+            <a:ext uri="{91240B29-F687-4F45-9708-019B960494DF}">
+              <a14:hiddenLine xmlns:a14="http://schemas.microsoft.com/office/drawing/2010/main" w="9525">
+                <a:solidFill>
+                  <a:srgbClr val="000000"/>
+                </a:solidFill>
+                <a:miter lim="800000"/>
+                <a:headEnd/>
+                <a:tailEnd/>
+              </a14:hiddenLine>
+            </a:ext>
+          </a:extLst>
+        </p:spPr>
+      </p:pic>
+      <p:pic>
+        <p:nvPicPr>
+          <p:cNvPr id="52" name="Picture 7"/>
+          <p:cNvPicPr>
+            <a:picLocks noChangeAspect="1"/>
+          </p:cNvPicPr>
+          <p:nvPr/>
+        </p:nvPicPr>
+        <p:blipFill>
+          <a:blip r:embed="rId6">
+            <a:duotone>
+              <a:prstClr val="black"/>
+              <a:schemeClr val="accent1">
+                <a:tint val="45000"/>
+                <a:satMod val="400000"/>
+              </a:schemeClr>
+            </a:duotone>
+            <a:extLst>
+              <a:ext uri="{28A0092B-C50C-407E-A947-70E740481C1C}">
+                <a14:useLocalDpi xmlns:a14="http://schemas.microsoft.com/office/drawing/2010/main" val="0"/>
+              </a:ext>
+            </a:extLst>
+          </a:blip>
+          <a:srcRect/>
+          <a:stretch>
+            <a:fillRect/>
+          </a:stretch>
+        </p:blipFill>
+        <p:spPr bwMode="auto">
+          <a:xfrm>
+            <a:off x="4893176" y="2359519"/>
+            <a:ext cx="1283903" cy="1114786"/>
+          </a:xfrm>
+          <a:prstGeom prst="rect">
+            <a:avLst/>
+          </a:prstGeom>
+          <a:noFill/>
+          <a:ln>
+            <a:noFill/>
+          </a:ln>
+          <a:extLst>
+            <a:ext uri="{909E8E84-426E-40DD-AFC4-6F175D3DCCD1}">
+              <a14:hiddenFill xmlns:a14="http://schemas.microsoft.com/office/drawing/2010/main">
+                <a:solidFill>
+                  <a:srgbClr val="FFFFFF"/>
+                </a:solidFill>
+              </a14:hiddenFill>
+            </a:ext>
+            <a:ext uri="{91240B29-F687-4F45-9708-019B960494DF}">
+              <a14:hiddenLine xmlns:a14="http://schemas.microsoft.com/office/drawing/2010/main" w="9525">
+                <a:solidFill>
+                  <a:srgbClr val="000000"/>
+                </a:solidFill>
+                <a:miter lim="800000"/>
+                <a:headEnd/>
+                <a:tailEnd/>
+              </a14:hiddenLine>
+            </a:ext>
+          </a:extLst>
+        </p:spPr>
+      </p:pic>
+      <p:sp>
+        <p:nvSpPr>
+          <p:cNvPr id="33" name="Textfeld 32"/>
+          <p:cNvSpPr txBox="1"/>
+          <p:nvPr/>
+        </p:nvSpPr>
+        <p:spPr>
+          <a:xfrm>
+            <a:off x="4372373" y="3519481"/>
+            <a:ext cx="2862002" cy="523220"/>
+          </a:xfrm>
+          <a:prstGeom prst="rect">
+            <a:avLst/>
+          </a:prstGeom>
+          <a:noFill/>
+        </p:spPr>
+        <p:txBody>
+          <a:bodyPr wrap="none" rtlCol="0">
+            <a:spAutoFit/>
+          </a:bodyPr>
+          <a:lstStyle/>
+          <a:p>
+            <a:r>
+              <a:rPr lang="de-CH" sz="2800" dirty="0" smtClean="0">
+                <a:solidFill>
+                  <a:srgbClr val="3C4D62"/>
+                </a:solidFill>
+                <a:latin typeface="Segoe UI Light" panose="020B0502040204020203" pitchFamily="34" charset="0"/>
+                <a:cs typeface="Segoe UI Light" panose="020B0502040204020203" pitchFamily="34" charset="0"/>
+              </a:rPr>
+              <a:t>Azure Service Bus</a:t>
+            </a:r>
+            <a:endParaRPr lang="de-CH" sz="2800" dirty="0">
+              <a:solidFill>
+                <a:srgbClr val="3C4D62"/>
+              </a:solidFill>
+              <a:latin typeface="Segoe UI Light" panose="020B0502040204020203" pitchFamily="34" charset="0"/>
+              <a:cs typeface="Segoe UI Light" panose="020B0502040204020203" pitchFamily="34" charset="0"/>
+            </a:endParaRPr>
+          </a:p>
+        </p:txBody>
+      </p:sp>
+      <p:pic>
+        <p:nvPicPr>
+          <p:cNvPr id="21" name="Grafik 20"/>
+          <p:cNvPicPr>
+            <a:picLocks noChangeAspect="1"/>
+          </p:cNvPicPr>
+          <p:nvPr/>
+        </p:nvPicPr>
+        <p:blipFill>
+          <a:blip r:embed="rId4"/>
+          <a:stretch>
+            <a:fillRect/>
+          </a:stretch>
+        </p:blipFill>
+        <p:spPr>
+          <a:xfrm>
+            <a:off x="6249641" y="4054096"/>
+            <a:ext cx="729521" cy="990606"/>
+          </a:xfrm>
+          <a:prstGeom prst="rect">
+            <a:avLst/>
+          </a:prstGeom>
+        </p:spPr>
+      </p:pic>
+      <p:cxnSp>
+        <p:nvCxnSpPr>
+          <p:cNvPr id="25" name="Gerade Verbindung mit Pfeil 24"/>
+          <p:cNvCxnSpPr/>
+          <p:nvPr/>
+        </p:nvCxnSpPr>
+        <p:spPr>
+          <a:xfrm flipV="1">
+            <a:off x="2242353" y="4811428"/>
+            <a:ext cx="3934726" cy="471996"/>
+          </a:xfrm>
+          <a:prstGeom prst="straightConnector1">
+            <a:avLst/>
+          </a:prstGeom>
+          <a:ln w="31750">
+            <a:solidFill>
+              <a:schemeClr val="accent2"/>
+            </a:solidFill>
+            <a:headEnd type="triangle"/>
+            <a:tailEnd type="none"/>
+          </a:ln>
+        </p:spPr>
+        <p:style>
+          <a:lnRef idx="1">
+            <a:schemeClr val="accent1"/>
+          </a:lnRef>
+          <a:fillRef idx="0">
+            <a:schemeClr val="accent1"/>
+          </a:fillRef>
+          <a:effectRef idx="0">
+            <a:schemeClr val="accent1"/>
+          </a:effectRef>
+          <a:fontRef idx="minor">
+            <a:schemeClr val="tx1"/>
+          </a:fontRef>
+        </p:style>
+      </p:cxnSp>
+      <p:sp>
+        <p:nvSpPr>
+          <p:cNvPr id="26" name="Textfeld 25"/>
+          <p:cNvSpPr txBox="1"/>
+          <p:nvPr/>
+        </p:nvSpPr>
+        <p:spPr>
+          <a:xfrm>
+            <a:off x="5861332" y="5088370"/>
+            <a:ext cx="1474956" cy="523220"/>
+          </a:xfrm>
+          <a:prstGeom prst="rect">
+            <a:avLst/>
+          </a:prstGeom>
+          <a:noFill/>
+        </p:spPr>
+        <p:txBody>
+          <a:bodyPr wrap="none" rtlCol="0">
+            <a:spAutoFit/>
+          </a:bodyPr>
+          <a:lstStyle/>
+          <a:p>
+            <a:r>
+              <a:rPr lang="de-CH" sz="2800" dirty="0" smtClean="0">
+                <a:solidFill>
+                  <a:srgbClr val="606060"/>
+                </a:solidFill>
+                <a:latin typeface="Segoe UI Light" panose="020B0502040204020203" pitchFamily="34" charset="0"/>
+                <a:cs typeface="Segoe UI Light" panose="020B0502040204020203" pitchFamily="34" charset="0"/>
+              </a:rPr>
+              <a:t>Web API</a:t>
+            </a:r>
+            <a:endParaRPr lang="de-CH" sz="2800" dirty="0">
+              <a:solidFill>
+                <a:srgbClr val="606060"/>
+              </a:solidFill>
+              <a:latin typeface="Segoe UI Light" panose="020B0502040204020203" pitchFamily="34" charset="0"/>
+              <a:cs typeface="Segoe UI Light" panose="020B0502040204020203" pitchFamily="34" charset="0"/>
+            </a:endParaRPr>
+          </a:p>
+        </p:txBody>
+      </p:sp>
+      <p:sp>
+        <p:nvSpPr>
+          <p:cNvPr id="28" name="Textfeld 27"/>
+          <p:cNvSpPr txBox="1"/>
+          <p:nvPr/>
+        </p:nvSpPr>
+        <p:spPr>
+          <a:xfrm>
+            <a:off x="3200189" y="5163934"/>
+            <a:ext cx="1645002" cy="523220"/>
+          </a:xfrm>
+          <a:prstGeom prst="rect">
+            <a:avLst/>
+          </a:prstGeom>
+          <a:noFill/>
+        </p:spPr>
+        <p:txBody>
+          <a:bodyPr wrap="none" rtlCol="0">
+            <a:spAutoFit/>
+          </a:bodyPr>
+          <a:lstStyle>
+            <a:defPPr>
+              <a:defRPr lang="de-DE"/>
+            </a:defPPr>
+            <a:lvl1pPr>
+              <a:defRPr sz="1600">
+                <a:solidFill>
+                  <a:srgbClr val="606060"/>
+                </a:solidFill>
+              </a:defRPr>
+            </a:lvl1pPr>
+          </a:lstStyle>
+          <a:p>
+            <a:r>
+              <a:rPr lang="de-CH" sz="2800" dirty="0" smtClean="0">
+                <a:latin typeface="Segoe UI Light" panose="020B0502040204020203" pitchFamily="34" charset="0"/>
+                <a:cs typeface="Segoe UI Light" panose="020B0502040204020203" pitchFamily="34" charset="0"/>
+              </a:rPr>
+              <a:t>SAS-URLs</a:t>
+            </a:r>
+            <a:endParaRPr lang="de-CH" sz="2800" dirty="0">
+              <a:latin typeface="Segoe UI Light" panose="020B0502040204020203" pitchFamily="34" charset="0"/>
+              <a:cs typeface="Segoe UI Light" panose="020B0502040204020203" pitchFamily="34" charset="0"/>
+            </a:endParaRPr>
+          </a:p>
+        </p:txBody>
+      </p:sp>
+      <p:cxnSp>
+        <p:nvCxnSpPr>
+          <p:cNvPr id="31" name="Gerade Verbindung mit Pfeil 30"/>
+          <p:cNvCxnSpPr/>
+          <p:nvPr/>
+        </p:nvCxnSpPr>
+        <p:spPr>
+          <a:xfrm flipV="1">
+            <a:off x="2242352" y="4519630"/>
+            <a:ext cx="3934727" cy="468670"/>
+          </a:xfrm>
+          <a:prstGeom prst="straightConnector1">
+            <a:avLst/>
+          </a:prstGeom>
+          <a:ln w="31750">
+            <a:solidFill>
+              <a:schemeClr val="accent2"/>
+            </a:solidFill>
+            <a:headEnd type="none"/>
+            <a:tailEnd type="triangle"/>
+          </a:ln>
+        </p:spPr>
+        <p:style>
+          <a:lnRef idx="1">
+            <a:schemeClr val="accent1"/>
+          </a:lnRef>
+          <a:fillRef idx="0">
+            <a:schemeClr val="accent1"/>
+          </a:fillRef>
+          <a:effectRef idx="0">
+            <a:schemeClr val="accent1"/>
+          </a:effectRef>
+          <a:fontRef idx="minor">
+            <a:schemeClr val="tx1"/>
+          </a:fontRef>
+        </p:style>
+      </p:cxnSp>
+      <p:sp>
+        <p:nvSpPr>
+          <p:cNvPr id="6" name="Zylinder 5"/>
+          <p:cNvSpPr/>
+          <p:nvPr/>
+        </p:nvSpPr>
+        <p:spPr>
+          <a:xfrm>
+            <a:off x="8916587" y="5518023"/>
+            <a:ext cx="599311" cy="628470"/>
+          </a:xfrm>
+          <a:prstGeom prst="can">
+            <a:avLst/>
+          </a:prstGeom>
+          <a:solidFill>
+            <a:srgbClr val="52728B"/>
+          </a:solidFill>
+        </p:spPr>
+        <p:style>
+          <a:lnRef idx="2">
+            <a:schemeClr val="accent1">
+              <a:shade val="50000"/>
+            </a:schemeClr>
+          </a:lnRef>
+          <a:fillRef idx="1">
+            <a:schemeClr val="accent1"/>
+          </a:fillRef>
+          <a:effectRef idx="0">
+            <a:schemeClr val="accent1"/>
+          </a:effectRef>
+          <a:fontRef idx="minor">
+            <a:schemeClr val="lt1"/>
+          </a:fontRef>
+        </p:style>
+        <p:txBody>
+          <a:bodyPr rtlCol="0" anchor="ctr"/>
+          <a:lstStyle/>
+          <a:p>
+            <a:pPr algn="ctr"/>
+            <a:endParaRPr lang="de-CH"/>
+          </a:p>
+        </p:txBody>
+      </p:sp>
+      <p:sp>
+        <p:nvSpPr>
+          <p:cNvPr id="38" name="Textfeld 37"/>
+          <p:cNvSpPr txBox="1"/>
+          <p:nvPr/>
+        </p:nvSpPr>
+        <p:spPr>
+          <a:xfrm>
+            <a:off x="8565440" y="6155967"/>
+            <a:ext cx="1334020" cy="523220"/>
+          </a:xfrm>
+          <a:prstGeom prst="rect">
+            <a:avLst/>
+          </a:prstGeom>
+          <a:noFill/>
+        </p:spPr>
+        <p:txBody>
+          <a:bodyPr wrap="none" rtlCol="0">
+            <a:spAutoFit/>
+          </a:bodyPr>
+          <a:lstStyle/>
+          <a:p>
+            <a:r>
+              <a:rPr lang="de-CH" sz="2800" dirty="0" smtClean="0">
+                <a:solidFill>
+                  <a:srgbClr val="606060"/>
+                </a:solidFill>
+                <a:latin typeface="Segoe UI Light" panose="020B0502040204020203" pitchFamily="34" charset="0"/>
+                <a:cs typeface="Segoe UI Light" panose="020B0502040204020203" pitchFamily="34" charset="0"/>
+              </a:rPr>
+              <a:t>SQL DB</a:t>
+            </a:r>
+            <a:endParaRPr lang="de-CH" sz="2800" dirty="0">
+              <a:solidFill>
+                <a:srgbClr val="606060"/>
+              </a:solidFill>
+              <a:latin typeface="Segoe UI Light" panose="020B0502040204020203" pitchFamily="34" charset="0"/>
+              <a:cs typeface="Segoe UI Light" panose="020B0502040204020203" pitchFamily="34" charset="0"/>
+            </a:endParaRPr>
+          </a:p>
+        </p:txBody>
+      </p:sp>
+      <p:cxnSp>
+        <p:nvCxnSpPr>
+          <p:cNvPr id="39" name="Gerade Verbindung mit Pfeil 38"/>
+          <p:cNvCxnSpPr>
+            <a:endCxn id="6" idx="2"/>
+          </p:cNvCxnSpPr>
+          <p:nvPr/>
+        </p:nvCxnSpPr>
+        <p:spPr>
+          <a:xfrm>
+            <a:off x="7063668" y="4650988"/>
+            <a:ext cx="1852919" cy="1181270"/>
+          </a:xfrm>
+          <a:prstGeom prst="straightConnector1">
+            <a:avLst/>
+          </a:prstGeom>
+          <a:ln w="31750">
+            <a:solidFill>
+              <a:schemeClr val="accent2"/>
+            </a:solidFill>
+            <a:headEnd type="triangle"/>
+            <a:tailEnd type="triangle"/>
+          </a:ln>
+        </p:spPr>
+        <p:style>
+          <a:lnRef idx="1">
+            <a:schemeClr val="accent1"/>
+          </a:lnRef>
+          <a:fillRef idx="0">
+            <a:schemeClr val="accent1"/>
+          </a:fillRef>
+          <a:effectRef idx="0">
+            <a:schemeClr val="accent1"/>
+          </a:effectRef>
+          <a:fontRef idx="minor">
+            <a:schemeClr val="tx1"/>
+          </a:fontRef>
+        </p:style>
+      </p:cxnSp>
+      <p:sp>
+        <p:nvSpPr>
+          <p:cNvPr id="32" name="Textfeld 31"/>
+          <p:cNvSpPr txBox="1"/>
+          <p:nvPr/>
+        </p:nvSpPr>
+        <p:spPr>
+          <a:xfrm>
+            <a:off x="8056671" y="4958516"/>
+            <a:ext cx="3147015" cy="523220"/>
+          </a:xfrm>
+          <a:prstGeom prst="rect">
+            <a:avLst/>
+          </a:prstGeom>
+          <a:noFill/>
+        </p:spPr>
+        <p:txBody>
+          <a:bodyPr wrap="none" rtlCol="0">
+            <a:spAutoFit/>
+          </a:bodyPr>
+          <a:lstStyle>
+            <a:defPPr>
+              <a:defRPr lang="de-DE"/>
+            </a:defPPr>
+            <a:lvl1pPr>
+              <a:defRPr sz="1600">
+                <a:solidFill>
+                  <a:srgbClr val="606060"/>
+                </a:solidFill>
+              </a:defRPr>
+            </a:lvl1pPr>
+          </a:lstStyle>
+          <a:p>
+            <a:r>
+              <a:rPr lang="de-CH" sz="2800" dirty="0" smtClean="0">
+                <a:latin typeface="Segoe UI Light" panose="020B0502040204020203" pitchFamily="34" charset="0"/>
+                <a:cs typeface="Segoe UI Light" panose="020B0502040204020203" pitchFamily="34" charset="0"/>
+              </a:rPr>
+              <a:t>Hybrid Connections</a:t>
+            </a:r>
+            <a:endParaRPr lang="de-CH" sz="2800" dirty="0">
+              <a:latin typeface="Segoe UI Light" panose="020B0502040204020203" pitchFamily="34" charset="0"/>
+              <a:cs typeface="Segoe UI Light" panose="020B0502040204020203" pitchFamily="34" charset="0"/>
+            </a:endParaRPr>
+          </a:p>
+        </p:txBody>
+      </p:sp>
+    </p:spTree>
+    <p:extLst>
+      <p:ext uri="{BB962C8B-B14F-4D97-AF65-F5344CB8AC3E}">
+        <p14:creationId xmlns:p14="http://schemas.microsoft.com/office/powerpoint/2010/main" val="2445772738"/>
+      </p:ext>
+    </p:extLst>
+  </p:cSld>
+  <p:clrMapOvr>
+    <a:masterClrMapping/>
+  </p:clrMapOvr>
+  <p:timing>
+    <p:tnLst>
+      <p:par>
+        <p:cTn id="1" dur="indefinite" restart="never" nodeType="tmRoot"/>
+      </p:par>
+    </p:tnLst>
+  </p:timing>
+</p:sld>
+</file>
+
+<file path=ppt/slides/slide6.xml><?xml version="1.0" encoding="utf-8"?>
+<p:sld xmlns:a="http://schemas.openxmlformats.org/drawingml/2006/main" xmlns:r="http://schemas.openxmlformats.org/officeDocument/2006/relationships" xmlns:p="http://schemas.openxmlformats.org/presentationml/2006/main">
+  <p:cSld>
+    <p:spTree>
+      <p:nvGrpSpPr>
+        <p:cNvPr id="1" name=""/>
+        <p:cNvGrpSpPr/>
+        <p:nvPr/>
+      </p:nvGrpSpPr>
+      <p:grpSpPr>
+        <a:xfrm>
+          <a:off x="0" y="0"/>
+          <a:ext cx="0" cy="0"/>
+          <a:chOff x="0" y="0"/>
+          <a:chExt cx="0" cy="0"/>
+        </a:xfrm>
+      </p:grpSpPr>
+      <p:sp>
+        <p:nvSpPr>
+          <p:cNvPr id="2" name="Freeform 7"/>
+          <p:cNvSpPr>
+            <a:spLocks/>
+          </p:cNvSpPr>
+          <p:nvPr/>
+        </p:nvSpPr>
+        <p:spPr bwMode="auto">
+          <a:xfrm flipH="1">
+            <a:off x="2826598" y="215153"/>
+            <a:ext cx="6401243" cy="3272134"/>
+          </a:xfrm>
+          <a:custGeom>
+            <a:avLst/>
+            <a:gdLst>
+              <a:gd name="T0" fmla="*/ 157 w 214"/>
+              <a:gd name="T1" fmla="*/ 0 h 114"/>
+              <a:gd name="T2" fmla="*/ 107 w 214"/>
+              <a:gd name="T3" fmla="*/ 29 h 114"/>
+              <a:gd name="T4" fmla="*/ 86 w 214"/>
+              <a:gd name="T5" fmla="*/ 23 h 114"/>
+              <a:gd name="T6" fmla="*/ 46 w 214"/>
+              <a:gd name="T7" fmla="*/ 48 h 114"/>
+              <a:gd name="T8" fmla="*/ 34 w 214"/>
+              <a:gd name="T9" fmla="*/ 45 h 114"/>
+              <a:gd name="T10" fmla="*/ 0 w 214"/>
+              <a:gd name="T11" fmla="*/ 80 h 114"/>
+              <a:gd name="T12" fmla="*/ 34 w 214"/>
+              <a:gd name="T13" fmla="*/ 114 h 114"/>
+              <a:gd name="T14" fmla="*/ 86 w 214"/>
+              <a:gd name="T15" fmla="*/ 114 h 114"/>
+              <a:gd name="T16" fmla="*/ 157 w 214"/>
+              <a:gd name="T17" fmla="*/ 114 h 114"/>
+              <a:gd name="T18" fmla="*/ 214 w 214"/>
+              <a:gd name="T19" fmla="*/ 57 h 114"/>
+              <a:gd name="T20" fmla="*/ 157 w 214"/>
+              <a:gd name="T21" fmla="*/ 0 h 114"/>
+            </a:gdLst>
+            <a:ahLst/>
+            <a:cxnLst>
+              <a:cxn ang="0">
+                <a:pos x="T0" y="T1"/>
+              </a:cxn>
+              <a:cxn ang="0">
+                <a:pos x="T2" y="T3"/>
+              </a:cxn>
+              <a:cxn ang="0">
+                <a:pos x="T4" y="T5"/>
+              </a:cxn>
+              <a:cxn ang="0">
+                <a:pos x="T6" y="T7"/>
+              </a:cxn>
+              <a:cxn ang="0">
+                <a:pos x="T8" y="T9"/>
+              </a:cxn>
+              <a:cxn ang="0">
+                <a:pos x="T10" y="T11"/>
+              </a:cxn>
+              <a:cxn ang="0">
+                <a:pos x="T12" y="T13"/>
+              </a:cxn>
+              <a:cxn ang="0">
+                <a:pos x="T14" y="T15"/>
+              </a:cxn>
+              <a:cxn ang="0">
+                <a:pos x="T16" y="T17"/>
+              </a:cxn>
+              <a:cxn ang="0">
+                <a:pos x="T18" y="T19"/>
+              </a:cxn>
+              <a:cxn ang="0">
+                <a:pos x="T20" y="T21"/>
+              </a:cxn>
+            </a:cxnLst>
+            <a:rect l="0" t="0" r="r" b="b"/>
+            <a:pathLst>
+              <a:path w="214" h="114">
+                <a:moveTo>
+                  <a:pt x="157" y="0"/>
+                </a:moveTo>
+                <a:cubicBezTo>
+                  <a:pt x="136" y="0"/>
+                  <a:pt x="117" y="11"/>
+                  <a:pt x="107" y="29"/>
+                </a:cubicBezTo>
+                <a:cubicBezTo>
+                  <a:pt x="101" y="25"/>
+                  <a:pt x="94" y="23"/>
+                  <a:pt x="86" y="23"/>
+                </a:cubicBezTo>
+                <a:cubicBezTo>
+                  <a:pt x="69" y="23"/>
+                  <a:pt x="54" y="33"/>
+                  <a:pt x="46" y="48"/>
+                </a:cubicBezTo>
+                <a:cubicBezTo>
+                  <a:pt x="42" y="46"/>
+                  <a:pt x="38" y="45"/>
+                  <a:pt x="34" y="45"/>
+                </a:cubicBezTo>
+                <a:cubicBezTo>
+                  <a:pt x="15" y="45"/>
+                  <a:pt x="0" y="61"/>
+                  <a:pt x="0" y="80"/>
+                </a:cubicBezTo>
+                <a:cubicBezTo>
+                  <a:pt x="0" y="99"/>
+                  <a:pt x="15" y="114"/>
+                  <a:pt x="34" y="114"/>
+                </a:cubicBezTo>
+                <a:cubicBezTo>
+                  <a:pt x="86" y="114"/>
+                  <a:pt x="86" y="114"/>
+                  <a:pt x="86" y="114"/>
+                </a:cubicBezTo>
+                <a:cubicBezTo>
+                  <a:pt x="157" y="114"/>
+                  <a:pt x="157" y="114"/>
+                  <a:pt x="157" y="114"/>
+                </a:cubicBezTo>
+                <a:cubicBezTo>
+                  <a:pt x="189" y="114"/>
+                  <a:pt x="214" y="89"/>
+                  <a:pt x="214" y="57"/>
+                </a:cubicBezTo>
+                <a:cubicBezTo>
+                  <a:pt x="214" y="25"/>
+                  <a:pt x="189" y="0"/>
+                  <a:pt x="157" y="0"/>
+                </a:cubicBezTo>
+                <a:close/>
+              </a:path>
+            </a:pathLst>
+          </a:custGeom>
+          <a:solidFill>
+            <a:srgbClr val="00ABEC">
+              <a:alpha val="70000"/>
+            </a:srgbClr>
+          </a:solidFill>
+          <a:ln>
+            <a:noFill/>
+            <a:headEnd type="none" w="med" len="med"/>
+            <a:tailEnd type="none" w="med" len="med"/>
+          </a:ln>
+          <a:effectLst/>
+        </p:spPr>
+        <p:style>
+          <a:lnRef idx="1">
+            <a:schemeClr val="accent2"/>
+          </a:lnRef>
+          <a:fillRef idx="3">
+            <a:schemeClr val="accent2"/>
+          </a:fillRef>
+          <a:effectRef idx="2">
+            <a:schemeClr val="accent2"/>
+          </a:effectRef>
+          <a:fontRef idx="minor">
+            <a:schemeClr val="lt1"/>
+          </a:fontRef>
+        </p:style>
+        <p:txBody>
+          <a:bodyPr vert="horz" wrap="square" lIns="91404" tIns="45703" rIns="91404" bIns="45703" numCol="1" spcCol="0" rtlCol="0" anchor="ctr" anchorCtr="0" compatLnSpc="1">
+            <a:prstTxWarp prst="textNoShape">
+              <a:avLst/>
+            </a:prstTxWarp>
+          </a:bodyPr>
+          <a:lstStyle/>
+          <a:p>
+            <a:pPr algn="ctr" defTabSz="913788" fontAlgn="base">
+              <a:spcBef>
+                <a:spcPct val="0"/>
+              </a:spcBef>
+              <a:spcAft>
+                <a:spcPct val="0"/>
+              </a:spcAft>
+            </a:pPr>
+            <a:endParaRPr lang="en-US" sz="2800" dirty="0">
+              <a:gradFill>
+                <a:gsLst>
+                  <a:gs pos="0">
+                    <a:srgbClr val="FFFFFF"/>
+                  </a:gs>
+                  <a:gs pos="100000">
+                    <a:srgbClr val="FFFFFF"/>
+                  </a:gs>
+                </a:gsLst>
+                <a:lin ang="5400000" scaled="0"/>
+              </a:gradFill>
+              <a:latin typeface="Segoe UI Light" panose="020B0502040204020203" pitchFamily="34" charset="0"/>
+              <a:cs typeface="Segoe UI Light" panose="020B0502040204020203" pitchFamily="34" charset="0"/>
+            </a:endParaRPr>
+          </a:p>
+        </p:txBody>
+      </p:sp>
+      <p:cxnSp>
+        <p:nvCxnSpPr>
+          <p:cNvPr id="3" name="Gerade Verbindung mit Pfeil 2"/>
+          <p:cNvCxnSpPr/>
+          <p:nvPr/>
+        </p:nvCxnSpPr>
+        <p:spPr>
+          <a:xfrm>
+            <a:off x="6380891" y="3102650"/>
+            <a:ext cx="3788167" cy="153452"/>
+          </a:xfrm>
+          <a:prstGeom prst="straightConnector1">
+            <a:avLst/>
+          </a:prstGeom>
+          <a:ln w="31750">
+            <a:solidFill>
+              <a:schemeClr val="accent2"/>
+            </a:solidFill>
+            <a:headEnd type="none"/>
+            <a:tailEnd type="triangle"/>
+          </a:ln>
+        </p:spPr>
+        <p:style>
+          <a:lnRef idx="1">
+            <a:schemeClr val="accent1"/>
+          </a:lnRef>
+          <a:fillRef idx="0">
+            <a:schemeClr val="accent1"/>
+          </a:fillRef>
+          <a:effectRef idx="0">
+            <a:schemeClr val="accent1"/>
+          </a:effectRef>
+          <a:fontRef idx="minor">
+            <a:schemeClr val="tx1"/>
+          </a:fontRef>
+        </p:style>
+      </p:cxnSp>
+      <p:pic>
+        <p:nvPicPr>
+          <p:cNvPr id="4" name="Grafik 3"/>
+          <p:cNvPicPr>
+            <a:picLocks noChangeAspect="1"/>
+          </p:cNvPicPr>
+          <p:nvPr/>
+        </p:nvPicPr>
+        <p:blipFill>
+          <a:blip r:embed="rId2"/>
+          <a:stretch>
+            <a:fillRect/>
+          </a:stretch>
+        </p:blipFill>
+        <p:spPr>
+          <a:xfrm>
+            <a:off x="530629" y="4140305"/>
+            <a:ext cx="1364717" cy="1779980"/>
+          </a:xfrm>
+          <a:prstGeom prst="rect">
+            <a:avLst/>
+          </a:prstGeom>
+        </p:spPr>
+      </p:pic>
+      <p:pic>
+        <p:nvPicPr>
+          <p:cNvPr id="5" name="Grafik 4"/>
+          <p:cNvPicPr>
+            <a:picLocks noChangeAspect="1"/>
+          </p:cNvPicPr>
+          <p:nvPr/>
+        </p:nvPicPr>
+        <p:blipFill>
+          <a:blip r:embed="rId3"/>
+          <a:stretch>
+            <a:fillRect/>
+          </a:stretch>
+        </p:blipFill>
+        <p:spPr>
+          <a:xfrm>
+            <a:off x="10058099" y="4174059"/>
+            <a:ext cx="1310847" cy="1779980"/>
+          </a:xfrm>
+          <a:prstGeom prst="rect">
+            <a:avLst/>
+          </a:prstGeom>
+        </p:spPr>
+      </p:pic>
+      <p:cxnSp>
+        <p:nvCxnSpPr>
+          <p:cNvPr id="6" name="Gerade Verbindung mit Pfeil 5"/>
+          <p:cNvCxnSpPr/>
+          <p:nvPr/>
+        </p:nvCxnSpPr>
+        <p:spPr>
+          <a:xfrm>
+            <a:off x="2242353" y="5283424"/>
+            <a:ext cx="7036809" cy="0"/>
+          </a:xfrm>
+          <a:prstGeom prst="straightConnector1">
+            <a:avLst/>
+          </a:prstGeom>
+          <a:ln w="31750">
+            <a:solidFill>
+              <a:schemeClr val="accent2"/>
+            </a:solidFill>
+            <a:headEnd type="triangle"/>
+            <a:tailEnd type="none"/>
+          </a:ln>
+        </p:spPr>
+        <p:style>
+          <a:lnRef idx="1">
+            <a:schemeClr val="accent1"/>
+          </a:lnRef>
+          <a:fillRef idx="0">
+            <a:schemeClr val="accent1"/>
+          </a:fillRef>
+          <a:effectRef idx="0">
+            <a:schemeClr val="accent1"/>
+          </a:effectRef>
+          <a:fontRef idx="minor">
+            <a:schemeClr val="tx1"/>
+          </a:fontRef>
+        </p:style>
+      </p:cxnSp>
+      <p:sp>
+        <p:nvSpPr>
+          <p:cNvPr id="7" name="Textfeld 6"/>
+          <p:cNvSpPr txBox="1"/>
+          <p:nvPr/>
+        </p:nvSpPr>
+        <p:spPr>
+          <a:xfrm>
+            <a:off x="525305" y="6107599"/>
+            <a:ext cx="1035860" cy="523219"/>
+          </a:xfrm>
+          <a:prstGeom prst="rect">
+            <a:avLst/>
+          </a:prstGeom>
+          <a:noFill/>
+        </p:spPr>
+        <p:txBody>
+          <a:bodyPr wrap="none" rtlCol="0">
+            <a:spAutoFit/>
+          </a:bodyPr>
+          <a:lstStyle/>
+          <a:p>
+            <a:r>
+              <a:rPr lang="de-CH" sz="2800" dirty="0" smtClean="0">
+                <a:solidFill>
+                  <a:srgbClr val="606060"/>
+                </a:solidFill>
+                <a:latin typeface="Segoe UI Light" panose="020B0502040204020203" pitchFamily="34" charset="0"/>
+                <a:cs typeface="Segoe UI Light" panose="020B0502040204020203" pitchFamily="34" charset="0"/>
+              </a:rPr>
+              <a:t>Client</a:t>
+            </a:r>
+            <a:endParaRPr lang="de-CH" sz="2800" dirty="0">
+              <a:solidFill>
+                <a:srgbClr val="606060"/>
+              </a:solidFill>
+              <a:latin typeface="Segoe UI Light" panose="020B0502040204020203" pitchFamily="34" charset="0"/>
+              <a:cs typeface="Segoe UI Light" panose="020B0502040204020203" pitchFamily="34" charset="0"/>
+            </a:endParaRPr>
+          </a:p>
+        </p:txBody>
+      </p:sp>
+      <p:sp>
+        <p:nvSpPr>
+          <p:cNvPr id="8" name="Textfeld 7"/>
+          <p:cNvSpPr txBox="1"/>
+          <p:nvPr/>
+        </p:nvSpPr>
+        <p:spPr>
+          <a:xfrm>
+            <a:off x="9977034" y="6107599"/>
+            <a:ext cx="1147558" cy="523219"/>
+          </a:xfrm>
+          <a:prstGeom prst="rect">
+            <a:avLst/>
+          </a:prstGeom>
+          <a:noFill/>
+        </p:spPr>
+        <p:txBody>
+          <a:bodyPr wrap="none" rtlCol="0">
+            <a:spAutoFit/>
+          </a:bodyPr>
+          <a:lstStyle/>
+          <a:p>
+            <a:r>
+              <a:rPr lang="de-CH" sz="2800" dirty="0" smtClean="0">
+                <a:solidFill>
+                  <a:srgbClr val="606060"/>
+                </a:solidFill>
+                <a:latin typeface="Segoe UI Light" panose="020B0502040204020203" pitchFamily="34" charset="0"/>
+                <a:cs typeface="Segoe UI Light" panose="020B0502040204020203" pitchFamily="34" charset="0"/>
+              </a:rPr>
+              <a:t>Server</a:t>
+            </a:r>
+            <a:endParaRPr lang="de-CH" sz="2800" dirty="0">
+              <a:solidFill>
+                <a:srgbClr val="606060"/>
+              </a:solidFill>
+              <a:latin typeface="Segoe UI Light" panose="020B0502040204020203" pitchFamily="34" charset="0"/>
+              <a:cs typeface="Segoe UI Light" panose="020B0502040204020203" pitchFamily="34" charset="0"/>
+            </a:endParaRPr>
+          </a:p>
+        </p:txBody>
+      </p:sp>
+      <p:cxnSp>
+        <p:nvCxnSpPr>
+          <p:cNvPr id="9" name="Gerade Verbindung mit Pfeil 8"/>
+          <p:cNvCxnSpPr/>
+          <p:nvPr/>
+        </p:nvCxnSpPr>
+        <p:spPr>
+          <a:xfrm flipV="1">
+            <a:off x="1749088" y="2031239"/>
+            <a:ext cx="3001587" cy="2142820"/>
+          </a:xfrm>
+          <a:prstGeom prst="straightConnector1">
+            <a:avLst/>
+          </a:prstGeom>
+          <a:ln w="31750">
+            <a:solidFill>
+              <a:schemeClr val="accent2"/>
+            </a:solidFill>
+            <a:headEnd type="none"/>
+            <a:tailEnd type="triangle"/>
+          </a:ln>
+        </p:spPr>
+        <p:style>
+          <a:lnRef idx="1">
+            <a:schemeClr val="accent1"/>
+          </a:lnRef>
+          <a:fillRef idx="0">
+            <a:schemeClr val="accent1"/>
+          </a:fillRef>
+          <a:effectRef idx="0">
+            <a:schemeClr val="accent1"/>
+          </a:effectRef>
+          <a:fontRef idx="minor">
+            <a:schemeClr val="tx1"/>
+          </a:fontRef>
+        </p:style>
+      </p:cxnSp>
+      <p:cxnSp>
+        <p:nvCxnSpPr>
+          <p:cNvPr id="10" name="Gerade Verbindung mit Pfeil 9"/>
+          <p:cNvCxnSpPr/>
+          <p:nvPr/>
+        </p:nvCxnSpPr>
+        <p:spPr>
+          <a:xfrm flipV="1">
+            <a:off x="6380891" y="2716106"/>
+            <a:ext cx="3248172" cy="386545"/>
+          </a:xfrm>
+          <a:prstGeom prst="straightConnector1">
+            <a:avLst/>
+          </a:prstGeom>
+          <a:ln w="31750">
+            <a:solidFill>
+              <a:schemeClr val="accent2"/>
+            </a:solidFill>
+            <a:headEnd type="none"/>
+            <a:tailEnd type="triangle"/>
+          </a:ln>
+        </p:spPr>
+        <p:style>
+          <a:lnRef idx="1">
+            <a:schemeClr val="accent1"/>
+          </a:lnRef>
+          <a:fillRef idx="0">
+            <a:schemeClr val="accent1"/>
+          </a:fillRef>
+          <a:effectRef idx="0">
+            <a:schemeClr val="accent1"/>
+          </a:effectRef>
+          <a:fontRef idx="minor">
+            <a:schemeClr val="tx1"/>
+          </a:fontRef>
+        </p:style>
+      </p:cxnSp>
+      <p:sp>
+        <p:nvSpPr>
+          <p:cNvPr id="11" name="Textfeld 10"/>
+          <p:cNvSpPr txBox="1"/>
+          <p:nvPr/>
+        </p:nvSpPr>
+        <p:spPr>
+          <a:xfrm>
+            <a:off x="4902868" y="5283424"/>
+            <a:ext cx="1505541" cy="523219"/>
+          </a:xfrm>
+          <a:prstGeom prst="rect">
+            <a:avLst/>
+          </a:prstGeom>
+          <a:noFill/>
+        </p:spPr>
+        <p:txBody>
+          <a:bodyPr wrap="none" rtlCol="0">
+            <a:spAutoFit/>
+          </a:bodyPr>
+          <a:lstStyle>
+            <a:defPPr>
+              <a:defRPr lang="de-DE"/>
+            </a:defPPr>
+            <a:lvl1pPr>
+              <a:defRPr sz="1600">
+                <a:solidFill>
+                  <a:srgbClr val="606060"/>
+                </a:solidFill>
+              </a:defRPr>
+            </a:lvl1pPr>
+          </a:lstStyle>
+          <a:p>
+            <a:r>
+              <a:rPr lang="de-CH" sz="2800" dirty="0">
+                <a:latin typeface="Segoe UI Light" panose="020B0502040204020203" pitchFamily="34" charset="0"/>
+                <a:cs typeface="Segoe UI Light" panose="020B0502040204020203" pitchFamily="34" charset="0"/>
+              </a:rPr>
+              <a:t>SAS-URL</a:t>
+            </a:r>
+          </a:p>
+        </p:txBody>
+      </p:sp>
+      <p:cxnSp>
+        <p:nvCxnSpPr>
+          <p:cNvPr id="12" name="Gerade Verbindung mit Pfeil 11"/>
+          <p:cNvCxnSpPr/>
+          <p:nvPr/>
+        </p:nvCxnSpPr>
+        <p:spPr>
+          <a:xfrm>
+            <a:off x="2242351" y="5026400"/>
+            <a:ext cx="7036809" cy="0"/>
+          </a:xfrm>
+          <a:prstGeom prst="straightConnector1">
+            <a:avLst/>
+          </a:prstGeom>
+          <a:ln w="31750">
+            <a:solidFill>
+              <a:schemeClr val="accent2"/>
+            </a:solidFill>
+            <a:headEnd type="none"/>
+            <a:tailEnd type="triangle"/>
+          </a:ln>
+        </p:spPr>
+        <p:style>
+          <a:lnRef idx="1">
+            <a:schemeClr val="accent1"/>
+          </a:lnRef>
+          <a:fillRef idx="0">
+            <a:schemeClr val="accent1"/>
+          </a:fillRef>
+          <a:effectRef idx="0">
+            <a:schemeClr val="accent1"/>
+          </a:effectRef>
+          <a:fontRef idx="minor">
+            <a:schemeClr val="tx1"/>
+          </a:fontRef>
+        </p:style>
+      </p:cxnSp>
+      <p:pic>
+        <p:nvPicPr>
+          <p:cNvPr id="13" name="Picture 67"/>
+          <p:cNvPicPr>
+            <a:picLocks noChangeAspect="1"/>
+          </p:cNvPicPr>
+          <p:nvPr/>
+        </p:nvPicPr>
+        <p:blipFill>
+          <a:blip r:embed="rId4">
+            <a:extLst>
+              <a:ext uri="{28A0092B-C50C-407E-A947-70E740481C1C}">
+                <a14:useLocalDpi xmlns:a14="http://schemas.microsoft.com/office/drawing/2010/main" val="0"/>
+              </a:ext>
+            </a:extLst>
+          </a:blip>
+          <a:srcRect/>
+          <a:stretch>
+            <a:fillRect/>
+          </a:stretch>
+        </p:blipFill>
+        <p:spPr bwMode="auto">
+          <a:xfrm>
+            <a:off x="1475685" y="2605506"/>
+            <a:ext cx="671543" cy="897327"/>
+          </a:xfrm>
+          <a:prstGeom prst="rect">
+            <a:avLst/>
+          </a:prstGeom>
+          <a:noFill/>
+          <a:ln>
+            <a:noFill/>
+          </a:ln>
+          <a:extLst>
+            <a:ext uri="{909E8E84-426E-40DD-AFC4-6F175D3DCCD1}">
+              <a14:hiddenFill xmlns:a14="http://schemas.microsoft.com/office/drawing/2010/main">
+                <a:solidFill>
+                  <a:srgbClr val="FFFFFF"/>
+                </a:solidFill>
+              </a14:hiddenFill>
+            </a:ext>
+            <a:ext uri="{91240B29-F687-4F45-9708-019B960494DF}">
+              <a14:hiddenLine xmlns:a14="http://schemas.microsoft.com/office/drawing/2010/main" w="9525">
+                <a:solidFill>
+                  <a:srgbClr val="000000"/>
+                </a:solidFill>
+                <a:miter lim="800000"/>
+                <a:headEnd/>
+                <a:tailEnd/>
+              </a14:hiddenLine>
+            </a:ext>
+          </a:extLst>
+        </p:spPr>
+      </p:pic>
+      <p:pic>
+        <p:nvPicPr>
+          <p:cNvPr id="14" name="Picture 67"/>
+          <p:cNvPicPr>
+            <a:picLocks noChangeAspect="1"/>
+          </p:cNvPicPr>
+          <p:nvPr/>
+        </p:nvPicPr>
+        <p:blipFill>
+          <a:blip r:embed="rId4">
+            <a:extLst>
+              <a:ext uri="{28A0092B-C50C-407E-A947-70E740481C1C}">
+                <a14:useLocalDpi xmlns:a14="http://schemas.microsoft.com/office/drawing/2010/main" val="0"/>
+              </a:ext>
+            </a:extLst>
+          </a:blip>
+          <a:srcRect/>
+          <a:stretch>
+            <a:fillRect/>
+          </a:stretch>
+        </p:blipFill>
+        <p:spPr bwMode="auto">
+          <a:xfrm>
+            <a:off x="8936733" y="1004313"/>
+            <a:ext cx="671543" cy="897327"/>
+          </a:xfrm>
+          <a:prstGeom prst="rect">
+            <a:avLst/>
+          </a:prstGeom>
+          <a:noFill/>
+          <a:ln>
+            <a:noFill/>
+          </a:ln>
+          <a:extLst>
+            <a:ext uri="{909E8E84-426E-40DD-AFC4-6F175D3DCCD1}">
+              <a14:hiddenFill xmlns:a14="http://schemas.microsoft.com/office/drawing/2010/main">
+                <a:solidFill>
+                  <a:srgbClr val="FFFFFF"/>
+                </a:solidFill>
+              </a14:hiddenFill>
+            </a:ext>
+            <a:ext uri="{91240B29-F687-4F45-9708-019B960494DF}">
+              <a14:hiddenLine xmlns:a14="http://schemas.microsoft.com/office/drawing/2010/main" w="9525">
+                <a:solidFill>
+                  <a:srgbClr val="000000"/>
+                </a:solidFill>
+                <a:miter lim="800000"/>
+                <a:headEnd/>
+                <a:tailEnd/>
+              </a14:hiddenLine>
+            </a:ext>
+          </a:extLst>
+        </p:spPr>
+      </p:pic>
+      <p:sp>
+        <p:nvSpPr>
+          <p:cNvPr id="15" name="Oval 2"/>
+          <p:cNvSpPr/>
+          <p:nvPr/>
+        </p:nvSpPr>
+        <p:spPr bwMode="auto">
+          <a:xfrm>
+            <a:off x="7283930" y="4537250"/>
+            <a:ext cx="440737" cy="440737"/>
+          </a:xfrm>
+          <a:prstGeom prst="ellipse">
+            <a:avLst/>
+          </a:prstGeom>
+          <a:noFill/>
+          <a:ln w="25400">
+            <a:solidFill>
+              <a:srgbClr val="616161"/>
+            </a:solidFill>
+            <a:headEnd type="none" w="med" len="med"/>
+            <a:tailEnd type="none" w="med" len="med"/>
+          </a:ln>
+          <a:effectLst/>
+        </p:spPr>
+        <p:style>
+          <a:lnRef idx="1">
+            <a:schemeClr val="accent2"/>
+          </a:lnRef>
+          <a:fillRef idx="3">
+            <a:schemeClr val="accent2"/>
+          </a:fillRef>
+          <a:effectRef idx="2">
+            <a:schemeClr val="accent2"/>
+          </a:effectRef>
+          <a:fontRef idx="minor">
+            <a:schemeClr val="lt1"/>
+          </a:fontRef>
+        </p:style>
+        <p:txBody>
+          <a:bodyPr vert="horz" wrap="square" lIns="91436" tIns="45718" rIns="91436" bIns="45718" numCol="1" rtlCol="0" anchor="ctr" anchorCtr="0" compatLnSpc="1">
+            <a:prstTxWarp prst="textNoShape">
+              <a:avLst/>
+            </a:prstTxWarp>
+          </a:bodyPr>
+          <a:lstStyle/>
+          <a:p>
+            <a:pPr algn="ctr" defTabSz="914099" fontAlgn="base">
+              <a:spcBef>
+                <a:spcPct val="0"/>
+              </a:spcBef>
+              <a:spcAft>
+                <a:spcPct val="0"/>
+              </a:spcAft>
+            </a:pPr>
+            <a:r>
+              <a:rPr lang="en-US" sz="2800" dirty="0" smtClean="0">
+                <a:solidFill>
+                  <a:srgbClr val="616161"/>
+                </a:solidFill>
+                <a:latin typeface="Segoe UI Light" panose="020B0502040204020203" pitchFamily="34" charset="0"/>
+                <a:cs typeface="Segoe UI Light" panose="020B0502040204020203" pitchFamily="34" charset="0"/>
+              </a:rPr>
+              <a:t>1</a:t>
+            </a:r>
+          </a:p>
+        </p:txBody>
+      </p:sp>
+      <p:sp>
+        <p:nvSpPr>
+          <p:cNvPr id="16" name="Oval 2"/>
+          <p:cNvSpPr/>
+          <p:nvPr/>
+        </p:nvSpPr>
+        <p:spPr bwMode="auto">
+          <a:xfrm>
+            <a:off x="6847244" y="5336800"/>
+            <a:ext cx="440737" cy="440737"/>
+          </a:xfrm>
+          <a:prstGeom prst="ellipse">
+            <a:avLst/>
+          </a:prstGeom>
+          <a:noFill/>
+          <a:ln w="25400">
+            <a:solidFill>
+              <a:srgbClr val="616161"/>
+            </a:solidFill>
+            <a:headEnd type="none" w="med" len="med"/>
+            <a:tailEnd type="none" w="med" len="med"/>
+          </a:ln>
+          <a:effectLst/>
+        </p:spPr>
+        <p:style>
+          <a:lnRef idx="1">
+            <a:schemeClr val="accent2"/>
+          </a:lnRef>
+          <a:fillRef idx="3">
+            <a:schemeClr val="accent2"/>
+          </a:fillRef>
+          <a:effectRef idx="2">
+            <a:schemeClr val="accent2"/>
+          </a:effectRef>
+          <a:fontRef idx="minor">
+            <a:schemeClr val="lt1"/>
+          </a:fontRef>
+        </p:style>
+        <p:txBody>
+          <a:bodyPr vert="horz" wrap="square" lIns="91436" tIns="45718" rIns="91436" bIns="45718" numCol="1" rtlCol="0" anchor="ctr" anchorCtr="0" compatLnSpc="1">
+            <a:prstTxWarp prst="textNoShape">
+              <a:avLst/>
+            </a:prstTxWarp>
+          </a:bodyPr>
+          <a:lstStyle/>
+          <a:p>
+            <a:pPr algn="ctr" defTabSz="914099" fontAlgn="base">
+              <a:spcBef>
+                <a:spcPct val="0"/>
+              </a:spcBef>
+              <a:spcAft>
+                <a:spcPct val="0"/>
+              </a:spcAft>
+            </a:pPr>
+            <a:r>
+              <a:rPr lang="en-US" sz="2800" dirty="0" smtClean="0">
+                <a:solidFill>
+                  <a:srgbClr val="616161"/>
+                </a:solidFill>
+                <a:latin typeface="Segoe UI Light" panose="020B0502040204020203" pitchFamily="34" charset="0"/>
+                <a:cs typeface="Segoe UI Light" panose="020B0502040204020203" pitchFamily="34" charset="0"/>
+              </a:rPr>
+              <a:t>2</a:t>
+            </a:r>
+          </a:p>
+        </p:txBody>
+      </p:sp>
+      <p:sp>
+        <p:nvSpPr>
+          <p:cNvPr id="17" name="Oval 2"/>
+          <p:cNvSpPr/>
+          <p:nvPr/>
+        </p:nvSpPr>
+        <p:spPr bwMode="auto">
+          <a:xfrm>
+            <a:off x="2341197" y="2882280"/>
+            <a:ext cx="440737" cy="440737"/>
+          </a:xfrm>
+          <a:prstGeom prst="ellipse">
+            <a:avLst/>
+          </a:prstGeom>
+          <a:noFill/>
+          <a:ln w="25400">
+            <a:solidFill>
+              <a:srgbClr val="616161"/>
+            </a:solidFill>
+            <a:headEnd type="none" w="med" len="med"/>
+            <a:tailEnd type="none" w="med" len="med"/>
+          </a:ln>
+          <a:effectLst/>
+        </p:spPr>
+        <p:style>
+          <a:lnRef idx="1">
+            <a:schemeClr val="accent2"/>
+          </a:lnRef>
+          <a:fillRef idx="3">
+            <a:schemeClr val="accent2"/>
+          </a:fillRef>
+          <a:effectRef idx="2">
+            <a:schemeClr val="accent2"/>
+          </a:effectRef>
+          <a:fontRef idx="minor">
+            <a:schemeClr val="lt1"/>
+          </a:fontRef>
+        </p:style>
+        <p:txBody>
+          <a:bodyPr vert="horz" wrap="square" lIns="91436" tIns="45718" rIns="91436" bIns="45718" numCol="1" rtlCol="0" anchor="ctr" anchorCtr="0" compatLnSpc="1">
+            <a:prstTxWarp prst="textNoShape">
+              <a:avLst/>
+            </a:prstTxWarp>
+          </a:bodyPr>
+          <a:lstStyle/>
+          <a:p>
+            <a:pPr algn="ctr" defTabSz="914099" fontAlgn="base">
+              <a:spcBef>
+                <a:spcPct val="0"/>
+              </a:spcBef>
+              <a:spcAft>
+                <a:spcPct val="0"/>
+              </a:spcAft>
+            </a:pPr>
+            <a:r>
+              <a:rPr lang="en-US" sz="2800" dirty="0" smtClean="0">
+                <a:solidFill>
+                  <a:srgbClr val="616161"/>
+                </a:solidFill>
+                <a:latin typeface="Segoe UI Light" panose="020B0502040204020203" pitchFamily="34" charset="0"/>
+                <a:cs typeface="Segoe UI Light" panose="020B0502040204020203" pitchFamily="34" charset="0"/>
+              </a:rPr>
+              <a:t>3</a:t>
+            </a:r>
+          </a:p>
+        </p:txBody>
+      </p:sp>
+      <p:sp>
+        <p:nvSpPr>
+          <p:cNvPr id="18" name="Oval 2"/>
+          <p:cNvSpPr/>
+          <p:nvPr/>
+        </p:nvSpPr>
+        <p:spPr bwMode="auto">
+          <a:xfrm>
+            <a:off x="3472822" y="3791899"/>
+            <a:ext cx="440737" cy="440737"/>
+          </a:xfrm>
+          <a:prstGeom prst="ellipse">
+            <a:avLst/>
+          </a:prstGeom>
+          <a:noFill/>
+          <a:ln w="25400">
+            <a:solidFill>
+              <a:srgbClr val="616161"/>
+            </a:solidFill>
+            <a:headEnd type="none" w="med" len="med"/>
+            <a:tailEnd type="none" w="med" len="med"/>
+          </a:ln>
+          <a:effectLst/>
+        </p:spPr>
+        <p:style>
+          <a:lnRef idx="1">
+            <a:schemeClr val="accent2"/>
+          </a:lnRef>
+          <a:fillRef idx="3">
+            <a:schemeClr val="accent2"/>
+          </a:fillRef>
+          <a:effectRef idx="2">
+            <a:schemeClr val="accent2"/>
+          </a:effectRef>
+          <a:fontRef idx="minor">
+            <a:schemeClr val="lt1"/>
+          </a:fontRef>
+        </p:style>
+        <p:txBody>
+          <a:bodyPr vert="horz" wrap="square" lIns="91436" tIns="45718" rIns="91436" bIns="45718" numCol="1" rtlCol="0" anchor="ctr" anchorCtr="0" compatLnSpc="1">
+            <a:prstTxWarp prst="textNoShape">
+              <a:avLst/>
+            </a:prstTxWarp>
+          </a:bodyPr>
+          <a:lstStyle/>
+          <a:p>
+            <a:pPr algn="ctr" defTabSz="914099" fontAlgn="base">
+              <a:spcBef>
+                <a:spcPct val="0"/>
+              </a:spcBef>
+              <a:spcAft>
+                <a:spcPct val="0"/>
+              </a:spcAft>
+            </a:pPr>
+            <a:r>
+              <a:rPr lang="en-US" sz="2800" dirty="0" smtClean="0">
+                <a:solidFill>
+                  <a:srgbClr val="616161"/>
+                </a:solidFill>
+                <a:latin typeface="Segoe UI Light" panose="020B0502040204020203" pitchFamily="34" charset="0"/>
+                <a:cs typeface="Segoe UI Light" panose="020B0502040204020203" pitchFamily="34" charset="0"/>
+              </a:rPr>
+              <a:t>4</a:t>
+            </a:r>
+          </a:p>
+        </p:txBody>
+      </p:sp>
+      <p:pic>
+        <p:nvPicPr>
+          <p:cNvPr id="19" name="Grafik 18"/>
+          <p:cNvPicPr>
+            <a:picLocks noChangeAspect="1"/>
+          </p:cNvPicPr>
+          <p:nvPr/>
+        </p:nvPicPr>
+        <p:blipFill>
+          <a:blip r:embed="rId3"/>
+          <a:stretch>
+            <a:fillRect/>
+          </a:stretch>
+        </p:blipFill>
+        <p:spPr>
+          <a:xfrm>
+            <a:off x="9930837" y="1806595"/>
+            <a:ext cx="846568" cy="1149543"/>
+          </a:xfrm>
+          <a:prstGeom prst="rect">
+            <a:avLst/>
+          </a:prstGeom>
+        </p:spPr>
+      </p:pic>
+      <p:pic>
+        <p:nvPicPr>
+          <p:cNvPr id="20" name="Grafik 19"/>
+          <p:cNvPicPr>
+            <a:picLocks noChangeAspect="1"/>
+          </p:cNvPicPr>
+          <p:nvPr/>
+        </p:nvPicPr>
+        <p:blipFill>
+          <a:blip r:embed="rId3"/>
+          <a:stretch>
+            <a:fillRect/>
+          </a:stretch>
+        </p:blipFill>
+        <p:spPr>
+          <a:xfrm>
+            <a:off x="10332060" y="2035742"/>
+            <a:ext cx="846568" cy="1149543"/>
+          </a:xfrm>
+          <a:prstGeom prst="rect">
+            <a:avLst/>
+          </a:prstGeom>
+        </p:spPr>
+      </p:pic>
+      <p:pic>
+        <p:nvPicPr>
+          <p:cNvPr id="21" name="Grafik 20"/>
+          <p:cNvPicPr>
+            <a:picLocks noChangeAspect="1"/>
+          </p:cNvPicPr>
+          <p:nvPr/>
+        </p:nvPicPr>
+        <p:blipFill>
+          <a:blip r:embed="rId3"/>
+          <a:stretch>
+            <a:fillRect/>
+          </a:stretch>
+        </p:blipFill>
+        <p:spPr>
+          <a:xfrm>
+            <a:off x="10750685" y="2273028"/>
+            <a:ext cx="846568" cy="1149543"/>
+          </a:xfrm>
+          <a:prstGeom prst="rect">
+            <a:avLst/>
+          </a:prstGeom>
+        </p:spPr>
+      </p:pic>
+      <p:cxnSp>
+        <p:nvCxnSpPr>
+          <p:cNvPr id="22" name="Gerade Verbindung mit Pfeil 21"/>
+          <p:cNvCxnSpPr/>
+          <p:nvPr/>
+        </p:nvCxnSpPr>
+        <p:spPr>
+          <a:xfrm>
+            <a:off x="6221495" y="1757588"/>
+            <a:ext cx="3407568" cy="390122"/>
+          </a:xfrm>
+          <a:prstGeom prst="straightConnector1">
+            <a:avLst/>
+          </a:prstGeom>
+          <a:ln w="31750">
+            <a:solidFill>
+              <a:schemeClr val="accent2"/>
+            </a:solidFill>
+            <a:headEnd type="triangle"/>
+            <a:tailEnd type="triangle"/>
+          </a:ln>
+        </p:spPr>
+        <p:style>
+          <a:lnRef idx="1">
+            <a:schemeClr val="accent1"/>
+          </a:lnRef>
+          <a:fillRef idx="0">
+            <a:schemeClr val="accent1"/>
+          </a:fillRef>
+          <a:effectRef idx="0">
+            <a:schemeClr val="accent1"/>
+          </a:effectRef>
+          <a:fontRef idx="minor">
+            <a:schemeClr val="tx1"/>
+          </a:fontRef>
+        </p:style>
+      </p:cxnSp>
+      <p:sp>
+        <p:nvSpPr>
+          <p:cNvPr id="23" name="Textfeld 22"/>
+          <p:cNvSpPr txBox="1"/>
+          <p:nvPr/>
+        </p:nvSpPr>
+        <p:spPr>
+          <a:xfrm>
+            <a:off x="3345341" y="433017"/>
+            <a:ext cx="2325508" cy="523220"/>
+          </a:xfrm>
+          <a:prstGeom prst="rect">
+            <a:avLst/>
+          </a:prstGeom>
+          <a:noFill/>
+        </p:spPr>
+        <p:txBody>
+          <a:bodyPr wrap="none" rtlCol="0">
+            <a:spAutoFit/>
+          </a:bodyPr>
+          <a:lstStyle/>
+          <a:p>
+            <a:r>
+              <a:rPr lang="de-CH" sz="2800" dirty="0" err="1" smtClean="0">
+                <a:solidFill>
+                  <a:srgbClr val="3C4D62"/>
+                </a:solidFill>
+                <a:latin typeface="Segoe UI Light" panose="020B0502040204020203" pitchFamily="34" charset="0"/>
+                <a:cs typeface="Segoe UI Light" panose="020B0502040204020203" pitchFamily="34" charset="0"/>
+              </a:rPr>
+              <a:t>Azure</a:t>
+            </a:r>
+            <a:r>
+              <a:rPr lang="de-CH" sz="2800" dirty="0" smtClean="0">
+                <a:solidFill>
+                  <a:srgbClr val="3C4D62"/>
+                </a:solidFill>
+                <a:latin typeface="Segoe UI Light" panose="020B0502040204020203" pitchFamily="34" charset="0"/>
+                <a:cs typeface="Segoe UI Light" panose="020B0502040204020203" pitchFamily="34" charset="0"/>
+              </a:rPr>
+              <a:t> Storage</a:t>
+            </a:r>
+            <a:endParaRPr lang="de-CH" sz="2800" dirty="0">
+              <a:solidFill>
+                <a:srgbClr val="3C4D62"/>
+              </a:solidFill>
+              <a:latin typeface="Segoe UI Light" panose="020B0502040204020203" pitchFamily="34" charset="0"/>
+              <a:cs typeface="Segoe UI Light" panose="020B0502040204020203" pitchFamily="34" charset="0"/>
+            </a:endParaRPr>
+          </a:p>
+        </p:txBody>
+      </p:sp>
+      <p:cxnSp>
+        <p:nvCxnSpPr>
+          <p:cNvPr id="24" name="Gerade Verbindung mit Pfeil 23"/>
+          <p:cNvCxnSpPr/>
+          <p:nvPr/>
+        </p:nvCxnSpPr>
+        <p:spPr>
+          <a:xfrm flipV="1">
+            <a:off x="1940008" y="3102650"/>
+            <a:ext cx="2810667" cy="1285188"/>
+          </a:xfrm>
+          <a:prstGeom prst="straightConnector1">
+            <a:avLst/>
+          </a:prstGeom>
+          <a:ln w="31750">
+            <a:solidFill>
+              <a:schemeClr val="accent2"/>
+            </a:solidFill>
+            <a:headEnd type="none"/>
+            <a:tailEnd type="triangle"/>
+          </a:ln>
+        </p:spPr>
+        <p:style>
+          <a:lnRef idx="1">
+            <a:schemeClr val="accent1"/>
+          </a:lnRef>
+          <a:fillRef idx="0">
+            <a:schemeClr val="accent1"/>
+          </a:fillRef>
+          <a:effectRef idx="0">
+            <a:schemeClr val="accent1"/>
+          </a:effectRef>
+          <a:fontRef idx="minor">
+            <a:schemeClr val="tx1"/>
+          </a:fontRef>
+        </p:style>
+      </p:cxnSp>
+      <p:sp>
+        <p:nvSpPr>
+          <p:cNvPr id="25" name="Textfeld 24"/>
+          <p:cNvSpPr txBox="1"/>
+          <p:nvPr/>
+        </p:nvSpPr>
+        <p:spPr>
+          <a:xfrm>
+            <a:off x="9977034" y="957093"/>
+            <a:ext cx="1414362" cy="523219"/>
+          </a:xfrm>
+          <a:prstGeom prst="rect">
+            <a:avLst/>
+          </a:prstGeom>
+          <a:noFill/>
+        </p:spPr>
+        <p:txBody>
+          <a:bodyPr wrap="none" rtlCol="0">
+            <a:spAutoFit/>
+          </a:bodyPr>
+          <a:lstStyle/>
+          <a:p>
+            <a:r>
+              <a:rPr lang="de-CH" sz="2800" dirty="0" err="1" smtClean="0">
+                <a:solidFill>
+                  <a:srgbClr val="606060"/>
+                </a:solidFill>
+                <a:latin typeface="Segoe UI Light" panose="020B0502040204020203" pitchFamily="34" charset="0"/>
+                <a:cs typeface="Segoe UI Light" panose="020B0502040204020203" pitchFamily="34" charset="0"/>
+              </a:rPr>
+              <a:t>Workers</a:t>
+            </a:r>
+            <a:endParaRPr lang="de-CH" sz="2800" dirty="0">
+              <a:solidFill>
+                <a:srgbClr val="606060"/>
+              </a:solidFill>
+              <a:latin typeface="Segoe UI Light" panose="020B0502040204020203" pitchFamily="34" charset="0"/>
+              <a:cs typeface="Segoe UI Light" panose="020B0502040204020203" pitchFamily="34" charset="0"/>
+            </a:endParaRPr>
+          </a:p>
+        </p:txBody>
+      </p:sp>
+      <p:sp>
+        <p:nvSpPr>
+          <p:cNvPr id="26" name="Oval 2"/>
+          <p:cNvSpPr/>
+          <p:nvPr/>
+        </p:nvSpPr>
+        <p:spPr bwMode="auto">
+          <a:xfrm>
+            <a:off x="9007472" y="3335630"/>
+            <a:ext cx="440737" cy="440737"/>
+          </a:xfrm>
+          <a:prstGeom prst="ellipse">
+            <a:avLst/>
+          </a:prstGeom>
+          <a:noFill/>
+          <a:ln w="25400">
+            <a:solidFill>
+              <a:srgbClr val="616161"/>
+            </a:solidFill>
+            <a:headEnd type="none" w="med" len="med"/>
+            <a:tailEnd type="none" w="med" len="med"/>
+          </a:ln>
+          <a:effectLst/>
+        </p:spPr>
+        <p:style>
+          <a:lnRef idx="1">
+            <a:schemeClr val="accent2"/>
+          </a:lnRef>
+          <a:fillRef idx="3">
+            <a:schemeClr val="accent2"/>
+          </a:fillRef>
+          <a:effectRef idx="2">
+            <a:schemeClr val="accent2"/>
+          </a:effectRef>
+          <a:fontRef idx="minor">
+            <a:schemeClr val="lt1"/>
+          </a:fontRef>
+        </p:style>
+        <p:txBody>
+          <a:bodyPr vert="horz" wrap="square" lIns="91436" tIns="45718" rIns="91436" bIns="45718" numCol="1" rtlCol="0" anchor="ctr" anchorCtr="0" compatLnSpc="1">
+            <a:prstTxWarp prst="textNoShape">
+              <a:avLst/>
+            </a:prstTxWarp>
+          </a:bodyPr>
+          <a:lstStyle/>
+          <a:p>
+            <a:pPr algn="ctr" defTabSz="914099" fontAlgn="base">
+              <a:spcBef>
+                <a:spcPct val="0"/>
+              </a:spcBef>
+              <a:spcAft>
+                <a:spcPct val="0"/>
+              </a:spcAft>
+            </a:pPr>
+            <a:r>
+              <a:rPr lang="en-US" sz="2800" dirty="0" smtClean="0">
+                <a:solidFill>
+                  <a:srgbClr val="616161"/>
+                </a:solidFill>
+                <a:latin typeface="Segoe UI Light" panose="020B0502040204020203" pitchFamily="34" charset="0"/>
+                <a:cs typeface="Segoe UI Light" panose="020B0502040204020203" pitchFamily="34" charset="0"/>
+              </a:rPr>
+              <a:t>5</a:t>
+            </a:r>
+          </a:p>
+        </p:txBody>
+      </p:sp>
+      <p:sp>
+        <p:nvSpPr>
+          <p:cNvPr id="27" name="Oval 2"/>
+          <p:cNvSpPr/>
+          <p:nvPr/>
+        </p:nvSpPr>
+        <p:spPr bwMode="auto">
+          <a:xfrm>
+            <a:off x="8370932" y="1106696"/>
+            <a:ext cx="440737" cy="440737"/>
+          </a:xfrm>
+          <a:prstGeom prst="ellipse">
+            <a:avLst/>
+          </a:prstGeom>
+          <a:noFill/>
+          <a:ln w="25400">
+            <a:solidFill>
+              <a:srgbClr val="616161"/>
+            </a:solidFill>
+            <a:headEnd type="none" w="med" len="med"/>
+            <a:tailEnd type="none" w="med" len="med"/>
+          </a:ln>
+          <a:effectLst/>
+        </p:spPr>
+        <p:style>
+          <a:lnRef idx="1">
+            <a:schemeClr val="accent2"/>
+          </a:lnRef>
+          <a:fillRef idx="3">
+            <a:schemeClr val="accent2"/>
+          </a:fillRef>
+          <a:effectRef idx="2">
+            <a:schemeClr val="accent2"/>
+          </a:effectRef>
+          <a:fontRef idx="minor">
+            <a:schemeClr val="lt1"/>
+          </a:fontRef>
+        </p:style>
+        <p:txBody>
+          <a:bodyPr vert="horz" wrap="square" lIns="91436" tIns="45718" rIns="91436" bIns="45718" numCol="1" rtlCol="0" anchor="ctr" anchorCtr="0" compatLnSpc="1">
+            <a:prstTxWarp prst="textNoShape">
+              <a:avLst/>
+            </a:prstTxWarp>
+          </a:bodyPr>
+          <a:lstStyle/>
+          <a:p>
+            <a:pPr algn="ctr" defTabSz="914099" fontAlgn="base">
+              <a:spcBef>
+                <a:spcPct val="0"/>
+              </a:spcBef>
+              <a:spcAft>
+                <a:spcPct val="0"/>
+              </a:spcAft>
+            </a:pPr>
+            <a:r>
+              <a:rPr lang="en-US" sz="2800" dirty="0" smtClean="0">
+                <a:solidFill>
+                  <a:srgbClr val="616161"/>
+                </a:solidFill>
+                <a:latin typeface="Segoe UI Light" panose="020B0502040204020203" pitchFamily="34" charset="0"/>
+                <a:cs typeface="Segoe UI Light" panose="020B0502040204020203" pitchFamily="34" charset="0"/>
+              </a:rPr>
+              <a:t>6</a:t>
+            </a:r>
+          </a:p>
+        </p:txBody>
+      </p:sp>
+      <p:cxnSp>
+        <p:nvCxnSpPr>
+          <p:cNvPr id="28" name="Gerade Verbindung mit Pfeil 27"/>
+          <p:cNvCxnSpPr/>
+          <p:nvPr/>
+        </p:nvCxnSpPr>
+        <p:spPr>
+          <a:xfrm flipV="1">
+            <a:off x="6380891" y="2986103"/>
+            <a:ext cx="3518170" cy="116547"/>
+          </a:xfrm>
+          <a:prstGeom prst="straightConnector1">
+            <a:avLst/>
+          </a:prstGeom>
+          <a:ln w="31750">
+            <a:solidFill>
+              <a:schemeClr val="accent2"/>
+            </a:solidFill>
+            <a:headEnd type="none"/>
+            <a:tailEnd type="triangle"/>
+          </a:ln>
+        </p:spPr>
+        <p:style>
+          <a:lnRef idx="1">
+            <a:schemeClr val="accent1"/>
+          </a:lnRef>
+          <a:fillRef idx="0">
+            <a:schemeClr val="accent1"/>
+          </a:fillRef>
+          <a:effectRef idx="0">
+            <a:schemeClr val="accent1"/>
+          </a:effectRef>
+          <a:fontRef idx="minor">
+            <a:schemeClr val="tx1"/>
+          </a:fontRef>
+        </p:style>
+      </p:cxnSp>
+      <p:pic>
+        <p:nvPicPr>
+          <p:cNvPr id="29" name="Picture 5"/>
+          <p:cNvPicPr>
+            <a:picLocks noChangeAspect="1"/>
+          </p:cNvPicPr>
+          <p:nvPr/>
+        </p:nvPicPr>
+        <p:blipFill>
+          <a:blip r:embed="rId5">
+            <a:duotone>
+              <a:prstClr val="black"/>
+              <a:schemeClr val="accent1">
+                <a:tint val="45000"/>
+                <a:satMod val="400000"/>
+              </a:schemeClr>
+            </a:duotone>
+            <a:extLst>
+              <a:ext uri="{28A0092B-C50C-407E-A947-70E740481C1C}">
+                <a14:useLocalDpi xmlns:a14="http://schemas.microsoft.com/office/drawing/2010/main" val="0"/>
+              </a:ext>
+            </a:extLst>
+          </a:blip>
+          <a:srcRect/>
+          <a:stretch>
+            <a:fillRect/>
+          </a:stretch>
+        </p:blipFill>
+        <p:spPr bwMode="auto">
+          <a:xfrm>
+            <a:off x="4845191" y="1037255"/>
+            <a:ext cx="1345756" cy="1176210"/>
+          </a:xfrm>
+          <a:prstGeom prst="rect">
+            <a:avLst/>
+          </a:prstGeom>
+          <a:noFill/>
+          <a:ln>
+            <a:noFill/>
+          </a:ln>
+          <a:extLst>
+            <a:ext uri="{909E8E84-426E-40DD-AFC4-6F175D3DCCD1}">
+              <a14:hiddenFill xmlns:a14="http://schemas.microsoft.com/office/drawing/2010/main">
+                <a:solidFill>
+                  <a:srgbClr val="FFFFFF"/>
+                </a:solidFill>
+              </a14:hiddenFill>
+            </a:ext>
+            <a:ext uri="{91240B29-F687-4F45-9708-019B960494DF}">
+              <a14:hiddenLine xmlns:a14="http://schemas.microsoft.com/office/drawing/2010/main" w="9525">
+                <a:solidFill>
+                  <a:srgbClr val="000000"/>
+                </a:solidFill>
+                <a:miter lim="800000"/>
+                <a:headEnd/>
+                <a:tailEnd/>
+              </a14:hiddenLine>
+            </a:ext>
+          </a:extLst>
+        </p:spPr>
+      </p:pic>
+      <p:pic>
+        <p:nvPicPr>
+          <p:cNvPr id="30" name="Picture 7"/>
+          <p:cNvPicPr>
+            <a:picLocks noChangeAspect="1"/>
+          </p:cNvPicPr>
+          <p:nvPr/>
+        </p:nvPicPr>
+        <p:blipFill>
+          <a:blip r:embed="rId6">
+            <a:duotone>
+              <a:prstClr val="black"/>
+              <a:schemeClr val="accent1">
+                <a:tint val="45000"/>
+                <a:satMod val="400000"/>
+              </a:schemeClr>
+            </a:duotone>
+            <a:extLst>
+              <a:ext uri="{28A0092B-C50C-407E-A947-70E740481C1C}">
+                <a14:useLocalDpi xmlns:a14="http://schemas.microsoft.com/office/drawing/2010/main" val="0"/>
+              </a:ext>
+            </a:extLst>
+          </a:blip>
+          <a:srcRect/>
+          <a:stretch>
+            <a:fillRect/>
+          </a:stretch>
+        </p:blipFill>
+        <p:spPr bwMode="auto">
+          <a:xfrm>
+            <a:off x="4893176" y="2359519"/>
+            <a:ext cx="1283903" cy="1114786"/>
+          </a:xfrm>
+          <a:prstGeom prst="rect">
+            <a:avLst/>
+          </a:prstGeom>
+          <a:noFill/>
+          <a:ln>
+            <a:noFill/>
+          </a:ln>
+          <a:extLst>
+            <a:ext uri="{909E8E84-426E-40DD-AFC4-6F175D3DCCD1}">
+              <a14:hiddenFill xmlns:a14="http://schemas.microsoft.com/office/drawing/2010/main">
+                <a:solidFill>
+                  <a:srgbClr val="FFFFFF"/>
+                </a:solidFill>
+              </a14:hiddenFill>
+            </a:ext>
+            <a:ext uri="{91240B29-F687-4F45-9708-019B960494DF}">
+              <a14:hiddenLine xmlns:a14="http://schemas.microsoft.com/office/drawing/2010/main" w="9525">
+                <a:solidFill>
+                  <a:srgbClr val="000000"/>
+                </a:solidFill>
+                <a:miter lim="800000"/>
+                <a:headEnd/>
+                <a:tailEnd/>
+              </a14:hiddenLine>
+            </a:ext>
+          </a:extLst>
+        </p:spPr>
+      </p:pic>
     </p:spTree>
     <p:extLst>
       <p:ext uri="{BB962C8B-B14F-4D97-AF65-F5344CB8AC3E}">
         <p14:creationId xmlns:p14="http://schemas.microsoft.com/office/powerpoint/2010/main" val="3616917704"/>
+      </p:ext>
+    </p:extLst>
+  </p:cSld>
+  <p:clrMapOvr>
+    <a:masterClrMapping/>
+  </p:clrMapOvr>
+</p:sld>
+</file>
+
+<file path=ppt/slides/slide7.xml><?xml version="1.0" encoding="utf-8"?>
+<p:sld xmlns:a="http://schemas.openxmlformats.org/drawingml/2006/main" xmlns:r="http://schemas.openxmlformats.org/officeDocument/2006/relationships" xmlns:p="http://schemas.openxmlformats.org/presentationml/2006/main">
+  <p:cSld>
+    <p:spTree>
+      <p:nvGrpSpPr>
+        <p:cNvPr id="1" name=""/>
+        <p:cNvGrpSpPr/>
+        <p:nvPr/>
+      </p:nvGrpSpPr>
+      <p:grpSpPr>
+        <a:xfrm>
+          <a:off x="0" y="0"/>
+          <a:ext cx="0" cy="0"/>
+          <a:chOff x="0" y="0"/>
+          <a:chExt cx="0" cy="0"/>
+        </a:xfrm>
+      </p:grpSpPr>
+      <p:sp>
+        <p:nvSpPr>
+          <p:cNvPr id="5" name="Freeform 7"/>
+          <p:cNvSpPr>
+            <a:spLocks/>
+          </p:cNvSpPr>
+          <p:nvPr/>
+        </p:nvSpPr>
+        <p:spPr bwMode="auto">
+          <a:xfrm flipH="1">
+            <a:off x="-1" y="244764"/>
+            <a:ext cx="5416223" cy="2622670"/>
+          </a:xfrm>
+          <a:custGeom>
+            <a:avLst/>
+            <a:gdLst>
+              <a:gd name="T0" fmla="*/ 157 w 214"/>
+              <a:gd name="T1" fmla="*/ 0 h 114"/>
+              <a:gd name="T2" fmla="*/ 107 w 214"/>
+              <a:gd name="T3" fmla="*/ 29 h 114"/>
+              <a:gd name="T4" fmla="*/ 86 w 214"/>
+              <a:gd name="T5" fmla="*/ 23 h 114"/>
+              <a:gd name="T6" fmla="*/ 46 w 214"/>
+              <a:gd name="T7" fmla="*/ 48 h 114"/>
+              <a:gd name="T8" fmla="*/ 34 w 214"/>
+              <a:gd name="T9" fmla="*/ 45 h 114"/>
+              <a:gd name="T10" fmla="*/ 0 w 214"/>
+              <a:gd name="T11" fmla="*/ 80 h 114"/>
+              <a:gd name="T12" fmla="*/ 34 w 214"/>
+              <a:gd name="T13" fmla="*/ 114 h 114"/>
+              <a:gd name="T14" fmla="*/ 86 w 214"/>
+              <a:gd name="T15" fmla="*/ 114 h 114"/>
+              <a:gd name="T16" fmla="*/ 157 w 214"/>
+              <a:gd name="T17" fmla="*/ 114 h 114"/>
+              <a:gd name="T18" fmla="*/ 214 w 214"/>
+              <a:gd name="T19" fmla="*/ 57 h 114"/>
+              <a:gd name="T20" fmla="*/ 157 w 214"/>
+              <a:gd name="T21" fmla="*/ 0 h 114"/>
+            </a:gdLst>
+            <a:ahLst/>
+            <a:cxnLst>
+              <a:cxn ang="0">
+                <a:pos x="T0" y="T1"/>
+              </a:cxn>
+              <a:cxn ang="0">
+                <a:pos x="T2" y="T3"/>
+              </a:cxn>
+              <a:cxn ang="0">
+                <a:pos x="T4" y="T5"/>
+              </a:cxn>
+              <a:cxn ang="0">
+                <a:pos x="T6" y="T7"/>
+              </a:cxn>
+              <a:cxn ang="0">
+                <a:pos x="T8" y="T9"/>
+              </a:cxn>
+              <a:cxn ang="0">
+                <a:pos x="T10" y="T11"/>
+              </a:cxn>
+              <a:cxn ang="0">
+                <a:pos x="T12" y="T13"/>
+              </a:cxn>
+              <a:cxn ang="0">
+                <a:pos x="T14" y="T15"/>
+              </a:cxn>
+              <a:cxn ang="0">
+                <a:pos x="T16" y="T17"/>
+              </a:cxn>
+              <a:cxn ang="0">
+                <a:pos x="T18" y="T19"/>
+              </a:cxn>
+              <a:cxn ang="0">
+                <a:pos x="T20" y="T21"/>
+              </a:cxn>
+            </a:cxnLst>
+            <a:rect l="0" t="0" r="r" b="b"/>
+            <a:pathLst>
+              <a:path w="214" h="114">
+                <a:moveTo>
+                  <a:pt x="157" y="0"/>
+                </a:moveTo>
+                <a:cubicBezTo>
+                  <a:pt x="136" y="0"/>
+                  <a:pt x="117" y="11"/>
+                  <a:pt x="107" y="29"/>
+                </a:cubicBezTo>
+                <a:cubicBezTo>
+                  <a:pt x="101" y="25"/>
+                  <a:pt x="94" y="23"/>
+                  <a:pt x="86" y="23"/>
+                </a:cubicBezTo>
+                <a:cubicBezTo>
+                  <a:pt x="69" y="23"/>
+                  <a:pt x="54" y="33"/>
+                  <a:pt x="46" y="48"/>
+                </a:cubicBezTo>
+                <a:cubicBezTo>
+                  <a:pt x="42" y="46"/>
+                  <a:pt x="38" y="45"/>
+                  <a:pt x="34" y="45"/>
+                </a:cubicBezTo>
+                <a:cubicBezTo>
+                  <a:pt x="15" y="45"/>
+                  <a:pt x="0" y="61"/>
+                  <a:pt x="0" y="80"/>
+                </a:cubicBezTo>
+                <a:cubicBezTo>
+                  <a:pt x="0" y="99"/>
+                  <a:pt x="15" y="114"/>
+                  <a:pt x="34" y="114"/>
+                </a:cubicBezTo>
+                <a:cubicBezTo>
+                  <a:pt x="86" y="114"/>
+                  <a:pt x="86" y="114"/>
+                  <a:pt x="86" y="114"/>
+                </a:cubicBezTo>
+                <a:cubicBezTo>
+                  <a:pt x="157" y="114"/>
+                  <a:pt x="157" y="114"/>
+                  <a:pt x="157" y="114"/>
+                </a:cubicBezTo>
+                <a:cubicBezTo>
+                  <a:pt x="189" y="114"/>
+                  <a:pt x="214" y="89"/>
+                  <a:pt x="214" y="57"/>
+                </a:cubicBezTo>
+                <a:cubicBezTo>
+                  <a:pt x="214" y="25"/>
+                  <a:pt x="189" y="0"/>
+                  <a:pt x="157" y="0"/>
+                </a:cubicBezTo>
+                <a:close/>
+              </a:path>
+            </a:pathLst>
+          </a:custGeom>
+          <a:solidFill>
+            <a:srgbClr val="00AEEF">
+              <a:alpha val="70000"/>
+            </a:srgbClr>
+          </a:solidFill>
+          <a:ln>
+            <a:noFill/>
+            <a:headEnd type="none" w="med" len="med"/>
+            <a:tailEnd type="none" w="med" len="med"/>
+          </a:ln>
+          <a:effectLst/>
+        </p:spPr>
+        <p:style>
+          <a:lnRef idx="1">
+            <a:schemeClr val="accent2"/>
+          </a:lnRef>
+          <a:fillRef idx="3">
+            <a:schemeClr val="accent2"/>
+          </a:fillRef>
+          <a:effectRef idx="2">
+            <a:schemeClr val="accent2"/>
+          </a:effectRef>
+          <a:fontRef idx="minor">
+            <a:schemeClr val="lt1"/>
+          </a:fontRef>
+        </p:style>
+        <p:txBody>
+          <a:bodyPr vert="horz" wrap="square" lIns="91404" tIns="45703" rIns="91404" bIns="45703" numCol="1" spcCol="0" rtlCol="0" anchor="ctr" anchorCtr="0" compatLnSpc="1">
+            <a:prstTxWarp prst="textNoShape">
+              <a:avLst/>
+            </a:prstTxWarp>
+          </a:bodyPr>
+          <a:lstStyle/>
+          <a:p>
+            <a:pPr algn="ctr" defTabSz="913788" fontAlgn="base">
+              <a:spcBef>
+                <a:spcPct val="0"/>
+              </a:spcBef>
+              <a:spcAft>
+                <a:spcPct val="0"/>
+              </a:spcAft>
+            </a:pPr>
+            <a:endParaRPr lang="en-US" sz="2800" dirty="0">
+              <a:gradFill>
+                <a:gsLst>
+                  <a:gs pos="0">
+                    <a:srgbClr val="FFFFFF"/>
+                  </a:gs>
+                  <a:gs pos="100000">
+                    <a:srgbClr val="FFFFFF"/>
+                  </a:gs>
+                </a:gsLst>
+                <a:lin ang="5400000" scaled="0"/>
+              </a:gradFill>
+              <a:latin typeface="Segoe UI Light" panose="020B0502040204020203" pitchFamily="34" charset="0"/>
+              <a:cs typeface="Segoe UI Light" panose="020B0502040204020203" pitchFamily="34" charset="0"/>
+            </a:endParaRPr>
+          </a:p>
+        </p:txBody>
+      </p:sp>
+      <p:sp>
+        <p:nvSpPr>
+          <p:cNvPr id="6" name="Textfeld 5"/>
+          <p:cNvSpPr txBox="1"/>
+          <p:nvPr/>
+        </p:nvSpPr>
+        <p:spPr>
+          <a:xfrm>
+            <a:off x="374124" y="550849"/>
+            <a:ext cx="2314417" cy="483745"/>
+          </a:xfrm>
+          <a:prstGeom prst="rect">
+            <a:avLst/>
+          </a:prstGeom>
+          <a:noFill/>
+        </p:spPr>
+        <p:txBody>
+          <a:bodyPr wrap="none" rtlCol="0">
+            <a:spAutoFit/>
+          </a:bodyPr>
+          <a:lstStyle/>
+          <a:p>
+            <a:r>
+              <a:rPr lang="de-CH" dirty="0" smtClean="0">
+                <a:solidFill>
+                  <a:srgbClr val="344456"/>
+                </a:solidFill>
+                <a:latin typeface="Segoe UI Light" panose="020B0502040204020203" pitchFamily="34" charset="0"/>
+                <a:cs typeface="Segoe UI Light" panose="020B0502040204020203" pitchFamily="34" charset="0"/>
+              </a:rPr>
+              <a:t>Azure Scheduler</a:t>
+            </a:r>
+            <a:endParaRPr lang="de-CH" dirty="0">
+              <a:solidFill>
+                <a:srgbClr val="344456"/>
+              </a:solidFill>
+              <a:latin typeface="Segoe UI Light" panose="020B0502040204020203" pitchFamily="34" charset="0"/>
+              <a:cs typeface="Segoe UI Light" panose="020B0502040204020203" pitchFamily="34" charset="0"/>
+            </a:endParaRPr>
+          </a:p>
+        </p:txBody>
+      </p:sp>
+      <p:grpSp>
+        <p:nvGrpSpPr>
+          <p:cNvPr id="9" name="Group 6"/>
+          <p:cNvGrpSpPr/>
+          <p:nvPr/>
+        </p:nvGrpSpPr>
+        <p:grpSpPr>
+          <a:xfrm>
+            <a:off x="6173950" y="1887477"/>
+            <a:ext cx="645027" cy="606912"/>
+            <a:chOff x="3858449" y="4725144"/>
+            <a:chExt cx="368990" cy="356658"/>
+          </a:xfrm>
+        </p:grpSpPr>
+        <p:sp>
+          <p:nvSpPr>
+            <p:cNvPr id="19" name="Rounded Rectangle 12"/>
+            <p:cNvSpPr/>
+            <p:nvPr/>
+          </p:nvSpPr>
+          <p:spPr>
+            <a:xfrm>
+              <a:off x="3858449" y="4725144"/>
+              <a:ext cx="368990" cy="356658"/>
+            </a:xfrm>
+            <a:prstGeom prst="roundRect">
+              <a:avLst/>
+            </a:prstGeom>
+            <a:solidFill>
+              <a:srgbClr val="616161"/>
+            </a:solidFill>
+            <a:ln>
+              <a:noFill/>
+            </a:ln>
+          </p:spPr>
+          <p:style>
+            <a:lnRef idx="2">
+              <a:schemeClr val="accent1">
+                <a:shade val="50000"/>
+              </a:schemeClr>
+            </a:lnRef>
+            <a:fillRef idx="1">
+              <a:schemeClr val="accent1"/>
+            </a:fillRef>
+            <a:effectRef idx="0">
+              <a:schemeClr val="accent1"/>
+            </a:effectRef>
+            <a:fontRef idx="minor">
+              <a:schemeClr val="lt1"/>
+            </a:fontRef>
+          </p:style>
+          <p:txBody>
+            <a:bodyPr rtlCol="0" anchor="ctr"/>
+            <a:lstStyle/>
+            <a:p>
+              <a:pPr algn="ctr" defTabSz="457200"/>
+              <a:endParaRPr lang="en-US" sz="2800">
+                <a:solidFill>
+                  <a:prstClr val="white"/>
+                </a:solidFill>
+                <a:latin typeface="Segoe UI Light" panose="020B0502040204020203" pitchFamily="34" charset="0"/>
+                <a:cs typeface="Segoe UI Light" panose="020B0502040204020203" pitchFamily="34" charset="0"/>
+              </a:endParaRPr>
+            </a:p>
+          </p:txBody>
+        </p:sp>
+        <p:grpSp>
+          <p:nvGrpSpPr>
+            <p:cNvPr id="20" name="Group 13"/>
+            <p:cNvGrpSpPr/>
+            <p:nvPr/>
+          </p:nvGrpSpPr>
+          <p:grpSpPr bwMode="black">
+            <a:xfrm>
+              <a:off x="3926097" y="4806330"/>
+              <a:ext cx="270603" cy="220147"/>
+              <a:chOff x="5184775" y="225425"/>
+              <a:chExt cx="1500188" cy="1220788"/>
+            </a:xfrm>
+            <a:solidFill>
+              <a:srgbClr val="FFFFFF"/>
+            </a:solidFill>
+          </p:grpSpPr>
+          <p:sp>
+            <p:nvSpPr>
+              <p:cNvPr id="21" name="Freeform 86"/>
+              <p:cNvSpPr>
+                <a:spLocks noEditPoints="1"/>
+              </p:cNvSpPr>
+              <p:nvPr/>
+            </p:nvSpPr>
+            <p:spPr bwMode="black">
+              <a:xfrm>
+                <a:off x="5184775" y="344488"/>
+                <a:ext cx="1095375" cy="1101725"/>
+              </a:xfrm>
+              <a:custGeom>
+                <a:avLst/>
+                <a:gdLst>
+                  <a:gd name="T0" fmla="*/ 287 w 292"/>
+                  <a:gd name="T1" fmla="*/ 113 h 294"/>
+                  <a:gd name="T2" fmla="*/ 239 w 292"/>
+                  <a:gd name="T3" fmla="*/ 105 h 294"/>
+                  <a:gd name="T4" fmla="*/ 252 w 292"/>
+                  <a:gd name="T5" fmla="*/ 58 h 294"/>
+                  <a:gd name="T6" fmla="*/ 229 w 292"/>
+                  <a:gd name="T7" fmla="*/ 32 h 294"/>
+                  <a:gd name="T8" fmla="*/ 187 w 292"/>
+                  <a:gd name="T9" fmla="*/ 57 h 294"/>
+                  <a:gd name="T10" fmla="*/ 167 w 292"/>
+                  <a:gd name="T11" fmla="*/ 6 h 294"/>
+                  <a:gd name="T12" fmla="*/ 132 w 292"/>
+                  <a:gd name="T13" fmla="*/ 0 h 294"/>
+                  <a:gd name="T14" fmla="*/ 115 w 292"/>
+                  <a:gd name="T15" fmla="*/ 53 h 294"/>
+                  <a:gd name="T16" fmla="*/ 72 w 292"/>
+                  <a:gd name="T17" fmla="*/ 31 h 294"/>
+                  <a:gd name="T18" fmla="*/ 42 w 292"/>
+                  <a:gd name="T19" fmla="*/ 49 h 294"/>
+                  <a:gd name="T20" fmla="*/ 59 w 292"/>
+                  <a:gd name="T21" fmla="*/ 95 h 294"/>
+                  <a:gd name="T22" fmla="*/ 12 w 292"/>
+                  <a:gd name="T23" fmla="*/ 107 h 294"/>
+                  <a:gd name="T24" fmla="*/ 0 w 292"/>
+                  <a:gd name="T25" fmla="*/ 140 h 294"/>
+                  <a:gd name="T26" fmla="*/ 43 w 292"/>
+                  <a:gd name="T27" fmla="*/ 164 h 294"/>
+                  <a:gd name="T28" fmla="*/ 14 w 292"/>
+                  <a:gd name="T29" fmla="*/ 204 h 294"/>
+                  <a:gd name="T30" fmla="*/ 27 w 292"/>
+                  <a:gd name="T31" fmla="*/ 237 h 294"/>
+                  <a:gd name="T32" fmla="*/ 75 w 292"/>
+                  <a:gd name="T33" fmla="*/ 227 h 294"/>
+                  <a:gd name="T34" fmla="*/ 79 w 292"/>
+                  <a:gd name="T35" fmla="*/ 276 h 294"/>
+                  <a:gd name="T36" fmla="*/ 109 w 292"/>
+                  <a:gd name="T37" fmla="*/ 293 h 294"/>
+                  <a:gd name="T38" fmla="*/ 140 w 292"/>
+                  <a:gd name="T39" fmla="*/ 255 h 294"/>
+                  <a:gd name="T40" fmla="*/ 152 w 292"/>
+                  <a:gd name="T41" fmla="*/ 255 h 294"/>
+                  <a:gd name="T42" fmla="*/ 183 w 292"/>
+                  <a:gd name="T43" fmla="*/ 293 h 294"/>
+                  <a:gd name="T44" fmla="*/ 213 w 292"/>
+                  <a:gd name="T45" fmla="*/ 276 h 294"/>
+                  <a:gd name="T46" fmla="*/ 217 w 292"/>
+                  <a:gd name="T47" fmla="*/ 227 h 294"/>
+                  <a:gd name="T48" fmla="*/ 265 w 292"/>
+                  <a:gd name="T49" fmla="*/ 237 h 294"/>
+                  <a:gd name="T50" fmla="*/ 278 w 292"/>
+                  <a:gd name="T51" fmla="*/ 204 h 294"/>
+                  <a:gd name="T52" fmla="*/ 249 w 292"/>
+                  <a:gd name="T53" fmla="*/ 164 h 294"/>
+                  <a:gd name="T54" fmla="*/ 292 w 292"/>
+                  <a:gd name="T55" fmla="*/ 140 h 294"/>
+                  <a:gd name="T56" fmla="*/ 187 w 292"/>
+                  <a:gd name="T57" fmla="*/ 193 h 294"/>
+                  <a:gd name="T58" fmla="*/ 105 w 292"/>
+                  <a:gd name="T59" fmla="*/ 193 h 294"/>
+                  <a:gd name="T60" fmla="*/ 105 w 292"/>
+                  <a:gd name="T61" fmla="*/ 111 h 294"/>
+                  <a:gd name="T62" fmla="*/ 187 w 292"/>
+                  <a:gd name="T63" fmla="*/ 111 h 294"/>
+                </a:gdLst>
+                <a:ahLst/>
+                <a:cxnLst>
+                  <a:cxn ang="0">
+                    <a:pos x="T0" y="T1"/>
+                  </a:cxn>
+                  <a:cxn ang="0">
+                    <a:pos x="T2" y="T3"/>
+                  </a:cxn>
+                  <a:cxn ang="0">
+                    <a:pos x="T4" y="T5"/>
+                  </a:cxn>
+                  <a:cxn ang="0">
+                    <a:pos x="T6" y="T7"/>
+                  </a:cxn>
+                  <a:cxn ang="0">
+                    <a:pos x="T8" y="T9"/>
+                  </a:cxn>
+                  <a:cxn ang="0">
+                    <a:pos x="T10" y="T11"/>
+                  </a:cxn>
+                  <a:cxn ang="0">
+                    <a:pos x="T12" y="T13"/>
+                  </a:cxn>
+                  <a:cxn ang="0">
+                    <a:pos x="T14" y="T15"/>
+                  </a:cxn>
+                  <a:cxn ang="0">
+                    <a:pos x="T16" y="T17"/>
+                  </a:cxn>
+                  <a:cxn ang="0">
+                    <a:pos x="T18" y="T19"/>
+                  </a:cxn>
+                  <a:cxn ang="0">
+                    <a:pos x="T20" y="T21"/>
+                  </a:cxn>
+                  <a:cxn ang="0">
+                    <a:pos x="T22" y="T23"/>
+                  </a:cxn>
+                  <a:cxn ang="0">
+                    <a:pos x="T24" y="T25"/>
+                  </a:cxn>
+                  <a:cxn ang="0">
+                    <a:pos x="T26" y="T27"/>
+                  </a:cxn>
+                  <a:cxn ang="0">
+                    <a:pos x="T28" y="T29"/>
+                  </a:cxn>
+                  <a:cxn ang="0">
+                    <a:pos x="T30" y="T31"/>
+                  </a:cxn>
+                  <a:cxn ang="0">
+                    <a:pos x="T32" y="T33"/>
+                  </a:cxn>
+                  <a:cxn ang="0">
+                    <a:pos x="T34" y="T35"/>
+                  </a:cxn>
+                  <a:cxn ang="0">
+                    <a:pos x="T36" y="T37"/>
+                  </a:cxn>
+                  <a:cxn ang="0">
+                    <a:pos x="T38" y="T39"/>
+                  </a:cxn>
+                  <a:cxn ang="0">
+                    <a:pos x="T40" y="T41"/>
+                  </a:cxn>
+                  <a:cxn ang="0">
+                    <a:pos x="T42" y="T43"/>
+                  </a:cxn>
+                  <a:cxn ang="0">
+                    <a:pos x="T44" y="T45"/>
+                  </a:cxn>
+                  <a:cxn ang="0">
+                    <a:pos x="T46" y="T47"/>
+                  </a:cxn>
+                  <a:cxn ang="0">
+                    <a:pos x="T48" y="T49"/>
+                  </a:cxn>
+                  <a:cxn ang="0">
+                    <a:pos x="T50" y="T51"/>
+                  </a:cxn>
+                  <a:cxn ang="0">
+                    <a:pos x="T52" y="T53"/>
+                  </a:cxn>
+                  <a:cxn ang="0">
+                    <a:pos x="T54" y="T55"/>
+                  </a:cxn>
+                  <a:cxn ang="0">
+                    <a:pos x="T56" y="T57"/>
+                  </a:cxn>
+                  <a:cxn ang="0">
+                    <a:pos x="T58" y="T59"/>
+                  </a:cxn>
+                  <a:cxn ang="0">
+                    <a:pos x="T60" y="T61"/>
+                  </a:cxn>
+                  <a:cxn ang="0">
+                    <a:pos x="T62" y="T63"/>
+                  </a:cxn>
+                </a:cxnLst>
+                <a:rect l="0" t="0" r="r" b="b"/>
+                <a:pathLst>
+                  <a:path w="292" h="294">
+                    <a:moveTo>
+                      <a:pt x="292" y="140"/>
+                    </a:moveTo>
+                    <a:cubicBezTo>
+                      <a:pt x="287" y="113"/>
+                      <a:pt x="287" y="113"/>
+                      <a:pt x="287" y="113"/>
+                    </a:cubicBezTo>
+                    <a:cubicBezTo>
+                      <a:pt x="286" y="110"/>
+                      <a:pt x="284" y="108"/>
+                      <a:pt x="280" y="107"/>
+                    </a:cubicBezTo>
+                    <a:cubicBezTo>
+                      <a:pt x="239" y="105"/>
+                      <a:pt x="239" y="105"/>
+                      <a:pt x="239" y="105"/>
+                    </a:cubicBezTo>
+                    <a:cubicBezTo>
+                      <a:pt x="237" y="102"/>
+                      <a:pt x="235" y="98"/>
+                      <a:pt x="233" y="95"/>
+                    </a:cubicBezTo>
+                    <a:cubicBezTo>
+                      <a:pt x="252" y="58"/>
+                      <a:pt x="252" y="58"/>
+                      <a:pt x="252" y="58"/>
+                    </a:cubicBezTo>
+                    <a:cubicBezTo>
+                      <a:pt x="254" y="55"/>
+                      <a:pt x="253" y="51"/>
+                      <a:pt x="250" y="49"/>
+                    </a:cubicBezTo>
+                    <a:cubicBezTo>
+                      <a:pt x="229" y="32"/>
+                      <a:pt x="229" y="32"/>
+                      <a:pt x="229" y="32"/>
+                    </a:cubicBezTo>
+                    <a:cubicBezTo>
+                      <a:pt x="227" y="29"/>
+                      <a:pt x="223" y="29"/>
+                      <a:pt x="220" y="31"/>
+                    </a:cubicBezTo>
+                    <a:cubicBezTo>
+                      <a:pt x="187" y="57"/>
+                      <a:pt x="187" y="57"/>
+                      <a:pt x="187" y="57"/>
+                    </a:cubicBezTo>
+                    <a:cubicBezTo>
+                      <a:pt x="184" y="55"/>
+                      <a:pt x="181" y="54"/>
+                      <a:pt x="177" y="53"/>
+                    </a:cubicBezTo>
+                    <a:cubicBezTo>
+                      <a:pt x="167" y="6"/>
+                      <a:pt x="167" y="6"/>
+                      <a:pt x="167" y="6"/>
+                    </a:cubicBezTo>
+                    <a:cubicBezTo>
+                      <a:pt x="166" y="3"/>
+                      <a:pt x="163" y="0"/>
+                      <a:pt x="160" y="0"/>
+                    </a:cubicBezTo>
+                    <a:cubicBezTo>
+                      <a:pt x="132" y="0"/>
+                      <a:pt x="132" y="0"/>
+                      <a:pt x="132" y="0"/>
+                    </a:cubicBezTo>
+                    <a:cubicBezTo>
+                      <a:pt x="129" y="0"/>
+                      <a:pt x="126" y="3"/>
+                      <a:pt x="125" y="6"/>
+                    </a:cubicBezTo>
+                    <a:cubicBezTo>
+                      <a:pt x="115" y="53"/>
+                      <a:pt x="115" y="53"/>
+                      <a:pt x="115" y="53"/>
+                    </a:cubicBezTo>
+                    <a:cubicBezTo>
+                      <a:pt x="111" y="54"/>
+                      <a:pt x="108" y="55"/>
+                      <a:pt x="105" y="57"/>
+                    </a:cubicBezTo>
+                    <a:cubicBezTo>
+                      <a:pt x="72" y="31"/>
+                      <a:pt x="72" y="31"/>
+                      <a:pt x="72" y="31"/>
+                    </a:cubicBezTo>
+                    <a:cubicBezTo>
+                      <a:pt x="69" y="29"/>
+                      <a:pt x="65" y="29"/>
+                      <a:pt x="63" y="31"/>
+                    </a:cubicBezTo>
+                    <a:cubicBezTo>
+                      <a:pt x="42" y="49"/>
+                      <a:pt x="42" y="49"/>
+                      <a:pt x="42" y="49"/>
+                    </a:cubicBezTo>
+                    <a:cubicBezTo>
+                      <a:pt x="39" y="51"/>
+                      <a:pt x="39" y="55"/>
+                      <a:pt x="40" y="58"/>
+                    </a:cubicBezTo>
+                    <a:cubicBezTo>
+                      <a:pt x="59" y="95"/>
+                      <a:pt x="59" y="95"/>
+                      <a:pt x="59" y="95"/>
+                    </a:cubicBezTo>
+                    <a:cubicBezTo>
+                      <a:pt x="57" y="98"/>
+                      <a:pt x="55" y="102"/>
+                      <a:pt x="53" y="105"/>
+                    </a:cubicBezTo>
+                    <a:cubicBezTo>
+                      <a:pt x="12" y="107"/>
+                      <a:pt x="12" y="107"/>
+                      <a:pt x="12" y="107"/>
+                    </a:cubicBezTo>
+                    <a:cubicBezTo>
+                      <a:pt x="8" y="107"/>
+                      <a:pt x="6" y="110"/>
+                      <a:pt x="5" y="113"/>
+                    </a:cubicBezTo>
+                    <a:cubicBezTo>
+                      <a:pt x="0" y="140"/>
+                      <a:pt x="0" y="140"/>
+                      <a:pt x="0" y="140"/>
+                    </a:cubicBezTo>
+                    <a:cubicBezTo>
+                      <a:pt x="0" y="143"/>
+                      <a:pt x="1" y="147"/>
+                      <a:pt x="4" y="148"/>
+                    </a:cubicBezTo>
+                    <a:cubicBezTo>
+                      <a:pt x="43" y="164"/>
+                      <a:pt x="43" y="164"/>
+                      <a:pt x="43" y="164"/>
+                    </a:cubicBezTo>
+                    <a:cubicBezTo>
+                      <a:pt x="44" y="168"/>
+                      <a:pt x="44" y="172"/>
+                      <a:pt x="45" y="176"/>
+                    </a:cubicBezTo>
+                    <a:cubicBezTo>
+                      <a:pt x="14" y="204"/>
+                      <a:pt x="14" y="204"/>
+                      <a:pt x="14" y="204"/>
+                    </a:cubicBezTo>
+                    <a:cubicBezTo>
+                      <a:pt x="12" y="206"/>
+                      <a:pt x="11" y="210"/>
+                      <a:pt x="13" y="213"/>
+                    </a:cubicBezTo>
+                    <a:cubicBezTo>
+                      <a:pt x="27" y="237"/>
+                      <a:pt x="27" y="237"/>
+                      <a:pt x="27" y="237"/>
+                    </a:cubicBezTo>
+                    <a:cubicBezTo>
+                      <a:pt x="28" y="239"/>
+                      <a:pt x="32" y="241"/>
+                      <a:pt x="35" y="240"/>
+                    </a:cubicBezTo>
+                    <a:cubicBezTo>
+                      <a:pt x="75" y="227"/>
+                      <a:pt x="75" y="227"/>
+                      <a:pt x="75" y="227"/>
+                    </a:cubicBezTo>
+                    <a:cubicBezTo>
+                      <a:pt x="78" y="230"/>
+                      <a:pt x="81" y="233"/>
+                      <a:pt x="84" y="235"/>
+                    </a:cubicBezTo>
+                    <a:cubicBezTo>
+                      <a:pt x="79" y="276"/>
+                      <a:pt x="79" y="276"/>
+                      <a:pt x="79" y="276"/>
+                    </a:cubicBezTo>
+                    <a:cubicBezTo>
+                      <a:pt x="78" y="280"/>
+                      <a:pt x="80" y="283"/>
+                      <a:pt x="83" y="284"/>
+                    </a:cubicBezTo>
+                    <a:cubicBezTo>
+                      <a:pt x="109" y="293"/>
+                      <a:pt x="109" y="293"/>
+                      <a:pt x="109" y="293"/>
+                    </a:cubicBezTo>
+                    <a:cubicBezTo>
+                      <a:pt x="112" y="294"/>
+                      <a:pt x="116" y="293"/>
+                      <a:pt x="118" y="291"/>
+                    </a:cubicBezTo>
+                    <a:cubicBezTo>
+                      <a:pt x="140" y="255"/>
+                      <a:pt x="140" y="255"/>
+                      <a:pt x="140" y="255"/>
+                    </a:cubicBezTo>
+                    <a:cubicBezTo>
+                      <a:pt x="142" y="255"/>
+                      <a:pt x="144" y="256"/>
+                      <a:pt x="146" y="256"/>
+                    </a:cubicBezTo>
+                    <a:cubicBezTo>
+                      <a:pt x="148" y="256"/>
+                      <a:pt x="150" y="255"/>
+                      <a:pt x="152" y="255"/>
+                    </a:cubicBezTo>
+                    <a:cubicBezTo>
+                      <a:pt x="174" y="291"/>
+                      <a:pt x="174" y="291"/>
+                      <a:pt x="174" y="291"/>
+                    </a:cubicBezTo>
+                    <a:cubicBezTo>
+                      <a:pt x="176" y="293"/>
+                      <a:pt x="180" y="294"/>
+                      <a:pt x="183" y="293"/>
+                    </a:cubicBezTo>
+                    <a:cubicBezTo>
+                      <a:pt x="209" y="284"/>
+                      <a:pt x="209" y="284"/>
+                      <a:pt x="209" y="284"/>
+                    </a:cubicBezTo>
+                    <a:cubicBezTo>
+                      <a:pt x="212" y="283"/>
+                      <a:pt x="214" y="280"/>
+                      <a:pt x="213" y="276"/>
+                    </a:cubicBezTo>
+                    <a:cubicBezTo>
+                      <a:pt x="208" y="235"/>
+                      <a:pt x="208" y="235"/>
+                      <a:pt x="208" y="235"/>
+                    </a:cubicBezTo>
+                    <a:cubicBezTo>
+                      <a:pt x="211" y="232"/>
+                      <a:pt x="214" y="230"/>
+                      <a:pt x="217" y="227"/>
+                    </a:cubicBezTo>
+                    <a:cubicBezTo>
+                      <a:pt x="257" y="240"/>
+                      <a:pt x="257" y="240"/>
+                      <a:pt x="257" y="240"/>
+                    </a:cubicBezTo>
+                    <a:cubicBezTo>
+                      <a:pt x="260" y="241"/>
+                      <a:pt x="264" y="239"/>
+                      <a:pt x="265" y="237"/>
+                    </a:cubicBezTo>
+                    <a:cubicBezTo>
+                      <a:pt x="279" y="213"/>
+                      <a:pt x="279" y="213"/>
+                      <a:pt x="279" y="213"/>
+                    </a:cubicBezTo>
+                    <a:cubicBezTo>
+                      <a:pt x="281" y="210"/>
+                      <a:pt x="280" y="206"/>
+                      <a:pt x="278" y="204"/>
+                    </a:cubicBezTo>
+                    <a:cubicBezTo>
+                      <a:pt x="247" y="176"/>
+                      <a:pt x="247" y="176"/>
+                      <a:pt x="247" y="176"/>
+                    </a:cubicBezTo>
+                    <a:cubicBezTo>
+                      <a:pt x="248" y="172"/>
+                      <a:pt x="248" y="168"/>
+                      <a:pt x="249" y="164"/>
+                    </a:cubicBezTo>
+                    <a:cubicBezTo>
+                      <a:pt x="288" y="148"/>
+                      <a:pt x="288" y="148"/>
+                      <a:pt x="288" y="148"/>
+                    </a:cubicBezTo>
+                    <a:cubicBezTo>
+                      <a:pt x="291" y="147"/>
+                      <a:pt x="292" y="144"/>
+                      <a:pt x="292" y="140"/>
+                    </a:cubicBezTo>
+                    <a:close/>
+                    <a:moveTo>
+                      <a:pt x="204" y="152"/>
+                    </a:moveTo>
+                    <a:cubicBezTo>
+                      <a:pt x="204" y="168"/>
+                      <a:pt x="197" y="182"/>
+                      <a:pt x="187" y="193"/>
+                    </a:cubicBezTo>
+                    <a:cubicBezTo>
+                      <a:pt x="176" y="203"/>
+                      <a:pt x="162" y="210"/>
+                      <a:pt x="146" y="210"/>
+                    </a:cubicBezTo>
+                    <a:cubicBezTo>
+                      <a:pt x="130" y="210"/>
+                      <a:pt x="116" y="203"/>
+                      <a:pt x="105" y="193"/>
+                    </a:cubicBezTo>
+                    <a:cubicBezTo>
+                      <a:pt x="95" y="182"/>
+                      <a:pt x="88" y="168"/>
+                      <a:pt x="88" y="152"/>
+                    </a:cubicBezTo>
+                    <a:cubicBezTo>
+                      <a:pt x="88" y="136"/>
+                      <a:pt x="95" y="121"/>
+                      <a:pt x="105" y="111"/>
+                    </a:cubicBezTo>
+                    <a:cubicBezTo>
+                      <a:pt x="116" y="100"/>
+                      <a:pt x="130" y="94"/>
+                      <a:pt x="146" y="94"/>
+                    </a:cubicBezTo>
+                    <a:cubicBezTo>
+                      <a:pt x="162" y="94"/>
+                      <a:pt x="176" y="100"/>
+                      <a:pt x="187" y="111"/>
+                    </a:cubicBezTo>
+                    <a:cubicBezTo>
+                      <a:pt x="197" y="121"/>
+                      <a:pt x="204" y="136"/>
+                      <a:pt x="204" y="152"/>
+                    </a:cubicBezTo>
+                    <a:close/>
+                  </a:path>
+                </a:pathLst>
+              </a:custGeom>
+              <a:grpFill/>
+              <a:ln w="9525">
+                <a:noFill/>
+                <a:round/>
+                <a:headEnd/>
+                <a:tailEnd/>
+              </a:ln>
+              <a:extLst/>
+            </p:spPr>
+            <p:txBody>
+              <a:bodyPr vert="horz" wrap="square" lIns="91440" tIns="45720" rIns="91440" bIns="45720" numCol="1" anchor="t" anchorCtr="0" compatLnSpc="1">
+                <a:prstTxWarp prst="textNoShape">
+                  <a:avLst/>
+                </a:prstTxWarp>
+              </a:bodyPr>
+              <a:lstStyle/>
+              <a:p>
+                <a:pPr defTabSz="457200"/>
+                <a:endParaRPr lang="en-US" sz="2800" dirty="0">
+                  <a:solidFill>
+                    <a:prstClr val="black"/>
+                  </a:solidFill>
+                  <a:latin typeface="Segoe UI Light" panose="020B0502040204020203" pitchFamily="34" charset="0"/>
+                  <a:cs typeface="Segoe UI Light" panose="020B0502040204020203" pitchFamily="34" charset="0"/>
+                </a:endParaRPr>
+              </a:p>
+            </p:txBody>
+          </p:sp>
+          <p:sp>
+            <p:nvSpPr>
+              <p:cNvPr id="22" name="Oval 87"/>
+              <p:cNvSpPr>
+                <a:spLocks noChangeArrowheads="1"/>
+              </p:cNvSpPr>
+              <p:nvPr/>
+            </p:nvSpPr>
+            <p:spPr bwMode="black">
+              <a:xfrm>
+                <a:off x="5630863" y="812800"/>
+                <a:ext cx="203200" cy="203200"/>
+              </a:xfrm>
+              <a:prstGeom prst="ellipse">
+                <a:avLst/>
+              </a:prstGeom>
+              <a:grpFill/>
+              <a:ln w="9525">
+                <a:noFill/>
+                <a:round/>
+                <a:headEnd/>
+                <a:tailEnd/>
+              </a:ln>
+              <a:extLst/>
+            </p:spPr>
+            <p:txBody>
+              <a:bodyPr vert="horz" wrap="square" lIns="91440" tIns="45720" rIns="91440" bIns="45720" numCol="1" anchor="t" anchorCtr="0" compatLnSpc="1">
+                <a:prstTxWarp prst="textNoShape">
+                  <a:avLst/>
+                </a:prstTxWarp>
+              </a:bodyPr>
+              <a:lstStyle/>
+              <a:p>
+                <a:pPr defTabSz="457200"/>
+                <a:endParaRPr lang="en-US" sz="2800" dirty="0">
+                  <a:solidFill>
+                    <a:prstClr val="black"/>
+                  </a:solidFill>
+                  <a:latin typeface="Segoe UI Light" panose="020B0502040204020203" pitchFamily="34" charset="0"/>
+                  <a:cs typeface="Segoe UI Light" panose="020B0502040204020203" pitchFamily="34" charset="0"/>
+                </a:endParaRPr>
+              </a:p>
+            </p:txBody>
+          </p:sp>
+          <p:sp>
+            <p:nvSpPr>
+              <p:cNvPr id="23" name="Freeform 88"/>
+              <p:cNvSpPr>
+                <a:spLocks noEditPoints="1"/>
+              </p:cNvSpPr>
+              <p:nvPr/>
+            </p:nvSpPr>
+            <p:spPr bwMode="black">
+              <a:xfrm>
+                <a:off x="6129338" y="225425"/>
+                <a:ext cx="555625" cy="598488"/>
+              </a:xfrm>
+              <a:custGeom>
+                <a:avLst/>
+                <a:gdLst>
+                  <a:gd name="T0" fmla="*/ 129 w 148"/>
+                  <a:gd name="T1" fmla="*/ 91 h 160"/>
+                  <a:gd name="T2" fmla="*/ 131 w 148"/>
+                  <a:gd name="T3" fmla="*/ 80 h 160"/>
+                  <a:gd name="T4" fmla="*/ 129 w 148"/>
+                  <a:gd name="T5" fmla="*/ 70 h 160"/>
+                  <a:gd name="T6" fmla="*/ 145 w 148"/>
+                  <a:gd name="T7" fmla="*/ 55 h 160"/>
+                  <a:gd name="T8" fmla="*/ 147 w 148"/>
+                  <a:gd name="T9" fmla="*/ 50 h 160"/>
+                  <a:gd name="T10" fmla="*/ 147 w 148"/>
+                  <a:gd name="T11" fmla="*/ 46 h 160"/>
+                  <a:gd name="T12" fmla="*/ 140 w 148"/>
+                  <a:gd name="T13" fmla="*/ 34 h 160"/>
+                  <a:gd name="T14" fmla="*/ 133 w 148"/>
+                  <a:gd name="T15" fmla="*/ 31 h 160"/>
+                  <a:gd name="T16" fmla="*/ 131 w 148"/>
+                  <a:gd name="T17" fmla="*/ 31 h 160"/>
+                  <a:gd name="T18" fmla="*/ 111 w 148"/>
+                  <a:gd name="T19" fmla="*/ 37 h 160"/>
+                  <a:gd name="T20" fmla="*/ 92 w 148"/>
+                  <a:gd name="T21" fmla="*/ 27 h 160"/>
+                  <a:gd name="T22" fmla="*/ 88 w 148"/>
+                  <a:gd name="T23" fmla="*/ 6 h 160"/>
+                  <a:gd name="T24" fmla="*/ 81 w 148"/>
+                  <a:gd name="T25" fmla="*/ 0 h 160"/>
+                  <a:gd name="T26" fmla="*/ 67 w 148"/>
+                  <a:gd name="T27" fmla="*/ 0 h 160"/>
+                  <a:gd name="T28" fmla="*/ 60 w 148"/>
+                  <a:gd name="T29" fmla="*/ 6 h 160"/>
+                  <a:gd name="T30" fmla="*/ 55 w 148"/>
+                  <a:gd name="T31" fmla="*/ 27 h 160"/>
+                  <a:gd name="T32" fmla="*/ 37 w 148"/>
+                  <a:gd name="T33" fmla="*/ 38 h 160"/>
+                  <a:gd name="T34" fmla="*/ 16 w 148"/>
+                  <a:gd name="T35" fmla="*/ 31 h 160"/>
+                  <a:gd name="T36" fmla="*/ 14 w 148"/>
+                  <a:gd name="T37" fmla="*/ 31 h 160"/>
+                  <a:gd name="T38" fmla="*/ 8 w 148"/>
+                  <a:gd name="T39" fmla="*/ 34 h 160"/>
+                  <a:gd name="T40" fmla="*/ 1 w 148"/>
+                  <a:gd name="T41" fmla="*/ 46 h 160"/>
+                  <a:gd name="T42" fmla="*/ 0 w 148"/>
+                  <a:gd name="T43" fmla="*/ 50 h 160"/>
+                  <a:gd name="T44" fmla="*/ 2 w 148"/>
+                  <a:gd name="T45" fmla="*/ 55 h 160"/>
+                  <a:gd name="T46" fmla="*/ 19 w 148"/>
+                  <a:gd name="T47" fmla="*/ 70 h 160"/>
+                  <a:gd name="T48" fmla="*/ 17 w 148"/>
+                  <a:gd name="T49" fmla="*/ 80 h 160"/>
+                  <a:gd name="T50" fmla="*/ 19 w 148"/>
+                  <a:gd name="T51" fmla="*/ 91 h 160"/>
+                  <a:gd name="T52" fmla="*/ 2 w 148"/>
+                  <a:gd name="T53" fmla="*/ 106 h 160"/>
+                  <a:gd name="T54" fmla="*/ 0 w 148"/>
+                  <a:gd name="T55" fmla="*/ 111 h 160"/>
+                  <a:gd name="T56" fmla="*/ 1 w 148"/>
+                  <a:gd name="T57" fmla="*/ 114 h 160"/>
+                  <a:gd name="T58" fmla="*/ 8 w 148"/>
+                  <a:gd name="T59" fmla="*/ 126 h 160"/>
+                  <a:gd name="T60" fmla="*/ 14 w 148"/>
+                  <a:gd name="T61" fmla="*/ 130 h 160"/>
+                  <a:gd name="T62" fmla="*/ 16 w 148"/>
+                  <a:gd name="T63" fmla="*/ 130 h 160"/>
+                  <a:gd name="T64" fmla="*/ 37 w 148"/>
+                  <a:gd name="T65" fmla="*/ 123 h 160"/>
+                  <a:gd name="T66" fmla="*/ 55 w 148"/>
+                  <a:gd name="T67" fmla="*/ 133 h 160"/>
+                  <a:gd name="T68" fmla="*/ 60 w 148"/>
+                  <a:gd name="T69" fmla="*/ 155 h 160"/>
+                  <a:gd name="T70" fmla="*/ 67 w 148"/>
+                  <a:gd name="T71" fmla="*/ 160 h 160"/>
+                  <a:gd name="T72" fmla="*/ 81 w 148"/>
+                  <a:gd name="T73" fmla="*/ 160 h 160"/>
+                  <a:gd name="T74" fmla="*/ 88 w 148"/>
+                  <a:gd name="T75" fmla="*/ 155 h 160"/>
+                  <a:gd name="T76" fmla="*/ 92 w 148"/>
+                  <a:gd name="T77" fmla="*/ 134 h 160"/>
+                  <a:gd name="T78" fmla="*/ 111 w 148"/>
+                  <a:gd name="T79" fmla="*/ 123 h 160"/>
+                  <a:gd name="T80" fmla="*/ 131 w 148"/>
+                  <a:gd name="T81" fmla="*/ 130 h 160"/>
+                  <a:gd name="T82" fmla="*/ 133 w 148"/>
+                  <a:gd name="T83" fmla="*/ 130 h 160"/>
+                  <a:gd name="T84" fmla="*/ 140 w 148"/>
+                  <a:gd name="T85" fmla="*/ 126 h 160"/>
+                  <a:gd name="T86" fmla="*/ 147 w 148"/>
+                  <a:gd name="T87" fmla="*/ 114 h 160"/>
+                  <a:gd name="T88" fmla="*/ 147 w 148"/>
+                  <a:gd name="T89" fmla="*/ 111 h 160"/>
+                  <a:gd name="T90" fmla="*/ 145 w 148"/>
+                  <a:gd name="T91" fmla="*/ 106 h 160"/>
+                  <a:gd name="T92" fmla="*/ 129 w 148"/>
+                  <a:gd name="T93" fmla="*/ 91 h 160"/>
+                  <a:gd name="T94" fmla="*/ 96 w 148"/>
+                  <a:gd name="T95" fmla="*/ 80 h 160"/>
+                  <a:gd name="T96" fmla="*/ 74 w 148"/>
+                  <a:gd name="T97" fmla="*/ 102 h 160"/>
+                  <a:gd name="T98" fmla="*/ 52 w 148"/>
+                  <a:gd name="T99" fmla="*/ 80 h 160"/>
+                  <a:gd name="T100" fmla="*/ 74 w 148"/>
+                  <a:gd name="T101" fmla="*/ 58 h 160"/>
+                  <a:gd name="T102" fmla="*/ 96 w 148"/>
+                  <a:gd name="T103" fmla="*/ 80 h 160"/>
+                </a:gdLst>
+                <a:ahLst/>
+                <a:cxnLst>
+                  <a:cxn ang="0">
+                    <a:pos x="T0" y="T1"/>
+                  </a:cxn>
+                  <a:cxn ang="0">
+                    <a:pos x="T2" y="T3"/>
+                  </a:cxn>
+                  <a:cxn ang="0">
+                    <a:pos x="T4" y="T5"/>
+                  </a:cxn>
+                  <a:cxn ang="0">
+                    <a:pos x="T6" y="T7"/>
+                  </a:cxn>
+                  <a:cxn ang="0">
+                    <a:pos x="T8" y="T9"/>
+                  </a:cxn>
+                  <a:cxn ang="0">
+                    <a:pos x="T10" y="T11"/>
+                  </a:cxn>
+                  <a:cxn ang="0">
+                    <a:pos x="T12" y="T13"/>
+                  </a:cxn>
+                  <a:cxn ang="0">
+                    <a:pos x="T14" y="T15"/>
+                  </a:cxn>
+                  <a:cxn ang="0">
+                    <a:pos x="T16" y="T17"/>
+                  </a:cxn>
+                  <a:cxn ang="0">
+                    <a:pos x="T18" y="T19"/>
+                  </a:cxn>
+                  <a:cxn ang="0">
+                    <a:pos x="T20" y="T21"/>
+                  </a:cxn>
+                  <a:cxn ang="0">
+                    <a:pos x="T22" y="T23"/>
+                  </a:cxn>
+                  <a:cxn ang="0">
+                    <a:pos x="T24" y="T25"/>
+                  </a:cxn>
+                  <a:cxn ang="0">
+                    <a:pos x="T26" y="T27"/>
+                  </a:cxn>
+                  <a:cxn ang="0">
+                    <a:pos x="T28" y="T29"/>
+                  </a:cxn>
+                  <a:cxn ang="0">
+                    <a:pos x="T30" y="T31"/>
+                  </a:cxn>
+                  <a:cxn ang="0">
+                    <a:pos x="T32" y="T33"/>
+                  </a:cxn>
+                  <a:cxn ang="0">
+                    <a:pos x="T34" y="T35"/>
+                  </a:cxn>
+                  <a:cxn ang="0">
+                    <a:pos x="T36" y="T37"/>
+                  </a:cxn>
+                  <a:cxn ang="0">
+                    <a:pos x="T38" y="T39"/>
+                  </a:cxn>
+                  <a:cxn ang="0">
+                    <a:pos x="T40" y="T41"/>
+                  </a:cxn>
+                  <a:cxn ang="0">
+                    <a:pos x="T42" y="T43"/>
+                  </a:cxn>
+                  <a:cxn ang="0">
+                    <a:pos x="T44" y="T45"/>
+                  </a:cxn>
+                  <a:cxn ang="0">
+                    <a:pos x="T46" y="T47"/>
+                  </a:cxn>
+                  <a:cxn ang="0">
+                    <a:pos x="T48" y="T49"/>
+                  </a:cxn>
+                  <a:cxn ang="0">
+                    <a:pos x="T50" y="T51"/>
+                  </a:cxn>
+                  <a:cxn ang="0">
+                    <a:pos x="T52" y="T53"/>
+                  </a:cxn>
+                  <a:cxn ang="0">
+                    <a:pos x="T54" y="T55"/>
+                  </a:cxn>
+                  <a:cxn ang="0">
+                    <a:pos x="T56" y="T57"/>
+                  </a:cxn>
+                  <a:cxn ang="0">
+                    <a:pos x="T58" y="T59"/>
+                  </a:cxn>
+                  <a:cxn ang="0">
+                    <a:pos x="T60" y="T61"/>
+                  </a:cxn>
+                  <a:cxn ang="0">
+                    <a:pos x="T62" y="T63"/>
+                  </a:cxn>
+                  <a:cxn ang="0">
+                    <a:pos x="T64" y="T65"/>
+                  </a:cxn>
+                  <a:cxn ang="0">
+                    <a:pos x="T66" y="T67"/>
+                  </a:cxn>
+                  <a:cxn ang="0">
+                    <a:pos x="T68" y="T69"/>
+                  </a:cxn>
+                  <a:cxn ang="0">
+                    <a:pos x="T70" y="T71"/>
+                  </a:cxn>
+                  <a:cxn ang="0">
+                    <a:pos x="T72" y="T73"/>
+                  </a:cxn>
+                  <a:cxn ang="0">
+                    <a:pos x="T74" y="T75"/>
+                  </a:cxn>
+                  <a:cxn ang="0">
+                    <a:pos x="T76" y="T77"/>
+                  </a:cxn>
+                  <a:cxn ang="0">
+                    <a:pos x="T78" y="T79"/>
+                  </a:cxn>
+                  <a:cxn ang="0">
+                    <a:pos x="T80" y="T81"/>
+                  </a:cxn>
+                  <a:cxn ang="0">
+                    <a:pos x="T82" y="T83"/>
+                  </a:cxn>
+                  <a:cxn ang="0">
+                    <a:pos x="T84" y="T85"/>
+                  </a:cxn>
+                  <a:cxn ang="0">
+                    <a:pos x="T86" y="T87"/>
+                  </a:cxn>
+                  <a:cxn ang="0">
+                    <a:pos x="T88" y="T89"/>
+                  </a:cxn>
+                  <a:cxn ang="0">
+                    <a:pos x="T90" y="T91"/>
+                  </a:cxn>
+                  <a:cxn ang="0">
+                    <a:pos x="T92" y="T93"/>
+                  </a:cxn>
+                  <a:cxn ang="0">
+                    <a:pos x="T94" y="T95"/>
+                  </a:cxn>
+                  <a:cxn ang="0">
+                    <a:pos x="T96" y="T97"/>
+                  </a:cxn>
+                  <a:cxn ang="0">
+                    <a:pos x="T98" y="T99"/>
+                  </a:cxn>
+                  <a:cxn ang="0">
+                    <a:pos x="T100" y="T101"/>
+                  </a:cxn>
+                  <a:cxn ang="0">
+                    <a:pos x="T102" y="T103"/>
+                  </a:cxn>
+                </a:cxnLst>
+                <a:rect l="0" t="0" r="r" b="b"/>
+                <a:pathLst>
+                  <a:path w="148" h="160">
+                    <a:moveTo>
+                      <a:pt x="129" y="91"/>
+                    </a:moveTo>
+                    <a:cubicBezTo>
+                      <a:pt x="130" y="88"/>
+                      <a:pt x="131" y="84"/>
+                      <a:pt x="131" y="80"/>
+                    </a:cubicBezTo>
+                    <a:cubicBezTo>
+                      <a:pt x="131" y="77"/>
+                      <a:pt x="130" y="73"/>
+                      <a:pt x="129" y="70"/>
+                    </a:cubicBezTo>
+                    <a:cubicBezTo>
+                      <a:pt x="145" y="55"/>
+                      <a:pt x="145" y="55"/>
+                      <a:pt x="145" y="55"/>
+                    </a:cubicBezTo>
+                    <a:cubicBezTo>
+                      <a:pt x="147" y="54"/>
+                      <a:pt x="147" y="52"/>
+                      <a:pt x="147" y="50"/>
+                    </a:cubicBezTo>
+                    <a:cubicBezTo>
+                      <a:pt x="147" y="49"/>
+                      <a:pt x="147" y="47"/>
+                      <a:pt x="147" y="46"/>
+                    </a:cubicBezTo>
+                    <a:cubicBezTo>
+                      <a:pt x="140" y="34"/>
+                      <a:pt x="140" y="34"/>
+                      <a:pt x="140" y="34"/>
+                    </a:cubicBezTo>
+                    <a:cubicBezTo>
+                      <a:pt x="138" y="32"/>
+                      <a:pt x="136" y="31"/>
+                      <a:pt x="133" y="31"/>
+                    </a:cubicBezTo>
+                    <a:cubicBezTo>
+                      <a:pt x="133" y="31"/>
+                      <a:pt x="132" y="31"/>
+                      <a:pt x="131" y="31"/>
+                    </a:cubicBezTo>
+                    <a:cubicBezTo>
+                      <a:pt x="111" y="37"/>
+                      <a:pt x="111" y="37"/>
+                      <a:pt x="111" y="37"/>
+                    </a:cubicBezTo>
+                    <a:cubicBezTo>
+                      <a:pt x="105" y="33"/>
+                      <a:pt x="99" y="29"/>
+                      <a:pt x="92" y="27"/>
+                    </a:cubicBezTo>
+                    <a:cubicBezTo>
+                      <a:pt x="88" y="6"/>
+                      <a:pt x="88" y="6"/>
+                      <a:pt x="88" y="6"/>
+                    </a:cubicBezTo>
+                    <a:cubicBezTo>
+                      <a:pt x="87" y="3"/>
+                      <a:pt x="84" y="0"/>
+                      <a:pt x="81" y="0"/>
+                    </a:cubicBezTo>
+                    <a:cubicBezTo>
+                      <a:pt x="67" y="0"/>
+                      <a:pt x="67" y="0"/>
+                      <a:pt x="67" y="0"/>
+                    </a:cubicBezTo>
+                    <a:cubicBezTo>
+                      <a:pt x="63" y="0"/>
+                      <a:pt x="61" y="3"/>
+                      <a:pt x="60" y="6"/>
+                    </a:cubicBezTo>
+                    <a:cubicBezTo>
+                      <a:pt x="55" y="27"/>
+                      <a:pt x="55" y="27"/>
+                      <a:pt x="55" y="27"/>
+                    </a:cubicBezTo>
+                    <a:cubicBezTo>
+                      <a:pt x="48" y="29"/>
+                      <a:pt x="42" y="33"/>
+                      <a:pt x="37" y="38"/>
+                    </a:cubicBezTo>
+                    <a:cubicBezTo>
+                      <a:pt x="16" y="31"/>
+                      <a:pt x="16" y="31"/>
+                      <a:pt x="16" y="31"/>
+                    </a:cubicBezTo>
+                    <a:cubicBezTo>
+                      <a:pt x="15" y="31"/>
+                      <a:pt x="15" y="31"/>
+                      <a:pt x="14" y="31"/>
+                    </a:cubicBezTo>
+                    <a:cubicBezTo>
+                      <a:pt x="12" y="31"/>
+                      <a:pt x="9" y="32"/>
+                      <a:pt x="8" y="34"/>
+                    </a:cubicBezTo>
+                    <a:cubicBezTo>
+                      <a:pt x="1" y="46"/>
+                      <a:pt x="1" y="46"/>
+                      <a:pt x="1" y="46"/>
+                    </a:cubicBezTo>
+                    <a:cubicBezTo>
+                      <a:pt x="0" y="47"/>
+                      <a:pt x="0" y="49"/>
+                      <a:pt x="0" y="50"/>
+                    </a:cubicBezTo>
+                    <a:cubicBezTo>
+                      <a:pt x="0" y="52"/>
+                      <a:pt x="1" y="54"/>
+                      <a:pt x="2" y="55"/>
+                    </a:cubicBezTo>
+                    <a:cubicBezTo>
+                      <a:pt x="19" y="70"/>
+                      <a:pt x="19" y="70"/>
+                      <a:pt x="19" y="70"/>
+                    </a:cubicBezTo>
+                    <a:cubicBezTo>
+                      <a:pt x="18" y="73"/>
+                      <a:pt x="17" y="77"/>
+                      <a:pt x="17" y="80"/>
+                    </a:cubicBezTo>
+                    <a:cubicBezTo>
+                      <a:pt x="17" y="84"/>
+                      <a:pt x="18" y="87"/>
+                      <a:pt x="19" y="91"/>
+                    </a:cubicBezTo>
+                    <a:cubicBezTo>
+                      <a:pt x="2" y="106"/>
+                      <a:pt x="2" y="106"/>
+                      <a:pt x="2" y="106"/>
+                    </a:cubicBezTo>
+                    <a:cubicBezTo>
+                      <a:pt x="1" y="107"/>
+                      <a:pt x="0" y="109"/>
+                      <a:pt x="0" y="111"/>
+                    </a:cubicBezTo>
+                    <a:cubicBezTo>
+                      <a:pt x="0" y="112"/>
+                      <a:pt x="0" y="113"/>
+                      <a:pt x="1" y="114"/>
+                    </a:cubicBezTo>
+                    <a:cubicBezTo>
+                      <a:pt x="8" y="126"/>
+                      <a:pt x="8" y="126"/>
+                      <a:pt x="8" y="126"/>
+                    </a:cubicBezTo>
+                    <a:cubicBezTo>
+                      <a:pt x="9" y="129"/>
+                      <a:pt x="12" y="130"/>
+                      <a:pt x="14" y="130"/>
+                    </a:cubicBezTo>
+                    <a:cubicBezTo>
+                      <a:pt x="15" y="130"/>
+                      <a:pt x="15" y="130"/>
+                      <a:pt x="16" y="130"/>
+                    </a:cubicBezTo>
+                    <a:cubicBezTo>
+                      <a:pt x="37" y="123"/>
+                      <a:pt x="37" y="123"/>
+                      <a:pt x="37" y="123"/>
+                    </a:cubicBezTo>
+                    <a:cubicBezTo>
+                      <a:pt x="42" y="127"/>
+                      <a:pt x="48" y="131"/>
+                      <a:pt x="55" y="133"/>
+                    </a:cubicBezTo>
+                    <a:cubicBezTo>
+                      <a:pt x="60" y="155"/>
+                      <a:pt x="60" y="155"/>
+                      <a:pt x="60" y="155"/>
+                    </a:cubicBezTo>
+                    <a:cubicBezTo>
+                      <a:pt x="61" y="158"/>
+                      <a:pt x="63" y="160"/>
+                      <a:pt x="67" y="160"/>
+                    </a:cubicBezTo>
+                    <a:cubicBezTo>
+                      <a:pt x="81" y="160"/>
+                      <a:pt x="81" y="160"/>
+                      <a:pt x="81" y="160"/>
+                    </a:cubicBezTo>
+                    <a:cubicBezTo>
+                      <a:pt x="84" y="160"/>
+                      <a:pt x="87" y="158"/>
+                      <a:pt x="88" y="155"/>
+                    </a:cubicBezTo>
+                    <a:cubicBezTo>
+                      <a:pt x="92" y="134"/>
+                      <a:pt x="92" y="134"/>
+                      <a:pt x="92" y="134"/>
+                    </a:cubicBezTo>
+                    <a:cubicBezTo>
+                      <a:pt x="99" y="131"/>
+                      <a:pt x="105" y="128"/>
+                      <a:pt x="111" y="123"/>
+                    </a:cubicBezTo>
+                    <a:cubicBezTo>
+                      <a:pt x="131" y="130"/>
+                      <a:pt x="131" y="130"/>
+                      <a:pt x="131" y="130"/>
+                    </a:cubicBezTo>
+                    <a:cubicBezTo>
+                      <a:pt x="132" y="130"/>
+                      <a:pt x="133" y="130"/>
+                      <a:pt x="133" y="130"/>
+                    </a:cubicBezTo>
+                    <a:cubicBezTo>
+                      <a:pt x="136" y="130"/>
+                      <a:pt x="138" y="129"/>
+                      <a:pt x="140" y="126"/>
+                    </a:cubicBezTo>
+                    <a:cubicBezTo>
+                      <a:pt x="147" y="114"/>
+                      <a:pt x="147" y="114"/>
+                      <a:pt x="147" y="114"/>
+                    </a:cubicBezTo>
+                    <a:cubicBezTo>
+                      <a:pt x="147" y="113"/>
+                      <a:pt x="148" y="112"/>
+                      <a:pt x="147" y="111"/>
+                    </a:cubicBezTo>
+                    <a:cubicBezTo>
+                      <a:pt x="148" y="109"/>
+                      <a:pt x="147" y="107"/>
+                      <a:pt x="145" y="106"/>
+                    </a:cubicBezTo>
+                    <a:lnTo>
+                      <a:pt x="129" y="91"/>
+                    </a:lnTo>
+                    <a:close/>
+                    <a:moveTo>
+                      <a:pt x="96" y="80"/>
+                    </a:moveTo>
+                    <a:cubicBezTo>
+                      <a:pt x="96" y="92"/>
+                      <a:pt x="86" y="102"/>
+                      <a:pt x="74" y="102"/>
+                    </a:cubicBezTo>
+                    <a:cubicBezTo>
+                      <a:pt x="62" y="102"/>
+                      <a:pt x="52" y="92"/>
+                      <a:pt x="52" y="80"/>
+                    </a:cubicBezTo>
+                    <a:cubicBezTo>
+                      <a:pt x="52" y="68"/>
+                      <a:pt x="62" y="58"/>
+                      <a:pt x="74" y="58"/>
+                    </a:cubicBezTo>
+                    <a:cubicBezTo>
+                      <a:pt x="86" y="58"/>
+                      <a:pt x="96" y="68"/>
+                      <a:pt x="96" y="80"/>
+                    </a:cubicBezTo>
+                    <a:close/>
+                  </a:path>
+                </a:pathLst>
+              </a:custGeom>
+              <a:grpFill/>
+              <a:ln w="9525">
+                <a:noFill/>
+                <a:round/>
+                <a:headEnd/>
+                <a:tailEnd/>
+              </a:ln>
+              <a:extLst/>
+            </p:spPr>
+            <p:txBody>
+              <a:bodyPr vert="horz" wrap="square" lIns="91440" tIns="45720" rIns="91440" bIns="45720" numCol="1" anchor="t" anchorCtr="0" compatLnSpc="1">
+                <a:prstTxWarp prst="textNoShape">
+                  <a:avLst/>
+                </a:prstTxWarp>
+              </a:bodyPr>
+              <a:lstStyle/>
+              <a:p>
+                <a:pPr defTabSz="457200"/>
+                <a:endParaRPr lang="en-US" sz="2800" dirty="0">
+                  <a:solidFill>
+                    <a:prstClr val="black"/>
+                  </a:solidFill>
+                  <a:latin typeface="Segoe UI Light" panose="020B0502040204020203" pitchFamily="34" charset="0"/>
+                  <a:cs typeface="Segoe UI Light" panose="020B0502040204020203" pitchFamily="34" charset="0"/>
+                </a:endParaRPr>
+              </a:p>
+            </p:txBody>
+          </p:sp>
+        </p:grpSp>
+      </p:grpSp>
+      <p:sp>
+        <p:nvSpPr>
+          <p:cNvPr id="10" name="Textfeld 9"/>
+          <p:cNvSpPr txBox="1"/>
+          <p:nvPr/>
+        </p:nvSpPr>
+        <p:spPr>
+          <a:xfrm>
+            <a:off x="5567158" y="2537751"/>
+            <a:ext cx="1680140" cy="646331"/>
+          </a:xfrm>
+          <a:prstGeom prst="rect">
+            <a:avLst/>
+          </a:prstGeom>
+          <a:noFill/>
+        </p:spPr>
+        <p:txBody>
+          <a:bodyPr wrap="none" rtlCol="0">
+            <a:spAutoFit/>
+          </a:bodyPr>
+          <a:lstStyle>
+            <a:defPPr>
+              <a:defRPr lang="de-DE"/>
+            </a:defPPr>
+            <a:lvl1pPr>
+              <a:defRPr sz="1600">
+                <a:solidFill>
+                  <a:srgbClr val="616161"/>
+                </a:solidFill>
+              </a:defRPr>
+            </a:lvl1pPr>
+          </a:lstStyle>
+          <a:p>
+            <a:pPr algn="ctr"/>
+            <a:r>
+              <a:rPr lang="de-CH" sz="1800" dirty="0" smtClean="0">
+                <a:latin typeface="Segoe UI Light" panose="020B0502040204020203" pitchFamily="34" charset="0"/>
+                <a:cs typeface="Segoe UI Light" panose="020B0502040204020203" pitchFamily="34" charset="0"/>
+              </a:rPr>
+              <a:t>Worker </a:t>
+            </a:r>
+            <a:r>
+              <a:rPr lang="de-CH" sz="1800" dirty="0" smtClean="0">
+                <a:latin typeface="Segoe UI Light" panose="020B0502040204020203" pitchFamily="34" charset="0"/>
+                <a:cs typeface="Segoe UI Light" panose="020B0502040204020203" pitchFamily="34" charset="0"/>
+              </a:rPr>
+              <a:t>Prozess</a:t>
+            </a:r>
+          </a:p>
+          <a:p>
+            <a:pPr algn="ctr"/>
+            <a:r>
+              <a:rPr lang="de-CH" sz="1800" dirty="0" smtClean="0">
+                <a:latin typeface="Segoe UI Light" panose="020B0502040204020203" pitchFamily="34" charset="0"/>
+                <a:cs typeface="Segoe UI Light" panose="020B0502040204020203" pitchFamily="34" charset="0"/>
+              </a:rPr>
+              <a:t>(Konsolen App)</a:t>
+            </a:r>
+            <a:endParaRPr lang="de-CH" sz="1800" dirty="0">
+              <a:latin typeface="Segoe UI Light" panose="020B0502040204020203" pitchFamily="34" charset="0"/>
+              <a:cs typeface="Segoe UI Light" panose="020B0502040204020203" pitchFamily="34" charset="0"/>
+            </a:endParaRPr>
+          </a:p>
+        </p:txBody>
+      </p:sp>
+      <p:sp>
+        <p:nvSpPr>
+          <p:cNvPr id="11" name="Flussdiagramm: Datenträger mit direktem Zugriff 10"/>
+          <p:cNvSpPr/>
+          <p:nvPr/>
+        </p:nvSpPr>
+        <p:spPr>
+          <a:xfrm>
+            <a:off x="2879422" y="1956936"/>
+            <a:ext cx="884903" cy="463816"/>
+          </a:xfrm>
+          <a:prstGeom prst="flowChartMagneticDrum">
+            <a:avLst/>
+          </a:prstGeom>
+          <a:solidFill>
+            <a:srgbClr val="616161"/>
+          </a:solidFill>
+          <a:ln>
+            <a:solidFill>
+              <a:schemeClr val="bg1"/>
+            </a:solidFill>
+          </a:ln>
+        </p:spPr>
+        <p:style>
+          <a:lnRef idx="2">
+            <a:schemeClr val="accent1">
+              <a:shade val="50000"/>
+            </a:schemeClr>
+          </a:lnRef>
+          <a:fillRef idx="1">
+            <a:schemeClr val="accent1"/>
+          </a:fillRef>
+          <a:effectRef idx="0">
+            <a:schemeClr val="accent1"/>
+          </a:effectRef>
+          <a:fontRef idx="minor">
+            <a:schemeClr val="lt1"/>
+          </a:fontRef>
+        </p:style>
+        <p:txBody>
+          <a:bodyPr rtlCol="0" anchor="ctr"/>
+          <a:lstStyle/>
+          <a:p>
+            <a:pPr algn="ctr"/>
+            <a:endParaRPr lang="de-CH" sz="2000"/>
+          </a:p>
+        </p:txBody>
+      </p:sp>
+      <p:cxnSp>
+        <p:nvCxnSpPr>
+          <p:cNvPr id="12" name="Gerade Verbindung mit Pfeil 53"/>
+          <p:cNvCxnSpPr>
+            <a:stCxn id="15" idx="3"/>
+            <a:endCxn id="11" idx="1"/>
+          </p:cNvCxnSpPr>
+          <p:nvPr/>
+        </p:nvCxnSpPr>
+        <p:spPr>
+          <a:xfrm>
+            <a:off x="2283216" y="1438158"/>
+            <a:ext cx="596206" cy="750686"/>
+          </a:xfrm>
+          <a:prstGeom prst="bentConnector3">
+            <a:avLst>
+              <a:gd name="adj1" fmla="val 48605"/>
+            </a:avLst>
+          </a:prstGeom>
+          <a:ln w="31750">
+            <a:solidFill>
+              <a:schemeClr val="accent2"/>
+            </a:solidFill>
+            <a:headEnd type="none"/>
+            <a:tailEnd type="triangle"/>
+          </a:ln>
+        </p:spPr>
+        <p:style>
+          <a:lnRef idx="1">
+            <a:schemeClr val="accent1"/>
+          </a:lnRef>
+          <a:fillRef idx="0">
+            <a:schemeClr val="accent1"/>
+          </a:fillRef>
+          <a:effectRef idx="0">
+            <a:schemeClr val="accent1"/>
+          </a:effectRef>
+          <a:fontRef idx="minor">
+            <a:schemeClr val="tx1"/>
+          </a:fontRef>
+        </p:style>
+      </p:cxnSp>
+      <p:cxnSp>
+        <p:nvCxnSpPr>
+          <p:cNvPr id="13" name="Gerade Verbindung mit Pfeil 12"/>
+          <p:cNvCxnSpPr>
+            <a:stCxn id="11" idx="4"/>
+            <a:endCxn id="19" idx="1"/>
+          </p:cNvCxnSpPr>
+          <p:nvPr/>
+        </p:nvCxnSpPr>
+        <p:spPr>
+          <a:xfrm>
+            <a:off x="3764325" y="2188844"/>
+            <a:ext cx="2409625" cy="2089"/>
+          </a:xfrm>
+          <a:prstGeom prst="straightConnector1">
+            <a:avLst/>
+          </a:prstGeom>
+          <a:ln w="31750">
+            <a:solidFill>
+              <a:schemeClr val="accent2"/>
+            </a:solidFill>
+            <a:headEnd type="triangle"/>
+            <a:tailEnd type="triangle"/>
+          </a:ln>
+        </p:spPr>
+        <p:style>
+          <a:lnRef idx="1">
+            <a:schemeClr val="accent1"/>
+          </a:lnRef>
+          <a:fillRef idx="0">
+            <a:schemeClr val="accent1"/>
+          </a:fillRef>
+          <a:effectRef idx="0">
+            <a:schemeClr val="accent1"/>
+          </a:effectRef>
+          <a:fontRef idx="minor">
+            <a:schemeClr val="tx1"/>
+          </a:fontRef>
+        </p:style>
+      </p:cxnSp>
+      <p:sp>
+        <p:nvSpPr>
+          <p:cNvPr id="14" name="Textfeld 13"/>
+          <p:cNvSpPr txBox="1"/>
+          <p:nvPr/>
+        </p:nvSpPr>
+        <p:spPr>
+          <a:xfrm>
+            <a:off x="2347374" y="2374896"/>
+            <a:ext cx="2167195" cy="483745"/>
+          </a:xfrm>
+          <a:prstGeom prst="rect">
+            <a:avLst/>
+          </a:prstGeom>
+          <a:noFill/>
+        </p:spPr>
+        <p:txBody>
+          <a:bodyPr wrap="none" rtlCol="0">
+            <a:spAutoFit/>
+          </a:bodyPr>
+          <a:lstStyle/>
+          <a:p>
+            <a:r>
+              <a:rPr lang="de-CH" dirty="0" smtClean="0">
+                <a:solidFill>
+                  <a:srgbClr val="344456"/>
+                </a:solidFill>
+                <a:latin typeface="Segoe UI Light" panose="020B0502040204020203" pitchFamily="34" charset="0"/>
+                <a:cs typeface="Segoe UI Light" panose="020B0502040204020203" pitchFamily="34" charset="0"/>
+              </a:rPr>
+              <a:t>Storage Queue</a:t>
+            </a:r>
+            <a:endParaRPr lang="de-CH" dirty="0">
+              <a:solidFill>
+                <a:srgbClr val="344456"/>
+              </a:solidFill>
+              <a:latin typeface="Segoe UI Light" panose="020B0502040204020203" pitchFamily="34" charset="0"/>
+              <a:cs typeface="Segoe UI Light" panose="020B0502040204020203" pitchFamily="34" charset="0"/>
+            </a:endParaRPr>
+          </a:p>
+        </p:txBody>
+      </p:sp>
+      <p:pic>
+        <p:nvPicPr>
+          <p:cNvPr id="15" name="Grafik 14"/>
+          <p:cNvPicPr>
+            <a:picLocks noChangeAspect="1"/>
+          </p:cNvPicPr>
+          <p:nvPr/>
+        </p:nvPicPr>
+        <p:blipFill>
+          <a:blip r:embed="rId2"/>
+          <a:stretch>
+            <a:fillRect/>
+          </a:stretch>
+        </p:blipFill>
+        <p:spPr>
+          <a:xfrm>
+            <a:off x="1648151" y="1026583"/>
+            <a:ext cx="635065" cy="823150"/>
+          </a:xfrm>
+          <a:prstGeom prst="rect">
+            <a:avLst/>
+          </a:prstGeom>
+        </p:spPr>
+      </p:pic>
+      <p:sp>
+        <p:nvSpPr>
+          <p:cNvPr id="16" name="Flussdiagramm: Magnetplattenspeicher 15"/>
+          <p:cNvSpPr/>
+          <p:nvPr/>
+        </p:nvSpPr>
+        <p:spPr>
+          <a:xfrm>
+            <a:off x="559375" y="1124757"/>
+            <a:ext cx="462343" cy="624217"/>
+          </a:xfrm>
+          <a:prstGeom prst="flowChartMagneticDisk">
+            <a:avLst/>
+          </a:prstGeom>
+          <a:solidFill>
+            <a:srgbClr val="616161"/>
+          </a:solidFill>
+          <a:ln>
+            <a:solidFill>
+              <a:schemeClr val="bg1"/>
+            </a:solidFill>
+          </a:ln>
+        </p:spPr>
+        <p:style>
+          <a:lnRef idx="2">
+            <a:schemeClr val="accent1">
+              <a:shade val="50000"/>
+            </a:schemeClr>
+          </a:lnRef>
+          <a:fillRef idx="1">
+            <a:schemeClr val="accent1"/>
+          </a:fillRef>
+          <a:effectRef idx="0">
+            <a:schemeClr val="accent1"/>
+          </a:effectRef>
+          <a:fontRef idx="minor">
+            <a:schemeClr val="lt1"/>
+          </a:fontRef>
+        </p:style>
+        <p:txBody>
+          <a:bodyPr rtlCol="0" anchor="ctr"/>
+          <a:lstStyle/>
+          <a:p>
+            <a:pPr algn="ctr"/>
+            <a:endParaRPr lang="de-CH" sz="1000">
+              <a:latin typeface="Segoe UI Light" panose="020B0502040204020203" pitchFamily="34" charset="0"/>
+              <a:cs typeface="Segoe UI Light" panose="020B0502040204020203" pitchFamily="34" charset="0"/>
+            </a:endParaRPr>
+          </a:p>
+        </p:txBody>
+      </p:sp>
+      <p:sp>
+        <p:nvSpPr>
+          <p:cNvPr id="17" name="Textfeld 16"/>
+          <p:cNvSpPr txBox="1"/>
+          <p:nvPr/>
+        </p:nvSpPr>
+        <p:spPr>
+          <a:xfrm>
+            <a:off x="502988" y="1746345"/>
+            <a:ext cx="611399" cy="362809"/>
+          </a:xfrm>
+          <a:prstGeom prst="rect">
+            <a:avLst/>
+          </a:prstGeom>
+          <a:noFill/>
+        </p:spPr>
+        <p:txBody>
+          <a:bodyPr wrap="none" rtlCol="0">
+            <a:spAutoFit/>
+          </a:bodyPr>
+          <a:lstStyle>
+            <a:defPPr>
+              <a:defRPr lang="de-DE"/>
+            </a:defPPr>
+            <a:lvl1pPr>
+              <a:defRPr sz="1600">
+                <a:solidFill>
+                  <a:srgbClr val="616161"/>
+                </a:solidFill>
+              </a:defRPr>
+            </a:lvl1pPr>
+          </a:lstStyle>
+          <a:p>
+            <a:r>
+              <a:rPr lang="de-CH" sz="1200" dirty="0" smtClean="0">
+                <a:latin typeface="Segoe UI Light" panose="020B0502040204020203" pitchFamily="34" charset="0"/>
+                <a:cs typeface="Segoe UI Light" panose="020B0502040204020203" pitchFamily="34" charset="0"/>
+              </a:rPr>
+              <a:t>Jobs</a:t>
+            </a:r>
+          </a:p>
+        </p:txBody>
+      </p:sp>
+      <p:cxnSp>
+        <p:nvCxnSpPr>
+          <p:cNvPr id="18" name="Gerade Verbindung mit Pfeil 17"/>
+          <p:cNvCxnSpPr>
+            <a:stCxn id="16" idx="4"/>
+            <a:endCxn id="15" idx="1"/>
+          </p:cNvCxnSpPr>
+          <p:nvPr/>
+        </p:nvCxnSpPr>
+        <p:spPr>
+          <a:xfrm>
+            <a:off x="1021718" y="1436865"/>
+            <a:ext cx="626433" cy="1293"/>
+          </a:xfrm>
+          <a:prstGeom prst="straightConnector1">
+            <a:avLst/>
+          </a:prstGeom>
+          <a:ln w="31750">
+            <a:solidFill>
+              <a:schemeClr val="accent2"/>
+            </a:solidFill>
+            <a:headEnd type="none"/>
+            <a:tailEnd type="triangle"/>
+          </a:ln>
+        </p:spPr>
+        <p:style>
+          <a:lnRef idx="1">
+            <a:schemeClr val="accent1"/>
+          </a:lnRef>
+          <a:fillRef idx="0">
+            <a:schemeClr val="accent1"/>
+          </a:fillRef>
+          <a:effectRef idx="0">
+            <a:schemeClr val="accent1"/>
+          </a:effectRef>
+          <a:fontRef idx="minor">
+            <a:schemeClr val="tx1"/>
+          </a:fontRef>
+        </p:style>
+      </p:cxnSp>
+    </p:spTree>
+    <p:extLst>
+      <p:ext uri="{BB962C8B-B14F-4D97-AF65-F5344CB8AC3E}">
+        <p14:creationId xmlns:p14="http://schemas.microsoft.com/office/powerpoint/2010/main" val="2987437648"/>
+      </p:ext>
+    </p:extLst>
+  </p:cSld>
+  <p:clrMapOvr>
+    <a:masterClrMapping/>
+  </p:clrMapOvr>
+</p:sld>
+</file>
+
+<file path=ppt/slides/slide8.xml><?xml version="1.0" encoding="utf-8"?>
+<p:sld xmlns:a="http://schemas.openxmlformats.org/drawingml/2006/main" xmlns:r="http://schemas.openxmlformats.org/officeDocument/2006/relationships" xmlns:p="http://schemas.openxmlformats.org/presentationml/2006/main">
+  <p:cSld>
+    <p:spTree>
+      <p:nvGrpSpPr>
+        <p:cNvPr id="1" name=""/>
+        <p:cNvGrpSpPr/>
+        <p:nvPr/>
+      </p:nvGrpSpPr>
+      <p:grpSpPr>
+        <a:xfrm>
+          <a:off x="0" y="0"/>
+          <a:ext cx="0" cy="0"/>
+          <a:chOff x="0" y="0"/>
+          <a:chExt cx="0" cy="0"/>
+        </a:xfrm>
+      </p:grpSpPr>
+      <p:sp>
+        <p:nvSpPr>
+          <p:cNvPr id="5" name="Freeform 7"/>
+          <p:cNvSpPr>
+            <a:spLocks/>
+          </p:cNvSpPr>
+          <p:nvPr/>
+        </p:nvSpPr>
+        <p:spPr bwMode="auto">
+          <a:xfrm flipH="1">
+            <a:off x="1198735" y="300599"/>
+            <a:ext cx="4451024" cy="2148065"/>
+          </a:xfrm>
+          <a:custGeom>
+            <a:avLst/>
+            <a:gdLst>
+              <a:gd name="T0" fmla="*/ 157 w 214"/>
+              <a:gd name="T1" fmla="*/ 0 h 114"/>
+              <a:gd name="T2" fmla="*/ 107 w 214"/>
+              <a:gd name="T3" fmla="*/ 29 h 114"/>
+              <a:gd name="T4" fmla="*/ 86 w 214"/>
+              <a:gd name="T5" fmla="*/ 23 h 114"/>
+              <a:gd name="T6" fmla="*/ 46 w 214"/>
+              <a:gd name="T7" fmla="*/ 48 h 114"/>
+              <a:gd name="T8" fmla="*/ 34 w 214"/>
+              <a:gd name="T9" fmla="*/ 45 h 114"/>
+              <a:gd name="T10" fmla="*/ 0 w 214"/>
+              <a:gd name="T11" fmla="*/ 80 h 114"/>
+              <a:gd name="T12" fmla="*/ 34 w 214"/>
+              <a:gd name="T13" fmla="*/ 114 h 114"/>
+              <a:gd name="T14" fmla="*/ 86 w 214"/>
+              <a:gd name="T15" fmla="*/ 114 h 114"/>
+              <a:gd name="T16" fmla="*/ 157 w 214"/>
+              <a:gd name="T17" fmla="*/ 114 h 114"/>
+              <a:gd name="T18" fmla="*/ 214 w 214"/>
+              <a:gd name="T19" fmla="*/ 57 h 114"/>
+              <a:gd name="T20" fmla="*/ 157 w 214"/>
+              <a:gd name="T21" fmla="*/ 0 h 114"/>
+            </a:gdLst>
+            <a:ahLst/>
+            <a:cxnLst>
+              <a:cxn ang="0">
+                <a:pos x="T0" y="T1"/>
+              </a:cxn>
+              <a:cxn ang="0">
+                <a:pos x="T2" y="T3"/>
+              </a:cxn>
+              <a:cxn ang="0">
+                <a:pos x="T4" y="T5"/>
+              </a:cxn>
+              <a:cxn ang="0">
+                <a:pos x="T6" y="T7"/>
+              </a:cxn>
+              <a:cxn ang="0">
+                <a:pos x="T8" y="T9"/>
+              </a:cxn>
+              <a:cxn ang="0">
+                <a:pos x="T10" y="T11"/>
+              </a:cxn>
+              <a:cxn ang="0">
+                <a:pos x="T12" y="T13"/>
+              </a:cxn>
+              <a:cxn ang="0">
+                <a:pos x="T14" y="T15"/>
+              </a:cxn>
+              <a:cxn ang="0">
+                <a:pos x="T16" y="T17"/>
+              </a:cxn>
+              <a:cxn ang="0">
+                <a:pos x="T18" y="T19"/>
+              </a:cxn>
+              <a:cxn ang="0">
+                <a:pos x="T20" y="T21"/>
+              </a:cxn>
+            </a:cxnLst>
+            <a:rect l="0" t="0" r="r" b="b"/>
+            <a:pathLst>
+              <a:path w="214" h="114">
+                <a:moveTo>
+                  <a:pt x="157" y="0"/>
+                </a:moveTo>
+                <a:cubicBezTo>
+                  <a:pt x="136" y="0"/>
+                  <a:pt x="117" y="11"/>
+                  <a:pt x="107" y="29"/>
+                </a:cubicBezTo>
+                <a:cubicBezTo>
+                  <a:pt x="101" y="25"/>
+                  <a:pt x="94" y="23"/>
+                  <a:pt x="86" y="23"/>
+                </a:cubicBezTo>
+                <a:cubicBezTo>
+                  <a:pt x="69" y="23"/>
+                  <a:pt x="54" y="33"/>
+                  <a:pt x="46" y="48"/>
+                </a:cubicBezTo>
+                <a:cubicBezTo>
+                  <a:pt x="42" y="46"/>
+                  <a:pt x="38" y="45"/>
+                  <a:pt x="34" y="45"/>
+                </a:cubicBezTo>
+                <a:cubicBezTo>
+                  <a:pt x="15" y="45"/>
+                  <a:pt x="0" y="61"/>
+                  <a:pt x="0" y="80"/>
+                </a:cubicBezTo>
+                <a:cubicBezTo>
+                  <a:pt x="0" y="99"/>
+                  <a:pt x="15" y="114"/>
+                  <a:pt x="34" y="114"/>
+                </a:cubicBezTo>
+                <a:cubicBezTo>
+                  <a:pt x="86" y="114"/>
+                  <a:pt x="86" y="114"/>
+                  <a:pt x="86" y="114"/>
+                </a:cubicBezTo>
+                <a:cubicBezTo>
+                  <a:pt x="157" y="114"/>
+                  <a:pt x="157" y="114"/>
+                  <a:pt x="157" y="114"/>
+                </a:cubicBezTo>
+                <a:cubicBezTo>
+                  <a:pt x="189" y="114"/>
+                  <a:pt x="214" y="89"/>
+                  <a:pt x="214" y="57"/>
+                </a:cubicBezTo>
+                <a:cubicBezTo>
+                  <a:pt x="214" y="25"/>
+                  <a:pt x="189" y="0"/>
+                  <a:pt x="157" y="0"/>
+                </a:cubicBezTo>
+                <a:close/>
+              </a:path>
+            </a:pathLst>
+          </a:custGeom>
+          <a:solidFill>
+            <a:srgbClr val="00AEEF">
+              <a:alpha val="70000"/>
+            </a:srgbClr>
+          </a:solidFill>
+          <a:ln>
+            <a:noFill/>
+            <a:headEnd type="none" w="med" len="med"/>
+            <a:tailEnd type="none" w="med" len="med"/>
+          </a:ln>
+          <a:effectLst/>
+        </p:spPr>
+        <p:style>
+          <a:lnRef idx="1">
+            <a:schemeClr val="accent2"/>
+          </a:lnRef>
+          <a:fillRef idx="3">
+            <a:schemeClr val="accent2"/>
+          </a:fillRef>
+          <a:effectRef idx="2">
+            <a:schemeClr val="accent2"/>
+          </a:effectRef>
+          <a:fontRef idx="minor">
+            <a:schemeClr val="lt1"/>
+          </a:fontRef>
+        </p:style>
+        <p:txBody>
+          <a:bodyPr vert="horz" wrap="square" lIns="91404" tIns="45703" rIns="91404" bIns="45703" numCol="1" spcCol="0" rtlCol="0" anchor="ctr" anchorCtr="0" compatLnSpc="1">
+            <a:prstTxWarp prst="textNoShape">
+              <a:avLst/>
+            </a:prstTxWarp>
+          </a:bodyPr>
+          <a:lstStyle/>
+          <a:p>
+            <a:pPr algn="ctr" defTabSz="913788" fontAlgn="base">
+              <a:spcBef>
+                <a:spcPct val="0"/>
+              </a:spcBef>
+              <a:spcAft>
+                <a:spcPct val="0"/>
+              </a:spcAft>
+            </a:pPr>
+            <a:endParaRPr lang="en-US" dirty="0">
+              <a:gradFill>
+                <a:gsLst>
+                  <a:gs pos="0">
+                    <a:srgbClr val="FFFFFF"/>
+                  </a:gs>
+                  <a:gs pos="100000">
+                    <a:srgbClr val="FFFFFF"/>
+                  </a:gs>
+                </a:gsLst>
+                <a:lin ang="5400000" scaled="0"/>
+              </a:gradFill>
+              <a:latin typeface="Segoe UI Light" panose="020B0502040204020203" pitchFamily="34" charset="0"/>
+              <a:cs typeface="Segoe UI Light" panose="020B0502040204020203" pitchFamily="34" charset="0"/>
+            </a:endParaRPr>
+          </a:p>
+        </p:txBody>
+      </p:sp>
+      <p:sp>
+        <p:nvSpPr>
+          <p:cNvPr id="6" name="Textfeld 5"/>
+          <p:cNvSpPr txBox="1"/>
+          <p:nvPr/>
+        </p:nvSpPr>
+        <p:spPr>
+          <a:xfrm>
+            <a:off x="1572860" y="606684"/>
+            <a:ext cx="1933734" cy="646331"/>
+          </a:xfrm>
+          <a:prstGeom prst="rect">
+            <a:avLst/>
+          </a:prstGeom>
+          <a:noFill/>
+        </p:spPr>
+        <p:txBody>
+          <a:bodyPr wrap="none" rtlCol="0">
+            <a:spAutoFit/>
+          </a:bodyPr>
+          <a:lstStyle/>
+          <a:p>
+            <a:r>
+              <a:rPr lang="de-CH" dirty="0" smtClean="0">
+                <a:solidFill>
+                  <a:srgbClr val="344456"/>
+                </a:solidFill>
+                <a:latin typeface="Segoe UI Light" panose="020B0502040204020203" pitchFamily="34" charset="0"/>
+                <a:cs typeface="Segoe UI Light" panose="020B0502040204020203" pitchFamily="34" charset="0"/>
+              </a:rPr>
+              <a:t>Azure </a:t>
+            </a:r>
+            <a:r>
+              <a:rPr lang="de-CH" dirty="0" smtClean="0">
+                <a:solidFill>
+                  <a:srgbClr val="344456"/>
+                </a:solidFill>
+                <a:latin typeface="Segoe UI Light" panose="020B0502040204020203" pitchFamily="34" charset="0"/>
+                <a:cs typeface="Segoe UI Light" panose="020B0502040204020203" pitchFamily="34" charset="0"/>
+              </a:rPr>
+              <a:t>Datacenter </a:t>
+            </a:r>
+          </a:p>
+          <a:p>
+            <a:r>
+              <a:rPr lang="de-CH" dirty="0" smtClean="0">
+                <a:solidFill>
+                  <a:srgbClr val="344456"/>
+                </a:solidFill>
+                <a:latin typeface="Segoe UI Light" panose="020B0502040204020203" pitchFamily="34" charset="0"/>
+                <a:cs typeface="Segoe UI Light" panose="020B0502040204020203" pitchFamily="34" charset="0"/>
+              </a:rPr>
+              <a:t>West US</a:t>
+            </a:r>
+            <a:endParaRPr lang="de-CH" dirty="0">
+              <a:solidFill>
+                <a:srgbClr val="344456"/>
+              </a:solidFill>
+              <a:latin typeface="Segoe UI Light" panose="020B0502040204020203" pitchFamily="34" charset="0"/>
+              <a:cs typeface="Segoe UI Light" panose="020B0502040204020203" pitchFamily="34" charset="0"/>
+            </a:endParaRPr>
+          </a:p>
+        </p:txBody>
+      </p:sp>
+      <p:grpSp>
+        <p:nvGrpSpPr>
+          <p:cNvPr id="9" name="Group 6"/>
+          <p:cNvGrpSpPr/>
+          <p:nvPr/>
+        </p:nvGrpSpPr>
+        <p:grpSpPr>
+          <a:xfrm>
+            <a:off x="5170474" y="3739072"/>
+            <a:ext cx="645027" cy="606912"/>
+            <a:chOff x="3858449" y="4725144"/>
+            <a:chExt cx="368990" cy="356658"/>
+          </a:xfrm>
+        </p:grpSpPr>
+        <p:sp>
+          <p:nvSpPr>
+            <p:cNvPr id="19" name="Rounded Rectangle 12"/>
+            <p:cNvSpPr/>
+            <p:nvPr/>
+          </p:nvSpPr>
+          <p:spPr>
+            <a:xfrm>
+              <a:off x="3858449" y="4725144"/>
+              <a:ext cx="368990" cy="356658"/>
+            </a:xfrm>
+            <a:prstGeom prst="roundRect">
+              <a:avLst/>
+            </a:prstGeom>
+            <a:solidFill>
+              <a:srgbClr val="616161"/>
+            </a:solidFill>
+            <a:ln>
+              <a:noFill/>
+            </a:ln>
+          </p:spPr>
+          <p:style>
+            <a:lnRef idx="2">
+              <a:schemeClr val="accent1">
+                <a:shade val="50000"/>
+              </a:schemeClr>
+            </a:lnRef>
+            <a:fillRef idx="1">
+              <a:schemeClr val="accent1"/>
+            </a:fillRef>
+            <a:effectRef idx="0">
+              <a:schemeClr val="accent1"/>
+            </a:effectRef>
+            <a:fontRef idx="minor">
+              <a:schemeClr val="lt1"/>
+            </a:fontRef>
+          </p:style>
+          <p:txBody>
+            <a:bodyPr rtlCol="0" anchor="ctr"/>
+            <a:lstStyle/>
+            <a:p>
+              <a:pPr algn="ctr" defTabSz="457200"/>
+              <a:endParaRPr lang="en-US">
+                <a:solidFill>
+                  <a:prstClr val="white"/>
+                </a:solidFill>
+                <a:latin typeface="Segoe UI Light" panose="020B0502040204020203" pitchFamily="34" charset="0"/>
+                <a:cs typeface="Segoe UI Light" panose="020B0502040204020203" pitchFamily="34" charset="0"/>
+              </a:endParaRPr>
+            </a:p>
+          </p:txBody>
+        </p:sp>
+        <p:grpSp>
+          <p:nvGrpSpPr>
+            <p:cNvPr id="20" name="Group 13"/>
+            <p:cNvGrpSpPr/>
+            <p:nvPr/>
+          </p:nvGrpSpPr>
+          <p:grpSpPr bwMode="black">
+            <a:xfrm>
+              <a:off x="3926097" y="4806330"/>
+              <a:ext cx="270603" cy="220147"/>
+              <a:chOff x="5184775" y="225425"/>
+              <a:chExt cx="1500188" cy="1220788"/>
+            </a:xfrm>
+            <a:solidFill>
+              <a:srgbClr val="FFFFFF"/>
+            </a:solidFill>
+          </p:grpSpPr>
+          <p:sp>
+            <p:nvSpPr>
+              <p:cNvPr id="21" name="Freeform 86"/>
+              <p:cNvSpPr>
+                <a:spLocks noEditPoints="1"/>
+              </p:cNvSpPr>
+              <p:nvPr/>
+            </p:nvSpPr>
+            <p:spPr bwMode="black">
+              <a:xfrm>
+                <a:off x="5184775" y="344488"/>
+                <a:ext cx="1095375" cy="1101725"/>
+              </a:xfrm>
+              <a:custGeom>
+                <a:avLst/>
+                <a:gdLst>
+                  <a:gd name="T0" fmla="*/ 287 w 292"/>
+                  <a:gd name="T1" fmla="*/ 113 h 294"/>
+                  <a:gd name="T2" fmla="*/ 239 w 292"/>
+                  <a:gd name="T3" fmla="*/ 105 h 294"/>
+                  <a:gd name="T4" fmla="*/ 252 w 292"/>
+                  <a:gd name="T5" fmla="*/ 58 h 294"/>
+                  <a:gd name="T6" fmla="*/ 229 w 292"/>
+                  <a:gd name="T7" fmla="*/ 32 h 294"/>
+                  <a:gd name="T8" fmla="*/ 187 w 292"/>
+                  <a:gd name="T9" fmla="*/ 57 h 294"/>
+                  <a:gd name="T10" fmla="*/ 167 w 292"/>
+                  <a:gd name="T11" fmla="*/ 6 h 294"/>
+                  <a:gd name="T12" fmla="*/ 132 w 292"/>
+                  <a:gd name="T13" fmla="*/ 0 h 294"/>
+                  <a:gd name="T14" fmla="*/ 115 w 292"/>
+                  <a:gd name="T15" fmla="*/ 53 h 294"/>
+                  <a:gd name="T16" fmla="*/ 72 w 292"/>
+                  <a:gd name="T17" fmla="*/ 31 h 294"/>
+                  <a:gd name="T18" fmla="*/ 42 w 292"/>
+                  <a:gd name="T19" fmla="*/ 49 h 294"/>
+                  <a:gd name="T20" fmla="*/ 59 w 292"/>
+                  <a:gd name="T21" fmla="*/ 95 h 294"/>
+                  <a:gd name="T22" fmla="*/ 12 w 292"/>
+                  <a:gd name="T23" fmla="*/ 107 h 294"/>
+                  <a:gd name="T24" fmla="*/ 0 w 292"/>
+                  <a:gd name="T25" fmla="*/ 140 h 294"/>
+                  <a:gd name="T26" fmla="*/ 43 w 292"/>
+                  <a:gd name="T27" fmla="*/ 164 h 294"/>
+                  <a:gd name="T28" fmla="*/ 14 w 292"/>
+                  <a:gd name="T29" fmla="*/ 204 h 294"/>
+                  <a:gd name="T30" fmla="*/ 27 w 292"/>
+                  <a:gd name="T31" fmla="*/ 237 h 294"/>
+                  <a:gd name="T32" fmla="*/ 75 w 292"/>
+                  <a:gd name="T33" fmla="*/ 227 h 294"/>
+                  <a:gd name="T34" fmla="*/ 79 w 292"/>
+                  <a:gd name="T35" fmla="*/ 276 h 294"/>
+                  <a:gd name="T36" fmla="*/ 109 w 292"/>
+                  <a:gd name="T37" fmla="*/ 293 h 294"/>
+                  <a:gd name="T38" fmla="*/ 140 w 292"/>
+                  <a:gd name="T39" fmla="*/ 255 h 294"/>
+                  <a:gd name="T40" fmla="*/ 152 w 292"/>
+                  <a:gd name="T41" fmla="*/ 255 h 294"/>
+                  <a:gd name="T42" fmla="*/ 183 w 292"/>
+                  <a:gd name="T43" fmla="*/ 293 h 294"/>
+                  <a:gd name="T44" fmla="*/ 213 w 292"/>
+                  <a:gd name="T45" fmla="*/ 276 h 294"/>
+                  <a:gd name="T46" fmla="*/ 217 w 292"/>
+                  <a:gd name="T47" fmla="*/ 227 h 294"/>
+                  <a:gd name="T48" fmla="*/ 265 w 292"/>
+                  <a:gd name="T49" fmla="*/ 237 h 294"/>
+                  <a:gd name="T50" fmla="*/ 278 w 292"/>
+                  <a:gd name="T51" fmla="*/ 204 h 294"/>
+                  <a:gd name="T52" fmla="*/ 249 w 292"/>
+                  <a:gd name="T53" fmla="*/ 164 h 294"/>
+                  <a:gd name="T54" fmla="*/ 292 w 292"/>
+                  <a:gd name="T55" fmla="*/ 140 h 294"/>
+                  <a:gd name="T56" fmla="*/ 187 w 292"/>
+                  <a:gd name="T57" fmla="*/ 193 h 294"/>
+                  <a:gd name="T58" fmla="*/ 105 w 292"/>
+                  <a:gd name="T59" fmla="*/ 193 h 294"/>
+                  <a:gd name="T60" fmla="*/ 105 w 292"/>
+                  <a:gd name="T61" fmla="*/ 111 h 294"/>
+                  <a:gd name="T62" fmla="*/ 187 w 292"/>
+                  <a:gd name="T63" fmla="*/ 111 h 294"/>
+                </a:gdLst>
+                <a:ahLst/>
+                <a:cxnLst>
+                  <a:cxn ang="0">
+                    <a:pos x="T0" y="T1"/>
+                  </a:cxn>
+                  <a:cxn ang="0">
+                    <a:pos x="T2" y="T3"/>
+                  </a:cxn>
+                  <a:cxn ang="0">
+                    <a:pos x="T4" y="T5"/>
+                  </a:cxn>
+                  <a:cxn ang="0">
+                    <a:pos x="T6" y="T7"/>
+                  </a:cxn>
+                  <a:cxn ang="0">
+                    <a:pos x="T8" y="T9"/>
+                  </a:cxn>
+                  <a:cxn ang="0">
+                    <a:pos x="T10" y="T11"/>
+                  </a:cxn>
+                  <a:cxn ang="0">
+                    <a:pos x="T12" y="T13"/>
+                  </a:cxn>
+                  <a:cxn ang="0">
+                    <a:pos x="T14" y="T15"/>
+                  </a:cxn>
+                  <a:cxn ang="0">
+                    <a:pos x="T16" y="T17"/>
+                  </a:cxn>
+                  <a:cxn ang="0">
+                    <a:pos x="T18" y="T19"/>
+                  </a:cxn>
+                  <a:cxn ang="0">
+                    <a:pos x="T20" y="T21"/>
+                  </a:cxn>
+                  <a:cxn ang="0">
+                    <a:pos x="T22" y="T23"/>
+                  </a:cxn>
+                  <a:cxn ang="0">
+                    <a:pos x="T24" y="T25"/>
+                  </a:cxn>
+                  <a:cxn ang="0">
+                    <a:pos x="T26" y="T27"/>
+                  </a:cxn>
+                  <a:cxn ang="0">
+                    <a:pos x="T28" y="T29"/>
+                  </a:cxn>
+                  <a:cxn ang="0">
+                    <a:pos x="T30" y="T31"/>
+                  </a:cxn>
+                  <a:cxn ang="0">
+                    <a:pos x="T32" y="T33"/>
+                  </a:cxn>
+                  <a:cxn ang="0">
+                    <a:pos x="T34" y="T35"/>
+                  </a:cxn>
+                  <a:cxn ang="0">
+                    <a:pos x="T36" y="T37"/>
+                  </a:cxn>
+                  <a:cxn ang="0">
+                    <a:pos x="T38" y="T39"/>
+                  </a:cxn>
+                  <a:cxn ang="0">
+                    <a:pos x="T40" y="T41"/>
+                  </a:cxn>
+                  <a:cxn ang="0">
+                    <a:pos x="T42" y="T43"/>
+                  </a:cxn>
+                  <a:cxn ang="0">
+                    <a:pos x="T44" y="T45"/>
+                  </a:cxn>
+                  <a:cxn ang="0">
+                    <a:pos x="T46" y="T47"/>
+                  </a:cxn>
+                  <a:cxn ang="0">
+                    <a:pos x="T48" y="T49"/>
+                  </a:cxn>
+                  <a:cxn ang="0">
+                    <a:pos x="T50" y="T51"/>
+                  </a:cxn>
+                  <a:cxn ang="0">
+                    <a:pos x="T52" y="T53"/>
+                  </a:cxn>
+                  <a:cxn ang="0">
+                    <a:pos x="T54" y="T55"/>
+                  </a:cxn>
+                  <a:cxn ang="0">
+                    <a:pos x="T56" y="T57"/>
+                  </a:cxn>
+                  <a:cxn ang="0">
+                    <a:pos x="T58" y="T59"/>
+                  </a:cxn>
+                  <a:cxn ang="0">
+                    <a:pos x="T60" y="T61"/>
+                  </a:cxn>
+                  <a:cxn ang="0">
+                    <a:pos x="T62" y="T63"/>
+                  </a:cxn>
+                </a:cxnLst>
+                <a:rect l="0" t="0" r="r" b="b"/>
+                <a:pathLst>
+                  <a:path w="292" h="294">
+                    <a:moveTo>
+                      <a:pt x="292" y="140"/>
+                    </a:moveTo>
+                    <a:cubicBezTo>
+                      <a:pt x="287" y="113"/>
+                      <a:pt x="287" y="113"/>
+                      <a:pt x="287" y="113"/>
+                    </a:cubicBezTo>
+                    <a:cubicBezTo>
+                      <a:pt x="286" y="110"/>
+                      <a:pt x="284" y="108"/>
+                      <a:pt x="280" y="107"/>
+                    </a:cubicBezTo>
+                    <a:cubicBezTo>
+                      <a:pt x="239" y="105"/>
+                      <a:pt x="239" y="105"/>
+                      <a:pt x="239" y="105"/>
+                    </a:cubicBezTo>
+                    <a:cubicBezTo>
+                      <a:pt x="237" y="102"/>
+                      <a:pt x="235" y="98"/>
+                      <a:pt x="233" y="95"/>
+                    </a:cubicBezTo>
+                    <a:cubicBezTo>
+                      <a:pt x="252" y="58"/>
+                      <a:pt x="252" y="58"/>
+                      <a:pt x="252" y="58"/>
+                    </a:cubicBezTo>
+                    <a:cubicBezTo>
+                      <a:pt x="254" y="55"/>
+                      <a:pt x="253" y="51"/>
+                      <a:pt x="250" y="49"/>
+                    </a:cubicBezTo>
+                    <a:cubicBezTo>
+                      <a:pt x="229" y="32"/>
+                      <a:pt x="229" y="32"/>
+                      <a:pt x="229" y="32"/>
+                    </a:cubicBezTo>
+                    <a:cubicBezTo>
+                      <a:pt x="227" y="29"/>
+                      <a:pt x="223" y="29"/>
+                      <a:pt x="220" y="31"/>
+                    </a:cubicBezTo>
+                    <a:cubicBezTo>
+                      <a:pt x="187" y="57"/>
+                      <a:pt x="187" y="57"/>
+                      <a:pt x="187" y="57"/>
+                    </a:cubicBezTo>
+                    <a:cubicBezTo>
+                      <a:pt x="184" y="55"/>
+                      <a:pt x="181" y="54"/>
+                      <a:pt x="177" y="53"/>
+                    </a:cubicBezTo>
+                    <a:cubicBezTo>
+                      <a:pt x="167" y="6"/>
+                      <a:pt x="167" y="6"/>
+                      <a:pt x="167" y="6"/>
+                    </a:cubicBezTo>
+                    <a:cubicBezTo>
+                      <a:pt x="166" y="3"/>
+                      <a:pt x="163" y="0"/>
+                      <a:pt x="160" y="0"/>
+                    </a:cubicBezTo>
+                    <a:cubicBezTo>
+                      <a:pt x="132" y="0"/>
+                      <a:pt x="132" y="0"/>
+                      <a:pt x="132" y="0"/>
+                    </a:cubicBezTo>
+                    <a:cubicBezTo>
+                      <a:pt x="129" y="0"/>
+                      <a:pt x="126" y="3"/>
+                      <a:pt x="125" y="6"/>
+                    </a:cubicBezTo>
+                    <a:cubicBezTo>
+                      <a:pt x="115" y="53"/>
+                      <a:pt x="115" y="53"/>
+                      <a:pt x="115" y="53"/>
+                    </a:cubicBezTo>
+                    <a:cubicBezTo>
+                      <a:pt x="111" y="54"/>
+                      <a:pt x="108" y="55"/>
+                      <a:pt x="105" y="57"/>
+                    </a:cubicBezTo>
+                    <a:cubicBezTo>
+                      <a:pt x="72" y="31"/>
+                      <a:pt x="72" y="31"/>
+                      <a:pt x="72" y="31"/>
+                    </a:cubicBezTo>
+                    <a:cubicBezTo>
+                      <a:pt x="69" y="29"/>
+                      <a:pt x="65" y="29"/>
+                      <a:pt x="63" y="31"/>
+                    </a:cubicBezTo>
+                    <a:cubicBezTo>
+                      <a:pt x="42" y="49"/>
+                      <a:pt x="42" y="49"/>
+                      <a:pt x="42" y="49"/>
+                    </a:cubicBezTo>
+                    <a:cubicBezTo>
+                      <a:pt x="39" y="51"/>
+                      <a:pt x="39" y="55"/>
+                      <a:pt x="40" y="58"/>
+                    </a:cubicBezTo>
+                    <a:cubicBezTo>
+                      <a:pt x="59" y="95"/>
+                      <a:pt x="59" y="95"/>
+                      <a:pt x="59" y="95"/>
+                    </a:cubicBezTo>
+                    <a:cubicBezTo>
+                      <a:pt x="57" y="98"/>
+                      <a:pt x="55" y="102"/>
+                      <a:pt x="53" y="105"/>
+                    </a:cubicBezTo>
+                    <a:cubicBezTo>
+                      <a:pt x="12" y="107"/>
+                      <a:pt x="12" y="107"/>
+                      <a:pt x="12" y="107"/>
+                    </a:cubicBezTo>
+                    <a:cubicBezTo>
+                      <a:pt x="8" y="107"/>
+                      <a:pt x="6" y="110"/>
+                      <a:pt x="5" y="113"/>
+                    </a:cubicBezTo>
+                    <a:cubicBezTo>
+                      <a:pt x="0" y="140"/>
+                      <a:pt x="0" y="140"/>
+                      <a:pt x="0" y="140"/>
+                    </a:cubicBezTo>
+                    <a:cubicBezTo>
+                      <a:pt x="0" y="143"/>
+                      <a:pt x="1" y="147"/>
+                      <a:pt x="4" y="148"/>
+                    </a:cubicBezTo>
+                    <a:cubicBezTo>
+                      <a:pt x="43" y="164"/>
+                      <a:pt x="43" y="164"/>
+                      <a:pt x="43" y="164"/>
+                    </a:cubicBezTo>
+                    <a:cubicBezTo>
+                      <a:pt x="44" y="168"/>
+                      <a:pt x="44" y="172"/>
+                      <a:pt x="45" y="176"/>
+                    </a:cubicBezTo>
+                    <a:cubicBezTo>
+                      <a:pt x="14" y="204"/>
+                      <a:pt x="14" y="204"/>
+                      <a:pt x="14" y="204"/>
+                    </a:cubicBezTo>
+                    <a:cubicBezTo>
+                      <a:pt x="12" y="206"/>
+                      <a:pt x="11" y="210"/>
+                      <a:pt x="13" y="213"/>
+                    </a:cubicBezTo>
+                    <a:cubicBezTo>
+                      <a:pt x="27" y="237"/>
+                      <a:pt x="27" y="237"/>
+                      <a:pt x="27" y="237"/>
+                    </a:cubicBezTo>
+                    <a:cubicBezTo>
+                      <a:pt x="28" y="239"/>
+                      <a:pt x="32" y="241"/>
+                      <a:pt x="35" y="240"/>
+                    </a:cubicBezTo>
+                    <a:cubicBezTo>
+                      <a:pt x="75" y="227"/>
+                      <a:pt x="75" y="227"/>
+                      <a:pt x="75" y="227"/>
+                    </a:cubicBezTo>
+                    <a:cubicBezTo>
+                      <a:pt x="78" y="230"/>
+                      <a:pt x="81" y="233"/>
+                      <a:pt x="84" y="235"/>
+                    </a:cubicBezTo>
+                    <a:cubicBezTo>
+                      <a:pt x="79" y="276"/>
+                      <a:pt x="79" y="276"/>
+                      <a:pt x="79" y="276"/>
+                    </a:cubicBezTo>
+                    <a:cubicBezTo>
+                      <a:pt x="78" y="280"/>
+                      <a:pt x="80" y="283"/>
+                      <a:pt x="83" y="284"/>
+                    </a:cubicBezTo>
+                    <a:cubicBezTo>
+                      <a:pt x="109" y="293"/>
+                      <a:pt x="109" y="293"/>
+                      <a:pt x="109" y="293"/>
+                    </a:cubicBezTo>
+                    <a:cubicBezTo>
+                      <a:pt x="112" y="294"/>
+                      <a:pt x="116" y="293"/>
+                      <a:pt x="118" y="291"/>
+                    </a:cubicBezTo>
+                    <a:cubicBezTo>
+                      <a:pt x="140" y="255"/>
+                      <a:pt x="140" y="255"/>
+                      <a:pt x="140" y="255"/>
+                    </a:cubicBezTo>
+                    <a:cubicBezTo>
+                      <a:pt x="142" y="255"/>
+                      <a:pt x="144" y="256"/>
+                      <a:pt x="146" y="256"/>
+                    </a:cubicBezTo>
+                    <a:cubicBezTo>
+                      <a:pt x="148" y="256"/>
+                      <a:pt x="150" y="255"/>
+                      <a:pt x="152" y="255"/>
+                    </a:cubicBezTo>
+                    <a:cubicBezTo>
+                      <a:pt x="174" y="291"/>
+                      <a:pt x="174" y="291"/>
+                      <a:pt x="174" y="291"/>
+                    </a:cubicBezTo>
+                    <a:cubicBezTo>
+                      <a:pt x="176" y="293"/>
+                      <a:pt x="180" y="294"/>
+                      <a:pt x="183" y="293"/>
+                    </a:cubicBezTo>
+                    <a:cubicBezTo>
+                      <a:pt x="209" y="284"/>
+                      <a:pt x="209" y="284"/>
+                      <a:pt x="209" y="284"/>
+                    </a:cubicBezTo>
+                    <a:cubicBezTo>
+                      <a:pt x="212" y="283"/>
+                      <a:pt x="214" y="280"/>
+                      <a:pt x="213" y="276"/>
+                    </a:cubicBezTo>
+                    <a:cubicBezTo>
+                      <a:pt x="208" y="235"/>
+                      <a:pt x="208" y="235"/>
+                      <a:pt x="208" y="235"/>
+                    </a:cubicBezTo>
+                    <a:cubicBezTo>
+                      <a:pt x="211" y="232"/>
+                      <a:pt x="214" y="230"/>
+                      <a:pt x="217" y="227"/>
+                    </a:cubicBezTo>
+                    <a:cubicBezTo>
+                      <a:pt x="257" y="240"/>
+                      <a:pt x="257" y="240"/>
+                      <a:pt x="257" y="240"/>
+                    </a:cubicBezTo>
+                    <a:cubicBezTo>
+                      <a:pt x="260" y="241"/>
+                      <a:pt x="264" y="239"/>
+                      <a:pt x="265" y="237"/>
+                    </a:cubicBezTo>
+                    <a:cubicBezTo>
+                      <a:pt x="279" y="213"/>
+                      <a:pt x="279" y="213"/>
+                      <a:pt x="279" y="213"/>
+                    </a:cubicBezTo>
+                    <a:cubicBezTo>
+                      <a:pt x="281" y="210"/>
+                      <a:pt x="280" y="206"/>
+                      <a:pt x="278" y="204"/>
+                    </a:cubicBezTo>
+                    <a:cubicBezTo>
+                      <a:pt x="247" y="176"/>
+                      <a:pt x="247" y="176"/>
+                      <a:pt x="247" y="176"/>
+                    </a:cubicBezTo>
+                    <a:cubicBezTo>
+                      <a:pt x="248" y="172"/>
+                      <a:pt x="248" y="168"/>
+                      <a:pt x="249" y="164"/>
+                    </a:cubicBezTo>
+                    <a:cubicBezTo>
+                      <a:pt x="288" y="148"/>
+                      <a:pt x="288" y="148"/>
+                      <a:pt x="288" y="148"/>
+                    </a:cubicBezTo>
+                    <a:cubicBezTo>
+                      <a:pt x="291" y="147"/>
+                      <a:pt x="292" y="144"/>
+                      <a:pt x="292" y="140"/>
+                    </a:cubicBezTo>
+                    <a:close/>
+                    <a:moveTo>
+                      <a:pt x="204" y="152"/>
+                    </a:moveTo>
+                    <a:cubicBezTo>
+                      <a:pt x="204" y="168"/>
+                      <a:pt x="197" y="182"/>
+                      <a:pt x="187" y="193"/>
+                    </a:cubicBezTo>
+                    <a:cubicBezTo>
+                      <a:pt x="176" y="203"/>
+                      <a:pt x="162" y="210"/>
+                      <a:pt x="146" y="210"/>
+                    </a:cubicBezTo>
+                    <a:cubicBezTo>
+                      <a:pt x="130" y="210"/>
+                      <a:pt x="116" y="203"/>
+                      <a:pt x="105" y="193"/>
+                    </a:cubicBezTo>
+                    <a:cubicBezTo>
+                      <a:pt x="95" y="182"/>
+                      <a:pt x="88" y="168"/>
+                      <a:pt x="88" y="152"/>
+                    </a:cubicBezTo>
+                    <a:cubicBezTo>
+                      <a:pt x="88" y="136"/>
+                      <a:pt x="95" y="121"/>
+                      <a:pt x="105" y="111"/>
+                    </a:cubicBezTo>
+                    <a:cubicBezTo>
+                      <a:pt x="116" y="100"/>
+                      <a:pt x="130" y="94"/>
+                      <a:pt x="146" y="94"/>
+                    </a:cubicBezTo>
+                    <a:cubicBezTo>
+                      <a:pt x="162" y="94"/>
+                      <a:pt x="176" y="100"/>
+                      <a:pt x="187" y="111"/>
+                    </a:cubicBezTo>
+                    <a:cubicBezTo>
+                      <a:pt x="197" y="121"/>
+                      <a:pt x="204" y="136"/>
+                      <a:pt x="204" y="152"/>
+                    </a:cubicBezTo>
+                    <a:close/>
+                  </a:path>
+                </a:pathLst>
+              </a:custGeom>
+              <a:grpFill/>
+              <a:ln w="9525">
+                <a:noFill/>
+                <a:round/>
+                <a:headEnd/>
+                <a:tailEnd/>
+              </a:ln>
+              <a:extLst/>
+            </p:spPr>
+            <p:txBody>
+              <a:bodyPr vert="horz" wrap="square" lIns="91440" tIns="45720" rIns="91440" bIns="45720" numCol="1" anchor="t" anchorCtr="0" compatLnSpc="1">
+                <a:prstTxWarp prst="textNoShape">
+                  <a:avLst/>
+                </a:prstTxWarp>
+              </a:bodyPr>
+              <a:lstStyle/>
+              <a:p>
+                <a:pPr defTabSz="457200"/>
+                <a:endParaRPr lang="en-US" dirty="0">
+                  <a:solidFill>
+                    <a:prstClr val="black"/>
+                  </a:solidFill>
+                  <a:latin typeface="Segoe UI Light" panose="020B0502040204020203" pitchFamily="34" charset="0"/>
+                  <a:cs typeface="Segoe UI Light" panose="020B0502040204020203" pitchFamily="34" charset="0"/>
+                </a:endParaRPr>
+              </a:p>
+            </p:txBody>
+          </p:sp>
+          <p:sp>
+            <p:nvSpPr>
+              <p:cNvPr id="22" name="Oval 87"/>
+              <p:cNvSpPr>
+                <a:spLocks noChangeArrowheads="1"/>
+              </p:cNvSpPr>
+              <p:nvPr/>
+            </p:nvSpPr>
+            <p:spPr bwMode="black">
+              <a:xfrm>
+                <a:off x="5630863" y="812800"/>
+                <a:ext cx="203200" cy="203200"/>
+              </a:xfrm>
+              <a:prstGeom prst="ellipse">
+                <a:avLst/>
+              </a:prstGeom>
+              <a:grpFill/>
+              <a:ln w="9525">
+                <a:noFill/>
+                <a:round/>
+                <a:headEnd/>
+                <a:tailEnd/>
+              </a:ln>
+              <a:extLst/>
+            </p:spPr>
+            <p:txBody>
+              <a:bodyPr vert="horz" wrap="square" lIns="91440" tIns="45720" rIns="91440" bIns="45720" numCol="1" anchor="t" anchorCtr="0" compatLnSpc="1">
+                <a:prstTxWarp prst="textNoShape">
+                  <a:avLst/>
+                </a:prstTxWarp>
+              </a:bodyPr>
+              <a:lstStyle/>
+              <a:p>
+                <a:pPr defTabSz="457200"/>
+                <a:endParaRPr lang="en-US" dirty="0">
+                  <a:solidFill>
+                    <a:prstClr val="black"/>
+                  </a:solidFill>
+                  <a:latin typeface="Segoe UI Light" panose="020B0502040204020203" pitchFamily="34" charset="0"/>
+                  <a:cs typeface="Segoe UI Light" panose="020B0502040204020203" pitchFamily="34" charset="0"/>
+                </a:endParaRPr>
+              </a:p>
+            </p:txBody>
+          </p:sp>
+          <p:sp>
+            <p:nvSpPr>
+              <p:cNvPr id="23" name="Freeform 88"/>
+              <p:cNvSpPr>
+                <a:spLocks noEditPoints="1"/>
+              </p:cNvSpPr>
+              <p:nvPr/>
+            </p:nvSpPr>
+            <p:spPr bwMode="black">
+              <a:xfrm>
+                <a:off x="6129338" y="225425"/>
+                <a:ext cx="555625" cy="598488"/>
+              </a:xfrm>
+              <a:custGeom>
+                <a:avLst/>
+                <a:gdLst>
+                  <a:gd name="T0" fmla="*/ 129 w 148"/>
+                  <a:gd name="T1" fmla="*/ 91 h 160"/>
+                  <a:gd name="T2" fmla="*/ 131 w 148"/>
+                  <a:gd name="T3" fmla="*/ 80 h 160"/>
+                  <a:gd name="T4" fmla="*/ 129 w 148"/>
+                  <a:gd name="T5" fmla="*/ 70 h 160"/>
+                  <a:gd name="T6" fmla="*/ 145 w 148"/>
+                  <a:gd name="T7" fmla="*/ 55 h 160"/>
+                  <a:gd name="T8" fmla="*/ 147 w 148"/>
+                  <a:gd name="T9" fmla="*/ 50 h 160"/>
+                  <a:gd name="T10" fmla="*/ 147 w 148"/>
+                  <a:gd name="T11" fmla="*/ 46 h 160"/>
+                  <a:gd name="T12" fmla="*/ 140 w 148"/>
+                  <a:gd name="T13" fmla="*/ 34 h 160"/>
+                  <a:gd name="T14" fmla="*/ 133 w 148"/>
+                  <a:gd name="T15" fmla="*/ 31 h 160"/>
+                  <a:gd name="T16" fmla="*/ 131 w 148"/>
+                  <a:gd name="T17" fmla="*/ 31 h 160"/>
+                  <a:gd name="T18" fmla="*/ 111 w 148"/>
+                  <a:gd name="T19" fmla="*/ 37 h 160"/>
+                  <a:gd name="T20" fmla="*/ 92 w 148"/>
+                  <a:gd name="T21" fmla="*/ 27 h 160"/>
+                  <a:gd name="T22" fmla="*/ 88 w 148"/>
+                  <a:gd name="T23" fmla="*/ 6 h 160"/>
+                  <a:gd name="T24" fmla="*/ 81 w 148"/>
+                  <a:gd name="T25" fmla="*/ 0 h 160"/>
+                  <a:gd name="T26" fmla="*/ 67 w 148"/>
+                  <a:gd name="T27" fmla="*/ 0 h 160"/>
+                  <a:gd name="T28" fmla="*/ 60 w 148"/>
+                  <a:gd name="T29" fmla="*/ 6 h 160"/>
+                  <a:gd name="T30" fmla="*/ 55 w 148"/>
+                  <a:gd name="T31" fmla="*/ 27 h 160"/>
+                  <a:gd name="T32" fmla="*/ 37 w 148"/>
+                  <a:gd name="T33" fmla="*/ 38 h 160"/>
+                  <a:gd name="T34" fmla="*/ 16 w 148"/>
+                  <a:gd name="T35" fmla="*/ 31 h 160"/>
+                  <a:gd name="T36" fmla="*/ 14 w 148"/>
+                  <a:gd name="T37" fmla="*/ 31 h 160"/>
+                  <a:gd name="T38" fmla="*/ 8 w 148"/>
+                  <a:gd name="T39" fmla="*/ 34 h 160"/>
+                  <a:gd name="T40" fmla="*/ 1 w 148"/>
+                  <a:gd name="T41" fmla="*/ 46 h 160"/>
+                  <a:gd name="T42" fmla="*/ 0 w 148"/>
+                  <a:gd name="T43" fmla="*/ 50 h 160"/>
+                  <a:gd name="T44" fmla="*/ 2 w 148"/>
+                  <a:gd name="T45" fmla="*/ 55 h 160"/>
+                  <a:gd name="T46" fmla="*/ 19 w 148"/>
+                  <a:gd name="T47" fmla="*/ 70 h 160"/>
+                  <a:gd name="T48" fmla="*/ 17 w 148"/>
+                  <a:gd name="T49" fmla="*/ 80 h 160"/>
+                  <a:gd name="T50" fmla="*/ 19 w 148"/>
+                  <a:gd name="T51" fmla="*/ 91 h 160"/>
+                  <a:gd name="T52" fmla="*/ 2 w 148"/>
+                  <a:gd name="T53" fmla="*/ 106 h 160"/>
+                  <a:gd name="T54" fmla="*/ 0 w 148"/>
+                  <a:gd name="T55" fmla="*/ 111 h 160"/>
+                  <a:gd name="T56" fmla="*/ 1 w 148"/>
+                  <a:gd name="T57" fmla="*/ 114 h 160"/>
+                  <a:gd name="T58" fmla="*/ 8 w 148"/>
+                  <a:gd name="T59" fmla="*/ 126 h 160"/>
+                  <a:gd name="T60" fmla="*/ 14 w 148"/>
+                  <a:gd name="T61" fmla="*/ 130 h 160"/>
+                  <a:gd name="T62" fmla="*/ 16 w 148"/>
+                  <a:gd name="T63" fmla="*/ 130 h 160"/>
+                  <a:gd name="T64" fmla="*/ 37 w 148"/>
+                  <a:gd name="T65" fmla="*/ 123 h 160"/>
+                  <a:gd name="T66" fmla="*/ 55 w 148"/>
+                  <a:gd name="T67" fmla="*/ 133 h 160"/>
+                  <a:gd name="T68" fmla="*/ 60 w 148"/>
+                  <a:gd name="T69" fmla="*/ 155 h 160"/>
+                  <a:gd name="T70" fmla="*/ 67 w 148"/>
+                  <a:gd name="T71" fmla="*/ 160 h 160"/>
+                  <a:gd name="T72" fmla="*/ 81 w 148"/>
+                  <a:gd name="T73" fmla="*/ 160 h 160"/>
+                  <a:gd name="T74" fmla="*/ 88 w 148"/>
+                  <a:gd name="T75" fmla="*/ 155 h 160"/>
+                  <a:gd name="T76" fmla="*/ 92 w 148"/>
+                  <a:gd name="T77" fmla="*/ 134 h 160"/>
+                  <a:gd name="T78" fmla="*/ 111 w 148"/>
+                  <a:gd name="T79" fmla="*/ 123 h 160"/>
+                  <a:gd name="T80" fmla="*/ 131 w 148"/>
+                  <a:gd name="T81" fmla="*/ 130 h 160"/>
+                  <a:gd name="T82" fmla="*/ 133 w 148"/>
+                  <a:gd name="T83" fmla="*/ 130 h 160"/>
+                  <a:gd name="T84" fmla="*/ 140 w 148"/>
+                  <a:gd name="T85" fmla="*/ 126 h 160"/>
+                  <a:gd name="T86" fmla="*/ 147 w 148"/>
+                  <a:gd name="T87" fmla="*/ 114 h 160"/>
+                  <a:gd name="T88" fmla="*/ 147 w 148"/>
+                  <a:gd name="T89" fmla="*/ 111 h 160"/>
+                  <a:gd name="T90" fmla="*/ 145 w 148"/>
+                  <a:gd name="T91" fmla="*/ 106 h 160"/>
+                  <a:gd name="T92" fmla="*/ 129 w 148"/>
+                  <a:gd name="T93" fmla="*/ 91 h 160"/>
+                  <a:gd name="T94" fmla="*/ 96 w 148"/>
+                  <a:gd name="T95" fmla="*/ 80 h 160"/>
+                  <a:gd name="T96" fmla="*/ 74 w 148"/>
+                  <a:gd name="T97" fmla="*/ 102 h 160"/>
+                  <a:gd name="T98" fmla="*/ 52 w 148"/>
+                  <a:gd name="T99" fmla="*/ 80 h 160"/>
+                  <a:gd name="T100" fmla="*/ 74 w 148"/>
+                  <a:gd name="T101" fmla="*/ 58 h 160"/>
+                  <a:gd name="T102" fmla="*/ 96 w 148"/>
+                  <a:gd name="T103" fmla="*/ 80 h 160"/>
+                </a:gdLst>
+                <a:ahLst/>
+                <a:cxnLst>
+                  <a:cxn ang="0">
+                    <a:pos x="T0" y="T1"/>
+                  </a:cxn>
+                  <a:cxn ang="0">
+                    <a:pos x="T2" y="T3"/>
+                  </a:cxn>
+                  <a:cxn ang="0">
+                    <a:pos x="T4" y="T5"/>
+                  </a:cxn>
+                  <a:cxn ang="0">
+                    <a:pos x="T6" y="T7"/>
+                  </a:cxn>
+                  <a:cxn ang="0">
+                    <a:pos x="T8" y="T9"/>
+                  </a:cxn>
+                  <a:cxn ang="0">
+                    <a:pos x="T10" y="T11"/>
+                  </a:cxn>
+                  <a:cxn ang="0">
+                    <a:pos x="T12" y="T13"/>
+                  </a:cxn>
+                  <a:cxn ang="0">
+                    <a:pos x="T14" y="T15"/>
+                  </a:cxn>
+                  <a:cxn ang="0">
+                    <a:pos x="T16" y="T17"/>
+                  </a:cxn>
+                  <a:cxn ang="0">
+                    <a:pos x="T18" y="T19"/>
+                  </a:cxn>
+                  <a:cxn ang="0">
+                    <a:pos x="T20" y="T21"/>
+                  </a:cxn>
+                  <a:cxn ang="0">
+                    <a:pos x="T22" y="T23"/>
+                  </a:cxn>
+                  <a:cxn ang="0">
+                    <a:pos x="T24" y="T25"/>
+                  </a:cxn>
+                  <a:cxn ang="0">
+                    <a:pos x="T26" y="T27"/>
+                  </a:cxn>
+                  <a:cxn ang="0">
+                    <a:pos x="T28" y="T29"/>
+                  </a:cxn>
+                  <a:cxn ang="0">
+                    <a:pos x="T30" y="T31"/>
+                  </a:cxn>
+                  <a:cxn ang="0">
+                    <a:pos x="T32" y="T33"/>
+                  </a:cxn>
+                  <a:cxn ang="0">
+                    <a:pos x="T34" y="T35"/>
+                  </a:cxn>
+                  <a:cxn ang="0">
+                    <a:pos x="T36" y="T37"/>
+                  </a:cxn>
+                  <a:cxn ang="0">
+                    <a:pos x="T38" y="T39"/>
+                  </a:cxn>
+                  <a:cxn ang="0">
+                    <a:pos x="T40" y="T41"/>
+                  </a:cxn>
+                  <a:cxn ang="0">
+                    <a:pos x="T42" y="T43"/>
+                  </a:cxn>
+                  <a:cxn ang="0">
+                    <a:pos x="T44" y="T45"/>
+                  </a:cxn>
+                  <a:cxn ang="0">
+                    <a:pos x="T46" y="T47"/>
+                  </a:cxn>
+                  <a:cxn ang="0">
+                    <a:pos x="T48" y="T49"/>
+                  </a:cxn>
+                  <a:cxn ang="0">
+                    <a:pos x="T50" y="T51"/>
+                  </a:cxn>
+                  <a:cxn ang="0">
+                    <a:pos x="T52" y="T53"/>
+                  </a:cxn>
+                  <a:cxn ang="0">
+                    <a:pos x="T54" y="T55"/>
+                  </a:cxn>
+                  <a:cxn ang="0">
+                    <a:pos x="T56" y="T57"/>
+                  </a:cxn>
+                  <a:cxn ang="0">
+                    <a:pos x="T58" y="T59"/>
+                  </a:cxn>
+                  <a:cxn ang="0">
+                    <a:pos x="T60" y="T61"/>
+                  </a:cxn>
+                  <a:cxn ang="0">
+                    <a:pos x="T62" y="T63"/>
+                  </a:cxn>
+                  <a:cxn ang="0">
+                    <a:pos x="T64" y="T65"/>
+                  </a:cxn>
+                  <a:cxn ang="0">
+                    <a:pos x="T66" y="T67"/>
+                  </a:cxn>
+                  <a:cxn ang="0">
+                    <a:pos x="T68" y="T69"/>
+                  </a:cxn>
+                  <a:cxn ang="0">
+                    <a:pos x="T70" y="T71"/>
+                  </a:cxn>
+                  <a:cxn ang="0">
+                    <a:pos x="T72" y="T73"/>
+                  </a:cxn>
+                  <a:cxn ang="0">
+                    <a:pos x="T74" y="T75"/>
+                  </a:cxn>
+                  <a:cxn ang="0">
+                    <a:pos x="T76" y="T77"/>
+                  </a:cxn>
+                  <a:cxn ang="0">
+                    <a:pos x="T78" y="T79"/>
+                  </a:cxn>
+                  <a:cxn ang="0">
+                    <a:pos x="T80" y="T81"/>
+                  </a:cxn>
+                  <a:cxn ang="0">
+                    <a:pos x="T82" y="T83"/>
+                  </a:cxn>
+                  <a:cxn ang="0">
+                    <a:pos x="T84" y="T85"/>
+                  </a:cxn>
+                  <a:cxn ang="0">
+                    <a:pos x="T86" y="T87"/>
+                  </a:cxn>
+                  <a:cxn ang="0">
+                    <a:pos x="T88" y="T89"/>
+                  </a:cxn>
+                  <a:cxn ang="0">
+                    <a:pos x="T90" y="T91"/>
+                  </a:cxn>
+                  <a:cxn ang="0">
+                    <a:pos x="T92" y="T93"/>
+                  </a:cxn>
+                  <a:cxn ang="0">
+                    <a:pos x="T94" y="T95"/>
+                  </a:cxn>
+                  <a:cxn ang="0">
+                    <a:pos x="T96" y="T97"/>
+                  </a:cxn>
+                  <a:cxn ang="0">
+                    <a:pos x="T98" y="T99"/>
+                  </a:cxn>
+                  <a:cxn ang="0">
+                    <a:pos x="T100" y="T101"/>
+                  </a:cxn>
+                  <a:cxn ang="0">
+                    <a:pos x="T102" y="T103"/>
+                  </a:cxn>
+                </a:cxnLst>
+                <a:rect l="0" t="0" r="r" b="b"/>
+                <a:pathLst>
+                  <a:path w="148" h="160">
+                    <a:moveTo>
+                      <a:pt x="129" y="91"/>
+                    </a:moveTo>
+                    <a:cubicBezTo>
+                      <a:pt x="130" y="88"/>
+                      <a:pt x="131" y="84"/>
+                      <a:pt x="131" y="80"/>
+                    </a:cubicBezTo>
+                    <a:cubicBezTo>
+                      <a:pt x="131" y="77"/>
+                      <a:pt x="130" y="73"/>
+                      <a:pt x="129" y="70"/>
+                    </a:cubicBezTo>
+                    <a:cubicBezTo>
+                      <a:pt x="145" y="55"/>
+                      <a:pt x="145" y="55"/>
+                      <a:pt x="145" y="55"/>
+                    </a:cubicBezTo>
+                    <a:cubicBezTo>
+                      <a:pt x="147" y="54"/>
+                      <a:pt x="147" y="52"/>
+                      <a:pt x="147" y="50"/>
+                    </a:cubicBezTo>
+                    <a:cubicBezTo>
+                      <a:pt x="147" y="49"/>
+                      <a:pt x="147" y="47"/>
+                      <a:pt x="147" y="46"/>
+                    </a:cubicBezTo>
+                    <a:cubicBezTo>
+                      <a:pt x="140" y="34"/>
+                      <a:pt x="140" y="34"/>
+                      <a:pt x="140" y="34"/>
+                    </a:cubicBezTo>
+                    <a:cubicBezTo>
+                      <a:pt x="138" y="32"/>
+                      <a:pt x="136" y="31"/>
+                      <a:pt x="133" y="31"/>
+                    </a:cubicBezTo>
+                    <a:cubicBezTo>
+                      <a:pt x="133" y="31"/>
+                      <a:pt x="132" y="31"/>
+                      <a:pt x="131" y="31"/>
+                    </a:cubicBezTo>
+                    <a:cubicBezTo>
+                      <a:pt x="111" y="37"/>
+                      <a:pt x="111" y="37"/>
+                      <a:pt x="111" y="37"/>
+                    </a:cubicBezTo>
+                    <a:cubicBezTo>
+                      <a:pt x="105" y="33"/>
+                      <a:pt x="99" y="29"/>
+                      <a:pt x="92" y="27"/>
+                    </a:cubicBezTo>
+                    <a:cubicBezTo>
+                      <a:pt x="88" y="6"/>
+                      <a:pt x="88" y="6"/>
+                      <a:pt x="88" y="6"/>
+                    </a:cubicBezTo>
+                    <a:cubicBezTo>
+                      <a:pt x="87" y="3"/>
+                      <a:pt x="84" y="0"/>
+                      <a:pt x="81" y="0"/>
+                    </a:cubicBezTo>
+                    <a:cubicBezTo>
+                      <a:pt x="67" y="0"/>
+                      <a:pt x="67" y="0"/>
+                      <a:pt x="67" y="0"/>
+                    </a:cubicBezTo>
+                    <a:cubicBezTo>
+                      <a:pt x="63" y="0"/>
+                      <a:pt x="61" y="3"/>
+                      <a:pt x="60" y="6"/>
+                    </a:cubicBezTo>
+                    <a:cubicBezTo>
+                      <a:pt x="55" y="27"/>
+                      <a:pt x="55" y="27"/>
+                      <a:pt x="55" y="27"/>
+                    </a:cubicBezTo>
+                    <a:cubicBezTo>
+                      <a:pt x="48" y="29"/>
+                      <a:pt x="42" y="33"/>
+                      <a:pt x="37" y="38"/>
+                    </a:cubicBezTo>
+                    <a:cubicBezTo>
+                      <a:pt x="16" y="31"/>
+                      <a:pt x="16" y="31"/>
+                      <a:pt x="16" y="31"/>
+                    </a:cubicBezTo>
+                    <a:cubicBezTo>
+                      <a:pt x="15" y="31"/>
+                      <a:pt x="15" y="31"/>
+                      <a:pt x="14" y="31"/>
+                    </a:cubicBezTo>
+                    <a:cubicBezTo>
+                      <a:pt x="12" y="31"/>
+                      <a:pt x="9" y="32"/>
+                      <a:pt x="8" y="34"/>
+                    </a:cubicBezTo>
+                    <a:cubicBezTo>
+                      <a:pt x="1" y="46"/>
+                      <a:pt x="1" y="46"/>
+                      <a:pt x="1" y="46"/>
+                    </a:cubicBezTo>
+                    <a:cubicBezTo>
+                      <a:pt x="0" y="47"/>
+                      <a:pt x="0" y="49"/>
+                      <a:pt x="0" y="50"/>
+                    </a:cubicBezTo>
+                    <a:cubicBezTo>
+                      <a:pt x="0" y="52"/>
+                      <a:pt x="1" y="54"/>
+                      <a:pt x="2" y="55"/>
+                    </a:cubicBezTo>
+                    <a:cubicBezTo>
+                      <a:pt x="19" y="70"/>
+                      <a:pt x="19" y="70"/>
+                      <a:pt x="19" y="70"/>
+                    </a:cubicBezTo>
+                    <a:cubicBezTo>
+                      <a:pt x="18" y="73"/>
+                      <a:pt x="17" y="77"/>
+                      <a:pt x="17" y="80"/>
+                    </a:cubicBezTo>
+                    <a:cubicBezTo>
+                      <a:pt x="17" y="84"/>
+                      <a:pt x="18" y="87"/>
+                      <a:pt x="19" y="91"/>
+                    </a:cubicBezTo>
+                    <a:cubicBezTo>
+                      <a:pt x="2" y="106"/>
+                      <a:pt x="2" y="106"/>
+                      <a:pt x="2" y="106"/>
+                    </a:cubicBezTo>
+                    <a:cubicBezTo>
+                      <a:pt x="1" y="107"/>
+                      <a:pt x="0" y="109"/>
+                      <a:pt x="0" y="111"/>
+                    </a:cubicBezTo>
+                    <a:cubicBezTo>
+                      <a:pt x="0" y="112"/>
+                      <a:pt x="0" y="113"/>
+                      <a:pt x="1" y="114"/>
+                    </a:cubicBezTo>
+                    <a:cubicBezTo>
+                      <a:pt x="8" y="126"/>
+                      <a:pt x="8" y="126"/>
+                      <a:pt x="8" y="126"/>
+                    </a:cubicBezTo>
+                    <a:cubicBezTo>
+                      <a:pt x="9" y="129"/>
+                      <a:pt x="12" y="130"/>
+                      <a:pt x="14" y="130"/>
+                    </a:cubicBezTo>
+                    <a:cubicBezTo>
+                      <a:pt x="15" y="130"/>
+                      <a:pt x="15" y="130"/>
+                      <a:pt x="16" y="130"/>
+                    </a:cubicBezTo>
+                    <a:cubicBezTo>
+                      <a:pt x="37" y="123"/>
+                      <a:pt x="37" y="123"/>
+                      <a:pt x="37" y="123"/>
+                    </a:cubicBezTo>
+                    <a:cubicBezTo>
+                      <a:pt x="42" y="127"/>
+                      <a:pt x="48" y="131"/>
+                      <a:pt x="55" y="133"/>
+                    </a:cubicBezTo>
+                    <a:cubicBezTo>
+                      <a:pt x="60" y="155"/>
+                      <a:pt x="60" y="155"/>
+                      <a:pt x="60" y="155"/>
+                    </a:cubicBezTo>
+                    <a:cubicBezTo>
+                      <a:pt x="61" y="158"/>
+                      <a:pt x="63" y="160"/>
+                      <a:pt x="67" y="160"/>
+                    </a:cubicBezTo>
+                    <a:cubicBezTo>
+                      <a:pt x="81" y="160"/>
+                      <a:pt x="81" y="160"/>
+                      <a:pt x="81" y="160"/>
+                    </a:cubicBezTo>
+                    <a:cubicBezTo>
+                      <a:pt x="84" y="160"/>
+                      <a:pt x="87" y="158"/>
+                      <a:pt x="88" y="155"/>
+                    </a:cubicBezTo>
+                    <a:cubicBezTo>
+                      <a:pt x="92" y="134"/>
+                      <a:pt x="92" y="134"/>
+                      <a:pt x="92" y="134"/>
+                    </a:cubicBezTo>
+                    <a:cubicBezTo>
+                      <a:pt x="99" y="131"/>
+                      <a:pt x="105" y="128"/>
+                      <a:pt x="111" y="123"/>
+                    </a:cubicBezTo>
+                    <a:cubicBezTo>
+                      <a:pt x="131" y="130"/>
+                      <a:pt x="131" y="130"/>
+                      <a:pt x="131" y="130"/>
+                    </a:cubicBezTo>
+                    <a:cubicBezTo>
+                      <a:pt x="132" y="130"/>
+                      <a:pt x="133" y="130"/>
+                      <a:pt x="133" y="130"/>
+                    </a:cubicBezTo>
+                    <a:cubicBezTo>
+                      <a:pt x="136" y="130"/>
+                      <a:pt x="138" y="129"/>
+                      <a:pt x="140" y="126"/>
+                    </a:cubicBezTo>
+                    <a:cubicBezTo>
+                      <a:pt x="147" y="114"/>
+                      <a:pt x="147" y="114"/>
+                      <a:pt x="147" y="114"/>
+                    </a:cubicBezTo>
+                    <a:cubicBezTo>
+                      <a:pt x="147" y="113"/>
+                      <a:pt x="148" y="112"/>
+                      <a:pt x="147" y="111"/>
+                    </a:cubicBezTo>
+                    <a:cubicBezTo>
+                      <a:pt x="148" y="109"/>
+                      <a:pt x="147" y="107"/>
+                      <a:pt x="145" y="106"/>
+                    </a:cubicBezTo>
+                    <a:lnTo>
+                      <a:pt x="129" y="91"/>
+                    </a:lnTo>
+                    <a:close/>
+                    <a:moveTo>
+                      <a:pt x="96" y="80"/>
+                    </a:moveTo>
+                    <a:cubicBezTo>
+                      <a:pt x="96" y="92"/>
+                      <a:pt x="86" y="102"/>
+                      <a:pt x="74" y="102"/>
+                    </a:cubicBezTo>
+                    <a:cubicBezTo>
+                      <a:pt x="62" y="102"/>
+                      <a:pt x="52" y="92"/>
+                      <a:pt x="52" y="80"/>
+                    </a:cubicBezTo>
+                    <a:cubicBezTo>
+                      <a:pt x="52" y="68"/>
+                      <a:pt x="62" y="58"/>
+                      <a:pt x="74" y="58"/>
+                    </a:cubicBezTo>
+                    <a:cubicBezTo>
+                      <a:pt x="86" y="58"/>
+                      <a:pt x="96" y="68"/>
+                      <a:pt x="96" y="80"/>
+                    </a:cubicBezTo>
+                    <a:close/>
+                  </a:path>
+                </a:pathLst>
+              </a:custGeom>
+              <a:grpFill/>
+              <a:ln w="9525">
+                <a:noFill/>
+                <a:round/>
+                <a:headEnd/>
+                <a:tailEnd/>
+              </a:ln>
+              <a:extLst/>
+            </p:spPr>
+            <p:txBody>
+              <a:bodyPr vert="horz" wrap="square" lIns="91440" tIns="45720" rIns="91440" bIns="45720" numCol="1" anchor="t" anchorCtr="0" compatLnSpc="1">
+                <a:prstTxWarp prst="textNoShape">
+                  <a:avLst/>
+                </a:prstTxWarp>
+              </a:bodyPr>
+              <a:lstStyle/>
+              <a:p>
+                <a:pPr defTabSz="457200"/>
+                <a:endParaRPr lang="en-US" dirty="0">
+                  <a:solidFill>
+                    <a:prstClr val="black"/>
+                  </a:solidFill>
+                  <a:latin typeface="Segoe UI Light" panose="020B0502040204020203" pitchFamily="34" charset="0"/>
+                  <a:cs typeface="Segoe UI Light" panose="020B0502040204020203" pitchFamily="34" charset="0"/>
+                </a:endParaRPr>
+              </a:p>
+            </p:txBody>
+          </p:sp>
+        </p:grpSp>
+      </p:grpSp>
+      <p:sp>
+        <p:nvSpPr>
+          <p:cNvPr id="10" name="Textfeld 9"/>
+          <p:cNvSpPr txBox="1"/>
+          <p:nvPr/>
+        </p:nvSpPr>
+        <p:spPr>
+          <a:xfrm>
+            <a:off x="4451023" y="4447366"/>
+            <a:ext cx="2300823" cy="369332"/>
+          </a:xfrm>
+          <a:prstGeom prst="rect">
+            <a:avLst/>
+          </a:prstGeom>
+          <a:noFill/>
+        </p:spPr>
+        <p:txBody>
+          <a:bodyPr wrap="none" rtlCol="0">
+            <a:spAutoFit/>
+          </a:bodyPr>
+          <a:lstStyle>
+            <a:defPPr>
+              <a:defRPr lang="de-DE"/>
+            </a:defPPr>
+            <a:lvl1pPr>
+              <a:defRPr sz="1600">
+                <a:solidFill>
+                  <a:srgbClr val="616161"/>
+                </a:solidFill>
+              </a:defRPr>
+            </a:lvl1pPr>
+          </a:lstStyle>
+          <a:p>
+            <a:pPr algn="ctr"/>
+            <a:r>
+              <a:rPr lang="de-CH" sz="1800" dirty="0" smtClean="0">
+                <a:latin typeface="Segoe UI Light" panose="020B0502040204020203" pitchFamily="34" charset="0"/>
+                <a:cs typeface="Segoe UI Light" panose="020B0502040204020203" pitchFamily="34" charset="0"/>
+              </a:rPr>
+              <a:t>Azure Traffic Manager</a:t>
+            </a:r>
+            <a:endParaRPr lang="de-CH" sz="1800" dirty="0">
+              <a:latin typeface="Segoe UI Light" panose="020B0502040204020203" pitchFamily="34" charset="0"/>
+              <a:cs typeface="Segoe UI Light" panose="020B0502040204020203" pitchFamily="34" charset="0"/>
+            </a:endParaRPr>
+          </a:p>
+        </p:txBody>
+      </p:sp>
+      <p:cxnSp>
+        <p:nvCxnSpPr>
+          <p:cNvPr id="13" name="Gerade Verbindung mit Pfeil 12"/>
+          <p:cNvCxnSpPr>
+            <a:stCxn id="24" idx="3"/>
+            <a:endCxn id="19" idx="0"/>
+          </p:cNvCxnSpPr>
+          <p:nvPr/>
+        </p:nvCxnSpPr>
+        <p:spPr>
+          <a:xfrm>
+            <a:off x="3573687" y="1585732"/>
+            <a:ext cx="1919301" cy="2153340"/>
+          </a:xfrm>
+          <a:prstGeom prst="straightConnector1">
+            <a:avLst/>
+          </a:prstGeom>
+          <a:ln w="31750">
+            <a:solidFill>
+              <a:schemeClr val="accent2"/>
+            </a:solidFill>
+            <a:headEnd type="triangle"/>
+            <a:tailEnd type="triangle"/>
+          </a:ln>
+        </p:spPr>
+        <p:style>
+          <a:lnRef idx="1">
+            <a:schemeClr val="accent1"/>
+          </a:lnRef>
+          <a:fillRef idx="0">
+            <a:schemeClr val="accent1"/>
+          </a:fillRef>
+          <a:effectRef idx="0">
+            <a:schemeClr val="accent1"/>
+          </a:effectRef>
+          <a:fontRef idx="minor">
+            <a:schemeClr val="tx1"/>
+          </a:fontRef>
+        </p:style>
+      </p:cxnSp>
+      <p:pic>
+        <p:nvPicPr>
+          <p:cNvPr id="24" name="Grafik 23"/>
+          <p:cNvPicPr>
+            <a:picLocks noChangeAspect="1"/>
+          </p:cNvPicPr>
+          <p:nvPr/>
+        </p:nvPicPr>
+        <p:blipFill>
+          <a:blip r:embed="rId2"/>
+          <a:stretch>
+            <a:fillRect/>
+          </a:stretch>
+        </p:blipFill>
+        <p:spPr>
+          <a:xfrm>
+            <a:off x="2844166" y="1090429"/>
+            <a:ext cx="729521" cy="990606"/>
+          </a:xfrm>
+          <a:prstGeom prst="rect">
+            <a:avLst/>
+          </a:prstGeom>
+        </p:spPr>
+      </p:pic>
+      <p:sp>
+        <p:nvSpPr>
+          <p:cNvPr id="25" name="Textfeld 24"/>
+          <p:cNvSpPr txBox="1"/>
+          <p:nvPr/>
+        </p:nvSpPr>
+        <p:spPr>
+          <a:xfrm>
+            <a:off x="2842758" y="2066395"/>
+            <a:ext cx="774251" cy="369332"/>
+          </a:xfrm>
+          <a:prstGeom prst="rect">
+            <a:avLst/>
+          </a:prstGeom>
+          <a:noFill/>
+        </p:spPr>
+        <p:txBody>
+          <a:bodyPr wrap="none" rtlCol="0">
+            <a:spAutoFit/>
+          </a:bodyPr>
+          <a:lstStyle/>
+          <a:p>
+            <a:r>
+              <a:rPr lang="de-CH" dirty="0" smtClean="0">
+                <a:solidFill>
+                  <a:srgbClr val="606060"/>
+                </a:solidFill>
+                <a:latin typeface="Segoe UI Light" panose="020B0502040204020203" pitchFamily="34" charset="0"/>
+                <a:cs typeface="Segoe UI Light" panose="020B0502040204020203" pitchFamily="34" charset="0"/>
+              </a:rPr>
+              <a:t>Web 1</a:t>
+            </a:r>
+            <a:endParaRPr lang="de-CH" dirty="0">
+              <a:solidFill>
+                <a:srgbClr val="606060"/>
+              </a:solidFill>
+              <a:latin typeface="Segoe UI Light" panose="020B0502040204020203" pitchFamily="34" charset="0"/>
+              <a:cs typeface="Segoe UI Light" panose="020B0502040204020203" pitchFamily="34" charset="0"/>
+            </a:endParaRPr>
+          </a:p>
+        </p:txBody>
+      </p:sp>
+      <p:sp>
+        <p:nvSpPr>
+          <p:cNvPr id="26" name="Freeform 7"/>
+          <p:cNvSpPr>
+            <a:spLocks/>
+          </p:cNvSpPr>
+          <p:nvPr/>
+        </p:nvSpPr>
+        <p:spPr bwMode="auto">
+          <a:xfrm flipH="1">
+            <a:off x="5911287" y="255857"/>
+            <a:ext cx="4406340" cy="2186564"/>
+          </a:xfrm>
+          <a:custGeom>
+            <a:avLst/>
+            <a:gdLst>
+              <a:gd name="T0" fmla="*/ 157 w 214"/>
+              <a:gd name="T1" fmla="*/ 0 h 114"/>
+              <a:gd name="T2" fmla="*/ 107 w 214"/>
+              <a:gd name="T3" fmla="*/ 29 h 114"/>
+              <a:gd name="T4" fmla="*/ 86 w 214"/>
+              <a:gd name="T5" fmla="*/ 23 h 114"/>
+              <a:gd name="T6" fmla="*/ 46 w 214"/>
+              <a:gd name="T7" fmla="*/ 48 h 114"/>
+              <a:gd name="T8" fmla="*/ 34 w 214"/>
+              <a:gd name="T9" fmla="*/ 45 h 114"/>
+              <a:gd name="T10" fmla="*/ 0 w 214"/>
+              <a:gd name="T11" fmla="*/ 80 h 114"/>
+              <a:gd name="T12" fmla="*/ 34 w 214"/>
+              <a:gd name="T13" fmla="*/ 114 h 114"/>
+              <a:gd name="T14" fmla="*/ 86 w 214"/>
+              <a:gd name="T15" fmla="*/ 114 h 114"/>
+              <a:gd name="T16" fmla="*/ 157 w 214"/>
+              <a:gd name="T17" fmla="*/ 114 h 114"/>
+              <a:gd name="T18" fmla="*/ 214 w 214"/>
+              <a:gd name="T19" fmla="*/ 57 h 114"/>
+              <a:gd name="T20" fmla="*/ 157 w 214"/>
+              <a:gd name="T21" fmla="*/ 0 h 114"/>
+            </a:gdLst>
+            <a:ahLst/>
+            <a:cxnLst>
+              <a:cxn ang="0">
+                <a:pos x="T0" y="T1"/>
+              </a:cxn>
+              <a:cxn ang="0">
+                <a:pos x="T2" y="T3"/>
+              </a:cxn>
+              <a:cxn ang="0">
+                <a:pos x="T4" y="T5"/>
+              </a:cxn>
+              <a:cxn ang="0">
+                <a:pos x="T6" y="T7"/>
+              </a:cxn>
+              <a:cxn ang="0">
+                <a:pos x="T8" y="T9"/>
+              </a:cxn>
+              <a:cxn ang="0">
+                <a:pos x="T10" y="T11"/>
+              </a:cxn>
+              <a:cxn ang="0">
+                <a:pos x="T12" y="T13"/>
+              </a:cxn>
+              <a:cxn ang="0">
+                <a:pos x="T14" y="T15"/>
+              </a:cxn>
+              <a:cxn ang="0">
+                <a:pos x="T16" y="T17"/>
+              </a:cxn>
+              <a:cxn ang="0">
+                <a:pos x="T18" y="T19"/>
+              </a:cxn>
+              <a:cxn ang="0">
+                <a:pos x="T20" y="T21"/>
+              </a:cxn>
+            </a:cxnLst>
+            <a:rect l="0" t="0" r="r" b="b"/>
+            <a:pathLst>
+              <a:path w="214" h="114">
+                <a:moveTo>
+                  <a:pt x="157" y="0"/>
+                </a:moveTo>
+                <a:cubicBezTo>
+                  <a:pt x="136" y="0"/>
+                  <a:pt x="117" y="11"/>
+                  <a:pt x="107" y="29"/>
+                </a:cubicBezTo>
+                <a:cubicBezTo>
+                  <a:pt x="101" y="25"/>
+                  <a:pt x="94" y="23"/>
+                  <a:pt x="86" y="23"/>
+                </a:cubicBezTo>
+                <a:cubicBezTo>
+                  <a:pt x="69" y="23"/>
+                  <a:pt x="54" y="33"/>
+                  <a:pt x="46" y="48"/>
+                </a:cubicBezTo>
+                <a:cubicBezTo>
+                  <a:pt x="42" y="46"/>
+                  <a:pt x="38" y="45"/>
+                  <a:pt x="34" y="45"/>
+                </a:cubicBezTo>
+                <a:cubicBezTo>
+                  <a:pt x="15" y="45"/>
+                  <a:pt x="0" y="61"/>
+                  <a:pt x="0" y="80"/>
+                </a:cubicBezTo>
+                <a:cubicBezTo>
+                  <a:pt x="0" y="99"/>
+                  <a:pt x="15" y="114"/>
+                  <a:pt x="34" y="114"/>
+                </a:cubicBezTo>
+                <a:cubicBezTo>
+                  <a:pt x="86" y="114"/>
+                  <a:pt x="86" y="114"/>
+                  <a:pt x="86" y="114"/>
+                </a:cubicBezTo>
+                <a:cubicBezTo>
+                  <a:pt x="157" y="114"/>
+                  <a:pt x="157" y="114"/>
+                  <a:pt x="157" y="114"/>
+                </a:cubicBezTo>
+                <a:cubicBezTo>
+                  <a:pt x="189" y="114"/>
+                  <a:pt x="214" y="89"/>
+                  <a:pt x="214" y="57"/>
+                </a:cubicBezTo>
+                <a:cubicBezTo>
+                  <a:pt x="214" y="25"/>
+                  <a:pt x="189" y="0"/>
+                  <a:pt x="157" y="0"/>
+                </a:cubicBezTo>
+                <a:close/>
+              </a:path>
+            </a:pathLst>
+          </a:custGeom>
+          <a:solidFill>
+            <a:srgbClr val="00AEEF">
+              <a:alpha val="70000"/>
+            </a:srgbClr>
+          </a:solidFill>
+          <a:ln>
+            <a:noFill/>
+            <a:headEnd type="none" w="med" len="med"/>
+            <a:tailEnd type="none" w="med" len="med"/>
+          </a:ln>
+          <a:effectLst/>
+        </p:spPr>
+        <p:style>
+          <a:lnRef idx="1">
+            <a:schemeClr val="accent2"/>
+          </a:lnRef>
+          <a:fillRef idx="3">
+            <a:schemeClr val="accent2"/>
+          </a:fillRef>
+          <a:effectRef idx="2">
+            <a:schemeClr val="accent2"/>
+          </a:effectRef>
+          <a:fontRef idx="minor">
+            <a:schemeClr val="lt1"/>
+          </a:fontRef>
+        </p:style>
+        <p:txBody>
+          <a:bodyPr vert="horz" wrap="square" lIns="91404" tIns="45703" rIns="91404" bIns="45703" numCol="1" spcCol="0" rtlCol="0" anchor="ctr" anchorCtr="0" compatLnSpc="1">
+            <a:prstTxWarp prst="textNoShape">
+              <a:avLst/>
+            </a:prstTxWarp>
+          </a:bodyPr>
+          <a:lstStyle/>
+          <a:p>
+            <a:pPr algn="ctr" defTabSz="913788" fontAlgn="base">
+              <a:spcBef>
+                <a:spcPct val="0"/>
+              </a:spcBef>
+              <a:spcAft>
+                <a:spcPct val="0"/>
+              </a:spcAft>
+            </a:pPr>
+            <a:endParaRPr lang="en-US" dirty="0">
+              <a:gradFill>
+                <a:gsLst>
+                  <a:gs pos="0">
+                    <a:srgbClr val="FFFFFF"/>
+                  </a:gs>
+                  <a:gs pos="100000">
+                    <a:srgbClr val="FFFFFF"/>
+                  </a:gs>
+                </a:gsLst>
+                <a:lin ang="5400000" scaled="0"/>
+              </a:gradFill>
+              <a:latin typeface="Segoe UI Light" panose="020B0502040204020203" pitchFamily="34" charset="0"/>
+              <a:cs typeface="Segoe UI Light" panose="020B0502040204020203" pitchFamily="34" charset="0"/>
+            </a:endParaRPr>
+          </a:p>
+        </p:txBody>
+      </p:sp>
+      <p:sp>
+        <p:nvSpPr>
+          <p:cNvPr id="27" name="Textfeld 26"/>
+          <p:cNvSpPr txBox="1"/>
+          <p:nvPr/>
+        </p:nvSpPr>
+        <p:spPr>
+          <a:xfrm>
+            <a:off x="6285412" y="561942"/>
+            <a:ext cx="1933734" cy="646331"/>
+          </a:xfrm>
+          <a:prstGeom prst="rect">
+            <a:avLst/>
+          </a:prstGeom>
+          <a:noFill/>
+        </p:spPr>
+        <p:txBody>
+          <a:bodyPr wrap="none" rtlCol="0">
+            <a:spAutoFit/>
+          </a:bodyPr>
+          <a:lstStyle/>
+          <a:p>
+            <a:r>
+              <a:rPr lang="de-CH" dirty="0" smtClean="0">
+                <a:solidFill>
+                  <a:srgbClr val="344456"/>
+                </a:solidFill>
+                <a:latin typeface="Segoe UI Light" panose="020B0502040204020203" pitchFamily="34" charset="0"/>
+                <a:cs typeface="Segoe UI Light" panose="020B0502040204020203" pitchFamily="34" charset="0"/>
+              </a:rPr>
+              <a:t>Azure </a:t>
+            </a:r>
+            <a:r>
+              <a:rPr lang="de-CH" dirty="0" smtClean="0">
+                <a:solidFill>
+                  <a:srgbClr val="344456"/>
+                </a:solidFill>
+                <a:latin typeface="Segoe UI Light" panose="020B0502040204020203" pitchFamily="34" charset="0"/>
+                <a:cs typeface="Segoe UI Light" panose="020B0502040204020203" pitchFamily="34" charset="0"/>
+              </a:rPr>
+              <a:t>Datacenter </a:t>
+            </a:r>
+          </a:p>
+          <a:p>
+            <a:r>
+              <a:rPr lang="de-CH" dirty="0" smtClean="0">
+                <a:solidFill>
+                  <a:srgbClr val="344456"/>
+                </a:solidFill>
+                <a:latin typeface="Segoe UI Light" panose="020B0502040204020203" pitchFamily="34" charset="0"/>
+                <a:cs typeface="Segoe UI Light" panose="020B0502040204020203" pitchFamily="34" charset="0"/>
+              </a:rPr>
+              <a:t>North Europe</a:t>
+            </a:r>
+            <a:endParaRPr lang="de-CH" dirty="0">
+              <a:solidFill>
+                <a:srgbClr val="344456"/>
+              </a:solidFill>
+              <a:latin typeface="Segoe UI Light" panose="020B0502040204020203" pitchFamily="34" charset="0"/>
+              <a:cs typeface="Segoe UI Light" panose="020B0502040204020203" pitchFamily="34" charset="0"/>
+            </a:endParaRPr>
+          </a:p>
+        </p:txBody>
+      </p:sp>
+      <p:pic>
+        <p:nvPicPr>
+          <p:cNvPr id="28" name="Grafik 27"/>
+          <p:cNvPicPr>
+            <a:picLocks noChangeAspect="1"/>
+          </p:cNvPicPr>
+          <p:nvPr/>
+        </p:nvPicPr>
+        <p:blipFill>
+          <a:blip r:embed="rId2"/>
+          <a:stretch>
+            <a:fillRect/>
+          </a:stretch>
+        </p:blipFill>
+        <p:spPr>
+          <a:xfrm>
+            <a:off x="7556718" y="1045687"/>
+            <a:ext cx="729521" cy="990606"/>
+          </a:xfrm>
+          <a:prstGeom prst="rect">
+            <a:avLst/>
+          </a:prstGeom>
+        </p:spPr>
+      </p:pic>
+      <p:sp>
+        <p:nvSpPr>
+          <p:cNvPr id="29" name="Textfeld 28"/>
+          <p:cNvSpPr txBox="1"/>
+          <p:nvPr/>
+        </p:nvSpPr>
+        <p:spPr>
+          <a:xfrm>
+            <a:off x="7335891" y="2073089"/>
+            <a:ext cx="811119" cy="369332"/>
+          </a:xfrm>
+          <a:prstGeom prst="rect">
+            <a:avLst/>
+          </a:prstGeom>
+          <a:noFill/>
+        </p:spPr>
+        <p:txBody>
+          <a:bodyPr wrap="none" rtlCol="0">
+            <a:spAutoFit/>
+          </a:bodyPr>
+          <a:lstStyle/>
+          <a:p>
+            <a:r>
+              <a:rPr lang="de-CH" dirty="0" smtClean="0">
+                <a:solidFill>
+                  <a:srgbClr val="606060"/>
+                </a:solidFill>
+                <a:latin typeface="Segoe UI Light" panose="020B0502040204020203" pitchFamily="34" charset="0"/>
+                <a:cs typeface="Segoe UI Light" panose="020B0502040204020203" pitchFamily="34" charset="0"/>
+              </a:rPr>
+              <a:t>Web 2</a:t>
+            </a:r>
+            <a:endParaRPr lang="de-CH" dirty="0">
+              <a:solidFill>
+                <a:srgbClr val="606060"/>
+              </a:solidFill>
+              <a:latin typeface="Segoe UI Light" panose="020B0502040204020203" pitchFamily="34" charset="0"/>
+              <a:cs typeface="Segoe UI Light" panose="020B0502040204020203" pitchFamily="34" charset="0"/>
+            </a:endParaRPr>
+          </a:p>
+        </p:txBody>
+      </p:sp>
+      <p:cxnSp>
+        <p:nvCxnSpPr>
+          <p:cNvPr id="34" name="Gerade Verbindung mit Pfeil 33"/>
+          <p:cNvCxnSpPr>
+            <a:stCxn id="28" idx="1"/>
+            <a:endCxn id="19" idx="0"/>
+          </p:cNvCxnSpPr>
+          <p:nvPr/>
+        </p:nvCxnSpPr>
+        <p:spPr>
+          <a:xfrm flipH="1">
+            <a:off x="5492988" y="1540990"/>
+            <a:ext cx="2063730" cy="2198082"/>
+          </a:xfrm>
+          <a:prstGeom prst="straightConnector1">
+            <a:avLst/>
+          </a:prstGeom>
+          <a:ln w="31750">
+            <a:solidFill>
+              <a:schemeClr val="accent2"/>
+            </a:solidFill>
+            <a:headEnd type="triangle"/>
+            <a:tailEnd type="triangle"/>
+          </a:ln>
+        </p:spPr>
+        <p:style>
+          <a:lnRef idx="1">
+            <a:schemeClr val="accent1"/>
+          </a:lnRef>
+          <a:fillRef idx="0">
+            <a:schemeClr val="accent1"/>
+          </a:fillRef>
+          <a:effectRef idx="0">
+            <a:schemeClr val="accent1"/>
+          </a:effectRef>
+          <a:fontRef idx="minor">
+            <a:schemeClr val="tx1"/>
+          </a:fontRef>
+        </p:style>
+      </p:cxnSp>
+      <p:pic>
+        <p:nvPicPr>
+          <p:cNvPr id="35" name="Grafik 34"/>
+          <p:cNvPicPr>
+            <a:picLocks noChangeAspect="1"/>
+          </p:cNvPicPr>
+          <p:nvPr/>
+        </p:nvPicPr>
+        <p:blipFill>
+          <a:blip r:embed="rId3"/>
+          <a:stretch>
+            <a:fillRect/>
+          </a:stretch>
+        </p:blipFill>
+        <p:spPr>
+          <a:xfrm>
+            <a:off x="2227294" y="3499391"/>
+            <a:ext cx="855758" cy="1116152"/>
+          </a:xfrm>
+          <a:prstGeom prst="rect">
+            <a:avLst/>
+          </a:prstGeom>
+        </p:spPr>
+      </p:pic>
+      <p:sp>
+        <p:nvSpPr>
+          <p:cNvPr id="36" name="Textfeld 35"/>
+          <p:cNvSpPr txBox="1"/>
+          <p:nvPr/>
+        </p:nvSpPr>
+        <p:spPr>
+          <a:xfrm>
+            <a:off x="2164809" y="4615543"/>
+            <a:ext cx="732893" cy="369332"/>
+          </a:xfrm>
+          <a:prstGeom prst="rect">
+            <a:avLst/>
+          </a:prstGeom>
+          <a:noFill/>
+        </p:spPr>
+        <p:txBody>
+          <a:bodyPr wrap="none" rtlCol="0">
+            <a:spAutoFit/>
+          </a:bodyPr>
+          <a:lstStyle/>
+          <a:p>
+            <a:r>
+              <a:rPr lang="de-CH" dirty="0" smtClean="0">
+                <a:solidFill>
+                  <a:srgbClr val="606060"/>
+                </a:solidFill>
+                <a:latin typeface="Segoe UI Light" panose="020B0502040204020203" pitchFamily="34" charset="0"/>
+                <a:cs typeface="Segoe UI Light" panose="020B0502040204020203" pitchFamily="34" charset="0"/>
+              </a:rPr>
+              <a:t>Client</a:t>
+            </a:r>
+            <a:endParaRPr lang="de-CH" dirty="0">
+              <a:solidFill>
+                <a:srgbClr val="606060"/>
+              </a:solidFill>
+              <a:latin typeface="Segoe UI Light" panose="020B0502040204020203" pitchFamily="34" charset="0"/>
+              <a:cs typeface="Segoe UI Light" panose="020B0502040204020203" pitchFamily="34" charset="0"/>
+            </a:endParaRPr>
+          </a:p>
+        </p:txBody>
+      </p:sp>
+      <p:cxnSp>
+        <p:nvCxnSpPr>
+          <p:cNvPr id="37" name="Gerade Verbindung mit Pfeil 36"/>
+          <p:cNvCxnSpPr>
+            <a:stCxn id="35" idx="3"/>
+            <a:endCxn id="19" idx="1"/>
+          </p:cNvCxnSpPr>
+          <p:nvPr/>
+        </p:nvCxnSpPr>
+        <p:spPr>
+          <a:xfrm flipV="1">
+            <a:off x="3083052" y="4042528"/>
+            <a:ext cx="2087422" cy="14939"/>
+          </a:xfrm>
+          <a:prstGeom prst="straightConnector1">
+            <a:avLst/>
+          </a:prstGeom>
+          <a:ln w="31750">
+            <a:solidFill>
+              <a:schemeClr val="accent2"/>
+            </a:solidFill>
+            <a:headEnd type="triangle"/>
+            <a:tailEnd type="triangle"/>
+          </a:ln>
+        </p:spPr>
+        <p:style>
+          <a:lnRef idx="1">
+            <a:schemeClr val="accent1"/>
+          </a:lnRef>
+          <a:fillRef idx="0">
+            <a:schemeClr val="accent1"/>
+          </a:fillRef>
+          <a:effectRef idx="0">
+            <a:schemeClr val="accent1"/>
+          </a:effectRef>
+          <a:fontRef idx="minor">
+            <a:schemeClr val="tx1"/>
+          </a:fontRef>
+        </p:style>
+      </p:cxnSp>
+      <p:pic>
+        <p:nvPicPr>
+          <p:cNvPr id="44" name="Grafik 43"/>
+          <p:cNvPicPr>
+            <a:picLocks noChangeAspect="1"/>
+          </p:cNvPicPr>
+          <p:nvPr/>
+        </p:nvPicPr>
+        <p:blipFill>
+          <a:blip r:embed="rId3"/>
+          <a:stretch>
+            <a:fillRect/>
+          </a:stretch>
+        </p:blipFill>
+        <p:spPr>
+          <a:xfrm>
+            <a:off x="7879232" y="3499391"/>
+            <a:ext cx="855758" cy="1116152"/>
+          </a:xfrm>
+          <a:prstGeom prst="rect">
+            <a:avLst/>
+          </a:prstGeom>
+        </p:spPr>
+      </p:pic>
+      <p:sp>
+        <p:nvSpPr>
+          <p:cNvPr id="45" name="Textfeld 44"/>
+          <p:cNvSpPr txBox="1"/>
+          <p:nvPr/>
+        </p:nvSpPr>
+        <p:spPr>
+          <a:xfrm>
+            <a:off x="7816747" y="4615543"/>
+            <a:ext cx="732893" cy="369332"/>
+          </a:xfrm>
+          <a:prstGeom prst="rect">
+            <a:avLst/>
+          </a:prstGeom>
+          <a:noFill/>
+        </p:spPr>
+        <p:txBody>
+          <a:bodyPr wrap="none" rtlCol="0">
+            <a:spAutoFit/>
+          </a:bodyPr>
+          <a:lstStyle/>
+          <a:p>
+            <a:r>
+              <a:rPr lang="de-CH" dirty="0" smtClean="0">
+                <a:solidFill>
+                  <a:srgbClr val="606060"/>
+                </a:solidFill>
+                <a:latin typeface="Segoe UI Light" panose="020B0502040204020203" pitchFamily="34" charset="0"/>
+                <a:cs typeface="Segoe UI Light" panose="020B0502040204020203" pitchFamily="34" charset="0"/>
+              </a:rPr>
+              <a:t>Client</a:t>
+            </a:r>
+            <a:endParaRPr lang="de-CH" dirty="0">
+              <a:solidFill>
+                <a:srgbClr val="606060"/>
+              </a:solidFill>
+              <a:latin typeface="Segoe UI Light" panose="020B0502040204020203" pitchFamily="34" charset="0"/>
+              <a:cs typeface="Segoe UI Light" panose="020B0502040204020203" pitchFamily="34" charset="0"/>
+            </a:endParaRPr>
+          </a:p>
+        </p:txBody>
+      </p:sp>
+      <p:cxnSp>
+        <p:nvCxnSpPr>
+          <p:cNvPr id="46" name="Gerade Verbindung mit Pfeil 45"/>
+          <p:cNvCxnSpPr>
+            <a:stCxn id="44" idx="1"/>
+            <a:endCxn id="19" idx="3"/>
+          </p:cNvCxnSpPr>
+          <p:nvPr/>
+        </p:nvCxnSpPr>
+        <p:spPr>
+          <a:xfrm flipH="1" flipV="1">
+            <a:off x="5815501" y="4042528"/>
+            <a:ext cx="2063731" cy="14939"/>
+          </a:xfrm>
+          <a:prstGeom prst="straightConnector1">
+            <a:avLst/>
+          </a:prstGeom>
+          <a:ln w="31750">
+            <a:solidFill>
+              <a:schemeClr val="accent2"/>
+            </a:solidFill>
+            <a:headEnd type="triangle"/>
+            <a:tailEnd type="triangle"/>
+          </a:ln>
+        </p:spPr>
+        <p:style>
+          <a:lnRef idx="1">
+            <a:schemeClr val="accent1"/>
+          </a:lnRef>
+          <a:fillRef idx="0">
+            <a:schemeClr val="accent1"/>
+          </a:fillRef>
+          <a:effectRef idx="0">
+            <a:schemeClr val="accent1"/>
+          </a:effectRef>
+          <a:fontRef idx="minor">
+            <a:schemeClr val="tx1"/>
+          </a:fontRef>
+        </p:style>
+      </p:cxnSp>
+    </p:spTree>
+    <p:extLst>
+      <p:ext uri="{BB962C8B-B14F-4D97-AF65-F5344CB8AC3E}">
+        <p14:creationId xmlns:p14="http://schemas.microsoft.com/office/powerpoint/2010/main" val="1376650285"/>
       </p:ext>
     </p:extLst>
   </p:cSld>

--- a/labs/Graphics.pptx
+++ b/labs/Graphics.pptx
@@ -9,10 +9,11 @@
     <p:sldId id="262" r:id="rId3"/>
     <p:sldId id="258" r:id="rId4"/>
     <p:sldId id="260" r:id="rId5"/>
-    <p:sldId id="263" r:id="rId6"/>
-    <p:sldId id="259" r:id="rId7"/>
-    <p:sldId id="264" r:id="rId8"/>
-    <p:sldId id="265" r:id="rId9"/>
+    <p:sldId id="266" r:id="rId6"/>
+    <p:sldId id="263" r:id="rId7"/>
+    <p:sldId id="259" r:id="rId8"/>
+    <p:sldId id="264" r:id="rId9"/>
+    <p:sldId id="265" r:id="rId10"/>
   </p:sldIdLst>
   <p:sldSz cx="12192000" cy="6858000"/>
   <p:notesSz cx="6858000" cy="9144000"/>
@@ -250,7 +251,7 @@
           <a:p>
             <a:fld id="{6CA414E0-53BB-4011-8980-BAAB07B3D5D9}" type="datetimeFigureOut">
               <a:rPr lang="de-CH" smtClean="0"/>
-              <a:t>19.08.2014</a:t>
+              <a:t>20.08.2014</a:t>
             </a:fld>
             <a:endParaRPr lang="de-CH"/>
           </a:p>
@@ -420,7 +421,7 @@
           <a:p>
             <a:fld id="{6CA414E0-53BB-4011-8980-BAAB07B3D5D9}" type="datetimeFigureOut">
               <a:rPr lang="de-CH" smtClean="0"/>
-              <a:t>19.08.2014</a:t>
+              <a:t>20.08.2014</a:t>
             </a:fld>
             <a:endParaRPr lang="de-CH"/>
           </a:p>
@@ -600,7 +601,7 @@
           <a:p>
             <a:fld id="{6CA414E0-53BB-4011-8980-BAAB07B3D5D9}" type="datetimeFigureOut">
               <a:rPr lang="de-CH" smtClean="0"/>
-              <a:t>19.08.2014</a:t>
+              <a:t>20.08.2014</a:t>
             </a:fld>
             <a:endParaRPr lang="de-CH"/>
           </a:p>
@@ -770,7 +771,7 @@
           <a:p>
             <a:fld id="{6CA414E0-53BB-4011-8980-BAAB07B3D5D9}" type="datetimeFigureOut">
               <a:rPr lang="de-CH" smtClean="0"/>
-              <a:t>19.08.2014</a:t>
+              <a:t>20.08.2014</a:t>
             </a:fld>
             <a:endParaRPr lang="de-CH"/>
           </a:p>
@@ -1016,7 +1017,7 @@
           <a:p>
             <a:fld id="{6CA414E0-53BB-4011-8980-BAAB07B3D5D9}" type="datetimeFigureOut">
               <a:rPr lang="de-CH" smtClean="0"/>
-              <a:t>19.08.2014</a:t>
+              <a:t>20.08.2014</a:t>
             </a:fld>
             <a:endParaRPr lang="de-CH"/>
           </a:p>
@@ -1248,7 +1249,7 @@
           <a:p>
             <a:fld id="{6CA414E0-53BB-4011-8980-BAAB07B3D5D9}" type="datetimeFigureOut">
               <a:rPr lang="de-CH" smtClean="0"/>
-              <a:t>19.08.2014</a:t>
+              <a:t>20.08.2014</a:t>
             </a:fld>
             <a:endParaRPr lang="de-CH"/>
           </a:p>
@@ -1615,7 +1616,7 @@
           <a:p>
             <a:fld id="{6CA414E0-53BB-4011-8980-BAAB07B3D5D9}" type="datetimeFigureOut">
               <a:rPr lang="de-CH" smtClean="0"/>
-              <a:t>19.08.2014</a:t>
+              <a:t>20.08.2014</a:t>
             </a:fld>
             <a:endParaRPr lang="de-CH"/>
           </a:p>
@@ -1733,7 +1734,7 @@
           <a:p>
             <a:fld id="{6CA414E0-53BB-4011-8980-BAAB07B3D5D9}" type="datetimeFigureOut">
               <a:rPr lang="de-CH" smtClean="0"/>
-              <a:t>19.08.2014</a:t>
+              <a:t>20.08.2014</a:t>
             </a:fld>
             <a:endParaRPr lang="de-CH"/>
           </a:p>
@@ -1828,7 +1829,7 @@
           <a:p>
             <a:fld id="{6CA414E0-53BB-4011-8980-BAAB07B3D5D9}" type="datetimeFigureOut">
               <a:rPr lang="de-CH" smtClean="0"/>
-              <a:t>19.08.2014</a:t>
+              <a:t>20.08.2014</a:t>
             </a:fld>
             <a:endParaRPr lang="de-CH"/>
           </a:p>
@@ -2105,7 +2106,7 @@
           <a:p>
             <a:fld id="{6CA414E0-53BB-4011-8980-BAAB07B3D5D9}" type="datetimeFigureOut">
               <a:rPr lang="de-CH" smtClean="0"/>
-              <a:t>19.08.2014</a:t>
+              <a:t>20.08.2014</a:t>
             </a:fld>
             <a:endParaRPr lang="de-CH"/>
           </a:p>
@@ -2358,7 +2359,7 @@
           <a:p>
             <a:fld id="{6CA414E0-53BB-4011-8980-BAAB07B3D5D9}" type="datetimeFigureOut">
               <a:rPr lang="de-CH" smtClean="0"/>
-              <a:t>19.08.2014</a:t>
+              <a:t>20.08.2014</a:t>
             </a:fld>
             <a:endParaRPr lang="de-CH"/>
           </a:p>
@@ -2571,7 +2572,7 @@
           <a:p>
             <a:fld id="{6CA414E0-53BB-4011-8980-BAAB07B3D5D9}" type="datetimeFigureOut">
               <a:rPr lang="de-CH" smtClean="0"/>
-              <a:t>19.08.2014</a:t>
+              <a:t>20.08.2014</a:t>
             </a:fld>
             <a:endParaRPr lang="de-CH"/>
           </a:p>
@@ -7621,13 +7622,16 @@
       <p:cxnSp>
         <p:nvCxnSpPr>
           <p:cNvPr id="25" name="Gerade Verbindung mit Pfeil 24"/>
-          <p:cNvCxnSpPr/>
+          <p:cNvCxnSpPr>
+            <a:stCxn id="32" idx="3"/>
+            <a:endCxn id="21" idx="1"/>
+          </p:cNvCxnSpPr>
           <p:nvPr/>
         </p:nvCxnSpPr>
         <p:spPr>
           <a:xfrm flipV="1">
-            <a:off x="2242353" y="4811428"/>
-            <a:ext cx="3934726" cy="471996"/>
+            <a:off x="4764861" y="4549399"/>
+            <a:ext cx="1484780" cy="29610"/>
           </a:xfrm>
           <a:prstGeom prst="straightConnector1">
             <a:avLst/>
@@ -7637,7 +7641,7 @@
               <a:schemeClr val="accent2"/>
             </a:solidFill>
             <a:headEnd type="triangle"/>
-            <a:tailEnd type="none"/>
+            <a:tailEnd type="triangle"/>
           </a:ln>
         </p:spPr>
         <p:style>
@@ -7706,7 +7710,7 @@
         <p:spPr>
           <a:xfrm>
             <a:off x="3200189" y="5163934"/>
-            <a:ext cx="1645002" cy="523220"/>
+            <a:ext cx="2190023" cy="954107"/>
           </a:xfrm>
           <a:prstGeom prst="rect">
             <a:avLst/>
@@ -7735,7 +7739,16 @@
                 <a:latin typeface="Segoe UI Light" panose="020B0502040204020203" pitchFamily="34" charset="0"/>
                 <a:cs typeface="Segoe UI Light" panose="020B0502040204020203" pitchFamily="34" charset="0"/>
               </a:rPr>
-              <a:t>SAS-URLs</a:t>
+              <a:t>Azure API </a:t>
+            </a:r>
+          </a:p>
+          <a:p>
+            <a:r>
+              <a:rPr lang="de-CH" sz="2800" dirty="0" smtClean="0">
+                <a:latin typeface="Segoe UI Light" panose="020B0502040204020203" pitchFamily="34" charset="0"/>
+                <a:cs typeface="Segoe UI Light" panose="020B0502040204020203" pitchFamily="34" charset="0"/>
+              </a:rPr>
+              <a:t>Management</a:t>
             </a:r>
             <a:endParaRPr lang="de-CH" sz="2800" dirty="0">
               <a:latin typeface="Segoe UI Light" panose="020B0502040204020203" pitchFamily="34" charset="0"/>
@@ -7747,13 +7760,15 @@
       <p:cxnSp>
         <p:nvCxnSpPr>
           <p:cNvPr id="31" name="Gerade Verbindung mit Pfeil 30"/>
-          <p:cNvCxnSpPr/>
+          <p:cNvCxnSpPr>
+            <a:endCxn id="32" idx="1"/>
+          </p:cNvCxnSpPr>
           <p:nvPr/>
         </p:nvCxnSpPr>
         <p:spPr>
           <a:xfrm flipV="1">
-            <a:off x="2242352" y="4519630"/>
-            <a:ext cx="3934727" cy="468670"/>
+            <a:off x="2027386" y="4579009"/>
+            <a:ext cx="1743640" cy="234711"/>
           </a:xfrm>
           <a:prstGeom prst="straightConnector1">
             <a:avLst/>
@@ -7762,7 +7777,7 @@
             <a:solidFill>
               <a:schemeClr val="accent2"/>
             </a:solidFill>
-            <a:headEnd type="none"/>
+            <a:headEnd type="triangle"/>
             <a:tailEnd type="triangle"/>
           </a:ln>
         </p:spPr>
@@ -7789,7 +7804,7 @@
         </p:nvSpPr>
         <p:spPr>
           <a:xfrm>
-            <a:off x="8916587" y="5518023"/>
+            <a:off x="8791006" y="4262888"/>
             <a:ext cx="599311" cy="628470"/>
           </a:xfrm>
           <a:prstGeom prst="can">
@@ -7832,7 +7847,7 @@
         </p:nvSpPr>
         <p:spPr>
           <a:xfrm>
-            <a:off x="8565440" y="6155967"/>
+            <a:off x="8452470" y="5085960"/>
             <a:ext cx="1334020" cy="523220"/>
           </a:xfrm>
           <a:prstGeom prst="rect">
@@ -7869,15 +7884,13 @@
       <p:cxnSp>
         <p:nvCxnSpPr>
           <p:cNvPr id="39" name="Gerade Verbindung mit Pfeil 38"/>
-          <p:cNvCxnSpPr>
-            <a:endCxn id="6" idx="2"/>
-          </p:cNvCxnSpPr>
+          <p:cNvCxnSpPr/>
           <p:nvPr/>
         </p:nvCxnSpPr>
         <p:spPr>
-          <a:xfrm>
-            <a:off x="7063668" y="4650988"/>
-            <a:ext cx="1852919" cy="1181270"/>
+          <a:xfrm flipV="1">
+            <a:off x="7089119" y="4539456"/>
+            <a:ext cx="1553263" cy="4236"/>
           </a:xfrm>
           <a:prstGeom prst="straightConnector1">
             <a:avLst/>
@@ -7905,57 +7918,71 @@
           </a:fontRef>
         </p:style>
       </p:cxnSp>
-      <p:sp>
-        <p:nvSpPr>
-          <p:cNvPr id="32" name="Textfeld 31"/>
-          <p:cNvSpPr txBox="1"/>
-          <p:nvPr/>
-        </p:nvSpPr>
-        <p:spPr>
-          <a:xfrm>
-            <a:off x="8056671" y="4958516"/>
-            <a:ext cx="3147015" cy="523220"/>
+      <p:pic>
+        <p:nvPicPr>
+          <p:cNvPr id="32" name="Picture 10"/>
+          <p:cNvPicPr>
+            <a:picLocks noChangeAspect="1"/>
+          </p:cNvPicPr>
+          <p:nvPr/>
+        </p:nvPicPr>
+        <p:blipFill>
+          <a:blip r:embed="rId7">
+            <a:duotone>
+              <a:prstClr val="black"/>
+              <a:schemeClr val="tx2">
+                <a:tint val="45000"/>
+                <a:satMod val="400000"/>
+              </a:schemeClr>
+            </a:duotone>
+            <a:extLst>
+              <a:ext uri="{28A0092B-C50C-407E-A947-70E740481C1C}">
+                <a14:useLocalDpi xmlns:a14="http://schemas.microsoft.com/office/drawing/2010/main" val="0"/>
+              </a:ext>
+            </a:extLst>
+          </a:blip>
+          <a:srcRect/>
+          <a:stretch>
+            <a:fillRect/>
+          </a:stretch>
+        </p:blipFill>
+        <p:spPr bwMode="auto">
+          <a:xfrm>
+            <a:off x="3771026" y="4247390"/>
+            <a:ext cx="993835" cy="663237"/>
           </a:xfrm>
           <a:prstGeom prst="rect">
             <a:avLst/>
           </a:prstGeom>
           <a:noFill/>
-        </p:spPr>
-        <p:txBody>
-          <a:bodyPr wrap="none" rtlCol="0">
-            <a:spAutoFit/>
-          </a:bodyPr>
-          <a:lstStyle>
-            <a:defPPr>
-              <a:defRPr lang="de-DE"/>
-            </a:defPPr>
-            <a:lvl1pPr>
-              <a:defRPr sz="1600">
+          <a:ln>
+            <a:noFill/>
+          </a:ln>
+          <a:extLst>
+            <a:ext uri="{909E8E84-426E-40DD-AFC4-6F175D3DCCD1}">
+              <a14:hiddenFill xmlns:a14="http://schemas.microsoft.com/office/drawing/2010/main">
                 <a:solidFill>
-                  <a:srgbClr val="606060"/>
+                  <a:srgbClr val="FFFFFF"/>
                 </a:solidFill>
-              </a:defRPr>
-            </a:lvl1pPr>
-          </a:lstStyle>
-          <a:p>
-            <a:r>
-              <a:rPr lang="de-CH" sz="2800" dirty="0" smtClean="0">
-                <a:latin typeface="Segoe UI Light" panose="020B0502040204020203" pitchFamily="34" charset="0"/>
-                <a:cs typeface="Segoe UI Light" panose="020B0502040204020203" pitchFamily="34" charset="0"/>
-              </a:rPr>
-              <a:t>Hybrid Connections</a:t>
-            </a:r>
-            <a:endParaRPr lang="de-CH" sz="2800" dirty="0">
-              <a:latin typeface="Segoe UI Light" panose="020B0502040204020203" pitchFamily="34" charset="0"/>
-              <a:cs typeface="Segoe UI Light" panose="020B0502040204020203" pitchFamily="34" charset="0"/>
-            </a:endParaRPr>
-          </a:p>
-        </p:txBody>
-      </p:sp>
+              </a14:hiddenFill>
+            </a:ext>
+            <a:ext uri="{91240B29-F687-4F45-9708-019B960494DF}">
+              <a14:hiddenLine xmlns:a14="http://schemas.microsoft.com/office/drawing/2010/main" w="9525">
+                <a:solidFill>
+                  <a:srgbClr val="000000"/>
+                </a:solidFill>
+                <a:miter lim="800000"/>
+                <a:headEnd/>
+                <a:tailEnd/>
+              </a14:hiddenLine>
+            </a:ext>
+          </a:extLst>
+        </p:spPr>
+      </p:pic>
     </p:spTree>
     <p:extLst>
       <p:ext uri="{BB962C8B-B14F-4D97-AF65-F5344CB8AC3E}">
-        <p14:creationId xmlns:p14="http://schemas.microsoft.com/office/powerpoint/2010/main" val="2445772738"/>
+        <p14:creationId xmlns:p14="http://schemas.microsoft.com/office/powerpoint/2010/main" val="2606303716"/>
       </p:ext>
     </p:extLst>
   </p:cSld>
@@ -7991,7 +8018,7 @@
       </p:grpSpPr>
       <p:sp>
         <p:nvSpPr>
-          <p:cNvPr id="2" name="Freeform 7"/>
+          <p:cNvPr id="22" name="Freeform 7"/>
           <p:cNvSpPr>
             <a:spLocks/>
           </p:cNvSpPr>
@@ -7999,8 +8026,8 @@
         </p:nvSpPr>
         <p:spPr bwMode="auto">
           <a:xfrm flipH="1">
-            <a:off x="2826598" y="215153"/>
-            <a:ext cx="6401243" cy="3272134"/>
+            <a:off x="2826597" y="215152"/>
+            <a:ext cx="8974877" cy="4814047"/>
           </a:xfrm>
           <a:custGeom>
             <a:avLst/>
@@ -8186,14 +8213,14 @@
       </p:sp>
       <p:cxnSp>
         <p:nvCxnSpPr>
-          <p:cNvPr id="3" name="Gerade Verbindung mit Pfeil 2"/>
+          <p:cNvPr id="23" name="Gerade Verbindung mit Pfeil 22"/>
           <p:cNvCxnSpPr/>
           <p:nvPr/>
         </p:nvCxnSpPr>
         <p:spPr>
           <a:xfrm>
             <a:off x="6380891" y="3102650"/>
-            <a:ext cx="3788167" cy="153452"/>
+            <a:ext cx="3448909" cy="609805"/>
           </a:xfrm>
           <a:prstGeom prst="straightConnector1">
             <a:avLst/>
@@ -8223,7 +8250,7 @@
       </p:cxnSp>
       <p:pic>
         <p:nvPicPr>
-          <p:cNvPr id="4" name="Grafik 3"/>
+          <p:cNvPr id="24" name="Grafik 23"/>
           <p:cNvPicPr>
             <a:picLocks noChangeAspect="1"/>
           </p:cNvPicPr>
@@ -8245,70 +8272,9 @@
           </a:prstGeom>
         </p:spPr>
       </p:pic>
-      <p:pic>
-        <p:nvPicPr>
-          <p:cNvPr id="5" name="Grafik 4"/>
-          <p:cNvPicPr>
-            <a:picLocks noChangeAspect="1"/>
-          </p:cNvPicPr>
-          <p:nvPr/>
-        </p:nvPicPr>
-        <p:blipFill>
-          <a:blip r:embed="rId3"/>
-          <a:stretch>
-            <a:fillRect/>
-          </a:stretch>
-        </p:blipFill>
-        <p:spPr>
-          <a:xfrm>
-            <a:off x="10058099" y="4174059"/>
-            <a:ext cx="1310847" cy="1779980"/>
-          </a:xfrm>
-          <a:prstGeom prst="rect">
-            <a:avLst/>
-          </a:prstGeom>
-        </p:spPr>
-      </p:pic>
-      <p:cxnSp>
-        <p:nvCxnSpPr>
-          <p:cNvPr id="6" name="Gerade Verbindung mit Pfeil 5"/>
-          <p:cNvCxnSpPr/>
-          <p:nvPr/>
-        </p:nvCxnSpPr>
-        <p:spPr>
-          <a:xfrm>
-            <a:off x="2242353" y="5283424"/>
-            <a:ext cx="7036809" cy="0"/>
-          </a:xfrm>
-          <a:prstGeom prst="straightConnector1">
-            <a:avLst/>
-          </a:prstGeom>
-          <a:ln w="31750">
-            <a:solidFill>
-              <a:schemeClr val="accent2"/>
-            </a:solidFill>
-            <a:headEnd type="triangle"/>
-            <a:tailEnd type="none"/>
-          </a:ln>
-        </p:spPr>
-        <p:style>
-          <a:lnRef idx="1">
-            <a:schemeClr val="accent1"/>
-          </a:lnRef>
-          <a:fillRef idx="0">
-            <a:schemeClr val="accent1"/>
-          </a:fillRef>
-          <a:effectRef idx="0">
-            <a:schemeClr val="accent1"/>
-          </a:effectRef>
-          <a:fontRef idx="minor">
-            <a:schemeClr val="tx1"/>
-          </a:fontRef>
-        </p:style>
-      </p:cxnSp>
       <p:sp>
         <p:nvSpPr>
-          <p:cNvPr id="7" name="Textfeld 6"/>
+          <p:cNvPr id="27" name="Textfeld 26"/>
           <p:cNvSpPr txBox="1"/>
           <p:nvPr/>
         </p:nvSpPr>
@@ -8348,51 +8314,9 @@
           </a:p>
         </p:txBody>
       </p:sp>
-      <p:sp>
-        <p:nvSpPr>
-          <p:cNvPr id="8" name="Textfeld 7"/>
-          <p:cNvSpPr txBox="1"/>
-          <p:nvPr/>
-        </p:nvSpPr>
-        <p:spPr>
-          <a:xfrm>
-            <a:off x="9977034" y="6107599"/>
-            <a:ext cx="1147558" cy="523219"/>
-          </a:xfrm>
-          <a:prstGeom prst="rect">
-            <a:avLst/>
-          </a:prstGeom>
-          <a:noFill/>
-        </p:spPr>
-        <p:txBody>
-          <a:bodyPr wrap="none" rtlCol="0">
-            <a:spAutoFit/>
-          </a:bodyPr>
-          <a:lstStyle/>
-          <a:p>
-            <a:r>
-              <a:rPr lang="de-CH" sz="2800" dirty="0" smtClean="0">
-                <a:solidFill>
-                  <a:srgbClr val="606060"/>
-                </a:solidFill>
-                <a:latin typeface="Segoe UI Light" panose="020B0502040204020203" pitchFamily="34" charset="0"/>
-                <a:cs typeface="Segoe UI Light" panose="020B0502040204020203" pitchFamily="34" charset="0"/>
-              </a:rPr>
-              <a:t>Server</a:t>
-            </a:r>
-            <a:endParaRPr lang="de-CH" sz="2800" dirty="0">
-              <a:solidFill>
-                <a:srgbClr val="606060"/>
-              </a:solidFill>
-              <a:latin typeface="Segoe UI Light" panose="020B0502040204020203" pitchFamily="34" charset="0"/>
-              <a:cs typeface="Segoe UI Light" panose="020B0502040204020203" pitchFamily="34" charset="0"/>
-            </a:endParaRPr>
-          </a:p>
-        </p:txBody>
-      </p:sp>
       <p:cxnSp>
         <p:nvCxnSpPr>
-          <p:cNvPr id="9" name="Gerade Verbindung mit Pfeil 8"/>
+          <p:cNvPr id="29" name="Gerade Verbindung mit Pfeil 28"/>
           <p:cNvCxnSpPr/>
           <p:nvPr/>
         </p:nvCxnSpPr>
@@ -8429,94 +8353,14 @@
       </p:cxnSp>
       <p:cxnSp>
         <p:nvCxnSpPr>
-          <p:cNvPr id="10" name="Gerade Verbindung mit Pfeil 9"/>
+          <p:cNvPr id="30" name="Gerade Verbindung mit Pfeil 29"/>
           <p:cNvCxnSpPr/>
           <p:nvPr/>
         </p:nvCxnSpPr>
         <p:spPr>
           <a:xfrm flipV="1">
-            <a:off x="6380891" y="2716106"/>
-            <a:ext cx="3248172" cy="386545"/>
-          </a:xfrm>
-          <a:prstGeom prst="straightConnector1">
-            <a:avLst/>
-          </a:prstGeom>
-          <a:ln w="31750">
-            <a:solidFill>
-              <a:schemeClr val="accent2"/>
-            </a:solidFill>
-            <a:headEnd type="none"/>
-            <a:tailEnd type="triangle"/>
-          </a:ln>
-        </p:spPr>
-        <p:style>
-          <a:lnRef idx="1">
-            <a:schemeClr val="accent1"/>
-          </a:lnRef>
-          <a:fillRef idx="0">
-            <a:schemeClr val="accent1"/>
-          </a:fillRef>
-          <a:effectRef idx="0">
-            <a:schemeClr val="accent1"/>
-          </a:effectRef>
-          <a:fontRef idx="minor">
-            <a:schemeClr val="tx1"/>
-          </a:fontRef>
-        </p:style>
-      </p:cxnSp>
-      <p:sp>
-        <p:nvSpPr>
-          <p:cNvPr id="11" name="Textfeld 10"/>
-          <p:cNvSpPr txBox="1"/>
-          <p:nvPr/>
-        </p:nvSpPr>
-        <p:spPr>
-          <a:xfrm>
-            <a:off x="4902868" y="5283424"/>
-            <a:ext cx="1505541" cy="523219"/>
-          </a:xfrm>
-          <a:prstGeom prst="rect">
-            <a:avLst/>
-          </a:prstGeom>
-          <a:noFill/>
-        </p:spPr>
-        <p:txBody>
-          <a:bodyPr wrap="none" rtlCol="0">
-            <a:spAutoFit/>
-          </a:bodyPr>
-          <a:lstStyle>
-            <a:defPPr>
-              <a:defRPr lang="de-DE"/>
-            </a:defPPr>
-            <a:lvl1pPr>
-              <a:defRPr sz="1600">
-                <a:solidFill>
-                  <a:srgbClr val="606060"/>
-                </a:solidFill>
-              </a:defRPr>
-            </a:lvl1pPr>
-          </a:lstStyle>
-          <a:p>
-            <a:r>
-              <a:rPr lang="de-CH" sz="2800" dirty="0">
-                <a:latin typeface="Segoe UI Light" panose="020B0502040204020203" pitchFamily="34" charset="0"/>
-                <a:cs typeface="Segoe UI Light" panose="020B0502040204020203" pitchFamily="34" charset="0"/>
-              </a:rPr>
-              <a:t>SAS-URL</a:t>
-            </a:r>
-          </a:p>
-        </p:txBody>
-      </p:sp>
-      <p:cxnSp>
-        <p:nvCxnSpPr>
-          <p:cNvPr id="12" name="Gerade Verbindung mit Pfeil 11"/>
-          <p:cNvCxnSpPr/>
-          <p:nvPr/>
-        </p:nvCxnSpPr>
-        <p:spPr>
-          <a:xfrm>
-            <a:off x="2242351" y="5026400"/>
-            <a:ext cx="7036809" cy="0"/>
+            <a:off x="6380891" y="2971293"/>
+            <a:ext cx="2535696" cy="131360"/>
           </a:xfrm>
           <a:prstGeom prst="straightConnector1">
             <a:avLst/>
@@ -8546,14 +8390,14 @@
       </p:cxnSp>
       <p:pic>
         <p:nvPicPr>
-          <p:cNvPr id="13" name="Picture 67"/>
+          <p:cNvPr id="34" name="Picture 67"/>
           <p:cNvPicPr>
             <a:picLocks noChangeAspect="1"/>
           </p:cNvPicPr>
           <p:nvPr/>
         </p:nvPicPr>
         <p:blipFill>
-          <a:blip r:embed="rId4">
+          <a:blip r:embed="rId3">
             <a:extLst>
               <a:ext uri="{28A0092B-C50C-407E-A947-70E740481C1C}">
                 <a14:useLocalDpi xmlns:a14="http://schemas.microsoft.com/office/drawing/2010/main" val="0"/>
@@ -8567,8 +8411,8 @@
         </p:blipFill>
         <p:spPr bwMode="auto">
           <a:xfrm>
-            <a:off x="1475685" y="2605506"/>
-            <a:ext cx="671543" cy="897327"/>
+            <a:off x="3370332" y="2276375"/>
+            <a:ext cx="299490" cy="400183"/>
           </a:xfrm>
           <a:prstGeom prst="rect">
             <a:avLst/>
@@ -8600,14 +8444,14 @@
       </p:pic>
       <p:pic>
         <p:nvPicPr>
-          <p:cNvPr id="14" name="Picture 67"/>
+          <p:cNvPr id="35" name="Picture 67"/>
           <p:cNvPicPr>
             <a:picLocks noChangeAspect="1"/>
           </p:cNvPicPr>
           <p:nvPr/>
         </p:nvPicPr>
         <p:blipFill>
-          <a:blip r:embed="rId4">
+          <a:blip r:embed="rId3">
             <a:extLst>
               <a:ext uri="{28A0092B-C50C-407E-A947-70E740481C1C}">
                 <a14:useLocalDpi xmlns:a14="http://schemas.microsoft.com/office/drawing/2010/main" val="0"/>
@@ -8621,8 +8465,8 @@
         </p:blipFill>
         <p:spPr bwMode="auto">
           <a:xfrm>
-            <a:off x="8936733" y="1004313"/>
-            <a:ext cx="671543" cy="897327"/>
+            <a:off x="6940140" y="1268764"/>
+            <a:ext cx="385624" cy="515277"/>
           </a:xfrm>
           <a:prstGeom prst="rect">
             <a:avLst/>
@@ -8652,291 +8496,23 @@
           </a:extLst>
         </p:spPr>
       </p:pic>
-      <p:sp>
-        <p:nvSpPr>
-          <p:cNvPr id="15" name="Oval 2"/>
-          <p:cNvSpPr/>
-          <p:nvPr/>
-        </p:nvSpPr>
-        <p:spPr bwMode="auto">
-          <a:xfrm>
-            <a:off x="7283930" y="4537250"/>
-            <a:ext cx="440737" cy="440737"/>
-          </a:xfrm>
-          <a:prstGeom prst="ellipse">
-            <a:avLst/>
-          </a:prstGeom>
-          <a:noFill/>
-          <a:ln w="25400">
-            <a:solidFill>
-              <a:srgbClr val="616161"/>
-            </a:solidFill>
-            <a:headEnd type="none" w="med" len="med"/>
-            <a:tailEnd type="none" w="med" len="med"/>
-          </a:ln>
-          <a:effectLst/>
-        </p:spPr>
-        <p:style>
-          <a:lnRef idx="1">
-            <a:schemeClr val="accent2"/>
-          </a:lnRef>
-          <a:fillRef idx="3">
-            <a:schemeClr val="accent2"/>
-          </a:fillRef>
-          <a:effectRef idx="2">
-            <a:schemeClr val="accent2"/>
-          </a:effectRef>
-          <a:fontRef idx="minor">
-            <a:schemeClr val="lt1"/>
-          </a:fontRef>
-        </p:style>
-        <p:txBody>
-          <a:bodyPr vert="horz" wrap="square" lIns="91436" tIns="45718" rIns="91436" bIns="45718" numCol="1" rtlCol="0" anchor="ctr" anchorCtr="0" compatLnSpc="1">
-            <a:prstTxWarp prst="textNoShape">
-              <a:avLst/>
-            </a:prstTxWarp>
-          </a:bodyPr>
-          <a:lstStyle/>
-          <a:p>
-            <a:pPr algn="ctr" defTabSz="914099" fontAlgn="base">
-              <a:spcBef>
-                <a:spcPct val="0"/>
-              </a:spcBef>
-              <a:spcAft>
-                <a:spcPct val="0"/>
-              </a:spcAft>
-            </a:pPr>
-            <a:r>
-              <a:rPr lang="en-US" sz="2800" dirty="0" smtClean="0">
-                <a:solidFill>
-                  <a:srgbClr val="616161"/>
-                </a:solidFill>
-                <a:latin typeface="Segoe UI Light" panose="020B0502040204020203" pitchFamily="34" charset="0"/>
-                <a:cs typeface="Segoe UI Light" panose="020B0502040204020203" pitchFamily="34" charset="0"/>
-              </a:rPr>
-              <a:t>1</a:t>
-            </a:r>
-          </a:p>
-        </p:txBody>
-      </p:sp>
-      <p:sp>
-        <p:nvSpPr>
-          <p:cNvPr id="16" name="Oval 2"/>
-          <p:cNvSpPr/>
-          <p:nvPr/>
-        </p:nvSpPr>
-        <p:spPr bwMode="auto">
-          <a:xfrm>
-            <a:off x="6847244" y="5336800"/>
-            <a:ext cx="440737" cy="440737"/>
-          </a:xfrm>
-          <a:prstGeom prst="ellipse">
-            <a:avLst/>
-          </a:prstGeom>
-          <a:noFill/>
-          <a:ln w="25400">
-            <a:solidFill>
-              <a:srgbClr val="616161"/>
-            </a:solidFill>
-            <a:headEnd type="none" w="med" len="med"/>
-            <a:tailEnd type="none" w="med" len="med"/>
-          </a:ln>
-          <a:effectLst/>
-        </p:spPr>
-        <p:style>
-          <a:lnRef idx="1">
-            <a:schemeClr val="accent2"/>
-          </a:lnRef>
-          <a:fillRef idx="3">
-            <a:schemeClr val="accent2"/>
-          </a:fillRef>
-          <a:effectRef idx="2">
-            <a:schemeClr val="accent2"/>
-          </a:effectRef>
-          <a:fontRef idx="minor">
-            <a:schemeClr val="lt1"/>
-          </a:fontRef>
-        </p:style>
-        <p:txBody>
-          <a:bodyPr vert="horz" wrap="square" lIns="91436" tIns="45718" rIns="91436" bIns="45718" numCol="1" rtlCol="0" anchor="ctr" anchorCtr="0" compatLnSpc="1">
-            <a:prstTxWarp prst="textNoShape">
-              <a:avLst/>
-            </a:prstTxWarp>
-          </a:bodyPr>
-          <a:lstStyle/>
-          <a:p>
-            <a:pPr algn="ctr" defTabSz="914099" fontAlgn="base">
-              <a:spcBef>
-                <a:spcPct val="0"/>
-              </a:spcBef>
-              <a:spcAft>
-                <a:spcPct val="0"/>
-              </a:spcAft>
-            </a:pPr>
-            <a:r>
-              <a:rPr lang="en-US" sz="2800" dirty="0" smtClean="0">
-                <a:solidFill>
-                  <a:srgbClr val="616161"/>
-                </a:solidFill>
-                <a:latin typeface="Segoe UI Light" panose="020B0502040204020203" pitchFamily="34" charset="0"/>
-                <a:cs typeface="Segoe UI Light" panose="020B0502040204020203" pitchFamily="34" charset="0"/>
-              </a:rPr>
-              <a:t>2</a:t>
-            </a:r>
-          </a:p>
-        </p:txBody>
-      </p:sp>
-      <p:sp>
-        <p:nvSpPr>
-          <p:cNvPr id="17" name="Oval 2"/>
-          <p:cNvSpPr/>
-          <p:nvPr/>
-        </p:nvSpPr>
-        <p:spPr bwMode="auto">
-          <a:xfrm>
-            <a:off x="2341197" y="2882280"/>
-            <a:ext cx="440737" cy="440737"/>
-          </a:xfrm>
-          <a:prstGeom prst="ellipse">
-            <a:avLst/>
-          </a:prstGeom>
-          <a:noFill/>
-          <a:ln w="25400">
-            <a:solidFill>
-              <a:srgbClr val="616161"/>
-            </a:solidFill>
-            <a:headEnd type="none" w="med" len="med"/>
-            <a:tailEnd type="none" w="med" len="med"/>
-          </a:ln>
-          <a:effectLst/>
-        </p:spPr>
-        <p:style>
-          <a:lnRef idx="1">
-            <a:schemeClr val="accent2"/>
-          </a:lnRef>
-          <a:fillRef idx="3">
-            <a:schemeClr val="accent2"/>
-          </a:fillRef>
-          <a:effectRef idx="2">
-            <a:schemeClr val="accent2"/>
-          </a:effectRef>
-          <a:fontRef idx="minor">
-            <a:schemeClr val="lt1"/>
-          </a:fontRef>
-        </p:style>
-        <p:txBody>
-          <a:bodyPr vert="horz" wrap="square" lIns="91436" tIns="45718" rIns="91436" bIns="45718" numCol="1" rtlCol="0" anchor="ctr" anchorCtr="0" compatLnSpc="1">
-            <a:prstTxWarp prst="textNoShape">
-              <a:avLst/>
-            </a:prstTxWarp>
-          </a:bodyPr>
-          <a:lstStyle/>
-          <a:p>
-            <a:pPr algn="ctr" defTabSz="914099" fontAlgn="base">
-              <a:spcBef>
-                <a:spcPct val="0"/>
-              </a:spcBef>
-              <a:spcAft>
-                <a:spcPct val="0"/>
-              </a:spcAft>
-            </a:pPr>
-            <a:r>
-              <a:rPr lang="en-US" sz="2800" dirty="0" smtClean="0">
-                <a:solidFill>
-                  <a:srgbClr val="616161"/>
-                </a:solidFill>
-                <a:latin typeface="Segoe UI Light" panose="020B0502040204020203" pitchFamily="34" charset="0"/>
-                <a:cs typeface="Segoe UI Light" panose="020B0502040204020203" pitchFamily="34" charset="0"/>
-              </a:rPr>
-              <a:t>3</a:t>
-            </a:r>
-          </a:p>
-        </p:txBody>
-      </p:sp>
-      <p:sp>
-        <p:nvSpPr>
-          <p:cNvPr id="18" name="Oval 2"/>
-          <p:cNvSpPr/>
-          <p:nvPr/>
-        </p:nvSpPr>
-        <p:spPr bwMode="auto">
-          <a:xfrm>
-            <a:off x="3472822" y="3791899"/>
-            <a:ext cx="440737" cy="440737"/>
-          </a:xfrm>
-          <a:prstGeom prst="ellipse">
-            <a:avLst/>
-          </a:prstGeom>
-          <a:noFill/>
-          <a:ln w="25400">
-            <a:solidFill>
-              <a:srgbClr val="616161"/>
-            </a:solidFill>
-            <a:headEnd type="none" w="med" len="med"/>
-            <a:tailEnd type="none" w="med" len="med"/>
-          </a:ln>
-          <a:effectLst/>
-        </p:spPr>
-        <p:style>
-          <a:lnRef idx="1">
-            <a:schemeClr val="accent2"/>
-          </a:lnRef>
-          <a:fillRef idx="3">
-            <a:schemeClr val="accent2"/>
-          </a:fillRef>
-          <a:effectRef idx="2">
-            <a:schemeClr val="accent2"/>
-          </a:effectRef>
-          <a:fontRef idx="minor">
-            <a:schemeClr val="lt1"/>
-          </a:fontRef>
-        </p:style>
-        <p:txBody>
-          <a:bodyPr vert="horz" wrap="square" lIns="91436" tIns="45718" rIns="91436" bIns="45718" numCol="1" rtlCol="0" anchor="ctr" anchorCtr="0" compatLnSpc="1">
-            <a:prstTxWarp prst="textNoShape">
-              <a:avLst/>
-            </a:prstTxWarp>
-          </a:bodyPr>
-          <a:lstStyle/>
-          <a:p>
-            <a:pPr algn="ctr" defTabSz="914099" fontAlgn="base">
-              <a:spcBef>
-                <a:spcPct val="0"/>
-              </a:spcBef>
-              <a:spcAft>
-                <a:spcPct val="0"/>
-              </a:spcAft>
-            </a:pPr>
-            <a:r>
-              <a:rPr lang="en-US" sz="2800" dirty="0" smtClean="0">
-                <a:solidFill>
-                  <a:srgbClr val="616161"/>
-                </a:solidFill>
-                <a:latin typeface="Segoe UI Light" panose="020B0502040204020203" pitchFamily="34" charset="0"/>
-                <a:cs typeface="Segoe UI Light" panose="020B0502040204020203" pitchFamily="34" charset="0"/>
-              </a:rPr>
-              <a:t>4</a:t>
-            </a:r>
-          </a:p>
-        </p:txBody>
-      </p:sp>
       <p:pic>
         <p:nvPicPr>
-          <p:cNvPr id="19" name="Grafik 18"/>
+          <p:cNvPr id="41" name="Grafik 40"/>
           <p:cNvPicPr>
             <a:picLocks noChangeAspect="1"/>
           </p:cNvPicPr>
           <p:nvPr/>
         </p:nvPicPr>
         <p:blipFill>
-          <a:blip r:embed="rId3"/>
+          <a:blip r:embed="rId4"/>
           <a:stretch>
             <a:fillRect/>
           </a:stretch>
         </p:blipFill>
         <p:spPr>
           <a:xfrm>
-            <a:off x="9930837" y="1806595"/>
+            <a:off x="9163896" y="2210125"/>
             <a:ext cx="846568" cy="1149543"/>
           </a:xfrm>
           <a:prstGeom prst="rect">
@@ -8946,21 +8522,21 @@
       </p:pic>
       <p:pic>
         <p:nvPicPr>
-          <p:cNvPr id="20" name="Grafik 19"/>
+          <p:cNvPr id="42" name="Grafik 41"/>
           <p:cNvPicPr>
             <a:picLocks noChangeAspect="1"/>
           </p:cNvPicPr>
           <p:nvPr/>
         </p:nvPicPr>
         <p:blipFill>
-          <a:blip r:embed="rId3"/>
+          <a:blip r:embed="rId4"/>
           <a:stretch>
             <a:fillRect/>
           </a:stretch>
         </p:blipFill>
         <p:spPr>
           <a:xfrm>
-            <a:off x="10332060" y="2035742"/>
+            <a:off x="9565119" y="2439272"/>
             <a:ext cx="846568" cy="1149543"/>
           </a:xfrm>
           <a:prstGeom prst="rect">
@@ -8970,21 +8546,21 @@
       </p:pic>
       <p:pic>
         <p:nvPicPr>
-          <p:cNvPr id="21" name="Grafik 20"/>
+          <p:cNvPr id="43" name="Grafik 42"/>
           <p:cNvPicPr>
             <a:picLocks noChangeAspect="1"/>
           </p:cNvPicPr>
           <p:nvPr/>
         </p:nvPicPr>
         <p:blipFill>
-          <a:blip r:embed="rId3"/>
+          <a:blip r:embed="rId4"/>
           <a:stretch>
             <a:fillRect/>
           </a:stretch>
         </p:blipFill>
         <p:spPr>
           <a:xfrm>
-            <a:off x="10750685" y="2273028"/>
+            <a:off x="9983744" y="2676558"/>
             <a:ext cx="846568" cy="1149543"/>
           </a:xfrm>
           <a:prstGeom prst="rect">
@@ -8994,14 +8570,14 @@
       </p:pic>
       <p:cxnSp>
         <p:nvCxnSpPr>
-          <p:cNvPr id="22" name="Gerade Verbindung mit Pfeil 21"/>
+          <p:cNvPr id="44" name="Gerade Verbindung mit Pfeil 43"/>
           <p:cNvCxnSpPr/>
           <p:nvPr/>
         </p:nvCxnSpPr>
         <p:spPr>
           <a:xfrm>
             <a:off x="6221495" y="1757588"/>
-            <a:ext cx="3407568" cy="390122"/>
+            <a:ext cx="2942401" cy="601931"/>
           </a:xfrm>
           <a:prstGeom prst="straightConnector1">
             <a:avLst/>
@@ -9031,7 +8607,7 @@
       </p:cxnSp>
       <p:sp>
         <p:nvSpPr>
-          <p:cNvPr id="23" name="Textfeld 22"/>
+          <p:cNvPr id="45" name="Textfeld 44"/>
           <p:cNvSpPr txBox="1"/>
           <p:nvPr/>
         </p:nvSpPr>
@@ -9083,7 +8659,7 @@
       </p:sp>
       <p:cxnSp>
         <p:nvCxnSpPr>
-          <p:cNvPr id="24" name="Gerade Verbindung mit Pfeil 23"/>
+          <p:cNvPr id="46" name="Gerade Verbindung mit Pfeil 45"/>
           <p:cNvCxnSpPr/>
           <p:nvPr/>
         </p:nvCxnSpPr>
@@ -9120,14 +8696,14 @@
       </p:cxnSp>
       <p:sp>
         <p:nvSpPr>
-          <p:cNvPr id="25" name="Textfeld 24"/>
+          <p:cNvPr id="47" name="Textfeld 46"/>
           <p:cNvSpPr txBox="1"/>
           <p:nvPr/>
         </p:nvSpPr>
         <p:spPr>
           <a:xfrm>
-            <a:off x="9977034" y="957093"/>
-            <a:ext cx="1414362" cy="523219"/>
+            <a:off x="9232450" y="1647532"/>
+            <a:ext cx="2024785" cy="523220"/>
           </a:xfrm>
           <a:prstGeom prst="rect">
             <a:avLst/>
@@ -9140,6 +8716,16 @@
           </a:bodyPr>
           <a:lstStyle/>
           <a:p>
+            <a:r>
+              <a:rPr lang="de-CH" sz="2800" dirty="0" smtClean="0">
+                <a:solidFill>
+                  <a:srgbClr val="606060"/>
+                </a:solidFill>
+                <a:latin typeface="Segoe UI Light" panose="020B0502040204020203" pitchFamily="34" charset="0"/>
+                <a:cs typeface="Segoe UI Light" panose="020B0502040204020203" pitchFamily="34" charset="0"/>
+              </a:rPr>
+              <a:t>Worker </a:t>
+            </a:r>
             <a:r>
               <a:rPr lang="de-CH" sz="2800" dirty="0" err="1" smtClean="0">
                 <a:solidFill>
@@ -9148,7 +8734,7 @@
                 <a:latin typeface="Segoe UI Light" panose="020B0502040204020203" pitchFamily="34" charset="0"/>
                 <a:cs typeface="Segoe UI Light" panose="020B0502040204020203" pitchFamily="34" charset="0"/>
               </a:rPr>
-              <a:t>Workers</a:t>
+              <a:t>Role</a:t>
             </a:r>
             <a:endParaRPr lang="de-CH" sz="2800" dirty="0">
               <a:solidFill>
@@ -9160,150 +8746,16 @@
           </a:p>
         </p:txBody>
       </p:sp>
-      <p:sp>
-        <p:nvSpPr>
-          <p:cNvPr id="26" name="Oval 2"/>
-          <p:cNvSpPr/>
-          <p:nvPr/>
-        </p:nvSpPr>
-        <p:spPr bwMode="auto">
-          <a:xfrm>
-            <a:off x="9007472" y="3335630"/>
-            <a:ext cx="440737" cy="440737"/>
-          </a:xfrm>
-          <a:prstGeom prst="ellipse">
-            <a:avLst/>
-          </a:prstGeom>
-          <a:noFill/>
-          <a:ln w="25400">
-            <a:solidFill>
-              <a:srgbClr val="616161"/>
-            </a:solidFill>
-            <a:headEnd type="none" w="med" len="med"/>
-            <a:tailEnd type="none" w="med" len="med"/>
-          </a:ln>
-          <a:effectLst/>
-        </p:spPr>
-        <p:style>
-          <a:lnRef idx="1">
-            <a:schemeClr val="accent2"/>
-          </a:lnRef>
-          <a:fillRef idx="3">
-            <a:schemeClr val="accent2"/>
-          </a:fillRef>
-          <a:effectRef idx="2">
-            <a:schemeClr val="accent2"/>
-          </a:effectRef>
-          <a:fontRef idx="minor">
-            <a:schemeClr val="lt1"/>
-          </a:fontRef>
-        </p:style>
-        <p:txBody>
-          <a:bodyPr vert="horz" wrap="square" lIns="91436" tIns="45718" rIns="91436" bIns="45718" numCol="1" rtlCol="0" anchor="ctr" anchorCtr="0" compatLnSpc="1">
-            <a:prstTxWarp prst="textNoShape">
-              <a:avLst/>
-            </a:prstTxWarp>
-          </a:bodyPr>
-          <a:lstStyle/>
-          <a:p>
-            <a:pPr algn="ctr" defTabSz="914099" fontAlgn="base">
-              <a:spcBef>
-                <a:spcPct val="0"/>
-              </a:spcBef>
-              <a:spcAft>
-                <a:spcPct val="0"/>
-              </a:spcAft>
-            </a:pPr>
-            <a:r>
-              <a:rPr lang="en-US" sz="2800" dirty="0" smtClean="0">
-                <a:solidFill>
-                  <a:srgbClr val="616161"/>
-                </a:solidFill>
-                <a:latin typeface="Segoe UI Light" panose="020B0502040204020203" pitchFamily="34" charset="0"/>
-                <a:cs typeface="Segoe UI Light" panose="020B0502040204020203" pitchFamily="34" charset="0"/>
-              </a:rPr>
-              <a:t>5</a:t>
-            </a:r>
-          </a:p>
-        </p:txBody>
-      </p:sp>
-      <p:sp>
-        <p:nvSpPr>
-          <p:cNvPr id="27" name="Oval 2"/>
-          <p:cNvSpPr/>
-          <p:nvPr/>
-        </p:nvSpPr>
-        <p:spPr bwMode="auto">
-          <a:xfrm>
-            <a:off x="8370932" y="1106696"/>
-            <a:ext cx="440737" cy="440737"/>
-          </a:xfrm>
-          <a:prstGeom prst="ellipse">
-            <a:avLst/>
-          </a:prstGeom>
-          <a:noFill/>
-          <a:ln w="25400">
-            <a:solidFill>
-              <a:srgbClr val="616161"/>
-            </a:solidFill>
-            <a:headEnd type="none" w="med" len="med"/>
-            <a:tailEnd type="none" w="med" len="med"/>
-          </a:ln>
-          <a:effectLst/>
-        </p:spPr>
-        <p:style>
-          <a:lnRef idx="1">
-            <a:schemeClr val="accent2"/>
-          </a:lnRef>
-          <a:fillRef idx="3">
-            <a:schemeClr val="accent2"/>
-          </a:fillRef>
-          <a:effectRef idx="2">
-            <a:schemeClr val="accent2"/>
-          </a:effectRef>
-          <a:fontRef idx="minor">
-            <a:schemeClr val="lt1"/>
-          </a:fontRef>
-        </p:style>
-        <p:txBody>
-          <a:bodyPr vert="horz" wrap="square" lIns="91436" tIns="45718" rIns="91436" bIns="45718" numCol="1" rtlCol="0" anchor="ctr" anchorCtr="0" compatLnSpc="1">
-            <a:prstTxWarp prst="textNoShape">
-              <a:avLst/>
-            </a:prstTxWarp>
-          </a:bodyPr>
-          <a:lstStyle/>
-          <a:p>
-            <a:pPr algn="ctr" defTabSz="914099" fontAlgn="base">
-              <a:spcBef>
-                <a:spcPct val="0"/>
-              </a:spcBef>
-              <a:spcAft>
-                <a:spcPct val="0"/>
-              </a:spcAft>
-            </a:pPr>
-            <a:r>
-              <a:rPr lang="en-US" sz="2800" dirty="0" smtClean="0">
-                <a:solidFill>
-                  <a:srgbClr val="616161"/>
-                </a:solidFill>
-                <a:latin typeface="Segoe UI Light" panose="020B0502040204020203" pitchFamily="34" charset="0"/>
-                <a:cs typeface="Segoe UI Light" panose="020B0502040204020203" pitchFamily="34" charset="0"/>
-              </a:rPr>
-              <a:t>6</a:t>
-            </a:r>
-          </a:p>
-        </p:txBody>
-      </p:sp>
       <p:cxnSp>
         <p:nvCxnSpPr>
-          <p:cNvPr id="28" name="Gerade Verbindung mit Pfeil 27"/>
+          <p:cNvPr id="50" name="Gerade Verbindung mit Pfeil 49"/>
           <p:cNvCxnSpPr/>
           <p:nvPr/>
         </p:nvCxnSpPr>
         <p:spPr>
-          <a:xfrm flipV="1">
-            <a:off x="6380891" y="2986103"/>
-            <a:ext cx="3518170" cy="116547"/>
+          <a:xfrm>
+            <a:off x="6380891" y="3102651"/>
+            <a:ext cx="2738589" cy="257017"/>
           </a:xfrm>
           <a:prstGeom prst="straightConnector1">
             <a:avLst/>
@@ -9333,7 +8785,7 @@
       </p:cxnSp>
       <p:pic>
         <p:nvPicPr>
-          <p:cNvPr id="29" name="Picture 5"/>
+          <p:cNvPr id="51" name="Picture 5"/>
           <p:cNvPicPr>
             <a:picLocks noChangeAspect="1"/>
           </p:cNvPicPr>
@@ -9394,7 +8846,7 @@
       </p:pic>
       <p:pic>
         <p:nvPicPr>
-          <p:cNvPr id="30" name="Picture 7"/>
+          <p:cNvPr id="52" name="Picture 7"/>
           <p:cNvPicPr>
             <a:picLocks noChangeAspect="1"/>
           </p:cNvPicPr>
@@ -9453,6 +8905,1907 @@
           </a:extLst>
         </p:spPr>
       </p:pic>
+      <p:sp>
+        <p:nvSpPr>
+          <p:cNvPr id="33" name="Textfeld 32"/>
+          <p:cNvSpPr txBox="1"/>
+          <p:nvPr/>
+        </p:nvSpPr>
+        <p:spPr>
+          <a:xfrm>
+            <a:off x="4372373" y="3519481"/>
+            <a:ext cx="2862002" cy="523220"/>
+          </a:xfrm>
+          <a:prstGeom prst="rect">
+            <a:avLst/>
+          </a:prstGeom>
+          <a:noFill/>
+        </p:spPr>
+        <p:txBody>
+          <a:bodyPr wrap="none" rtlCol="0">
+            <a:spAutoFit/>
+          </a:bodyPr>
+          <a:lstStyle/>
+          <a:p>
+            <a:r>
+              <a:rPr lang="de-CH" sz="2800" dirty="0" smtClean="0">
+                <a:solidFill>
+                  <a:srgbClr val="3C4D62"/>
+                </a:solidFill>
+                <a:latin typeface="Segoe UI Light" panose="020B0502040204020203" pitchFamily="34" charset="0"/>
+                <a:cs typeface="Segoe UI Light" panose="020B0502040204020203" pitchFamily="34" charset="0"/>
+              </a:rPr>
+              <a:t>Azure Service Bus</a:t>
+            </a:r>
+            <a:endParaRPr lang="de-CH" sz="2800" dirty="0">
+              <a:solidFill>
+                <a:srgbClr val="3C4D62"/>
+              </a:solidFill>
+              <a:latin typeface="Segoe UI Light" panose="020B0502040204020203" pitchFamily="34" charset="0"/>
+              <a:cs typeface="Segoe UI Light" panose="020B0502040204020203" pitchFamily="34" charset="0"/>
+            </a:endParaRPr>
+          </a:p>
+        </p:txBody>
+      </p:sp>
+      <p:pic>
+        <p:nvPicPr>
+          <p:cNvPr id="21" name="Grafik 20"/>
+          <p:cNvPicPr>
+            <a:picLocks noChangeAspect="1"/>
+          </p:cNvPicPr>
+          <p:nvPr/>
+        </p:nvPicPr>
+        <p:blipFill>
+          <a:blip r:embed="rId4"/>
+          <a:stretch>
+            <a:fillRect/>
+          </a:stretch>
+        </p:blipFill>
+        <p:spPr>
+          <a:xfrm>
+            <a:off x="6249641" y="4054096"/>
+            <a:ext cx="729521" cy="990606"/>
+          </a:xfrm>
+          <a:prstGeom prst="rect">
+            <a:avLst/>
+          </a:prstGeom>
+        </p:spPr>
+      </p:pic>
+      <p:cxnSp>
+        <p:nvCxnSpPr>
+          <p:cNvPr id="25" name="Gerade Verbindung mit Pfeil 24"/>
+          <p:cNvCxnSpPr/>
+          <p:nvPr/>
+        </p:nvCxnSpPr>
+        <p:spPr>
+          <a:xfrm flipV="1">
+            <a:off x="2242353" y="4811428"/>
+            <a:ext cx="3934726" cy="471996"/>
+          </a:xfrm>
+          <a:prstGeom prst="straightConnector1">
+            <a:avLst/>
+          </a:prstGeom>
+          <a:ln w="31750">
+            <a:solidFill>
+              <a:schemeClr val="accent2"/>
+            </a:solidFill>
+            <a:headEnd type="triangle"/>
+            <a:tailEnd type="none"/>
+          </a:ln>
+        </p:spPr>
+        <p:style>
+          <a:lnRef idx="1">
+            <a:schemeClr val="accent1"/>
+          </a:lnRef>
+          <a:fillRef idx="0">
+            <a:schemeClr val="accent1"/>
+          </a:fillRef>
+          <a:effectRef idx="0">
+            <a:schemeClr val="accent1"/>
+          </a:effectRef>
+          <a:fontRef idx="minor">
+            <a:schemeClr val="tx1"/>
+          </a:fontRef>
+        </p:style>
+      </p:cxnSp>
+      <p:sp>
+        <p:nvSpPr>
+          <p:cNvPr id="26" name="Textfeld 25"/>
+          <p:cNvSpPr txBox="1"/>
+          <p:nvPr/>
+        </p:nvSpPr>
+        <p:spPr>
+          <a:xfrm>
+            <a:off x="5861332" y="5088370"/>
+            <a:ext cx="1474956" cy="523220"/>
+          </a:xfrm>
+          <a:prstGeom prst="rect">
+            <a:avLst/>
+          </a:prstGeom>
+          <a:noFill/>
+        </p:spPr>
+        <p:txBody>
+          <a:bodyPr wrap="none" rtlCol="0">
+            <a:spAutoFit/>
+          </a:bodyPr>
+          <a:lstStyle/>
+          <a:p>
+            <a:r>
+              <a:rPr lang="de-CH" sz="2800" dirty="0" smtClean="0">
+                <a:solidFill>
+                  <a:srgbClr val="606060"/>
+                </a:solidFill>
+                <a:latin typeface="Segoe UI Light" panose="020B0502040204020203" pitchFamily="34" charset="0"/>
+                <a:cs typeface="Segoe UI Light" panose="020B0502040204020203" pitchFamily="34" charset="0"/>
+              </a:rPr>
+              <a:t>Web API</a:t>
+            </a:r>
+            <a:endParaRPr lang="de-CH" sz="2800" dirty="0">
+              <a:solidFill>
+                <a:srgbClr val="606060"/>
+              </a:solidFill>
+              <a:latin typeface="Segoe UI Light" panose="020B0502040204020203" pitchFamily="34" charset="0"/>
+              <a:cs typeface="Segoe UI Light" panose="020B0502040204020203" pitchFamily="34" charset="0"/>
+            </a:endParaRPr>
+          </a:p>
+        </p:txBody>
+      </p:sp>
+      <p:sp>
+        <p:nvSpPr>
+          <p:cNvPr id="28" name="Textfeld 27"/>
+          <p:cNvSpPr txBox="1"/>
+          <p:nvPr/>
+        </p:nvSpPr>
+        <p:spPr>
+          <a:xfrm>
+            <a:off x="3200189" y="5163934"/>
+            <a:ext cx="1645002" cy="523220"/>
+          </a:xfrm>
+          <a:prstGeom prst="rect">
+            <a:avLst/>
+          </a:prstGeom>
+          <a:noFill/>
+        </p:spPr>
+        <p:txBody>
+          <a:bodyPr wrap="none" rtlCol="0">
+            <a:spAutoFit/>
+          </a:bodyPr>
+          <a:lstStyle>
+            <a:defPPr>
+              <a:defRPr lang="de-DE"/>
+            </a:defPPr>
+            <a:lvl1pPr>
+              <a:defRPr sz="1600">
+                <a:solidFill>
+                  <a:srgbClr val="606060"/>
+                </a:solidFill>
+              </a:defRPr>
+            </a:lvl1pPr>
+          </a:lstStyle>
+          <a:p>
+            <a:r>
+              <a:rPr lang="de-CH" sz="2800" dirty="0" smtClean="0">
+                <a:latin typeface="Segoe UI Light" panose="020B0502040204020203" pitchFamily="34" charset="0"/>
+                <a:cs typeface="Segoe UI Light" panose="020B0502040204020203" pitchFamily="34" charset="0"/>
+              </a:rPr>
+              <a:t>SAS-URLs</a:t>
+            </a:r>
+            <a:endParaRPr lang="de-CH" sz="2800" dirty="0">
+              <a:latin typeface="Segoe UI Light" panose="020B0502040204020203" pitchFamily="34" charset="0"/>
+              <a:cs typeface="Segoe UI Light" panose="020B0502040204020203" pitchFamily="34" charset="0"/>
+            </a:endParaRPr>
+          </a:p>
+        </p:txBody>
+      </p:sp>
+      <p:cxnSp>
+        <p:nvCxnSpPr>
+          <p:cNvPr id="31" name="Gerade Verbindung mit Pfeil 30"/>
+          <p:cNvCxnSpPr/>
+          <p:nvPr/>
+        </p:nvCxnSpPr>
+        <p:spPr>
+          <a:xfrm flipV="1">
+            <a:off x="2242352" y="4519630"/>
+            <a:ext cx="3934727" cy="468670"/>
+          </a:xfrm>
+          <a:prstGeom prst="straightConnector1">
+            <a:avLst/>
+          </a:prstGeom>
+          <a:ln w="31750">
+            <a:solidFill>
+              <a:schemeClr val="accent2"/>
+            </a:solidFill>
+            <a:headEnd type="none"/>
+            <a:tailEnd type="triangle"/>
+          </a:ln>
+        </p:spPr>
+        <p:style>
+          <a:lnRef idx="1">
+            <a:schemeClr val="accent1"/>
+          </a:lnRef>
+          <a:fillRef idx="0">
+            <a:schemeClr val="accent1"/>
+          </a:fillRef>
+          <a:effectRef idx="0">
+            <a:schemeClr val="accent1"/>
+          </a:effectRef>
+          <a:fontRef idx="minor">
+            <a:schemeClr val="tx1"/>
+          </a:fontRef>
+        </p:style>
+      </p:cxnSp>
+      <p:sp>
+        <p:nvSpPr>
+          <p:cNvPr id="6" name="Zylinder 5"/>
+          <p:cNvSpPr/>
+          <p:nvPr/>
+        </p:nvSpPr>
+        <p:spPr>
+          <a:xfrm>
+            <a:off x="8916587" y="5518023"/>
+            <a:ext cx="599311" cy="628470"/>
+          </a:xfrm>
+          <a:prstGeom prst="can">
+            <a:avLst/>
+          </a:prstGeom>
+          <a:solidFill>
+            <a:srgbClr val="52728B"/>
+          </a:solidFill>
+        </p:spPr>
+        <p:style>
+          <a:lnRef idx="2">
+            <a:schemeClr val="accent1">
+              <a:shade val="50000"/>
+            </a:schemeClr>
+          </a:lnRef>
+          <a:fillRef idx="1">
+            <a:schemeClr val="accent1"/>
+          </a:fillRef>
+          <a:effectRef idx="0">
+            <a:schemeClr val="accent1"/>
+          </a:effectRef>
+          <a:fontRef idx="minor">
+            <a:schemeClr val="lt1"/>
+          </a:fontRef>
+        </p:style>
+        <p:txBody>
+          <a:bodyPr rtlCol="0" anchor="ctr"/>
+          <a:lstStyle/>
+          <a:p>
+            <a:pPr algn="ctr"/>
+            <a:endParaRPr lang="de-CH"/>
+          </a:p>
+        </p:txBody>
+      </p:sp>
+      <p:sp>
+        <p:nvSpPr>
+          <p:cNvPr id="38" name="Textfeld 37"/>
+          <p:cNvSpPr txBox="1"/>
+          <p:nvPr/>
+        </p:nvSpPr>
+        <p:spPr>
+          <a:xfrm>
+            <a:off x="8565440" y="6155967"/>
+            <a:ext cx="1334020" cy="523220"/>
+          </a:xfrm>
+          <a:prstGeom prst="rect">
+            <a:avLst/>
+          </a:prstGeom>
+          <a:noFill/>
+        </p:spPr>
+        <p:txBody>
+          <a:bodyPr wrap="none" rtlCol="0">
+            <a:spAutoFit/>
+          </a:bodyPr>
+          <a:lstStyle/>
+          <a:p>
+            <a:r>
+              <a:rPr lang="de-CH" sz="2800" dirty="0" smtClean="0">
+                <a:solidFill>
+                  <a:srgbClr val="606060"/>
+                </a:solidFill>
+                <a:latin typeface="Segoe UI Light" panose="020B0502040204020203" pitchFamily="34" charset="0"/>
+                <a:cs typeface="Segoe UI Light" panose="020B0502040204020203" pitchFamily="34" charset="0"/>
+              </a:rPr>
+              <a:t>SQL DB</a:t>
+            </a:r>
+            <a:endParaRPr lang="de-CH" sz="2800" dirty="0">
+              <a:solidFill>
+                <a:srgbClr val="606060"/>
+              </a:solidFill>
+              <a:latin typeface="Segoe UI Light" panose="020B0502040204020203" pitchFamily="34" charset="0"/>
+              <a:cs typeface="Segoe UI Light" panose="020B0502040204020203" pitchFamily="34" charset="0"/>
+            </a:endParaRPr>
+          </a:p>
+        </p:txBody>
+      </p:sp>
+      <p:cxnSp>
+        <p:nvCxnSpPr>
+          <p:cNvPr id="39" name="Gerade Verbindung mit Pfeil 38"/>
+          <p:cNvCxnSpPr>
+            <a:endCxn id="6" idx="2"/>
+          </p:cNvCxnSpPr>
+          <p:nvPr/>
+        </p:nvCxnSpPr>
+        <p:spPr>
+          <a:xfrm>
+            <a:off x="7063668" y="4650988"/>
+            <a:ext cx="1852919" cy="1181270"/>
+          </a:xfrm>
+          <a:prstGeom prst="straightConnector1">
+            <a:avLst/>
+          </a:prstGeom>
+          <a:ln w="31750">
+            <a:solidFill>
+              <a:schemeClr val="accent2"/>
+            </a:solidFill>
+            <a:headEnd type="triangle"/>
+            <a:tailEnd type="triangle"/>
+          </a:ln>
+        </p:spPr>
+        <p:style>
+          <a:lnRef idx="1">
+            <a:schemeClr val="accent1"/>
+          </a:lnRef>
+          <a:fillRef idx="0">
+            <a:schemeClr val="accent1"/>
+          </a:fillRef>
+          <a:effectRef idx="0">
+            <a:schemeClr val="accent1"/>
+          </a:effectRef>
+          <a:fontRef idx="minor">
+            <a:schemeClr val="tx1"/>
+          </a:fontRef>
+        </p:style>
+      </p:cxnSp>
+      <p:sp>
+        <p:nvSpPr>
+          <p:cNvPr id="32" name="Textfeld 31"/>
+          <p:cNvSpPr txBox="1"/>
+          <p:nvPr/>
+        </p:nvSpPr>
+        <p:spPr>
+          <a:xfrm>
+            <a:off x="8056671" y="4958516"/>
+            <a:ext cx="3147015" cy="523220"/>
+          </a:xfrm>
+          <a:prstGeom prst="rect">
+            <a:avLst/>
+          </a:prstGeom>
+          <a:noFill/>
+        </p:spPr>
+        <p:txBody>
+          <a:bodyPr wrap="none" rtlCol="0">
+            <a:spAutoFit/>
+          </a:bodyPr>
+          <a:lstStyle>
+            <a:defPPr>
+              <a:defRPr lang="de-DE"/>
+            </a:defPPr>
+            <a:lvl1pPr>
+              <a:defRPr sz="1600">
+                <a:solidFill>
+                  <a:srgbClr val="606060"/>
+                </a:solidFill>
+              </a:defRPr>
+            </a:lvl1pPr>
+          </a:lstStyle>
+          <a:p>
+            <a:r>
+              <a:rPr lang="de-CH" sz="2800" dirty="0" smtClean="0">
+                <a:latin typeface="Segoe UI Light" panose="020B0502040204020203" pitchFamily="34" charset="0"/>
+                <a:cs typeface="Segoe UI Light" panose="020B0502040204020203" pitchFamily="34" charset="0"/>
+              </a:rPr>
+              <a:t>Hybrid Connections</a:t>
+            </a:r>
+            <a:endParaRPr lang="de-CH" sz="2800" dirty="0">
+              <a:latin typeface="Segoe UI Light" panose="020B0502040204020203" pitchFamily="34" charset="0"/>
+              <a:cs typeface="Segoe UI Light" panose="020B0502040204020203" pitchFamily="34" charset="0"/>
+            </a:endParaRPr>
+          </a:p>
+        </p:txBody>
+      </p:sp>
+    </p:spTree>
+    <p:extLst>
+      <p:ext uri="{BB962C8B-B14F-4D97-AF65-F5344CB8AC3E}">
+        <p14:creationId xmlns:p14="http://schemas.microsoft.com/office/powerpoint/2010/main" val="2445772738"/>
+      </p:ext>
+    </p:extLst>
+  </p:cSld>
+  <p:clrMapOvr>
+    <a:masterClrMapping/>
+  </p:clrMapOvr>
+  <p:timing>
+    <p:tnLst>
+      <p:par>
+        <p:cTn id="1" dur="indefinite" restart="never" nodeType="tmRoot"/>
+      </p:par>
+    </p:tnLst>
+  </p:timing>
+</p:sld>
+</file>
+
+<file path=ppt/slides/slide7.xml><?xml version="1.0" encoding="utf-8"?>
+<p:sld xmlns:a="http://schemas.openxmlformats.org/drawingml/2006/main" xmlns:r="http://schemas.openxmlformats.org/officeDocument/2006/relationships" xmlns:p="http://schemas.openxmlformats.org/presentationml/2006/main">
+  <p:cSld>
+    <p:spTree>
+      <p:nvGrpSpPr>
+        <p:cNvPr id="1" name=""/>
+        <p:cNvGrpSpPr/>
+        <p:nvPr/>
+      </p:nvGrpSpPr>
+      <p:grpSpPr>
+        <a:xfrm>
+          <a:off x="0" y="0"/>
+          <a:ext cx="0" cy="0"/>
+          <a:chOff x="0" y="0"/>
+          <a:chExt cx="0" cy="0"/>
+        </a:xfrm>
+      </p:grpSpPr>
+      <p:sp>
+        <p:nvSpPr>
+          <p:cNvPr id="2" name="Freeform 7"/>
+          <p:cNvSpPr>
+            <a:spLocks/>
+          </p:cNvSpPr>
+          <p:nvPr/>
+        </p:nvSpPr>
+        <p:spPr bwMode="auto">
+          <a:xfrm flipH="1">
+            <a:off x="2826598" y="215153"/>
+            <a:ext cx="6401243" cy="3272134"/>
+          </a:xfrm>
+          <a:custGeom>
+            <a:avLst/>
+            <a:gdLst>
+              <a:gd name="T0" fmla="*/ 157 w 214"/>
+              <a:gd name="T1" fmla="*/ 0 h 114"/>
+              <a:gd name="T2" fmla="*/ 107 w 214"/>
+              <a:gd name="T3" fmla="*/ 29 h 114"/>
+              <a:gd name="T4" fmla="*/ 86 w 214"/>
+              <a:gd name="T5" fmla="*/ 23 h 114"/>
+              <a:gd name="T6" fmla="*/ 46 w 214"/>
+              <a:gd name="T7" fmla="*/ 48 h 114"/>
+              <a:gd name="T8" fmla="*/ 34 w 214"/>
+              <a:gd name="T9" fmla="*/ 45 h 114"/>
+              <a:gd name="T10" fmla="*/ 0 w 214"/>
+              <a:gd name="T11" fmla="*/ 80 h 114"/>
+              <a:gd name="T12" fmla="*/ 34 w 214"/>
+              <a:gd name="T13" fmla="*/ 114 h 114"/>
+              <a:gd name="T14" fmla="*/ 86 w 214"/>
+              <a:gd name="T15" fmla="*/ 114 h 114"/>
+              <a:gd name="T16" fmla="*/ 157 w 214"/>
+              <a:gd name="T17" fmla="*/ 114 h 114"/>
+              <a:gd name="T18" fmla="*/ 214 w 214"/>
+              <a:gd name="T19" fmla="*/ 57 h 114"/>
+              <a:gd name="T20" fmla="*/ 157 w 214"/>
+              <a:gd name="T21" fmla="*/ 0 h 114"/>
+            </a:gdLst>
+            <a:ahLst/>
+            <a:cxnLst>
+              <a:cxn ang="0">
+                <a:pos x="T0" y="T1"/>
+              </a:cxn>
+              <a:cxn ang="0">
+                <a:pos x="T2" y="T3"/>
+              </a:cxn>
+              <a:cxn ang="0">
+                <a:pos x="T4" y="T5"/>
+              </a:cxn>
+              <a:cxn ang="0">
+                <a:pos x="T6" y="T7"/>
+              </a:cxn>
+              <a:cxn ang="0">
+                <a:pos x="T8" y="T9"/>
+              </a:cxn>
+              <a:cxn ang="0">
+                <a:pos x="T10" y="T11"/>
+              </a:cxn>
+              <a:cxn ang="0">
+                <a:pos x="T12" y="T13"/>
+              </a:cxn>
+              <a:cxn ang="0">
+                <a:pos x="T14" y="T15"/>
+              </a:cxn>
+              <a:cxn ang="0">
+                <a:pos x="T16" y="T17"/>
+              </a:cxn>
+              <a:cxn ang="0">
+                <a:pos x="T18" y="T19"/>
+              </a:cxn>
+              <a:cxn ang="0">
+                <a:pos x="T20" y="T21"/>
+              </a:cxn>
+            </a:cxnLst>
+            <a:rect l="0" t="0" r="r" b="b"/>
+            <a:pathLst>
+              <a:path w="214" h="114">
+                <a:moveTo>
+                  <a:pt x="157" y="0"/>
+                </a:moveTo>
+                <a:cubicBezTo>
+                  <a:pt x="136" y="0"/>
+                  <a:pt x="117" y="11"/>
+                  <a:pt x="107" y="29"/>
+                </a:cubicBezTo>
+                <a:cubicBezTo>
+                  <a:pt x="101" y="25"/>
+                  <a:pt x="94" y="23"/>
+                  <a:pt x="86" y="23"/>
+                </a:cubicBezTo>
+                <a:cubicBezTo>
+                  <a:pt x="69" y="23"/>
+                  <a:pt x="54" y="33"/>
+                  <a:pt x="46" y="48"/>
+                </a:cubicBezTo>
+                <a:cubicBezTo>
+                  <a:pt x="42" y="46"/>
+                  <a:pt x="38" y="45"/>
+                  <a:pt x="34" y="45"/>
+                </a:cubicBezTo>
+                <a:cubicBezTo>
+                  <a:pt x="15" y="45"/>
+                  <a:pt x="0" y="61"/>
+                  <a:pt x="0" y="80"/>
+                </a:cubicBezTo>
+                <a:cubicBezTo>
+                  <a:pt x="0" y="99"/>
+                  <a:pt x="15" y="114"/>
+                  <a:pt x="34" y="114"/>
+                </a:cubicBezTo>
+                <a:cubicBezTo>
+                  <a:pt x="86" y="114"/>
+                  <a:pt x="86" y="114"/>
+                  <a:pt x="86" y="114"/>
+                </a:cubicBezTo>
+                <a:cubicBezTo>
+                  <a:pt x="157" y="114"/>
+                  <a:pt x="157" y="114"/>
+                  <a:pt x="157" y="114"/>
+                </a:cubicBezTo>
+                <a:cubicBezTo>
+                  <a:pt x="189" y="114"/>
+                  <a:pt x="214" y="89"/>
+                  <a:pt x="214" y="57"/>
+                </a:cubicBezTo>
+                <a:cubicBezTo>
+                  <a:pt x="214" y="25"/>
+                  <a:pt x="189" y="0"/>
+                  <a:pt x="157" y="0"/>
+                </a:cubicBezTo>
+                <a:close/>
+              </a:path>
+            </a:pathLst>
+          </a:custGeom>
+          <a:solidFill>
+            <a:srgbClr val="00ABEC">
+              <a:alpha val="70000"/>
+            </a:srgbClr>
+          </a:solidFill>
+          <a:ln>
+            <a:noFill/>
+            <a:headEnd type="none" w="med" len="med"/>
+            <a:tailEnd type="none" w="med" len="med"/>
+          </a:ln>
+          <a:effectLst/>
+        </p:spPr>
+        <p:style>
+          <a:lnRef idx="1">
+            <a:schemeClr val="accent2"/>
+          </a:lnRef>
+          <a:fillRef idx="3">
+            <a:schemeClr val="accent2"/>
+          </a:fillRef>
+          <a:effectRef idx="2">
+            <a:schemeClr val="accent2"/>
+          </a:effectRef>
+          <a:fontRef idx="minor">
+            <a:schemeClr val="lt1"/>
+          </a:fontRef>
+        </p:style>
+        <p:txBody>
+          <a:bodyPr vert="horz" wrap="square" lIns="91404" tIns="45703" rIns="91404" bIns="45703" numCol="1" spcCol="0" rtlCol="0" anchor="ctr" anchorCtr="0" compatLnSpc="1">
+            <a:prstTxWarp prst="textNoShape">
+              <a:avLst/>
+            </a:prstTxWarp>
+          </a:bodyPr>
+          <a:lstStyle/>
+          <a:p>
+            <a:pPr algn="ctr" defTabSz="913788" fontAlgn="base">
+              <a:spcBef>
+                <a:spcPct val="0"/>
+              </a:spcBef>
+              <a:spcAft>
+                <a:spcPct val="0"/>
+              </a:spcAft>
+            </a:pPr>
+            <a:endParaRPr lang="en-US" sz="2800" dirty="0">
+              <a:gradFill>
+                <a:gsLst>
+                  <a:gs pos="0">
+                    <a:srgbClr val="FFFFFF"/>
+                  </a:gs>
+                  <a:gs pos="100000">
+                    <a:srgbClr val="FFFFFF"/>
+                  </a:gs>
+                </a:gsLst>
+                <a:lin ang="5400000" scaled="0"/>
+              </a:gradFill>
+              <a:latin typeface="Segoe UI Light" panose="020B0502040204020203" pitchFamily="34" charset="0"/>
+              <a:cs typeface="Segoe UI Light" panose="020B0502040204020203" pitchFamily="34" charset="0"/>
+            </a:endParaRPr>
+          </a:p>
+        </p:txBody>
+      </p:sp>
+      <p:cxnSp>
+        <p:nvCxnSpPr>
+          <p:cNvPr id="3" name="Gerade Verbindung mit Pfeil 2"/>
+          <p:cNvCxnSpPr/>
+          <p:nvPr/>
+        </p:nvCxnSpPr>
+        <p:spPr>
+          <a:xfrm>
+            <a:off x="6380891" y="3102650"/>
+            <a:ext cx="3788167" cy="153452"/>
+          </a:xfrm>
+          <a:prstGeom prst="straightConnector1">
+            <a:avLst/>
+          </a:prstGeom>
+          <a:ln w="31750">
+            <a:solidFill>
+              <a:schemeClr val="accent2"/>
+            </a:solidFill>
+            <a:headEnd type="none"/>
+            <a:tailEnd type="triangle"/>
+          </a:ln>
+        </p:spPr>
+        <p:style>
+          <a:lnRef idx="1">
+            <a:schemeClr val="accent1"/>
+          </a:lnRef>
+          <a:fillRef idx="0">
+            <a:schemeClr val="accent1"/>
+          </a:fillRef>
+          <a:effectRef idx="0">
+            <a:schemeClr val="accent1"/>
+          </a:effectRef>
+          <a:fontRef idx="minor">
+            <a:schemeClr val="tx1"/>
+          </a:fontRef>
+        </p:style>
+      </p:cxnSp>
+      <p:pic>
+        <p:nvPicPr>
+          <p:cNvPr id="4" name="Grafik 3"/>
+          <p:cNvPicPr>
+            <a:picLocks noChangeAspect="1"/>
+          </p:cNvPicPr>
+          <p:nvPr/>
+        </p:nvPicPr>
+        <p:blipFill>
+          <a:blip r:embed="rId2"/>
+          <a:stretch>
+            <a:fillRect/>
+          </a:stretch>
+        </p:blipFill>
+        <p:spPr>
+          <a:xfrm>
+            <a:off x="530629" y="4140305"/>
+            <a:ext cx="1364717" cy="1779980"/>
+          </a:xfrm>
+          <a:prstGeom prst="rect">
+            <a:avLst/>
+          </a:prstGeom>
+        </p:spPr>
+      </p:pic>
+      <p:pic>
+        <p:nvPicPr>
+          <p:cNvPr id="5" name="Grafik 4"/>
+          <p:cNvPicPr>
+            <a:picLocks noChangeAspect="1"/>
+          </p:cNvPicPr>
+          <p:nvPr/>
+        </p:nvPicPr>
+        <p:blipFill>
+          <a:blip r:embed="rId3"/>
+          <a:stretch>
+            <a:fillRect/>
+          </a:stretch>
+        </p:blipFill>
+        <p:spPr>
+          <a:xfrm>
+            <a:off x="10058099" y="4174059"/>
+            <a:ext cx="1310847" cy="1779980"/>
+          </a:xfrm>
+          <a:prstGeom prst="rect">
+            <a:avLst/>
+          </a:prstGeom>
+        </p:spPr>
+      </p:pic>
+      <p:cxnSp>
+        <p:nvCxnSpPr>
+          <p:cNvPr id="6" name="Gerade Verbindung mit Pfeil 5"/>
+          <p:cNvCxnSpPr/>
+          <p:nvPr/>
+        </p:nvCxnSpPr>
+        <p:spPr>
+          <a:xfrm>
+            <a:off x="2242353" y="5283424"/>
+            <a:ext cx="7036809" cy="0"/>
+          </a:xfrm>
+          <a:prstGeom prst="straightConnector1">
+            <a:avLst/>
+          </a:prstGeom>
+          <a:ln w="31750">
+            <a:solidFill>
+              <a:schemeClr val="accent2"/>
+            </a:solidFill>
+            <a:headEnd type="triangle"/>
+            <a:tailEnd type="none"/>
+          </a:ln>
+        </p:spPr>
+        <p:style>
+          <a:lnRef idx="1">
+            <a:schemeClr val="accent1"/>
+          </a:lnRef>
+          <a:fillRef idx="0">
+            <a:schemeClr val="accent1"/>
+          </a:fillRef>
+          <a:effectRef idx="0">
+            <a:schemeClr val="accent1"/>
+          </a:effectRef>
+          <a:fontRef idx="minor">
+            <a:schemeClr val="tx1"/>
+          </a:fontRef>
+        </p:style>
+      </p:cxnSp>
+      <p:sp>
+        <p:nvSpPr>
+          <p:cNvPr id="7" name="Textfeld 6"/>
+          <p:cNvSpPr txBox="1"/>
+          <p:nvPr/>
+        </p:nvSpPr>
+        <p:spPr>
+          <a:xfrm>
+            <a:off x="525305" y="6107599"/>
+            <a:ext cx="1035860" cy="523219"/>
+          </a:xfrm>
+          <a:prstGeom prst="rect">
+            <a:avLst/>
+          </a:prstGeom>
+          <a:noFill/>
+        </p:spPr>
+        <p:txBody>
+          <a:bodyPr wrap="none" rtlCol="0">
+            <a:spAutoFit/>
+          </a:bodyPr>
+          <a:lstStyle/>
+          <a:p>
+            <a:r>
+              <a:rPr lang="de-CH" sz="2800" dirty="0" smtClean="0">
+                <a:solidFill>
+                  <a:srgbClr val="606060"/>
+                </a:solidFill>
+                <a:latin typeface="Segoe UI Light" panose="020B0502040204020203" pitchFamily="34" charset="0"/>
+                <a:cs typeface="Segoe UI Light" panose="020B0502040204020203" pitchFamily="34" charset="0"/>
+              </a:rPr>
+              <a:t>Client</a:t>
+            </a:r>
+            <a:endParaRPr lang="de-CH" sz="2800" dirty="0">
+              <a:solidFill>
+                <a:srgbClr val="606060"/>
+              </a:solidFill>
+              <a:latin typeface="Segoe UI Light" panose="020B0502040204020203" pitchFamily="34" charset="0"/>
+              <a:cs typeface="Segoe UI Light" panose="020B0502040204020203" pitchFamily="34" charset="0"/>
+            </a:endParaRPr>
+          </a:p>
+        </p:txBody>
+      </p:sp>
+      <p:sp>
+        <p:nvSpPr>
+          <p:cNvPr id="8" name="Textfeld 7"/>
+          <p:cNvSpPr txBox="1"/>
+          <p:nvPr/>
+        </p:nvSpPr>
+        <p:spPr>
+          <a:xfrm>
+            <a:off x="9977034" y="6107599"/>
+            <a:ext cx="1147558" cy="523219"/>
+          </a:xfrm>
+          <a:prstGeom prst="rect">
+            <a:avLst/>
+          </a:prstGeom>
+          <a:noFill/>
+        </p:spPr>
+        <p:txBody>
+          <a:bodyPr wrap="none" rtlCol="0">
+            <a:spAutoFit/>
+          </a:bodyPr>
+          <a:lstStyle/>
+          <a:p>
+            <a:r>
+              <a:rPr lang="de-CH" sz="2800" dirty="0" smtClean="0">
+                <a:solidFill>
+                  <a:srgbClr val="606060"/>
+                </a:solidFill>
+                <a:latin typeface="Segoe UI Light" panose="020B0502040204020203" pitchFamily="34" charset="0"/>
+                <a:cs typeface="Segoe UI Light" panose="020B0502040204020203" pitchFamily="34" charset="0"/>
+              </a:rPr>
+              <a:t>Server</a:t>
+            </a:r>
+            <a:endParaRPr lang="de-CH" sz="2800" dirty="0">
+              <a:solidFill>
+                <a:srgbClr val="606060"/>
+              </a:solidFill>
+              <a:latin typeface="Segoe UI Light" panose="020B0502040204020203" pitchFamily="34" charset="0"/>
+              <a:cs typeface="Segoe UI Light" panose="020B0502040204020203" pitchFamily="34" charset="0"/>
+            </a:endParaRPr>
+          </a:p>
+        </p:txBody>
+      </p:sp>
+      <p:cxnSp>
+        <p:nvCxnSpPr>
+          <p:cNvPr id="9" name="Gerade Verbindung mit Pfeil 8"/>
+          <p:cNvCxnSpPr/>
+          <p:nvPr/>
+        </p:nvCxnSpPr>
+        <p:spPr>
+          <a:xfrm flipV="1">
+            <a:off x="1749088" y="2031239"/>
+            <a:ext cx="3001587" cy="2142820"/>
+          </a:xfrm>
+          <a:prstGeom prst="straightConnector1">
+            <a:avLst/>
+          </a:prstGeom>
+          <a:ln w="31750">
+            <a:solidFill>
+              <a:schemeClr val="accent2"/>
+            </a:solidFill>
+            <a:headEnd type="none"/>
+            <a:tailEnd type="triangle"/>
+          </a:ln>
+        </p:spPr>
+        <p:style>
+          <a:lnRef idx="1">
+            <a:schemeClr val="accent1"/>
+          </a:lnRef>
+          <a:fillRef idx="0">
+            <a:schemeClr val="accent1"/>
+          </a:fillRef>
+          <a:effectRef idx="0">
+            <a:schemeClr val="accent1"/>
+          </a:effectRef>
+          <a:fontRef idx="minor">
+            <a:schemeClr val="tx1"/>
+          </a:fontRef>
+        </p:style>
+      </p:cxnSp>
+      <p:cxnSp>
+        <p:nvCxnSpPr>
+          <p:cNvPr id="10" name="Gerade Verbindung mit Pfeil 9"/>
+          <p:cNvCxnSpPr/>
+          <p:nvPr/>
+        </p:nvCxnSpPr>
+        <p:spPr>
+          <a:xfrm flipV="1">
+            <a:off x="6380891" y="2716106"/>
+            <a:ext cx="3248172" cy="386545"/>
+          </a:xfrm>
+          <a:prstGeom prst="straightConnector1">
+            <a:avLst/>
+          </a:prstGeom>
+          <a:ln w="31750">
+            <a:solidFill>
+              <a:schemeClr val="accent2"/>
+            </a:solidFill>
+            <a:headEnd type="none"/>
+            <a:tailEnd type="triangle"/>
+          </a:ln>
+        </p:spPr>
+        <p:style>
+          <a:lnRef idx="1">
+            <a:schemeClr val="accent1"/>
+          </a:lnRef>
+          <a:fillRef idx="0">
+            <a:schemeClr val="accent1"/>
+          </a:fillRef>
+          <a:effectRef idx="0">
+            <a:schemeClr val="accent1"/>
+          </a:effectRef>
+          <a:fontRef idx="minor">
+            <a:schemeClr val="tx1"/>
+          </a:fontRef>
+        </p:style>
+      </p:cxnSp>
+      <p:sp>
+        <p:nvSpPr>
+          <p:cNvPr id="11" name="Textfeld 10"/>
+          <p:cNvSpPr txBox="1"/>
+          <p:nvPr/>
+        </p:nvSpPr>
+        <p:spPr>
+          <a:xfrm>
+            <a:off x="4902868" y="5283424"/>
+            <a:ext cx="1505541" cy="523219"/>
+          </a:xfrm>
+          <a:prstGeom prst="rect">
+            <a:avLst/>
+          </a:prstGeom>
+          <a:noFill/>
+        </p:spPr>
+        <p:txBody>
+          <a:bodyPr wrap="none" rtlCol="0">
+            <a:spAutoFit/>
+          </a:bodyPr>
+          <a:lstStyle>
+            <a:defPPr>
+              <a:defRPr lang="de-DE"/>
+            </a:defPPr>
+            <a:lvl1pPr>
+              <a:defRPr sz="1600">
+                <a:solidFill>
+                  <a:srgbClr val="606060"/>
+                </a:solidFill>
+              </a:defRPr>
+            </a:lvl1pPr>
+          </a:lstStyle>
+          <a:p>
+            <a:r>
+              <a:rPr lang="de-CH" sz="2800" dirty="0">
+                <a:latin typeface="Segoe UI Light" panose="020B0502040204020203" pitchFamily="34" charset="0"/>
+                <a:cs typeface="Segoe UI Light" panose="020B0502040204020203" pitchFamily="34" charset="0"/>
+              </a:rPr>
+              <a:t>SAS-URL</a:t>
+            </a:r>
+          </a:p>
+        </p:txBody>
+      </p:sp>
+      <p:cxnSp>
+        <p:nvCxnSpPr>
+          <p:cNvPr id="12" name="Gerade Verbindung mit Pfeil 11"/>
+          <p:cNvCxnSpPr/>
+          <p:nvPr/>
+        </p:nvCxnSpPr>
+        <p:spPr>
+          <a:xfrm>
+            <a:off x="2242351" y="5026400"/>
+            <a:ext cx="7036809" cy="0"/>
+          </a:xfrm>
+          <a:prstGeom prst="straightConnector1">
+            <a:avLst/>
+          </a:prstGeom>
+          <a:ln w="31750">
+            <a:solidFill>
+              <a:schemeClr val="accent2"/>
+            </a:solidFill>
+            <a:headEnd type="none"/>
+            <a:tailEnd type="triangle"/>
+          </a:ln>
+        </p:spPr>
+        <p:style>
+          <a:lnRef idx="1">
+            <a:schemeClr val="accent1"/>
+          </a:lnRef>
+          <a:fillRef idx="0">
+            <a:schemeClr val="accent1"/>
+          </a:fillRef>
+          <a:effectRef idx="0">
+            <a:schemeClr val="accent1"/>
+          </a:effectRef>
+          <a:fontRef idx="minor">
+            <a:schemeClr val="tx1"/>
+          </a:fontRef>
+        </p:style>
+      </p:cxnSp>
+      <p:pic>
+        <p:nvPicPr>
+          <p:cNvPr id="13" name="Picture 67"/>
+          <p:cNvPicPr>
+            <a:picLocks noChangeAspect="1"/>
+          </p:cNvPicPr>
+          <p:nvPr/>
+        </p:nvPicPr>
+        <p:blipFill>
+          <a:blip r:embed="rId4">
+            <a:extLst>
+              <a:ext uri="{28A0092B-C50C-407E-A947-70E740481C1C}">
+                <a14:useLocalDpi xmlns:a14="http://schemas.microsoft.com/office/drawing/2010/main" val="0"/>
+              </a:ext>
+            </a:extLst>
+          </a:blip>
+          <a:srcRect/>
+          <a:stretch>
+            <a:fillRect/>
+          </a:stretch>
+        </p:blipFill>
+        <p:spPr bwMode="auto">
+          <a:xfrm>
+            <a:off x="1475685" y="2605506"/>
+            <a:ext cx="671543" cy="897327"/>
+          </a:xfrm>
+          <a:prstGeom prst="rect">
+            <a:avLst/>
+          </a:prstGeom>
+          <a:noFill/>
+          <a:ln>
+            <a:noFill/>
+          </a:ln>
+          <a:extLst>
+            <a:ext uri="{909E8E84-426E-40DD-AFC4-6F175D3DCCD1}">
+              <a14:hiddenFill xmlns:a14="http://schemas.microsoft.com/office/drawing/2010/main">
+                <a:solidFill>
+                  <a:srgbClr val="FFFFFF"/>
+                </a:solidFill>
+              </a14:hiddenFill>
+            </a:ext>
+            <a:ext uri="{91240B29-F687-4F45-9708-019B960494DF}">
+              <a14:hiddenLine xmlns:a14="http://schemas.microsoft.com/office/drawing/2010/main" w="9525">
+                <a:solidFill>
+                  <a:srgbClr val="000000"/>
+                </a:solidFill>
+                <a:miter lim="800000"/>
+                <a:headEnd/>
+                <a:tailEnd/>
+              </a14:hiddenLine>
+            </a:ext>
+          </a:extLst>
+        </p:spPr>
+      </p:pic>
+      <p:pic>
+        <p:nvPicPr>
+          <p:cNvPr id="14" name="Picture 67"/>
+          <p:cNvPicPr>
+            <a:picLocks noChangeAspect="1"/>
+          </p:cNvPicPr>
+          <p:nvPr/>
+        </p:nvPicPr>
+        <p:blipFill>
+          <a:blip r:embed="rId4">
+            <a:extLst>
+              <a:ext uri="{28A0092B-C50C-407E-A947-70E740481C1C}">
+                <a14:useLocalDpi xmlns:a14="http://schemas.microsoft.com/office/drawing/2010/main" val="0"/>
+              </a:ext>
+            </a:extLst>
+          </a:blip>
+          <a:srcRect/>
+          <a:stretch>
+            <a:fillRect/>
+          </a:stretch>
+        </p:blipFill>
+        <p:spPr bwMode="auto">
+          <a:xfrm>
+            <a:off x="8936733" y="1004313"/>
+            <a:ext cx="671543" cy="897327"/>
+          </a:xfrm>
+          <a:prstGeom prst="rect">
+            <a:avLst/>
+          </a:prstGeom>
+          <a:noFill/>
+          <a:ln>
+            <a:noFill/>
+          </a:ln>
+          <a:extLst>
+            <a:ext uri="{909E8E84-426E-40DD-AFC4-6F175D3DCCD1}">
+              <a14:hiddenFill xmlns:a14="http://schemas.microsoft.com/office/drawing/2010/main">
+                <a:solidFill>
+                  <a:srgbClr val="FFFFFF"/>
+                </a:solidFill>
+              </a14:hiddenFill>
+            </a:ext>
+            <a:ext uri="{91240B29-F687-4F45-9708-019B960494DF}">
+              <a14:hiddenLine xmlns:a14="http://schemas.microsoft.com/office/drawing/2010/main" w="9525">
+                <a:solidFill>
+                  <a:srgbClr val="000000"/>
+                </a:solidFill>
+                <a:miter lim="800000"/>
+                <a:headEnd/>
+                <a:tailEnd/>
+              </a14:hiddenLine>
+            </a:ext>
+          </a:extLst>
+        </p:spPr>
+      </p:pic>
+      <p:sp>
+        <p:nvSpPr>
+          <p:cNvPr id="15" name="Oval 2"/>
+          <p:cNvSpPr/>
+          <p:nvPr/>
+        </p:nvSpPr>
+        <p:spPr bwMode="auto">
+          <a:xfrm>
+            <a:off x="7283930" y="4537250"/>
+            <a:ext cx="440737" cy="440737"/>
+          </a:xfrm>
+          <a:prstGeom prst="ellipse">
+            <a:avLst/>
+          </a:prstGeom>
+          <a:noFill/>
+          <a:ln w="25400">
+            <a:solidFill>
+              <a:srgbClr val="616161"/>
+            </a:solidFill>
+            <a:headEnd type="none" w="med" len="med"/>
+            <a:tailEnd type="none" w="med" len="med"/>
+          </a:ln>
+          <a:effectLst/>
+        </p:spPr>
+        <p:style>
+          <a:lnRef idx="1">
+            <a:schemeClr val="accent2"/>
+          </a:lnRef>
+          <a:fillRef idx="3">
+            <a:schemeClr val="accent2"/>
+          </a:fillRef>
+          <a:effectRef idx="2">
+            <a:schemeClr val="accent2"/>
+          </a:effectRef>
+          <a:fontRef idx="minor">
+            <a:schemeClr val="lt1"/>
+          </a:fontRef>
+        </p:style>
+        <p:txBody>
+          <a:bodyPr vert="horz" wrap="square" lIns="91436" tIns="45718" rIns="91436" bIns="45718" numCol="1" rtlCol="0" anchor="ctr" anchorCtr="0" compatLnSpc="1">
+            <a:prstTxWarp prst="textNoShape">
+              <a:avLst/>
+            </a:prstTxWarp>
+          </a:bodyPr>
+          <a:lstStyle/>
+          <a:p>
+            <a:pPr algn="ctr" defTabSz="914099" fontAlgn="base">
+              <a:spcBef>
+                <a:spcPct val="0"/>
+              </a:spcBef>
+              <a:spcAft>
+                <a:spcPct val="0"/>
+              </a:spcAft>
+            </a:pPr>
+            <a:r>
+              <a:rPr lang="en-US" sz="2800" dirty="0" smtClean="0">
+                <a:solidFill>
+                  <a:srgbClr val="616161"/>
+                </a:solidFill>
+                <a:latin typeface="Segoe UI Light" panose="020B0502040204020203" pitchFamily="34" charset="0"/>
+                <a:cs typeface="Segoe UI Light" panose="020B0502040204020203" pitchFamily="34" charset="0"/>
+              </a:rPr>
+              <a:t>1</a:t>
+            </a:r>
+          </a:p>
+        </p:txBody>
+      </p:sp>
+      <p:sp>
+        <p:nvSpPr>
+          <p:cNvPr id="16" name="Oval 2"/>
+          <p:cNvSpPr/>
+          <p:nvPr/>
+        </p:nvSpPr>
+        <p:spPr bwMode="auto">
+          <a:xfrm>
+            <a:off x="6847244" y="5336800"/>
+            <a:ext cx="440737" cy="440737"/>
+          </a:xfrm>
+          <a:prstGeom prst="ellipse">
+            <a:avLst/>
+          </a:prstGeom>
+          <a:noFill/>
+          <a:ln w="25400">
+            <a:solidFill>
+              <a:srgbClr val="616161"/>
+            </a:solidFill>
+            <a:headEnd type="none" w="med" len="med"/>
+            <a:tailEnd type="none" w="med" len="med"/>
+          </a:ln>
+          <a:effectLst/>
+        </p:spPr>
+        <p:style>
+          <a:lnRef idx="1">
+            <a:schemeClr val="accent2"/>
+          </a:lnRef>
+          <a:fillRef idx="3">
+            <a:schemeClr val="accent2"/>
+          </a:fillRef>
+          <a:effectRef idx="2">
+            <a:schemeClr val="accent2"/>
+          </a:effectRef>
+          <a:fontRef idx="minor">
+            <a:schemeClr val="lt1"/>
+          </a:fontRef>
+        </p:style>
+        <p:txBody>
+          <a:bodyPr vert="horz" wrap="square" lIns="91436" tIns="45718" rIns="91436" bIns="45718" numCol="1" rtlCol="0" anchor="ctr" anchorCtr="0" compatLnSpc="1">
+            <a:prstTxWarp prst="textNoShape">
+              <a:avLst/>
+            </a:prstTxWarp>
+          </a:bodyPr>
+          <a:lstStyle/>
+          <a:p>
+            <a:pPr algn="ctr" defTabSz="914099" fontAlgn="base">
+              <a:spcBef>
+                <a:spcPct val="0"/>
+              </a:spcBef>
+              <a:spcAft>
+                <a:spcPct val="0"/>
+              </a:spcAft>
+            </a:pPr>
+            <a:r>
+              <a:rPr lang="en-US" sz="2800" dirty="0" smtClean="0">
+                <a:solidFill>
+                  <a:srgbClr val="616161"/>
+                </a:solidFill>
+                <a:latin typeface="Segoe UI Light" panose="020B0502040204020203" pitchFamily="34" charset="0"/>
+                <a:cs typeface="Segoe UI Light" panose="020B0502040204020203" pitchFamily="34" charset="0"/>
+              </a:rPr>
+              <a:t>2</a:t>
+            </a:r>
+          </a:p>
+        </p:txBody>
+      </p:sp>
+      <p:sp>
+        <p:nvSpPr>
+          <p:cNvPr id="17" name="Oval 2"/>
+          <p:cNvSpPr/>
+          <p:nvPr/>
+        </p:nvSpPr>
+        <p:spPr bwMode="auto">
+          <a:xfrm>
+            <a:off x="2341197" y="2882280"/>
+            <a:ext cx="440737" cy="440737"/>
+          </a:xfrm>
+          <a:prstGeom prst="ellipse">
+            <a:avLst/>
+          </a:prstGeom>
+          <a:noFill/>
+          <a:ln w="25400">
+            <a:solidFill>
+              <a:srgbClr val="616161"/>
+            </a:solidFill>
+            <a:headEnd type="none" w="med" len="med"/>
+            <a:tailEnd type="none" w="med" len="med"/>
+          </a:ln>
+          <a:effectLst/>
+        </p:spPr>
+        <p:style>
+          <a:lnRef idx="1">
+            <a:schemeClr val="accent2"/>
+          </a:lnRef>
+          <a:fillRef idx="3">
+            <a:schemeClr val="accent2"/>
+          </a:fillRef>
+          <a:effectRef idx="2">
+            <a:schemeClr val="accent2"/>
+          </a:effectRef>
+          <a:fontRef idx="minor">
+            <a:schemeClr val="lt1"/>
+          </a:fontRef>
+        </p:style>
+        <p:txBody>
+          <a:bodyPr vert="horz" wrap="square" lIns="91436" tIns="45718" rIns="91436" bIns="45718" numCol="1" rtlCol="0" anchor="ctr" anchorCtr="0" compatLnSpc="1">
+            <a:prstTxWarp prst="textNoShape">
+              <a:avLst/>
+            </a:prstTxWarp>
+          </a:bodyPr>
+          <a:lstStyle/>
+          <a:p>
+            <a:pPr algn="ctr" defTabSz="914099" fontAlgn="base">
+              <a:spcBef>
+                <a:spcPct val="0"/>
+              </a:spcBef>
+              <a:spcAft>
+                <a:spcPct val="0"/>
+              </a:spcAft>
+            </a:pPr>
+            <a:r>
+              <a:rPr lang="en-US" sz="2800" dirty="0" smtClean="0">
+                <a:solidFill>
+                  <a:srgbClr val="616161"/>
+                </a:solidFill>
+                <a:latin typeface="Segoe UI Light" panose="020B0502040204020203" pitchFamily="34" charset="0"/>
+                <a:cs typeface="Segoe UI Light" panose="020B0502040204020203" pitchFamily="34" charset="0"/>
+              </a:rPr>
+              <a:t>3</a:t>
+            </a:r>
+          </a:p>
+        </p:txBody>
+      </p:sp>
+      <p:sp>
+        <p:nvSpPr>
+          <p:cNvPr id="18" name="Oval 2"/>
+          <p:cNvSpPr/>
+          <p:nvPr/>
+        </p:nvSpPr>
+        <p:spPr bwMode="auto">
+          <a:xfrm>
+            <a:off x="3472822" y="3791899"/>
+            <a:ext cx="440737" cy="440737"/>
+          </a:xfrm>
+          <a:prstGeom prst="ellipse">
+            <a:avLst/>
+          </a:prstGeom>
+          <a:noFill/>
+          <a:ln w="25400">
+            <a:solidFill>
+              <a:srgbClr val="616161"/>
+            </a:solidFill>
+            <a:headEnd type="none" w="med" len="med"/>
+            <a:tailEnd type="none" w="med" len="med"/>
+          </a:ln>
+          <a:effectLst/>
+        </p:spPr>
+        <p:style>
+          <a:lnRef idx="1">
+            <a:schemeClr val="accent2"/>
+          </a:lnRef>
+          <a:fillRef idx="3">
+            <a:schemeClr val="accent2"/>
+          </a:fillRef>
+          <a:effectRef idx="2">
+            <a:schemeClr val="accent2"/>
+          </a:effectRef>
+          <a:fontRef idx="minor">
+            <a:schemeClr val="lt1"/>
+          </a:fontRef>
+        </p:style>
+        <p:txBody>
+          <a:bodyPr vert="horz" wrap="square" lIns="91436" tIns="45718" rIns="91436" bIns="45718" numCol="1" rtlCol="0" anchor="ctr" anchorCtr="0" compatLnSpc="1">
+            <a:prstTxWarp prst="textNoShape">
+              <a:avLst/>
+            </a:prstTxWarp>
+          </a:bodyPr>
+          <a:lstStyle/>
+          <a:p>
+            <a:pPr algn="ctr" defTabSz="914099" fontAlgn="base">
+              <a:spcBef>
+                <a:spcPct val="0"/>
+              </a:spcBef>
+              <a:spcAft>
+                <a:spcPct val="0"/>
+              </a:spcAft>
+            </a:pPr>
+            <a:r>
+              <a:rPr lang="en-US" sz="2800" dirty="0" smtClean="0">
+                <a:solidFill>
+                  <a:srgbClr val="616161"/>
+                </a:solidFill>
+                <a:latin typeface="Segoe UI Light" panose="020B0502040204020203" pitchFamily="34" charset="0"/>
+                <a:cs typeface="Segoe UI Light" panose="020B0502040204020203" pitchFamily="34" charset="0"/>
+              </a:rPr>
+              <a:t>4</a:t>
+            </a:r>
+          </a:p>
+        </p:txBody>
+      </p:sp>
+      <p:pic>
+        <p:nvPicPr>
+          <p:cNvPr id="19" name="Grafik 18"/>
+          <p:cNvPicPr>
+            <a:picLocks noChangeAspect="1"/>
+          </p:cNvPicPr>
+          <p:nvPr/>
+        </p:nvPicPr>
+        <p:blipFill>
+          <a:blip r:embed="rId3"/>
+          <a:stretch>
+            <a:fillRect/>
+          </a:stretch>
+        </p:blipFill>
+        <p:spPr>
+          <a:xfrm>
+            <a:off x="9930837" y="1806595"/>
+            <a:ext cx="846568" cy="1149543"/>
+          </a:xfrm>
+          <a:prstGeom prst="rect">
+            <a:avLst/>
+          </a:prstGeom>
+        </p:spPr>
+      </p:pic>
+      <p:pic>
+        <p:nvPicPr>
+          <p:cNvPr id="20" name="Grafik 19"/>
+          <p:cNvPicPr>
+            <a:picLocks noChangeAspect="1"/>
+          </p:cNvPicPr>
+          <p:nvPr/>
+        </p:nvPicPr>
+        <p:blipFill>
+          <a:blip r:embed="rId3"/>
+          <a:stretch>
+            <a:fillRect/>
+          </a:stretch>
+        </p:blipFill>
+        <p:spPr>
+          <a:xfrm>
+            <a:off x="10332060" y="2035742"/>
+            <a:ext cx="846568" cy="1149543"/>
+          </a:xfrm>
+          <a:prstGeom prst="rect">
+            <a:avLst/>
+          </a:prstGeom>
+        </p:spPr>
+      </p:pic>
+      <p:pic>
+        <p:nvPicPr>
+          <p:cNvPr id="21" name="Grafik 20"/>
+          <p:cNvPicPr>
+            <a:picLocks noChangeAspect="1"/>
+          </p:cNvPicPr>
+          <p:nvPr/>
+        </p:nvPicPr>
+        <p:blipFill>
+          <a:blip r:embed="rId3"/>
+          <a:stretch>
+            <a:fillRect/>
+          </a:stretch>
+        </p:blipFill>
+        <p:spPr>
+          <a:xfrm>
+            <a:off x="10750685" y="2273028"/>
+            <a:ext cx="846568" cy="1149543"/>
+          </a:xfrm>
+          <a:prstGeom prst="rect">
+            <a:avLst/>
+          </a:prstGeom>
+        </p:spPr>
+      </p:pic>
+      <p:cxnSp>
+        <p:nvCxnSpPr>
+          <p:cNvPr id="22" name="Gerade Verbindung mit Pfeil 21"/>
+          <p:cNvCxnSpPr/>
+          <p:nvPr/>
+        </p:nvCxnSpPr>
+        <p:spPr>
+          <a:xfrm>
+            <a:off x="6221495" y="1757588"/>
+            <a:ext cx="3407568" cy="390122"/>
+          </a:xfrm>
+          <a:prstGeom prst="straightConnector1">
+            <a:avLst/>
+          </a:prstGeom>
+          <a:ln w="31750">
+            <a:solidFill>
+              <a:schemeClr val="accent2"/>
+            </a:solidFill>
+            <a:headEnd type="triangle"/>
+            <a:tailEnd type="triangle"/>
+          </a:ln>
+        </p:spPr>
+        <p:style>
+          <a:lnRef idx="1">
+            <a:schemeClr val="accent1"/>
+          </a:lnRef>
+          <a:fillRef idx="0">
+            <a:schemeClr val="accent1"/>
+          </a:fillRef>
+          <a:effectRef idx="0">
+            <a:schemeClr val="accent1"/>
+          </a:effectRef>
+          <a:fontRef idx="minor">
+            <a:schemeClr val="tx1"/>
+          </a:fontRef>
+        </p:style>
+      </p:cxnSp>
+      <p:sp>
+        <p:nvSpPr>
+          <p:cNvPr id="23" name="Textfeld 22"/>
+          <p:cNvSpPr txBox="1"/>
+          <p:nvPr/>
+        </p:nvSpPr>
+        <p:spPr>
+          <a:xfrm>
+            <a:off x="3345341" y="433017"/>
+            <a:ext cx="2325508" cy="523220"/>
+          </a:xfrm>
+          <a:prstGeom prst="rect">
+            <a:avLst/>
+          </a:prstGeom>
+          <a:noFill/>
+        </p:spPr>
+        <p:txBody>
+          <a:bodyPr wrap="none" rtlCol="0">
+            <a:spAutoFit/>
+          </a:bodyPr>
+          <a:lstStyle/>
+          <a:p>
+            <a:r>
+              <a:rPr lang="de-CH" sz="2800" dirty="0" err="1" smtClean="0">
+                <a:solidFill>
+                  <a:srgbClr val="3C4D62"/>
+                </a:solidFill>
+                <a:latin typeface="Segoe UI Light" panose="020B0502040204020203" pitchFamily="34" charset="0"/>
+                <a:cs typeface="Segoe UI Light" panose="020B0502040204020203" pitchFamily="34" charset="0"/>
+              </a:rPr>
+              <a:t>Azure</a:t>
+            </a:r>
+            <a:r>
+              <a:rPr lang="de-CH" sz="2800" dirty="0" smtClean="0">
+                <a:solidFill>
+                  <a:srgbClr val="3C4D62"/>
+                </a:solidFill>
+                <a:latin typeface="Segoe UI Light" panose="020B0502040204020203" pitchFamily="34" charset="0"/>
+                <a:cs typeface="Segoe UI Light" panose="020B0502040204020203" pitchFamily="34" charset="0"/>
+              </a:rPr>
+              <a:t> Storage</a:t>
+            </a:r>
+            <a:endParaRPr lang="de-CH" sz="2800" dirty="0">
+              <a:solidFill>
+                <a:srgbClr val="3C4D62"/>
+              </a:solidFill>
+              <a:latin typeface="Segoe UI Light" panose="020B0502040204020203" pitchFamily="34" charset="0"/>
+              <a:cs typeface="Segoe UI Light" panose="020B0502040204020203" pitchFamily="34" charset="0"/>
+            </a:endParaRPr>
+          </a:p>
+        </p:txBody>
+      </p:sp>
+      <p:cxnSp>
+        <p:nvCxnSpPr>
+          <p:cNvPr id="24" name="Gerade Verbindung mit Pfeil 23"/>
+          <p:cNvCxnSpPr/>
+          <p:nvPr/>
+        </p:nvCxnSpPr>
+        <p:spPr>
+          <a:xfrm flipV="1">
+            <a:off x="1940008" y="3102650"/>
+            <a:ext cx="2810667" cy="1285188"/>
+          </a:xfrm>
+          <a:prstGeom prst="straightConnector1">
+            <a:avLst/>
+          </a:prstGeom>
+          <a:ln w="31750">
+            <a:solidFill>
+              <a:schemeClr val="accent2"/>
+            </a:solidFill>
+            <a:headEnd type="none"/>
+            <a:tailEnd type="triangle"/>
+          </a:ln>
+        </p:spPr>
+        <p:style>
+          <a:lnRef idx="1">
+            <a:schemeClr val="accent1"/>
+          </a:lnRef>
+          <a:fillRef idx="0">
+            <a:schemeClr val="accent1"/>
+          </a:fillRef>
+          <a:effectRef idx="0">
+            <a:schemeClr val="accent1"/>
+          </a:effectRef>
+          <a:fontRef idx="minor">
+            <a:schemeClr val="tx1"/>
+          </a:fontRef>
+        </p:style>
+      </p:cxnSp>
+      <p:sp>
+        <p:nvSpPr>
+          <p:cNvPr id="25" name="Textfeld 24"/>
+          <p:cNvSpPr txBox="1"/>
+          <p:nvPr/>
+        </p:nvSpPr>
+        <p:spPr>
+          <a:xfrm>
+            <a:off x="9977034" y="957093"/>
+            <a:ext cx="1414362" cy="523219"/>
+          </a:xfrm>
+          <a:prstGeom prst="rect">
+            <a:avLst/>
+          </a:prstGeom>
+          <a:noFill/>
+        </p:spPr>
+        <p:txBody>
+          <a:bodyPr wrap="none" rtlCol="0">
+            <a:spAutoFit/>
+          </a:bodyPr>
+          <a:lstStyle/>
+          <a:p>
+            <a:r>
+              <a:rPr lang="de-CH" sz="2800" dirty="0" err="1" smtClean="0">
+                <a:solidFill>
+                  <a:srgbClr val="606060"/>
+                </a:solidFill>
+                <a:latin typeface="Segoe UI Light" panose="020B0502040204020203" pitchFamily="34" charset="0"/>
+                <a:cs typeface="Segoe UI Light" panose="020B0502040204020203" pitchFamily="34" charset="0"/>
+              </a:rPr>
+              <a:t>Workers</a:t>
+            </a:r>
+            <a:endParaRPr lang="de-CH" sz="2800" dirty="0">
+              <a:solidFill>
+                <a:srgbClr val="606060"/>
+              </a:solidFill>
+              <a:latin typeface="Segoe UI Light" panose="020B0502040204020203" pitchFamily="34" charset="0"/>
+              <a:cs typeface="Segoe UI Light" panose="020B0502040204020203" pitchFamily="34" charset="0"/>
+            </a:endParaRPr>
+          </a:p>
+        </p:txBody>
+      </p:sp>
+      <p:sp>
+        <p:nvSpPr>
+          <p:cNvPr id="26" name="Oval 2"/>
+          <p:cNvSpPr/>
+          <p:nvPr/>
+        </p:nvSpPr>
+        <p:spPr bwMode="auto">
+          <a:xfrm>
+            <a:off x="9007472" y="3335630"/>
+            <a:ext cx="440737" cy="440737"/>
+          </a:xfrm>
+          <a:prstGeom prst="ellipse">
+            <a:avLst/>
+          </a:prstGeom>
+          <a:noFill/>
+          <a:ln w="25400">
+            <a:solidFill>
+              <a:srgbClr val="616161"/>
+            </a:solidFill>
+            <a:headEnd type="none" w="med" len="med"/>
+            <a:tailEnd type="none" w="med" len="med"/>
+          </a:ln>
+          <a:effectLst/>
+        </p:spPr>
+        <p:style>
+          <a:lnRef idx="1">
+            <a:schemeClr val="accent2"/>
+          </a:lnRef>
+          <a:fillRef idx="3">
+            <a:schemeClr val="accent2"/>
+          </a:fillRef>
+          <a:effectRef idx="2">
+            <a:schemeClr val="accent2"/>
+          </a:effectRef>
+          <a:fontRef idx="minor">
+            <a:schemeClr val="lt1"/>
+          </a:fontRef>
+        </p:style>
+        <p:txBody>
+          <a:bodyPr vert="horz" wrap="square" lIns="91436" tIns="45718" rIns="91436" bIns="45718" numCol="1" rtlCol="0" anchor="ctr" anchorCtr="0" compatLnSpc="1">
+            <a:prstTxWarp prst="textNoShape">
+              <a:avLst/>
+            </a:prstTxWarp>
+          </a:bodyPr>
+          <a:lstStyle/>
+          <a:p>
+            <a:pPr algn="ctr" defTabSz="914099" fontAlgn="base">
+              <a:spcBef>
+                <a:spcPct val="0"/>
+              </a:spcBef>
+              <a:spcAft>
+                <a:spcPct val="0"/>
+              </a:spcAft>
+            </a:pPr>
+            <a:r>
+              <a:rPr lang="en-US" sz="2800" dirty="0" smtClean="0">
+                <a:solidFill>
+                  <a:srgbClr val="616161"/>
+                </a:solidFill>
+                <a:latin typeface="Segoe UI Light" panose="020B0502040204020203" pitchFamily="34" charset="0"/>
+                <a:cs typeface="Segoe UI Light" panose="020B0502040204020203" pitchFamily="34" charset="0"/>
+              </a:rPr>
+              <a:t>5</a:t>
+            </a:r>
+          </a:p>
+        </p:txBody>
+      </p:sp>
+      <p:sp>
+        <p:nvSpPr>
+          <p:cNvPr id="27" name="Oval 2"/>
+          <p:cNvSpPr/>
+          <p:nvPr/>
+        </p:nvSpPr>
+        <p:spPr bwMode="auto">
+          <a:xfrm>
+            <a:off x="8370932" y="1106696"/>
+            <a:ext cx="440737" cy="440737"/>
+          </a:xfrm>
+          <a:prstGeom prst="ellipse">
+            <a:avLst/>
+          </a:prstGeom>
+          <a:noFill/>
+          <a:ln w="25400">
+            <a:solidFill>
+              <a:srgbClr val="616161"/>
+            </a:solidFill>
+            <a:headEnd type="none" w="med" len="med"/>
+            <a:tailEnd type="none" w="med" len="med"/>
+          </a:ln>
+          <a:effectLst/>
+        </p:spPr>
+        <p:style>
+          <a:lnRef idx="1">
+            <a:schemeClr val="accent2"/>
+          </a:lnRef>
+          <a:fillRef idx="3">
+            <a:schemeClr val="accent2"/>
+          </a:fillRef>
+          <a:effectRef idx="2">
+            <a:schemeClr val="accent2"/>
+          </a:effectRef>
+          <a:fontRef idx="minor">
+            <a:schemeClr val="lt1"/>
+          </a:fontRef>
+        </p:style>
+        <p:txBody>
+          <a:bodyPr vert="horz" wrap="square" lIns="91436" tIns="45718" rIns="91436" bIns="45718" numCol="1" rtlCol="0" anchor="ctr" anchorCtr="0" compatLnSpc="1">
+            <a:prstTxWarp prst="textNoShape">
+              <a:avLst/>
+            </a:prstTxWarp>
+          </a:bodyPr>
+          <a:lstStyle/>
+          <a:p>
+            <a:pPr algn="ctr" defTabSz="914099" fontAlgn="base">
+              <a:spcBef>
+                <a:spcPct val="0"/>
+              </a:spcBef>
+              <a:spcAft>
+                <a:spcPct val="0"/>
+              </a:spcAft>
+            </a:pPr>
+            <a:r>
+              <a:rPr lang="en-US" sz="2800" dirty="0" smtClean="0">
+                <a:solidFill>
+                  <a:srgbClr val="616161"/>
+                </a:solidFill>
+                <a:latin typeface="Segoe UI Light" panose="020B0502040204020203" pitchFamily="34" charset="0"/>
+                <a:cs typeface="Segoe UI Light" panose="020B0502040204020203" pitchFamily="34" charset="0"/>
+              </a:rPr>
+              <a:t>6</a:t>
+            </a:r>
+          </a:p>
+        </p:txBody>
+      </p:sp>
+      <p:cxnSp>
+        <p:nvCxnSpPr>
+          <p:cNvPr id="28" name="Gerade Verbindung mit Pfeil 27"/>
+          <p:cNvCxnSpPr/>
+          <p:nvPr/>
+        </p:nvCxnSpPr>
+        <p:spPr>
+          <a:xfrm flipV="1">
+            <a:off x="6380891" y="2986103"/>
+            <a:ext cx="3518170" cy="116547"/>
+          </a:xfrm>
+          <a:prstGeom prst="straightConnector1">
+            <a:avLst/>
+          </a:prstGeom>
+          <a:ln w="31750">
+            <a:solidFill>
+              <a:schemeClr val="accent2"/>
+            </a:solidFill>
+            <a:headEnd type="none"/>
+            <a:tailEnd type="triangle"/>
+          </a:ln>
+        </p:spPr>
+        <p:style>
+          <a:lnRef idx="1">
+            <a:schemeClr val="accent1"/>
+          </a:lnRef>
+          <a:fillRef idx="0">
+            <a:schemeClr val="accent1"/>
+          </a:fillRef>
+          <a:effectRef idx="0">
+            <a:schemeClr val="accent1"/>
+          </a:effectRef>
+          <a:fontRef idx="minor">
+            <a:schemeClr val="tx1"/>
+          </a:fontRef>
+        </p:style>
+      </p:cxnSp>
+      <p:pic>
+        <p:nvPicPr>
+          <p:cNvPr id="29" name="Picture 5"/>
+          <p:cNvPicPr>
+            <a:picLocks noChangeAspect="1"/>
+          </p:cNvPicPr>
+          <p:nvPr/>
+        </p:nvPicPr>
+        <p:blipFill>
+          <a:blip r:embed="rId5">
+            <a:duotone>
+              <a:prstClr val="black"/>
+              <a:schemeClr val="accent1">
+                <a:tint val="45000"/>
+                <a:satMod val="400000"/>
+              </a:schemeClr>
+            </a:duotone>
+            <a:extLst>
+              <a:ext uri="{28A0092B-C50C-407E-A947-70E740481C1C}">
+                <a14:useLocalDpi xmlns:a14="http://schemas.microsoft.com/office/drawing/2010/main" val="0"/>
+              </a:ext>
+            </a:extLst>
+          </a:blip>
+          <a:srcRect/>
+          <a:stretch>
+            <a:fillRect/>
+          </a:stretch>
+        </p:blipFill>
+        <p:spPr bwMode="auto">
+          <a:xfrm>
+            <a:off x="4845191" y="1037255"/>
+            <a:ext cx="1345756" cy="1176210"/>
+          </a:xfrm>
+          <a:prstGeom prst="rect">
+            <a:avLst/>
+          </a:prstGeom>
+          <a:noFill/>
+          <a:ln>
+            <a:noFill/>
+          </a:ln>
+          <a:extLst>
+            <a:ext uri="{909E8E84-426E-40DD-AFC4-6F175D3DCCD1}">
+              <a14:hiddenFill xmlns:a14="http://schemas.microsoft.com/office/drawing/2010/main">
+                <a:solidFill>
+                  <a:srgbClr val="FFFFFF"/>
+                </a:solidFill>
+              </a14:hiddenFill>
+            </a:ext>
+            <a:ext uri="{91240B29-F687-4F45-9708-019B960494DF}">
+              <a14:hiddenLine xmlns:a14="http://schemas.microsoft.com/office/drawing/2010/main" w="9525">
+                <a:solidFill>
+                  <a:srgbClr val="000000"/>
+                </a:solidFill>
+                <a:miter lim="800000"/>
+                <a:headEnd/>
+                <a:tailEnd/>
+              </a14:hiddenLine>
+            </a:ext>
+          </a:extLst>
+        </p:spPr>
+      </p:pic>
+      <p:pic>
+        <p:nvPicPr>
+          <p:cNvPr id="30" name="Picture 7"/>
+          <p:cNvPicPr>
+            <a:picLocks noChangeAspect="1"/>
+          </p:cNvPicPr>
+          <p:nvPr/>
+        </p:nvPicPr>
+        <p:blipFill>
+          <a:blip r:embed="rId6">
+            <a:duotone>
+              <a:prstClr val="black"/>
+              <a:schemeClr val="accent1">
+                <a:tint val="45000"/>
+                <a:satMod val="400000"/>
+              </a:schemeClr>
+            </a:duotone>
+            <a:extLst>
+              <a:ext uri="{28A0092B-C50C-407E-A947-70E740481C1C}">
+                <a14:useLocalDpi xmlns:a14="http://schemas.microsoft.com/office/drawing/2010/main" val="0"/>
+              </a:ext>
+            </a:extLst>
+          </a:blip>
+          <a:srcRect/>
+          <a:stretch>
+            <a:fillRect/>
+          </a:stretch>
+        </p:blipFill>
+        <p:spPr bwMode="auto">
+          <a:xfrm>
+            <a:off x="4893176" y="2359519"/>
+            <a:ext cx="1283903" cy="1114786"/>
+          </a:xfrm>
+          <a:prstGeom prst="rect">
+            <a:avLst/>
+          </a:prstGeom>
+          <a:noFill/>
+          <a:ln>
+            <a:noFill/>
+          </a:ln>
+          <a:extLst>
+            <a:ext uri="{909E8E84-426E-40DD-AFC4-6F175D3DCCD1}">
+              <a14:hiddenFill xmlns:a14="http://schemas.microsoft.com/office/drawing/2010/main">
+                <a:solidFill>
+                  <a:srgbClr val="FFFFFF"/>
+                </a:solidFill>
+              </a14:hiddenFill>
+            </a:ext>
+            <a:ext uri="{91240B29-F687-4F45-9708-019B960494DF}">
+              <a14:hiddenLine xmlns:a14="http://schemas.microsoft.com/office/drawing/2010/main" w="9525">
+                <a:solidFill>
+                  <a:srgbClr val="000000"/>
+                </a:solidFill>
+                <a:miter lim="800000"/>
+                <a:headEnd/>
+                <a:tailEnd/>
+              </a14:hiddenLine>
+            </a:ext>
+          </a:extLst>
+        </p:spPr>
+      </p:pic>
     </p:spTree>
     <p:extLst>
       <p:ext uri="{BB962C8B-B14F-4D97-AF65-F5344CB8AC3E}">
@@ -9466,7 +10819,7 @@
 </p:sld>
 </file>
 
-<file path=ppt/slides/slide7.xml><?xml version="1.0" encoding="utf-8"?>
+<file path=ppt/slides/slide8.xml><?xml version="1.0" encoding="utf-8"?>
 <p:sld xmlns:a="http://schemas.openxmlformats.org/drawingml/2006/main" xmlns:r="http://schemas.openxmlformats.org/officeDocument/2006/relationships" xmlns:p="http://schemas.openxmlformats.org/presentationml/2006/main">
   <p:cSld>
     <p:spTree>
@@ -10995,14 +12348,7 @@
                 <a:latin typeface="Segoe UI Light" panose="020B0502040204020203" pitchFamily="34" charset="0"/>
                 <a:cs typeface="Segoe UI Light" panose="020B0502040204020203" pitchFamily="34" charset="0"/>
               </a:rPr>
-              <a:t>Worker </a:t>
-            </a:r>
-            <a:r>
-              <a:rPr lang="de-CH" sz="1800" dirty="0" smtClean="0">
-                <a:latin typeface="Segoe UI Light" panose="020B0502040204020203" pitchFamily="34" charset="0"/>
-                <a:cs typeface="Segoe UI Light" panose="020B0502040204020203" pitchFamily="34" charset="0"/>
-              </a:rPr>
-              <a:t>Prozess</a:t>
+              <a:t>Worker Prozess</a:t>
             </a:r>
           </a:p>
           <a:p>
@@ -11364,7 +12710,7 @@
 </p:sld>
 </file>
 
-<file path=ppt/slides/slide8.xml><?xml version="1.0" encoding="utf-8"?>
+<file path=ppt/slides/slide9.xml><?xml version="1.0" encoding="utf-8"?>
 <p:sld xmlns:a="http://schemas.openxmlformats.org/drawingml/2006/main" xmlns:r="http://schemas.openxmlformats.org/officeDocument/2006/relationships" xmlns:p="http://schemas.openxmlformats.org/presentationml/2006/main">
   <p:cSld>
     <p:spTree>
@@ -11606,17 +12952,7 @@
                 <a:latin typeface="Segoe UI Light" panose="020B0502040204020203" pitchFamily="34" charset="0"/>
                 <a:cs typeface="Segoe UI Light" panose="020B0502040204020203" pitchFamily="34" charset="0"/>
               </a:rPr>
-              <a:t>Azure </a:t>
-            </a:r>
-            <a:r>
-              <a:rPr lang="de-CH" dirty="0" smtClean="0">
-                <a:solidFill>
-                  <a:srgbClr val="344456"/>
-                </a:solidFill>
-                <a:latin typeface="Segoe UI Light" panose="020B0502040204020203" pitchFamily="34" charset="0"/>
-                <a:cs typeface="Segoe UI Light" panose="020B0502040204020203" pitchFamily="34" charset="0"/>
-              </a:rPr>
-              <a:t>Datacenter </a:t>
+              <a:t>Azure Datacenter </a:t>
             </a:r>
           </a:p>
           <a:p>
@@ -11640,1242 +12976,6 @@
           </a:p>
         </p:txBody>
       </p:sp>
-      <p:grpSp>
-        <p:nvGrpSpPr>
-          <p:cNvPr id="9" name="Group 6"/>
-          <p:cNvGrpSpPr/>
-          <p:nvPr/>
-        </p:nvGrpSpPr>
-        <p:grpSpPr>
-          <a:xfrm>
-            <a:off x="5170474" y="3739072"/>
-            <a:ext cx="645027" cy="606912"/>
-            <a:chOff x="3858449" y="4725144"/>
-            <a:chExt cx="368990" cy="356658"/>
-          </a:xfrm>
-        </p:grpSpPr>
-        <p:sp>
-          <p:nvSpPr>
-            <p:cNvPr id="19" name="Rounded Rectangle 12"/>
-            <p:cNvSpPr/>
-            <p:nvPr/>
-          </p:nvSpPr>
-          <p:spPr>
-            <a:xfrm>
-              <a:off x="3858449" y="4725144"/>
-              <a:ext cx="368990" cy="356658"/>
-            </a:xfrm>
-            <a:prstGeom prst="roundRect">
-              <a:avLst/>
-            </a:prstGeom>
-            <a:solidFill>
-              <a:srgbClr val="616161"/>
-            </a:solidFill>
-            <a:ln>
-              <a:noFill/>
-            </a:ln>
-          </p:spPr>
-          <p:style>
-            <a:lnRef idx="2">
-              <a:schemeClr val="accent1">
-                <a:shade val="50000"/>
-              </a:schemeClr>
-            </a:lnRef>
-            <a:fillRef idx="1">
-              <a:schemeClr val="accent1"/>
-            </a:fillRef>
-            <a:effectRef idx="0">
-              <a:schemeClr val="accent1"/>
-            </a:effectRef>
-            <a:fontRef idx="minor">
-              <a:schemeClr val="lt1"/>
-            </a:fontRef>
-          </p:style>
-          <p:txBody>
-            <a:bodyPr rtlCol="0" anchor="ctr"/>
-            <a:lstStyle/>
-            <a:p>
-              <a:pPr algn="ctr" defTabSz="457200"/>
-              <a:endParaRPr lang="en-US">
-                <a:solidFill>
-                  <a:prstClr val="white"/>
-                </a:solidFill>
-                <a:latin typeface="Segoe UI Light" panose="020B0502040204020203" pitchFamily="34" charset="0"/>
-                <a:cs typeface="Segoe UI Light" panose="020B0502040204020203" pitchFamily="34" charset="0"/>
-              </a:endParaRPr>
-            </a:p>
-          </p:txBody>
-        </p:sp>
-        <p:grpSp>
-          <p:nvGrpSpPr>
-            <p:cNvPr id="20" name="Group 13"/>
-            <p:cNvGrpSpPr/>
-            <p:nvPr/>
-          </p:nvGrpSpPr>
-          <p:grpSpPr bwMode="black">
-            <a:xfrm>
-              <a:off x="3926097" y="4806330"/>
-              <a:ext cx="270603" cy="220147"/>
-              <a:chOff x="5184775" y="225425"/>
-              <a:chExt cx="1500188" cy="1220788"/>
-            </a:xfrm>
-            <a:solidFill>
-              <a:srgbClr val="FFFFFF"/>
-            </a:solidFill>
-          </p:grpSpPr>
-          <p:sp>
-            <p:nvSpPr>
-              <p:cNvPr id="21" name="Freeform 86"/>
-              <p:cNvSpPr>
-                <a:spLocks noEditPoints="1"/>
-              </p:cNvSpPr>
-              <p:nvPr/>
-            </p:nvSpPr>
-            <p:spPr bwMode="black">
-              <a:xfrm>
-                <a:off x="5184775" y="344488"/>
-                <a:ext cx="1095375" cy="1101725"/>
-              </a:xfrm>
-              <a:custGeom>
-                <a:avLst/>
-                <a:gdLst>
-                  <a:gd name="T0" fmla="*/ 287 w 292"/>
-                  <a:gd name="T1" fmla="*/ 113 h 294"/>
-                  <a:gd name="T2" fmla="*/ 239 w 292"/>
-                  <a:gd name="T3" fmla="*/ 105 h 294"/>
-                  <a:gd name="T4" fmla="*/ 252 w 292"/>
-                  <a:gd name="T5" fmla="*/ 58 h 294"/>
-                  <a:gd name="T6" fmla="*/ 229 w 292"/>
-                  <a:gd name="T7" fmla="*/ 32 h 294"/>
-                  <a:gd name="T8" fmla="*/ 187 w 292"/>
-                  <a:gd name="T9" fmla="*/ 57 h 294"/>
-                  <a:gd name="T10" fmla="*/ 167 w 292"/>
-                  <a:gd name="T11" fmla="*/ 6 h 294"/>
-                  <a:gd name="T12" fmla="*/ 132 w 292"/>
-                  <a:gd name="T13" fmla="*/ 0 h 294"/>
-                  <a:gd name="T14" fmla="*/ 115 w 292"/>
-                  <a:gd name="T15" fmla="*/ 53 h 294"/>
-                  <a:gd name="T16" fmla="*/ 72 w 292"/>
-                  <a:gd name="T17" fmla="*/ 31 h 294"/>
-                  <a:gd name="T18" fmla="*/ 42 w 292"/>
-                  <a:gd name="T19" fmla="*/ 49 h 294"/>
-                  <a:gd name="T20" fmla="*/ 59 w 292"/>
-                  <a:gd name="T21" fmla="*/ 95 h 294"/>
-                  <a:gd name="T22" fmla="*/ 12 w 292"/>
-                  <a:gd name="T23" fmla="*/ 107 h 294"/>
-                  <a:gd name="T24" fmla="*/ 0 w 292"/>
-                  <a:gd name="T25" fmla="*/ 140 h 294"/>
-                  <a:gd name="T26" fmla="*/ 43 w 292"/>
-                  <a:gd name="T27" fmla="*/ 164 h 294"/>
-                  <a:gd name="T28" fmla="*/ 14 w 292"/>
-                  <a:gd name="T29" fmla="*/ 204 h 294"/>
-                  <a:gd name="T30" fmla="*/ 27 w 292"/>
-                  <a:gd name="T31" fmla="*/ 237 h 294"/>
-                  <a:gd name="T32" fmla="*/ 75 w 292"/>
-                  <a:gd name="T33" fmla="*/ 227 h 294"/>
-                  <a:gd name="T34" fmla="*/ 79 w 292"/>
-                  <a:gd name="T35" fmla="*/ 276 h 294"/>
-                  <a:gd name="T36" fmla="*/ 109 w 292"/>
-                  <a:gd name="T37" fmla="*/ 293 h 294"/>
-                  <a:gd name="T38" fmla="*/ 140 w 292"/>
-                  <a:gd name="T39" fmla="*/ 255 h 294"/>
-                  <a:gd name="T40" fmla="*/ 152 w 292"/>
-                  <a:gd name="T41" fmla="*/ 255 h 294"/>
-                  <a:gd name="T42" fmla="*/ 183 w 292"/>
-                  <a:gd name="T43" fmla="*/ 293 h 294"/>
-                  <a:gd name="T44" fmla="*/ 213 w 292"/>
-                  <a:gd name="T45" fmla="*/ 276 h 294"/>
-                  <a:gd name="T46" fmla="*/ 217 w 292"/>
-                  <a:gd name="T47" fmla="*/ 227 h 294"/>
-                  <a:gd name="T48" fmla="*/ 265 w 292"/>
-                  <a:gd name="T49" fmla="*/ 237 h 294"/>
-                  <a:gd name="T50" fmla="*/ 278 w 292"/>
-                  <a:gd name="T51" fmla="*/ 204 h 294"/>
-                  <a:gd name="T52" fmla="*/ 249 w 292"/>
-                  <a:gd name="T53" fmla="*/ 164 h 294"/>
-                  <a:gd name="T54" fmla="*/ 292 w 292"/>
-                  <a:gd name="T55" fmla="*/ 140 h 294"/>
-                  <a:gd name="T56" fmla="*/ 187 w 292"/>
-                  <a:gd name="T57" fmla="*/ 193 h 294"/>
-                  <a:gd name="T58" fmla="*/ 105 w 292"/>
-                  <a:gd name="T59" fmla="*/ 193 h 294"/>
-                  <a:gd name="T60" fmla="*/ 105 w 292"/>
-                  <a:gd name="T61" fmla="*/ 111 h 294"/>
-                  <a:gd name="T62" fmla="*/ 187 w 292"/>
-                  <a:gd name="T63" fmla="*/ 111 h 294"/>
-                </a:gdLst>
-                <a:ahLst/>
-                <a:cxnLst>
-                  <a:cxn ang="0">
-                    <a:pos x="T0" y="T1"/>
-                  </a:cxn>
-                  <a:cxn ang="0">
-                    <a:pos x="T2" y="T3"/>
-                  </a:cxn>
-                  <a:cxn ang="0">
-                    <a:pos x="T4" y="T5"/>
-                  </a:cxn>
-                  <a:cxn ang="0">
-                    <a:pos x="T6" y="T7"/>
-                  </a:cxn>
-                  <a:cxn ang="0">
-                    <a:pos x="T8" y="T9"/>
-                  </a:cxn>
-                  <a:cxn ang="0">
-                    <a:pos x="T10" y="T11"/>
-                  </a:cxn>
-                  <a:cxn ang="0">
-                    <a:pos x="T12" y="T13"/>
-                  </a:cxn>
-                  <a:cxn ang="0">
-                    <a:pos x="T14" y="T15"/>
-                  </a:cxn>
-                  <a:cxn ang="0">
-                    <a:pos x="T16" y="T17"/>
-                  </a:cxn>
-                  <a:cxn ang="0">
-                    <a:pos x="T18" y="T19"/>
-                  </a:cxn>
-                  <a:cxn ang="0">
-                    <a:pos x="T20" y="T21"/>
-                  </a:cxn>
-                  <a:cxn ang="0">
-                    <a:pos x="T22" y="T23"/>
-                  </a:cxn>
-                  <a:cxn ang="0">
-                    <a:pos x="T24" y="T25"/>
-                  </a:cxn>
-                  <a:cxn ang="0">
-                    <a:pos x="T26" y="T27"/>
-                  </a:cxn>
-                  <a:cxn ang="0">
-                    <a:pos x="T28" y="T29"/>
-                  </a:cxn>
-                  <a:cxn ang="0">
-                    <a:pos x="T30" y="T31"/>
-                  </a:cxn>
-                  <a:cxn ang="0">
-                    <a:pos x="T32" y="T33"/>
-                  </a:cxn>
-                  <a:cxn ang="0">
-                    <a:pos x="T34" y="T35"/>
-                  </a:cxn>
-                  <a:cxn ang="0">
-                    <a:pos x="T36" y="T37"/>
-                  </a:cxn>
-                  <a:cxn ang="0">
-                    <a:pos x="T38" y="T39"/>
-                  </a:cxn>
-                  <a:cxn ang="0">
-                    <a:pos x="T40" y="T41"/>
-                  </a:cxn>
-                  <a:cxn ang="0">
-                    <a:pos x="T42" y="T43"/>
-                  </a:cxn>
-                  <a:cxn ang="0">
-                    <a:pos x="T44" y="T45"/>
-                  </a:cxn>
-                  <a:cxn ang="0">
-                    <a:pos x="T46" y="T47"/>
-                  </a:cxn>
-                  <a:cxn ang="0">
-                    <a:pos x="T48" y="T49"/>
-                  </a:cxn>
-                  <a:cxn ang="0">
-                    <a:pos x="T50" y="T51"/>
-                  </a:cxn>
-                  <a:cxn ang="0">
-                    <a:pos x="T52" y="T53"/>
-                  </a:cxn>
-                  <a:cxn ang="0">
-                    <a:pos x="T54" y="T55"/>
-                  </a:cxn>
-                  <a:cxn ang="0">
-                    <a:pos x="T56" y="T57"/>
-                  </a:cxn>
-                  <a:cxn ang="0">
-                    <a:pos x="T58" y="T59"/>
-                  </a:cxn>
-                  <a:cxn ang="0">
-                    <a:pos x="T60" y="T61"/>
-                  </a:cxn>
-                  <a:cxn ang="0">
-                    <a:pos x="T62" y="T63"/>
-                  </a:cxn>
-                </a:cxnLst>
-                <a:rect l="0" t="0" r="r" b="b"/>
-                <a:pathLst>
-                  <a:path w="292" h="294">
-                    <a:moveTo>
-                      <a:pt x="292" y="140"/>
-                    </a:moveTo>
-                    <a:cubicBezTo>
-                      <a:pt x="287" y="113"/>
-                      <a:pt x="287" y="113"/>
-                      <a:pt x="287" y="113"/>
-                    </a:cubicBezTo>
-                    <a:cubicBezTo>
-                      <a:pt x="286" y="110"/>
-                      <a:pt x="284" y="108"/>
-                      <a:pt x="280" y="107"/>
-                    </a:cubicBezTo>
-                    <a:cubicBezTo>
-                      <a:pt x="239" y="105"/>
-                      <a:pt x="239" y="105"/>
-                      <a:pt x="239" y="105"/>
-                    </a:cubicBezTo>
-                    <a:cubicBezTo>
-                      <a:pt x="237" y="102"/>
-                      <a:pt x="235" y="98"/>
-                      <a:pt x="233" y="95"/>
-                    </a:cubicBezTo>
-                    <a:cubicBezTo>
-                      <a:pt x="252" y="58"/>
-                      <a:pt x="252" y="58"/>
-                      <a:pt x="252" y="58"/>
-                    </a:cubicBezTo>
-                    <a:cubicBezTo>
-                      <a:pt x="254" y="55"/>
-                      <a:pt x="253" y="51"/>
-                      <a:pt x="250" y="49"/>
-                    </a:cubicBezTo>
-                    <a:cubicBezTo>
-                      <a:pt x="229" y="32"/>
-                      <a:pt x="229" y="32"/>
-                      <a:pt x="229" y="32"/>
-                    </a:cubicBezTo>
-                    <a:cubicBezTo>
-                      <a:pt x="227" y="29"/>
-                      <a:pt x="223" y="29"/>
-                      <a:pt x="220" y="31"/>
-                    </a:cubicBezTo>
-                    <a:cubicBezTo>
-                      <a:pt x="187" y="57"/>
-                      <a:pt x="187" y="57"/>
-                      <a:pt x="187" y="57"/>
-                    </a:cubicBezTo>
-                    <a:cubicBezTo>
-                      <a:pt x="184" y="55"/>
-                      <a:pt x="181" y="54"/>
-                      <a:pt x="177" y="53"/>
-                    </a:cubicBezTo>
-                    <a:cubicBezTo>
-                      <a:pt x="167" y="6"/>
-                      <a:pt x="167" y="6"/>
-                      <a:pt x="167" y="6"/>
-                    </a:cubicBezTo>
-                    <a:cubicBezTo>
-                      <a:pt x="166" y="3"/>
-                      <a:pt x="163" y="0"/>
-                      <a:pt x="160" y="0"/>
-                    </a:cubicBezTo>
-                    <a:cubicBezTo>
-                      <a:pt x="132" y="0"/>
-                      <a:pt x="132" y="0"/>
-                      <a:pt x="132" y="0"/>
-                    </a:cubicBezTo>
-                    <a:cubicBezTo>
-                      <a:pt x="129" y="0"/>
-                      <a:pt x="126" y="3"/>
-                      <a:pt x="125" y="6"/>
-                    </a:cubicBezTo>
-                    <a:cubicBezTo>
-                      <a:pt x="115" y="53"/>
-                      <a:pt x="115" y="53"/>
-                      <a:pt x="115" y="53"/>
-                    </a:cubicBezTo>
-                    <a:cubicBezTo>
-                      <a:pt x="111" y="54"/>
-                      <a:pt x="108" y="55"/>
-                      <a:pt x="105" y="57"/>
-                    </a:cubicBezTo>
-                    <a:cubicBezTo>
-                      <a:pt x="72" y="31"/>
-                      <a:pt x="72" y="31"/>
-                      <a:pt x="72" y="31"/>
-                    </a:cubicBezTo>
-                    <a:cubicBezTo>
-                      <a:pt x="69" y="29"/>
-                      <a:pt x="65" y="29"/>
-                      <a:pt x="63" y="31"/>
-                    </a:cubicBezTo>
-                    <a:cubicBezTo>
-                      <a:pt x="42" y="49"/>
-                      <a:pt x="42" y="49"/>
-                      <a:pt x="42" y="49"/>
-                    </a:cubicBezTo>
-                    <a:cubicBezTo>
-                      <a:pt x="39" y="51"/>
-                      <a:pt x="39" y="55"/>
-                      <a:pt x="40" y="58"/>
-                    </a:cubicBezTo>
-                    <a:cubicBezTo>
-                      <a:pt x="59" y="95"/>
-                      <a:pt x="59" y="95"/>
-                      <a:pt x="59" y="95"/>
-                    </a:cubicBezTo>
-                    <a:cubicBezTo>
-                      <a:pt x="57" y="98"/>
-                      <a:pt x="55" y="102"/>
-                      <a:pt x="53" y="105"/>
-                    </a:cubicBezTo>
-                    <a:cubicBezTo>
-                      <a:pt x="12" y="107"/>
-                      <a:pt x="12" y="107"/>
-                      <a:pt x="12" y="107"/>
-                    </a:cubicBezTo>
-                    <a:cubicBezTo>
-                      <a:pt x="8" y="107"/>
-                      <a:pt x="6" y="110"/>
-                      <a:pt x="5" y="113"/>
-                    </a:cubicBezTo>
-                    <a:cubicBezTo>
-                      <a:pt x="0" y="140"/>
-                      <a:pt x="0" y="140"/>
-                      <a:pt x="0" y="140"/>
-                    </a:cubicBezTo>
-                    <a:cubicBezTo>
-                      <a:pt x="0" y="143"/>
-                      <a:pt x="1" y="147"/>
-                      <a:pt x="4" y="148"/>
-                    </a:cubicBezTo>
-                    <a:cubicBezTo>
-                      <a:pt x="43" y="164"/>
-                      <a:pt x="43" y="164"/>
-                      <a:pt x="43" y="164"/>
-                    </a:cubicBezTo>
-                    <a:cubicBezTo>
-                      <a:pt x="44" y="168"/>
-                      <a:pt x="44" y="172"/>
-                      <a:pt x="45" y="176"/>
-                    </a:cubicBezTo>
-                    <a:cubicBezTo>
-                      <a:pt x="14" y="204"/>
-                      <a:pt x="14" y="204"/>
-                      <a:pt x="14" y="204"/>
-                    </a:cubicBezTo>
-                    <a:cubicBezTo>
-                      <a:pt x="12" y="206"/>
-                      <a:pt x="11" y="210"/>
-                      <a:pt x="13" y="213"/>
-                    </a:cubicBezTo>
-                    <a:cubicBezTo>
-                      <a:pt x="27" y="237"/>
-                      <a:pt x="27" y="237"/>
-                      <a:pt x="27" y="237"/>
-                    </a:cubicBezTo>
-                    <a:cubicBezTo>
-                      <a:pt x="28" y="239"/>
-                      <a:pt x="32" y="241"/>
-                      <a:pt x="35" y="240"/>
-                    </a:cubicBezTo>
-                    <a:cubicBezTo>
-                      <a:pt x="75" y="227"/>
-                      <a:pt x="75" y="227"/>
-                      <a:pt x="75" y="227"/>
-                    </a:cubicBezTo>
-                    <a:cubicBezTo>
-                      <a:pt x="78" y="230"/>
-                      <a:pt x="81" y="233"/>
-                      <a:pt x="84" y="235"/>
-                    </a:cubicBezTo>
-                    <a:cubicBezTo>
-                      <a:pt x="79" y="276"/>
-                      <a:pt x="79" y="276"/>
-                      <a:pt x="79" y="276"/>
-                    </a:cubicBezTo>
-                    <a:cubicBezTo>
-                      <a:pt x="78" y="280"/>
-                      <a:pt x="80" y="283"/>
-                      <a:pt x="83" y="284"/>
-                    </a:cubicBezTo>
-                    <a:cubicBezTo>
-                      <a:pt x="109" y="293"/>
-                      <a:pt x="109" y="293"/>
-                      <a:pt x="109" y="293"/>
-                    </a:cubicBezTo>
-                    <a:cubicBezTo>
-                      <a:pt x="112" y="294"/>
-                      <a:pt x="116" y="293"/>
-                      <a:pt x="118" y="291"/>
-                    </a:cubicBezTo>
-                    <a:cubicBezTo>
-                      <a:pt x="140" y="255"/>
-                      <a:pt x="140" y="255"/>
-                      <a:pt x="140" y="255"/>
-                    </a:cubicBezTo>
-                    <a:cubicBezTo>
-                      <a:pt x="142" y="255"/>
-                      <a:pt x="144" y="256"/>
-                      <a:pt x="146" y="256"/>
-                    </a:cubicBezTo>
-                    <a:cubicBezTo>
-                      <a:pt x="148" y="256"/>
-                      <a:pt x="150" y="255"/>
-                      <a:pt x="152" y="255"/>
-                    </a:cubicBezTo>
-                    <a:cubicBezTo>
-                      <a:pt x="174" y="291"/>
-                      <a:pt x="174" y="291"/>
-                      <a:pt x="174" y="291"/>
-                    </a:cubicBezTo>
-                    <a:cubicBezTo>
-                      <a:pt x="176" y="293"/>
-                      <a:pt x="180" y="294"/>
-                      <a:pt x="183" y="293"/>
-                    </a:cubicBezTo>
-                    <a:cubicBezTo>
-                      <a:pt x="209" y="284"/>
-                      <a:pt x="209" y="284"/>
-                      <a:pt x="209" y="284"/>
-                    </a:cubicBezTo>
-                    <a:cubicBezTo>
-                      <a:pt x="212" y="283"/>
-                      <a:pt x="214" y="280"/>
-                      <a:pt x="213" y="276"/>
-                    </a:cubicBezTo>
-                    <a:cubicBezTo>
-                      <a:pt x="208" y="235"/>
-                      <a:pt x="208" y="235"/>
-                      <a:pt x="208" y="235"/>
-                    </a:cubicBezTo>
-                    <a:cubicBezTo>
-                      <a:pt x="211" y="232"/>
-                      <a:pt x="214" y="230"/>
-                      <a:pt x="217" y="227"/>
-                    </a:cubicBezTo>
-                    <a:cubicBezTo>
-                      <a:pt x="257" y="240"/>
-                      <a:pt x="257" y="240"/>
-                      <a:pt x="257" y="240"/>
-                    </a:cubicBezTo>
-                    <a:cubicBezTo>
-                      <a:pt x="260" y="241"/>
-                      <a:pt x="264" y="239"/>
-                      <a:pt x="265" y="237"/>
-                    </a:cubicBezTo>
-                    <a:cubicBezTo>
-                      <a:pt x="279" y="213"/>
-                      <a:pt x="279" y="213"/>
-                      <a:pt x="279" y="213"/>
-                    </a:cubicBezTo>
-                    <a:cubicBezTo>
-                      <a:pt x="281" y="210"/>
-                      <a:pt x="280" y="206"/>
-                      <a:pt x="278" y="204"/>
-                    </a:cubicBezTo>
-                    <a:cubicBezTo>
-                      <a:pt x="247" y="176"/>
-                      <a:pt x="247" y="176"/>
-                      <a:pt x="247" y="176"/>
-                    </a:cubicBezTo>
-                    <a:cubicBezTo>
-                      <a:pt x="248" y="172"/>
-                      <a:pt x="248" y="168"/>
-                      <a:pt x="249" y="164"/>
-                    </a:cubicBezTo>
-                    <a:cubicBezTo>
-                      <a:pt x="288" y="148"/>
-                      <a:pt x="288" y="148"/>
-                      <a:pt x="288" y="148"/>
-                    </a:cubicBezTo>
-                    <a:cubicBezTo>
-                      <a:pt x="291" y="147"/>
-                      <a:pt x="292" y="144"/>
-                      <a:pt x="292" y="140"/>
-                    </a:cubicBezTo>
-                    <a:close/>
-                    <a:moveTo>
-                      <a:pt x="204" y="152"/>
-                    </a:moveTo>
-                    <a:cubicBezTo>
-                      <a:pt x="204" y="168"/>
-                      <a:pt x="197" y="182"/>
-                      <a:pt x="187" y="193"/>
-                    </a:cubicBezTo>
-                    <a:cubicBezTo>
-                      <a:pt x="176" y="203"/>
-                      <a:pt x="162" y="210"/>
-                      <a:pt x="146" y="210"/>
-                    </a:cubicBezTo>
-                    <a:cubicBezTo>
-                      <a:pt x="130" y="210"/>
-                      <a:pt x="116" y="203"/>
-                      <a:pt x="105" y="193"/>
-                    </a:cubicBezTo>
-                    <a:cubicBezTo>
-                      <a:pt x="95" y="182"/>
-                      <a:pt x="88" y="168"/>
-                      <a:pt x="88" y="152"/>
-                    </a:cubicBezTo>
-                    <a:cubicBezTo>
-                      <a:pt x="88" y="136"/>
-                      <a:pt x="95" y="121"/>
-                      <a:pt x="105" y="111"/>
-                    </a:cubicBezTo>
-                    <a:cubicBezTo>
-                      <a:pt x="116" y="100"/>
-                      <a:pt x="130" y="94"/>
-                      <a:pt x="146" y="94"/>
-                    </a:cubicBezTo>
-                    <a:cubicBezTo>
-                      <a:pt x="162" y="94"/>
-                      <a:pt x="176" y="100"/>
-                      <a:pt x="187" y="111"/>
-                    </a:cubicBezTo>
-                    <a:cubicBezTo>
-                      <a:pt x="197" y="121"/>
-                      <a:pt x="204" y="136"/>
-                      <a:pt x="204" y="152"/>
-                    </a:cubicBezTo>
-                    <a:close/>
-                  </a:path>
-                </a:pathLst>
-              </a:custGeom>
-              <a:grpFill/>
-              <a:ln w="9525">
-                <a:noFill/>
-                <a:round/>
-                <a:headEnd/>
-                <a:tailEnd/>
-              </a:ln>
-              <a:extLst/>
-            </p:spPr>
-            <p:txBody>
-              <a:bodyPr vert="horz" wrap="square" lIns="91440" tIns="45720" rIns="91440" bIns="45720" numCol="1" anchor="t" anchorCtr="0" compatLnSpc="1">
-                <a:prstTxWarp prst="textNoShape">
-                  <a:avLst/>
-                </a:prstTxWarp>
-              </a:bodyPr>
-              <a:lstStyle/>
-              <a:p>
-                <a:pPr defTabSz="457200"/>
-                <a:endParaRPr lang="en-US" dirty="0">
-                  <a:solidFill>
-                    <a:prstClr val="black"/>
-                  </a:solidFill>
-                  <a:latin typeface="Segoe UI Light" panose="020B0502040204020203" pitchFamily="34" charset="0"/>
-                  <a:cs typeface="Segoe UI Light" panose="020B0502040204020203" pitchFamily="34" charset="0"/>
-                </a:endParaRPr>
-              </a:p>
-            </p:txBody>
-          </p:sp>
-          <p:sp>
-            <p:nvSpPr>
-              <p:cNvPr id="22" name="Oval 87"/>
-              <p:cNvSpPr>
-                <a:spLocks noChangeArrowheads="1"/>
-              </p:cNvSpPr>
-              <p:nvPr/>
-            </p:nvSpPr>
-            <p:spPr bwMode="black">
-              <a:xfrm>
-                <a:off x="5630863" y="812800"/>
-                <a:ext cx="203200" cy="203200"/>
-              </a:xfrm>
-              <a:prstGeom prst="ellipse">
-                <a:avLst/>
-              </a:prstGeom>
-              <a:grpFill/>
-              <a:ln w="9525">
-                <a:noFill/>
-                <a:round/>
-                <a:headEnd/>
-                <a:tailEnd/>
-              </a:ln>
-              <a:extLst/>
-            </p:spPr>
-            <p:txBody>
-              <a:bodyPr vert="horz" wrap="square" lIns="91440" tIns="45720" rIns="91440" bIns="45720" numCol="1" anchor="t" anchorCtr="0" compatLnSpc="1">
-                <a:prstTxWarp prst="textNoShape">
-                  <a:avLst/>
-                </a:prstTxWarp>
-              </a:bodyPr>
-              <a:lstStyle/>
-              <a:p>
-                <a:pPr defTabSz="457200"/>
-                <a:endParaRPr lang="en-US" dirty="0">
-                  <a:solidFill>
-                    <a:prstClr val="black"/>
-                  </a:solidFill>
-                  <a:latin typeface="Segoe UI Light" panose="020B0502040204020203" pitchFamily="34" charset="0"/>
-                  <a:cs typeface="Segoe UI Light" panose="020B0502040204020203" pitchFamily="34" charset="0"/>
-                </a:endParaRPr>
-              </a:p>
-            </p:txBody>
-          </p:sp>
-          <p:sp>
-            <p:nvSpPr>
-              <p:cNvPr id="23" name="Freeform 88"/>
-              <p:cNvSpPr>
-                <a:spLocks noEditPoints="1"/>
-              </p:cNvSpPr>
-              <p:nvPr/>
-            </p:nvSpPr>
-            <p:spPr bwMode="black">
-              <a:xfrm>
-                <a:off x="6129338" y="225425"/>
-                <a:ext cx="555625" cy="598488"/>
-              </a:xfrm>
-              <a:custGeom>
-                <a:avLst/>
-                <a:gdLst>
-                  <a:gd name="T0" fmla="*/ 129 w 148"/>
-                  <a:gd name="T1" fmla="*/ 91 h 160"/>
-                  <a:gd name="T2" fmla="*/ 131 w 148"/>
-                  <a:gd name="T3" fmla="*/ 80 h 160"/>
-                  <a:gd name="T4" fmla="*/ 129 w 148"/>
-                  <a:gd name="T5" fmla="*/ 70 h 160"/>
-                  <a:gd name="T6" fmla="*/ 145 w 148"/>
-                  <a:gd name="T7" fmla="*/ 55 h 160"/>
-                  <a:gd name="T8" fmla="*/ 147 w 148"/>
-                  <a:gd name="T9" fmla="*/ 50 h 160"/>
-                  <a:gd name="T10" fmla="*/ 147 w 148"/>
-                  <a:gd name="T11" fmla="*/ 46 h 160"/>
-                  <a:gd name="T12" fmla="*/ 140 w 148"/>
-                  <a:gd name="T13" fmla="*/ 34 h 160"/>
-                  <a:gd name="T14" fmla="*/ 133 w 148"/>
-                  <a:gd name="T15" fmla="*/ 31 h 160"/>
-                  <a:gd name="T16" fmla="*/ 131 w 148"/>
-                  <a:gd name="T17" fmla="*/ 31 h 160"/>
-                  <a:gd name="T18" fmla="*/ 111 w 148"/>
-                  <a:gd name="T19" fmla="*/ 37 h 160"/>
-                  <a:gd name="T20" fmla="*/ 92 w 148"/>
-                  <a:gd name="T21" fmla="*/ 27 h 160"/>
-                  <a:gd name="T22" fmla="*/ 88 w 148"/>
-                  <a:gd name="T23" fmla="*/ 6 h 160"/>
-                  <a:gd name="T24" fmla="*/ 81 w 148"/>
-                  <a:gd name="T25" fmla="*/ 0 h 160"/>
-                  <a:gd name="T26" fmla="*/ 67 w 148"/>
-                  <a:gd name="T27" fmla="*/ 0 h 160"/>
-                  <a:gd name="T28" fmla="*/ 60 w 148"/>
-                  <a:gd name="T29" fmla="*/ 6 h 160"/>
-                  <a:gd name="T30" fmla="*/ 55 w 148"/>
-                  <a:gd name="T31" fmla="*/ 27 h 160"/>
-                  <a:gd name="T32" fmla="*/ 37 w 148"/>
-                  <a:gd name="T33" fmla="*/ 38 h 160"/>
-                  <a:gd name="T34" fmla="*/ 16 w 148"/>
-                  <a:gd name="T35" fmla="*/ 31 h 160"/>
-                  <a:gd name="T36" fmla="*/ 14 w 148"/>
-                  <a:gd name="T37" fmla="*/ 31 h 160"/>
-                  <a:gd name="T38" fmla="*/ 8 w 148"/>
-                  <a:gd name="T39" fmla="*/ 34 h 160"/>
-                  <a:gd name="T40" fmla="*/ 1 w 148"/>
-                  <a:gd name="T41" fmla="*/ 46 h 160"/>
-                  <a:gd name="T42" fmla="*/ 0 w 148"/>
-                  <a:gd name="T43" fmla="*/ 50 h 160"/>
-                  <a:gd name="T44" fmla="*/ 2 w 148"/>
-                  <a:gd name="T45" fmla="*/ 55 h 160"/>
-                  <a:gd name="T46" fmla="*/ 19 w 148"/>
-                  <a:gd name="T47" fmla="*/ 70 h 160"/>
-                  <a:gd name="T48" fmla="*/ 17 w 148"/>
-                  <a:gd name="T49" fmla="*/ 80 h 160"/>
-                  <a:gd name="T50" fmla="*/ 19 w 148"/>
-                  <a:gd name="T51" fmla="*/ 91 h 160"/>
-                  <a:gd name="T52" fmla="*/ 2 w 148"/>
-                  <a:gd name="T53" fmla="*/ 106 h 160"/>
-                  <a:gd name="T54" fmla="*/ 0 w 148"/>
-                  <a:gd name="T55" fmla="*/ 111 h 160"/>
-                  <a:gd name="T56" fmla="*/ 1 w 148"/>
-                  <a:gd name="T57" fmla="*/ 114 h 160"/>
-                  <a:gd name="T58" fmla="*/ 8 w 148"/>
-                  <a:gd name="T59" fmla="*/ 126 h 160"/>
-                  <a:gd name="T60" fmla="*/ 14 w 148"/>
-                  <a:gd name="T61" fmla="*/ 130 h 160"/>
-                  <a:gd name="T62" fmla="*/ 16 w 148"/>
-                  <a:gd name="T63" fmla="*/ 130 h 160"/>
-                  <a:gd name="T64" fmla="*/ 37 w 148"/>
-                  <a:gd name="T65" fmla="*/ 123 h 160"/>
-                  <a:gd name="T66" fmla="*/ 55 w 148"/>
-                  <a:gd name="T67" fmla="*/ 133 h 160"/>
-                  <a:gd name="T68" fmla="*/ 60 w 148"/>
-                  <a:gd name="T69" fmla="*/ 155 h 160"/>
-                  <a:gd name="T70" fmla="*/ 67 w 148"/>
-                  <a:gd name="T71" fmla="*/ 160 h 160"/>
-                  <a:gd name="T72" fmla="*/ 81 w 148"/>
-                  <a:gd name="T73" fmla="*/ 160 h 160"/>
-                  <a:gd name="T74" fmla="*/ 88 w 148"/>
-                  <a:gd name="T75" fmla="*/ 155 h 160"/>
-                  <a:gd name="T76" fmla="*/ 92 w 148"/>
-                  <a:gd name="T77" fmla="*/ 134 h 160"/>
-                  <a:gd name="T78" fmla="*/ 111 w 148"/>
-                  <a:gd name="T79" fmla="*/ 123 h 160"/>
-                  <a:gd name="T80" fmla="*/ 131 w 148"/>
-                  <a:gd name="T81" fmla="*/ 130 h 160"/>
-                  <a:gd name="T82" fmla="*/ 133 w 148"/>
-                  <a:gd name="T83" fmla="*/ 130 h 160"/>
-                  <a:gd name="T84" fmla="*/ 140 w 148"/>
-                  <a:gd name="T85" fmla="*/ 126 h 160"/>
-                  <a:gd name="T86" fmla="*/ 147 w 148"/>
-                  <a:gd name="T87" fmla="*/ 114 h 160"/>
-                  <a:gd name="T88" fmla="*/ 147 w 148"/>
-                  <a:gd name="T89" fmla="*/ 111 h 160"/>
-                  <a:gd name="T90" fmla="*/ 145 w 148"/>
-                  <a:gd name="T91" fmla="*/ 106 h 160"/>
-                  <a:gd name="T92" fmla="*/ 129 w 148"/>
-                  <a:gd name="T93" fmla="*/ 91 h 160"/>
-                  <a:gd name="T94" fmla="*/ 96 w 148"/>
-                  <a:gd name="T95" fmla="*/ 80 h 160"/>
-                  <a:gd name="T96" fmla="*/ 74 w 148"/>
-                  <a:gd name="T97" fmla="*/ 102 h 160"/>
-                  <a:gd name="T98" fmla="*/ 52 w 148"/>
-                  <a:gd name="T99" fmla="*/ 80 h 160"/>
-                  <a:gd name="T100" fmla="*/ 74 w 148"/>
-                  <a:gd name="T101" fmla="*/ 58 h 160"/>
-                  <a:gd name="T102" fmla="*/ 96 w 148"/>
-                  <a:gd name="T103" fmla="*/ 80 h 160"/>
-                </a:gdLst>
-                <a:ahLst/>
-                <a:cxnLst>
-                  <a:cxn ang="0">
-                    <a:pos x="T0" y="T1"/>
-                  </a:cxn>
-                  <a:cxn ang="0">
-                    <a:pos x="T2" y="T3"/>
-                  </a:cxn>
-                  <a:cxn ang="0">
-                    <a:pos x="T4" y="T5"/>
-                  </a:cxn>
-                  <a:cxn ang="0">
-                    <a:pos x="T6" y="T7"/>
-                  </a:cxn>
-                  <a:cxn ang="0">
-                    <a:pos x="T8" y="T9"/>
-                  </a:cxn>
-                  <a:cxn ang="0">
-                    <a:pos x="T10" y="T11"/>
-                  </a:cxn>
-                  <a:cxn ang="0">
-                    <a:pos x="T12" y="T13"/>
-                  </a:cxn>
-                  <a:cxn ang="0">
-                    <a:pos x="T14" y="T15"/>
-                  </a:cxn>
-                  <a:cxn ang="0">
-                    <a:pos x="T16" y="T17"/>
-                  </a:cxn>
-                  <a:cxn ang="0">
-                    <a:pos x="T18" y="T19"/>
-                  </a:cxn>
-                  <a:cxn ang="0">
-                    <a:pos x="T20" y="T21"/>
-                  </a:cxn>
-                  <a:cxn ang="0">
-                    <a:pos x="T22" y="T23"/>
-                  </a:cxn>
-                  <a:cxn ang="0">
-                    <a:pos x="T24" y="T25"/>
-                  </a:cxn>
-                  <a:cxn ang="0">
-                    <a:pos x="T26" y="T27"/>
-                  </a:cxn>
-                  <a:cxn ang="0">
-                    <a:pos x="T28" y="T29"/>
-                  </a:cxn>
-                  <a:cxn ang="0">
-                    <a:pos x="T30" y="T31"/>
-                  </a:cxn>
-                  <a:cxn ang="0">
-                    <a:pos x="T32" y="T33"/>
-                  </a:cxn>
-                  <a:cxn ang="0">
-                    <a:pos x="T34" y="T35"/>
-                  </a:cxn>
-                  <a:cxn ang="0">
-                    <a:pos x="T36" y="T37"/>
-                  </a:cxn>
-                  <a:cxn ang="0">
-                    <a:pos x="T38" y="T39"/>
-                  </a:cxn>
-                  <a:cxn ang="0">
-                    <a:pos x="T40" y="T41"/>
-                  </a:cxn>
-                  <a:cxn ang="0">
-                    <a:pos x="T42" y="T43"/>
-                  </a:cxn>
-                  <a:cxn ang="0">
-                    <a:pos x="T44" y="T45"/>
-                  </a:cxn>
-                  <a:cxn ang="0">
-                    <a:pos x="T46" y="T47"/>
-                  </a:cxn>
-                  <a:cxn ang="0">
-                    <a:pos x="T48" y="T49"/>
-                  </a:cxn>
-                  <a:cxn ang="0">
-                    <a:pos x="T50" y="T51"/>
-                  </a:cxn>
-                  <a:cxn ang="0">
-                    <a:pos x="T52" y="T53"/>
-                  </a:cxn>
-                  <a:cxn ang="0">
-                    <a:pos x="T54" y="T55"/>
-                  </a:cxn>
-                  <a:cxn ang="0">
-                    <a:pos x="T56" y="T57"/>
-                  </a:cxn>
-                  <a:cxn ang="0">
-                    <a:pos x="T58" y="T59"/>
-                  </a:cxn>
-                  <a:cxn ang="0">
-                    <a:pos x="T60" y="T61"/>
-                  </a:cxn>
-                  <a:cxn ang="0">
-                    <a:pos x="T62" y="T63"/>
-                  </a:cxn>
-                  <a:cxn ang="0">
-                    <a:pos x="T64" y="T65"/>
-                  </a:cxn>
-                  <a:cxn ang="0">
-                    <a:pos x="T66" y="T67"/>
-                  </a:cxn>
-                  <a:cxn ang="0">
-                    <a:pos x="T68" y="T69"/>
-                  </a:cxn>
-                  <a:cxn ang="0">
-                    <a:pos x="T70" y="T71"/>
-                  </a:cxn>
-                  <a:cxn ang="0">
-                    <a:pos x="T72" y="T73"/>
-                  </a:cxn>
-                  <a:cxn ang="0">
-                    <a:pos x="T74" y="T75"/>
-                  </a:cxn>
-                  <a:cxn ang="0">
-                    <a:pos x="T76" y="T77"/>
-                  </a:cxn>
-                  <a:cxn ang="0">
-                    <a:pos x="T78" y="T79"/>
-                  </a:cxn>
-                  <a:cxn ang="0">
-                    <a:pos x="T80" y="T81"/>
-                  </a:cxn>
-                  <a:cxn ang="0">
-                    <a:pos x="T82" y="T83"/>
-                  </a:cxn>
-                  <a:cxn ang="0">
-                    <a:pos x="T84" y="T85"/>
-                  </a:cxn>
-                  <a:cxn ang="0">
-                    <a:pos x="T86" y="T87"/>
-                  </a:cxn>
-                  <a:cxn ang="0">
-                    <a:pos x="T88" y="T89"/>
-                  </a:cxn>
-                  <a:cxn ang="0">
-                    <a:pos x="T90" y="T91"/>
-                  </a:cxn>
-                  <a:cxn ang="0">
-                    <a:pos x="T92" y="T93"/>
-                  </a:cxn>
-                  <a:cxn ang="0">
-                    <a:pos x="T94" y="T95"/>
-                  </a:cxn>
-                  <a:cxn ang="0">
-                    <a:pos x="T96" y="T97"/>
-                  </a:cxn>
-                  <a:cxn ang="0">
-                    <a:pos x="T98" y="T99"/>
-                  </a:cxn>
-                  <a:cxn ang="0">
-                    <a:pos x="T100" y="T101"/>
-                  </a:cxn>
-                  <a:cxn ang="0">
-                    <a:pos x="T102" y="T103"/>
-                  </a:cxn>
-                </a:cxnLst>
-                <a:rect l="0" t="0" r="r" b="b"/>
-                <a:pathLst>
-                  <a:path w="148" h="160">
-                    <a:moveTo>
-                      <a:pt x="129" y="91"/>
-                    </a:moveTo>
-                    <a:cubicBezTo>
-                      <a:pt x="130" y="88"/>
-                      <a:pt x="131" y="84"/>
-                      <a:pt x="131" y="80"/>
-                    </a:cubicBezTo>
-                    <a:cubicBezTo>
-                      <a:pt x="131" y="77"/>
-                      <a:pt x="130" y="73"/>
-                      <a:pt x="129" y="70"/>
-                    </a:cubicBezTo>
-                    <a:cubicBezTo>
-                      <a:pt x="145" y="55"/>
-                      <a:pt x="145" y="55"/>
-                      <a:pt x="145" y="55"/>
-                    </a:cubicBezTo>
-                    <a:cubicBezTo>
-                      <a:pt x="147" y="54"/>
-                      <a:pt x="147" y="52"/>
-                      <a:pt x="147" y="50"/>
-                    </a:cubicBezTo>
-                    <a:cubicBezTo>
-                      <a:pt x="147" y="49"/>
-                      <a:pt x="147" y="47"/>
-                      <a:pt x="147" y="46"/>
-                    </a:cubicBezTo>
-                    <a:cubicBezTo>
-                      <a:pt x="140" y="34"/>
-                      <a:pt x="140" y="34"/>
-                      <a:pt x="140" y="34"/>
-                    </a:cubicBezTo>
-                    <a:cubicBezTo>
-                      <a:pt x="138" y="32"/>
-                      <a:pt x="136" y="31"/>
-                      <a:pt x="133" y="31"/>
-                    </a:cubicBezTo>
-                    <a:cubicBezTo>
-                      <a:pt x="133" y="31"/>
-                      <a:pt x="132" y="31"/>
-                      <a:pt x="131" y="31"/>
-                    </a:cubicBezTo>
-                    <a:cubicBezTo>
-                      <a:pt x="111" y="37"/>
-                      <a:pt x="111" y="37"/>
-                      <a:pt x="111" y="37"/>
-                    </a:cubicBezTo>
-                    <a:cubicBezTo>
-                      <a:pt x="105" y="33"/>
-                      <a:pt x="99" y="29"/>
-                      <a:pt x="92" y="27"/>
-                    </a:cubicBezTo>
-                    <a:cubicBezTo>
-                      <a:pt x="88" y="6"/>
-                      <a:pt x="88" y="6"/>
-                      <a:pt x="88" y="6"/>
-                    </a:cubicBezTo>
-                    <a:cubicBezTo>
-                      <a:pt x="87" y="3"/>
-                      <a:pt x="84" y="0"/>
-                      <a:pt x="81" y="0"/>
-                    </a:cubicBezTo>
-                    <a:cubicBezTo>
-                      <a:pt x="67" y="0"/>
-                      <a:pt x="67" y="0"/>
-                      <a:pt x="67" y="0"/>
-                    </a:cubicBezTo>
-                    <a:cubicBezTo>
-                      <a:pt x="63" y="0"/>
-                      <a:pt x="61" y="3"/>
-                      <a:pt x="60" y="6"/>
-                    </a:cubicBezTo>
-                    <a:cubicBezTo>
-                      <a:pt x="55" y="27"/>
-                      <a:pt x="55" y="27"/>
-                      <a:pt x="55" y="27"/>
-                    </a:cubicBezTo>
-                    <a:cubicBezTo>
-                      <a:pt x="48" y="29"/>
-                      <a:pt x="42" y="33"/>
-                      <a:pt x="37" y="38"/>
-                    </a:cubicBezTo>
-                    <a:cubicBezTo>
-                      <a:pt x="16" y="31"/>
-                      <a:pt x="16" y="31"/>
-                      <a:pt x="16" y="31"/>
-                    </a:cubicBezTo>
-                    <a:cubicBezTo>
-                      <a:pt x="15" y="31"/>
-                      <a:pt x="15" y="31"/>
-                      <a:pt x="14" y="31"/>
-                    </a:cubicBezTo>
-                    <a:cubicBezTo>
-                      <a:pt x="12" y="31"/>
-                      <a:pt x="9" y="32"/>
-                      <a:pt x="8" y="34"/>
-                    </a:cubicBezTo>
-                    <a:cubicBezTo>
-                      <a:pt x="1" y="46"/>
-                      <a:pt x="1" y="46"/>
-                      <a:pt x="1" y="46"/>
-                    </a:cubicBezTo>
-                    <a:cubicBezTo>
-                      <a:pt x="0" y="47"/>
-                      <a:pt x="0" y="49"/>
-                      <a:pt x="0" y="50"/>
-                    </a:cubicBezTo>
-                    <a:cubicBezTo>
-                      <a:pt x="0" y="52"/>
-                      <a:pt x="1" y="54"/>
-                      <a:pt x="2" y="55"/>
-                    </a:cubicBezTo>
-                    <a:cubicBezTo>
-                      <a:pt x="19" y="70"/>
-                      <a:pt x="19" y="70"/>
-                      <a:pt x="19" y="70"/>
-                    </a:cubicBezTo>
-                    <a:cubicBezTo>
-                      <a:pt x="18" y="73"/>
-                      <a:pt x="17" y="77"/>
-                      <a:pt x="17" y="80"/>
-                    </a:cubicBezTo>
-                    <a:cubicBezTo>
-                      <a:pt x="17" y="84"/>
-                      <a:pt x="18" y="87"/>
-                      <a:pt x="19" y="91"/>
-                    </a:cubicBezTo>
-                    <a:cubicBezTo>
-                      <a:pt x="2" y="106"/>
-                      <a:pt x="2" y="106"/>
-                      <a:pt x="2" y="106"/>
-                    </a:cubicBezTo>
-                    <a:cubicBezTo>
-                      <a:pt x="1" y="107"/>
-                      <a:pt x="0" y="109"/>
-                      <a:pt x="0" y="111"/>
-                    </a:cubicBezTo>
-                    <a:cubicBezTo>
-                      <a:pt x="0" y="112"/>
-                      <a:pt x="0" y="113"/>
-                      <a:pt x="1" y="114"/>
-                    </a:cubicBezTo>
-                    <a:cubicBezTo>
-                      <a:pt x="8" y="126"/>
-                      <a:pt x="8" y="126"/>
-                      <a:pt x="8" y="126"/>
-                    </a:cubicBezTo>
-                    <a:cubicBezTo>
-                      <a:pt x="9" y="129"/>
-                      <a:pt x="12" y="130"/>
-                      <a:pt x="14" y="130"/>
-                    </a:cubicBezTo>
-                    <a:cubicBezTo>
-                      <a:pt x="15" y="130"/>
-                      <a:pt x="15" y="130"/>
-                      <a:pt x="16" y="130"/>
-                    </a:cubicBezTo>
-                    <a:cubicBezTo>
-                      <a:pt x="37" y="123"/>
-                      <a:pt x="37" y="123"/>
-                      <a:pt x="37" y="123"/>
-                    </a:cubicBezTo>
-                    <a:cubicBezTo>
-                      <a:pt x="42" y="127"/>
-                      <a:pt x="48" y="131"/>
-                      <a:pt x="55" y="133"/>
-                    </a:cubicBezTo>
-                    <a:cubicBezTo>
-                      <a:pt x="60" y="155"/>
-                      <a:pt x="60" y="155"/>
-                      <a:pt x="60" y="155"/>
-                    </a:cubicBezTo>
-                    <a:cubicBezTo>
-                      <a:pt x="61" y="158"/>
-                      <a:pt x="63" y="160"/>
-                      <a:pt x="67" y="160"/>
-                    </a:cubicBezTo>
-                    <a:cubicBezTo>
-                      <a:pt x="81" y="160"/>
-                      <a:pt x="81" y="160"/>
-                      <a:pt x="81" y="160"/>
-                    </a:cubicBezTo>
-                    <a:cubicBezTo>
-                      <a:pt x="84" y="160"/>
-                      <a:pt x="87" y="158"/>
-                      <a:pt x="88" y="155"/>
-                    </a:cubicBezTo>
-                    <a:cubicBezTo>
-                      <a:pt x="92" y="134"/>
-                      <a:pt x="92" y="134"/>
-                      <a:pt x="92" y="134"/>
-                    </a:cubicBezTo>
-                    <a:cubicBezTo>
-                      <a:pt x="99" y="131"/>
-                      <a:pt x="105" y="128"/>
-                      <a:pt x="111" y="123"/>
-                    </a:cubicBezTo>
-                    <a:cubicBezTo>
-                      <a:pt x="131" y="130"/>
-                      <a:pt x="131" y="130"/>
-                      <a:pt x="131" y="130"/>
-                    </a:cubicBezTo>
-                    <a:cubicBezTo>
-                      <a:pt x="132" y="130"/>
-                      <a:pt x="133" y="130"/>
-                      <a:pt x="133" y="130"/>
-                    </a:cubicBezTo>
-                    <a:cubicBezTo>
-                      <a:pt x="136" y="130"/>
-                      <a:pt x="138" y="129"/>
-                      <a:pt x="140" y="126"/>
-                    </a:cubicBezTo>
-                    <a:cubicBezTo>
-                      <a:pt x="147" y="114"/>
-                      <a:pt x="147" y="114"/>
-                      <a:pt x="147" y="114"/>
-                    </a:cubicBezTo>
-                    <a:cubicBezTo>
-                      <a:pt x="147" y="113"/>
-                      <a:pt x="148" y="112"/>
-                      <a:pt x="147" y="111"/>
-                    </a:cubicBezTo>
-                    <a:cubicBezTo>
-                      <a:pt x="148" y="109"/>
-                      <a:pt x="147" y="107"/>
-                      <a:pt x="145" y="106"/>
-                    </a:cubicBezTo>
-                    <a:lnTo>
-                      <a:pt x="129" y="91"/>
-                    </a:lnTo>
-                    <a:close/>
-                    <a:moveTo>
-                      <a:pt x="96" y="80"/>
-                    </a:moveTo>
-                    <a:cubicBezTo>
-                      <a:pt x="96" y="92"/>
-                      <a:pt x="86" y="102"/>
-                      <a:pt x="74" y="102"/>
-                    </a:cubicBezTo>
-                    <a:cubicBezTo>
-                      <a:pt x="62" y="102"/>
-                      <a:pt x="52" y="92"/>
-                      <a:pt x="52" y="80"/>
-                    </a:cubicBezTo>
-                    <a:cubicBezTo>
-                      <a:pt x="52" y="68"/>
-                      <a:pt x="62" y="58"/>
-                      <a:pt x="74" y="58"/>
-                    </a:cubicBezTo>
-                    <a:cubicBezTo>
-                      <a:pt x="86" y="58"/>
-                      <a:pt x="96" y="68"/>
-                      <a:pt x="96" y="80"/>
-                    </a:cubicBezTo>
-                    <a:close/>
-                  </a:path>
-                </a:pathLst>
-              </a:custGeom>
-              <a:grpFill/>
-              <a:ln w="9525">
-                <a:noFill/>
-                <a:round/>
-                <a:headEnd/>
-                <a:tailEnd/>
-              </a:ln>
-              <a:extLst/>
-            </p:spPr>
-            <p:txBody>
-              <a:bodyPr vert="horz" wrap="square" lIns="91440" tIns="45720" rIns="91440" bIns="45720" numCol="1" anchor="t" anchorCtr="0" compatLnSpc="1">
-                <a:prstTxWarp prst="textNoShape">
-                  <a:avLst/>
-                </a:prstTxWarp>
-              </a:bodyPr>
-              <a:lstStyle/>
-              <a:p>
-                <a:pPr defTabSz="457200"/>
-                <a:endParaRPr lang="en-US" dirty="0">
-                  <a:solidFill>
-                    <a:prstClr val="black"/>
-                  </a:solidFill>
-                  <a:latin typeface="Segoe UI Light" panose="020B0502040204020203" pitchFamily="34" charset="0"/>
-                  <a:cs typeface="Segoe UI Light" panose="020B0502040204020203" pitchFamily="34" charset="0"/>
-                </a:endParaRPr>
-              </a:p>
-            </p:txBody>
-          </p:sp>
-        </p:grpSp>
-      </p:grpSp>
       <p:sp>
         <p:nvSpPr>
           <p:cNvPr id="10" name="Textfeld 9"/>
@@ -12929,14 +13029,14 @@
           <p:cNvPr id="13" name="Gerade Verbindung mit Pfeil 12"/>
           <p:cNvCxnSpPr>
             <a:stCxn id="24" idx="3"/>
-            <a:endCxn id="19" idx="0"/>
+            <a:endCxn id="3" idx="0"/>
           </p:cNvCxnSpPr>
           <p:nvPr/>
         </p:nvCxnSpPr>
         <p:spPr>
           <a:xfrm>
             <a:off x="3573687" y="1585732"/>
-            <a:ext cx="1919301" cy="2153340"/>
+            <a:ext cx="1957550" cy="2134871"/>
           </a:xfrm>
           <a:prstGeom prst="straightConnector1">
             <a:avLst/>
@@ -13255,17 +13355,7 @@
                 <a:latin typeface="Segoe UI Light" panose="020B0502040204020203" pitchFamily="34" charset="0"/>
                 <a:cs typeface="Segoe UI Light" panose="020B0502040204020203" pitchFamily="34" charset="0"/>
               </a:rPr>
-              <a:t>Azure </a:t>
-            </a:r>
-            <a:r>
-              <a:rPr lang="de-CH" dirty="0" smtClean="0">
-                <a:solidFill>
-                  <a:srgbClr val="344456"/>
-                </a:solidFill>
-                <a:latin typeface="Segoe UI Light" panose="020B0502040204020203" pitchFamily="34" charset="0"/>
-                <a:cs typeface="Segoe UI Light" panose="020B0502040204020203" pitchFamily="34" charset="0"/>
-              </a:rPr>
-              <a:t>Datacenter </a:t>
+              <a:t>Azure Datacenter </a:t>
             </a:r>
           </a:p>
           <a:p>
@@ -13360,14 +13450,14 @@
           <p:cNvPr id="34" name="Gerade Verbindung mit Pfeil 33"/>
           <p:cNvCxnSpPr>
             <a:stCxn id="28" idx="1"/>
-            <a:endCxn id="19" idx="0"/>
+            <a:endCxn id="3" idx="0"/>
           </p:cNvCxnSpPr>
           <p:nvPr/>
         </p:nvCxnSpPr>
         <p:spPr>
           <a:xfrm flipH="1">
-            <a:off x="5492988" y="1540990"/>
-            <a:ext cx="2063730" cy="2198082"/>
+            <a:off x="5531237" y="1540990"/>
+            <a:ext cx="2025481" cy="2179613"/>
           </a:xfrm>
           <a:prstGeom prst="straightConnector1">
             <a:avLst/>
@@ -13466,14 +13556,14 @@
           <p:cNvPr id="37" name="Gerade Verbindung mit Pfeil 36"/>
           <p:cNvCxnSpPr>
             <a:stCxn id="35" idx="3"/>
-            <a:endCxn id="19" idx="1"/>
+            <a:endCxn id="3" idx="1"/>
           </p:cNvCxnSpPr>
           <p:nvPr/>
         </p:nvCxnSpPr>
         <p:spPr>
-          <a:xfrm flipV="1">
-            <a:off x="3083052" y="4042528"/>
-            <a:ext cx="2087422" cy="14939"/>
+          <a:xfrm>
+            <a:off x="3083052" y="4057467"/>
+            <a:ext cx="2122823" cy="1611"/>
           </a:xfrm>
           <a:prstGeom prst="straightConnector1">
             <a:avLst/>
@@ -13572,14 +13662,14 @@
           <p:cNvPr id="46" name="Gerade Verbindung mit Pfeil 45"/>
           <p:cNvCxnSpPr>
             <a:stCxn id="44" idx="1"/>
-            <a:endCxn id="19" idx="3"/>
+            <a:endCxn id="3" idx="3"/>
           </p:cNvCxnSpPr>
           <p:nvPr/>
         </p:nvCxnSpPr>
         <p:spPr>
-          <a:xfrm flipH="1" flipV="1">
-            <a:off x="5815501" y="4042528"/>
-            <a:ext cx="2063731" cy="14939"/>
+          <a:xfrm flipH="1">
+            <a:off x="5856598" y="4057467"/>
+            <a:ext cx="2022634" cy="1611"/>
           </a:xfrm>
           <a:prstGeom prst="straightConnector1">
             <a:avLst/>
@@ -13607,6 +13697,38 @@
           </a:fontRef>
         </p:style>
       </p:cxnSp>
+      <p:pic>
+        <p:nvPicPr>
+          <p:cNvPr id="3" name="Grafik 2"/>
+          <p:cNvPicPr>
+            <a:picLocks noChangeAspect="1"/>
+          </p:cNvPicPr>
+          <p:nvPr/>
+        </p:nvPicPr>
+        <p:blipFill>
+          <a:blip r:embed="rId4">
+            <a:duotone>
+              <a:prstClr val="black"/>
+              <a:schemeClr val="tx2">
+                <a:tint val="45000"/>
+                <a:satMod val="400000"/>
+              </a:schemeClr>
+            </a:duotone>
+          </a:blip>
+          <a:stretch>
+            <a:fillRect/>
+          </a:stretch>
+        </p:blipFill>
+        <p:spPr>
+          <a:xfrm>
+            <a:off x="5205875" y="3720603"/>
+            <a:ext cx="650723" cy="676950"/>
+          </a:xfrm>
+          <a:prstGeom prst="rect">
+            <a:avLst/>
+          </a:prstGeom>
+        </p:spPr>
+      </p:pic>
     </p:spTree>
     <p:extLst>
       <p:ext uri="{BB962C8B-B14F-4D97-AF65-F5344CB8AC3E}">
